--- a/presentation/CapstonProject.pptx
+++ b/presentation/CapstonProject.pptx
@@ -8,10 +8,14 @@
     <p:sldId id="256" r:id="rId2"/>
     <p:sldId id="257" r:id="rId3"/>
     <p:sldId id="258" r:id="rId4"/>
-    <p:sldId id="259" r:id="rId5"/>
-    <p:sldId id="260" r:id="rId6"/>
+    <p:sldId id="263" r:id="rId5"/>
+    <p:sldId id="259" r:id="rId6"/>
     <p:sldId id="261" r:id="rId7"/>
     <p:sldId id="262" r:id="rId8"/>
+    <p:sldId id="264" r:id="rId9"/>
+    <p:sldId id="265" r:id="rId10"/>
+    <p:sldId id="266" r:id="rId11"/>
+    <p:sldId id="267" r:id="rId12"/>
   </p:sldIdLst>
   <p:sldSz cx="12192000" cy="6858000"/>
   <p:notesSz cx="6858000" cy="9144000"/>
@@ -110,6 +114,11 @@
       </a:defRPr>
     </a:lvl9pPr>
   </p:defaultTextStyle>
+  <p:extLst>
+    <p:ext uri="{EFAFB233-063F-42B5-8137-9DF3F51BA10A}">
+      <p15:sldGuideLst xmlns:p15="http://schemas.microsoft.com/office/powerpoint/2012/main"/>
+    </p:ext>
+  </p:extLst>
 </p:presentation>
 </file>
 
@@ -262,7 +271,7 @@
           <a:p>
             <a:fld id="{DDBFD437-33C7-4B24-B6C7-F91A3EACF5E2}" type="datetimeFigureOut">
               <a:rPr lang="en-GB" smtClean="0"/>
-              <a:t>29/12/2025</a:t>
+              <a:t>30/12/2025</a:t>
             </a:fld>
             <a:endParaRPr lang="en-GB"/>
           </a:p>
@@ -462,7 +471,7 @@
           <a:p>
             <a:fld id="{DDBFD437-33C7-4B24-B6C7-F91A3EACF5E2}" type="datetimeFigureOut">
               <a:rPr lang="en-GB" smtClean="0"/>
-              <a:t>29/12/2025</a:t>
+              <a:t>30/12/2025</a:t>
             </a:fld>
             <a:endParaRPr lang="en-GB"/>
           </a:p>
@@ -672,7 +681,7 @@
           <a:p>
             <a:fld id="{DDBFD437-33C7-4B24-B6C7-F91A3EACF5E2}" type="datetimeFigureOut">
               <a:rPr lang="en-GB" smtClean="0"/>
-              <a:t>29/12/2025</a:t>
+              <a:t>30/12/2025</a:t>
             </a:fld>
             <a:endParaRPr lang="en-GB"/>
           </a:p>
@@ -872,7 +881,7 @@
           <a:p>
             <a:fld id="{DDBFD437-33C7-4B24-B6C7-F91A3EACF5E2}" type="datetimeFigureOut">
               <a:rPr lang="en-GB" smtClean="0"/>
-              <a:t>29/12/2025</a:t>
+              <a:t>30/12/2025</a:t>
             </a:fld>
             <a:endParaRPr lang="en-GB"/>
           </a:p>
@@ -1148,7 +1157,7 @@
           <a:p>
             <a:fld id="{DDBFD437-33C7-4B24-B6C7-F91A3EACF5E2}" type="datetimeFigureOut">
               <a:rPr lang="en-GB" smtClean="0"/>
-              <a:t>29/12/2025</a:t>
+              <a:t>30/12/2025</a:t>
             </a:fld>
             <a:endParaRPr lang="en-GB"/>
           </a:p>
@@ -1416,7 +1425,7 @@
           <a:p>
             <a:fld id="{DDBFD437-33C7-4B24-B6C7-F91A3EACF5E2}" type="datetimeFigureOut">
               <a:rPr lang="en-GB" smtClean="0"/>
-              <a:t>29/12/2025</a:t>
+              <a:t>30/12/2025</a:t>
             </a:fld>
             <a:endParaRPr lang="en-GB"/>
           </a:p>
@@ -1831,7 +1840,7 @@
           <a:p>
             <a:fld id="{DDBFD437-33C7-4B24-B6C7-F91A3EACF5E2}" type="datetimeFigureOut">
               <a:rPr lang="en-GB" smtClean="0"/>
-              <a:t>29/12/2025</a:t>
+              <a:t>30/12/2025</a:t>
             </a:fld>
             <a:endParaRPr lang="en-GB"/>
           </a:p>
@@ -1973,7 +1982,7 @@
           <a:p>
             <a:fld id="{DDBFD437-33C7-4B24-B6C7-F91A3EACF5E2}" type="datetimeFigureOut">
               <a:rPr lang="en-GB" smtClean="0"/>
-              <a:t>29/12/2025</a:t>
+              <a:t>30/12/2025</a:t>
             </a:fld>
             <a:endParaRPr lang="en-GB"/>
           </a:p>
@@ -2086,7 +2095,7 @@
           <a:p>
             <a:fld id="{DDBFD437-33C7-4B24-B6C7-F91A3EACF5E2}" type="datetimeFigureOut">
               <a:rPr lang="en-GB" smtClean="0"/>
-              <a:t>29/12/2025</a:t>
+              <a:t>30/12/2025</a:t>
             </a:fld>
             <a:endParaRPr lang="en-GB"/>
           </a:p>
@@ -2399,7 +2408,7 @@
           <a:p>
             <a:fld id="{DDBFD437-33C7-4B24-B6C7-F91A3EACF5E2}" type="datetimeFigureOut">
               <a:rPr lang="en-GB" smtClean="0"/>
-              <a:t>29/12/2025</a:t>
+              <a:t>30/12/2025</a:t>
             </a:fld>
             <a:endParaRPr lang="en-GB"/>
           </a:p>
@@ -2688,7 +2697,7 @@
           <a:p>
             <a:fld id="{DDBFD437-33C7-4B24-B6C7-F91A3EACF5E2}" type="datetimeFigureOut">
               <a:rPr lang="en-GB" smtClean="0"/>
-              <a:t>29/12/2025</a:t>
+              <a:t>30/12/2025</a:t>
             </a:fld>
             <a:endParaRPr lang="en-GB"/>
           </a:p>
@@ -2931,7 +2940,7 @@
           <a:p>
             <a:fld id="{DDBFD437-33C7-4B24-B6C7-F91A3EACF5E2}" type="datetimeFigureOut">
               <a:rPr lang="en-GB" smtClean="0"/>
-              <a:t>29/12/2025</a:t>
+              <a:t>30/12/2025</a:t>
             </a:fld>
             <a:endParaRPr lang="en-GB"/>
           </a:p>
@@ -3370,13 +3379,10 @@
           <a:lstStyle/>
           <a:p>
             <a:r>
-              <a:rPr lang="en-GB" dirty="0" err="1"/>
-              <a:t>Capston</a:t>
-            </a:r>
-            <a:r>
-              <a:rPr lang="en-GB" dirty="0"/>
-              <a:t> Project: </a:t>
-            </a:r>
+              <a:rPr lang="en-GB"/>
+              <a:t>Forecasting Daily Electricity Generation in Spain </a:t>
+            </a:r>
+            <a:endParaRPr lang="en-GB" dirty="0"/>
           </a:p>
         </p:txBody>
       </p:sp>
@@ -3405,14 +3411,19 @@
           <a:p>
             <a:r>
               <a:rPr lang="en-GB"/>
-              <a:t>Spanish Forecast</a:t>
-            </a:r>
-            <a:endParaRPr lang="en-GB" dirty="0"/>
-          </a:p>
-          <a:p>
-            <a:r>
-              <a:rPr lang="en-GB" dirty="0"/>
+              <a:t>Capstone Forecasting Project</a:t>
+            </a:r>
+          </a:p>
+          <a:p>
+            <a:r>
+              <a:rPr lang="en-GB"/>
               <a:t>Time Series Analysis</a:t>
+            </a:r>
+          </a:p>
+          <a:p>
+            <a:r>
+              <a:rPr lang="en-GB"/>
+              <a:t>Team: Spanish Forecasters </a:t>
             </a:r>
           </a:p>
           <a:p>
@@ -3424,6 +3435,281 @@
     <p:extLst>
       <p:ext uri="{BB962C8B-B14F-4D97-AF65-F5344CB8AC3E}">
         <p14:creationId xmlns:p14="http://schemas.microsoft.com/office/powerpoint/2010/main" val="178177743"/>
+      </p:ext>
+    </p:extLst>
+  </p:cSld>
+  <p:clrMapOvr>
+    <a:masterClrMapping/>
+  </p:clrMapOvr>
+</p:sld>
+</file>
+
+<file path=ppt/slides/slide10.xml><?xml version="1.0" encoding="utf-8"?>
+<p:sld xmlns:a="http://schemas.openxmlformats.org/drawingml/2006/main" xmlns:r="http://schemas.openxmlformats.org/officeDocument/2006/relationships" xmlns:p="http://schemas.openxmlformats.org/presentationml/2006/main">
+  <p:cSld>
+    <p:spTree>
+      <p:nvGrpSpPr>
+        <p:cNvPr id="1" name=""/>
+        <p:cNvGrpSpPr/>
+        <p:nvPr/>
+      </p:nvGrpSpPr>
+      <p:grpSpPr>
+        <a:xfrm>
+          <a:off x="0" y="0"/>
+          <a:ext cx="0" cy="0"/>
+          <a:chOff x="0" y="0"/>
+          <a:chExt cx="0" cy="0"/>
+        </a:xfrm>
+      </p:grpSpPr>
+      <p:sp>
+        <p:nvSpPr>
+          <p:cNvPr id="2" name="Título 1">
+            <a:extLst>
+              <a:ext uri="{FF2B5EF4-FFF2-40B4-BE49-F238E27FC236}">
+                <a16:creationId xmlns:a16="http://schemas.microsoft.com/office/drawing/2014/main" id="{3FEA39E2-F78C-1BA0-D34B-1BFB19A4D4A9}"/>
+              </a:ext>
+            </a:extLst>
+          </p:cNvPr>
+          <p:cNvSpPr>
+            <a:spLocks noGrp="1"/>
+          </p:cNvSpPr>
+          <p:nvPr>
+            <p:ph type="title"/>
+          </p:nvPr>
+        </p:nvSpPr>
+        <p:spPr/>
+        <p:txBody>
+          <a:bodyPr/>
+          <a:lstStyle/>
+          <a:p>
+            <a:r>
+              <a:rPr lang="en-GB" b="1" dirty="0"/>
+              <a:t>Results &amp; Forecast</a:t>
+            </a:r>
+          </a:p>
+        </p:txBody>
+      </p:sp>
+      <p:sp>
+        <p:nvSpPr>
+          <p:cNvPr id="3" name="Marcador de contenido 2">
+            <a:extLst>
+              <a:ext uri="{FF2B5EF4-FFF2-40B4-BE49-F238E27FC236}">
+                <a16:creationId xmlns:a16="http://schemas.microsoft.com/office/drawing/2014/main" id="{51BEF5E2-BEF8-4AC4-F1B8-B88BDEA14B9B}"/>
+              </a:ext>
+            </a:extLst>
+          </p:cNvPr>
+          <p:cNvSpPr>
+            <a:spLocks noGrp="1"/>
+          </p:cNvSpPr>
+          <p:nvPr>
+            <p:ph sz="half" idx="1"/>
+          </p:nvPr>
+        </p:nvSpPr>
+        <p:spPr/>
+        <p:txBody>
+          <a:bodyPr/>
+          <a:lstStyle/>
+          <a:p>
+            <a:pPr marL="0" indent="0">
+              <a:buNone/>
+            </a:pPr>
+            <a:r>
+              <a:rPr lang="en-GB" b="1" dirty="0"/>
+              <a:t>January 2026 Forecast</a:t>
+            </a:r>
+          </a:p>
+          <a:p>
+            <a:r>
+              <a:rPr lang="en-GB" dirty="0"/>
+              <a:t>Best overall model selected across technologies </a:t>
+            </a:r>
+          </a:p>
+          <a:p>
+            <a:r>
+              <a:rPr lang="en-GB" dirty="0"/>
+              <a:t>Daily forecast for Jan 2026</a:t>
+            </a:r>
+          </a:p>
+          <a:p>
+            <a:r>
+              <a:rPr lang="en-GB" dirty="0"/>
+              <a:t>Outputs: </a:t>
+            </a:r>
+          </a:p>
+          <a:p>
+            <a:pPr lvl="1"/>
+            <a:r>
+              <a:rPr lang="en-GB" dirty="0"/>
+              <a:t>CSV (and Parquet if available)</a:t>
+            </a:r>
+          </a:p>
+        </p:txBody>
+      </p:sp>
+      <p:sp>
+        <p:nvSpPr>
+          <p:cNvPr id="4" name="Marcador de contenido 3">
+            <a:extLst>
+              <a:ext uri="{FF2B5EF4-FFF2-40B4-BE49-F238E27FC236}">
+                <a16:creationId xmlns:a16="http://schemas.microsoft.com/office/drawing/2014/main" id="{B76FBDE1-4D02-C29F-AF06-FAEC019CB013}"/>
+              </a:ext>
+            </a:extLst>
+          </p:cNvPr>
+          <p:cNvSpPr>
+            <a:spLocks noGrp="1"/>
+          </p:cNvSpPr>
+          <p:nvPr>
+            <p:ph sz="half" idx="2"/>
+          </p:nvPr>
+        </p:nvSpPr>
+        <p:spPr/>
+        <p:txBody>
+          <a:bodyPr/>
+          <a:lstStyle/>
+          <a:p>
+            <a:pPr marL="0" indent="0">
+              <a:buNone/>
+            </a:pPr>
+            <a:r>
+              <a:rPr lang="en-GB" b="1" dirty="0"/>
+              <a:t>Uncertainty</a:t>
+            </a:r>
+          </a:p>
+          <a:p>
+            <a:r>
+              <a:rPr lang="en-GB" dirty="0"/>
+              <a:t>Empirical prediction intervals </a:t>
+            </a:r>
+          </a:p>
+          <a:p>
+            <a:r>
+              <a:rPr lang="en-GB" dirty="0"/>
+              <a:t>Based on validation residual quantiles (95%)</a:t>
+            </a:r>
+          </a:p>
+        </p:txBody>
+      </p:sp>
+    </p:spTree>
+    <p:extLst>
+      <p:ext uri="{BB962C8B-B14F-4D97-AF65-F5344CB8AC3E}">
+        <p14:creationId xmlns:p14="http://schemas.microsoft.com/office/powerpoint/2010/main" val="3689835045"/>
+      </p:ext>
+    </p:extLst>
+  </p:cSld>
+  <p:clrMapOvr>
+    <a:masterClrMapping/>
+  </p:clrMapOvr>
+</p:sld>
+</file>
+
+<file path=ppt/slides/slide11.xml><?xml version="1.0" encoding="utf-8"?>
+<p:sld xmlns:a="http://schemas.openxmlformats.org/drawingml/2006/main" xmlns:r="http://schemas.openxmlformats.org/officeDocument/2006/relationships" xmlns:p="http://schemas.openxmlformats.org/presentationml/2006/main">
+  <p:cSld>
+    <p:spTree>
+      <p:nvGrpSpPr>
+        <p:cNvPr id="1" name=""/>
+        <p:cNvGrpSpPr/>
+        <p:nvPr/>
+      </p:nvGrpSpPr>
+      <p:grpSpPr>
+        <a:xfrm>
+          <a:off x="0" y="0"/>
+          <a:ext cx="0" cy="0"/>
+          <a:chOff x="0" y="0"/>
+          <a:chExt cx="0" cy="0"/>
+        </a:xfrm>
+      </p:grpSpPr>
+      <p:sp>
+        <p:nvSpPr>
+          <p:cNvPr id="2" name="Título 1">
+            <a:extLst>
+              <a:ext uri="{FF2B5EF4-FFF2-40B4-BE49-F238E27FC236}">
+                <a16:creationId xmlns:a16="http://schemas.microsoft.com/office/drawing/2014/main" id="{8D2D2313-E4F2-A92B-B35C-5855715907C9}"/>
+              </a:ext>
+            </a:extLst>
+          </p:cNvPr>
+          <p:cNvSpPr>
+            <a:spLocks noGrp="1"/>
+          </p:cNvSpPr>
+          <p:nvPr>
+            <p:ph type="title"/>
+          </p:nvPr>
+        </p:nvSpPr>
+        <p:spPr/>
+        <p:txBody>
+          <a:bodyPr/>
+          <a:lstStyle/>
+          <a:p>
+            <a:r>
+              <a:rPr lang="en-GB" b="1" dirty="0"/>
+              <a:t>Value &amp; Conclusion</a:t>
+            </a:r>
+          </a:p>
+        </p:txBody>
+      </p:sp>
+      <p:sp>
+        <p:nvSpPr>
+          <p:cNvPr id="3" name="Marcador de contenido 2">
+            <a:extLst>
+              <a:ext uri="{FF2B5EF4-FFF2-40B4-BE49-F238E27FC236}">
+                <a16:creationId xmlns:a16="http://schemas.microsoft.com/office/drawing/2014/main" id="{C62105F7-D478-7E13-EDE7-CCB821749367}"/>
+              </a:ext>
+            </a:extLst>
+          </p:cNvPr>
+          <p:cNvSpPr>
+            <a:spLocks noGrp="1"/>
+          </p:cNvSpPr>
+          <p:nvPr>
+            <p:ph idx="1"/>
+          </p:nvPr>
+        </p:nvSpPr>
+        <p:spPr/>
+        <p:txBody>
+          <a:bodyPr/>
+          <a:lstStyle/>
+          <a:p>
+            <a:r>
+              <a:rPr lang="en-GB" b="1" dirty="0"/>
+              <a:t>Value Generated:</a:t>
+            </a:r>
+            <a:r>
+              <a:rPr lang="en-GB" dirty="0"/>
+              <a:t> </a:t>
+            </a:r>
+          </a:p>
+          <a:p>
+            <a:pPr lvl="1"/>
+            <a:r>
+              <a:rPr lang="en-GB" dirty="0"/>
+              <a:t>Better planning of energy balance and reserves</a:t>
+            </a:r>
+          </a:p>
+          <a:p>
+            <a:pPr lvl="1"/>
+            <a:r>
+              <a:rPr lang="en-GB" dirty="0"/>
+              <a:t>Improved risk-aware decision-making</a:t>
+            </a:r>
+          </a:p>
+          <a:p>
+            <a:pPr lvl="1"/>
+            <a:r>
+              <a:rPr lang="en-GB" dirty="0"/>
+              <a:t>Useful even with uncertainty</a:t>
+            </a:r>
+          </a:p>
+          <a:p>
+            <a:r>
+              <a:rPr lang="en-GB" b="1" dirty="0"/>
+              <a:t>Conclusion:</a:t>
+            </a:r>
+            <a:endParaRPr lang="en-GB" dirty="0"/>
+          </a:p>
+        </p:txBody>
+      </p:sp>
+    </p:spTree>
+    <p:extLst>
+      <p:ext uri="{BB962C8B-B14F-4D97-AF65-F5344CB8AC3E}">
+        <p14:creationId xmlns:p14="http://schemas.microsoft.com/office/powerpoint/2010/main" val="1824216392"/>
       </p:ext>
     </p:extLst>
   </p:cSld>
@@ -3473,7 +3759,7 @@
           <a:p>
             <a:r>
               <a:rPr lang="en-GB" dirty="0"/>
-              <a:t>Team</a:t>
+              <a:t>Team &amp; Contributions. REVISAR LO DE CADA UNO </a:t>
             </a:r>
           </a:p>
         </p:txBody>
@@ -3700,9 +3986,12 @@
           <a:bodyPr/>
           <a:lstStyle/>
           <a:p>
-            <a:r>
-              <a:rPr lang="en-GB" dirty="0"/>
-              <a:t>Plot from code prediction </a:t>
+            <a:pPr marL="0" indent="0">
+              <a:buNone/>
+            </a:pPr>
+            <a:r>
+              <a:rPr lang="en-GB" dirty="0"/>
+              <a:t> </a:t>
             </a:r>
           </a:p>
         </p:txBody>
@@ -3739,11 +4028,11 @@
             </a:pPr>
             <a:r>
               <a:rPr lang="en-GB" b="1" dirty="0"/>
-              <a:t>Goal: </a:t>
-            </a:r>
-            <a:r>
-              <a:rPr lang="en-GB" dirty="0"/>
-              <a:t>Forecast daily electricity generation for Spain by production technology (top technologies) for January 2026</a:t>
+              <a:t>Problem: </a:t>
+            </a:r>
+            <a:r>
+              <a:rPr lang="en-GB" dirty="0"/>
+              <a:t>Electricity generation varies due to the weather, demand or seasonality. This creates uncertainty for system planning.</a:t>
             </a:r>
           </a:p>
           <a:p>
@@ -3753,55 +4042,59 @@
             </a:pPr>
             <a:r>
               <a:rPr lang="en-GB" b="1" dirty="0"/>
-              <a:t>Why it matters: </a:t>
-            </a:r>
-            <a:r>
-              <a:rPr lang="en-GB" dirty="0"/>
-              <a:t>If we can predict generation more accurately, we can improve planning and reduce risk. Forecast help:</a:t>
-            </a:r>
-          </a:p>
-          <a:p>
-            <a:pPr marL="742950" lvl="1" indent="-285750">
+              <a:t>Goal: </a:t>
+            </a:r>
+            <a:r>
+              <a:rPr lang="en-GB" dirty="0"/>
+              <a:t>Forecast daily electricity generation for Spain by production technology for January 2026. CAMBIAR</a:t>
+            </a:r>
+          </a:p>
+          <a:p>
+            <a:pPr marL="285750" indent="-285750">
               <a:buFont typeface="Arial" panose="020B0604020202020204" pitchFamily="34" charset="0"/>
               <a:buChar char="•"/>
             </a:pPr>
-            <a:r>
-              <a:rPr lang="en-GB" dirty="0"/>
-              <a:t>Operational planning (balancing supply)</a:t>
-            </a:r>
-          </a:p>
-          <a:p>
-            <a:pPr marL="742950" lvl="1" indent="-285750">
+            <a:endParaRPr lang="en-GB" dirty="0"/>
+          </a:p>
+          <a:p>
+            <a:pPr marL="285750" indent="-285750">
               <a:buFont typeface="Arial" panose="020B0604020202020204" pitchFamily="34" charset="0"/>
               <a:buChar char="•"/>
             </a:pPr>
-            <a:r>
-              <a:rPr lang="en-GB" dirty="0"/>
-              <a:t>Resource scheduling </a:t>
-            </a:r>
-          </a:p>
-          <a:p>
-            <a:pPr marL="742950" lvl="1" indent="-285750">
-              <a:buFont typeface="Arial" panose="020B0604020202020204" pitchFamily="34" charset="0"/>
-              <a:buChar char="•"/>
-            </a:pPr>
-            <a:r>
-              <a:rPr lang="en-GB" dirty="0"/>
-              <a:t>Market decisions and risk management</a:t>
-            </a:r>
-          </a:p>
-          <a:p>
-            <a:pPr marL="742950" lvl="1" indent="-285750">
-              <a:buFont typeface="Arial" panose="020B0604020202020204" pitchFamily="34" charset="0"/>
-              <a:buChar char="•"/>
-            </a:pPr>
-            <a:r>
-              <a:rPr lang="en-GB" dirty="0"/>
-              <a:t>And better preparation when uncertainty is high</a:t>
-            </a:r>
-          </a:p>
-        </p:txBody>
-      </p:sp>
+            <a:endParaRPr lang="en-GB" dirty="0"/>
+          </a:p>
+        </p:txBody>
+      </p:sp>
+      <p:pic>
+        <p:nvPicPr>
+          <p:cNvPr id="6" name="Imagen 5" descr="Gráfico&#10;&#10;El contenido generado por IA puede ser incorrecto.">
+            <a:extLst>
+              <a:ext uri="{FF2B5EF4-FFF2-40B4-BE49-F238E27FC236}">
+                <a16:creationId xmlns:a16="http://schemas.microsoft.com/office/drawing/2014/main" id="{0ABE41F3-A217-D9FB-3780-61E5B5AD2736}"/>
+              </a:ext>
+            </a:extLst>
+          </p:cNvPr>
+          <p:cNvPicPr>
+            <a:picLocks noChangeAspect="1"/>
+          </p:cNvPicPr>
+          <p:nvPr/>
+        </p:nvPicPr>
+        <p:blipFill>
+          <a:blip r:embed="rId2"/>
+          <a:stretch>
+            <a:fillRect/>
+          </a:stretch>
+        </p:blipFill>
+        <p:spPr>
+          <a:xfrm>
+            <a:off x="4772025" y="1363580"/>
+            <a:ext cx="6756744" cy="3352800"/>
+          </a:xfrm>
+          <a:prstGeom prst="rect">
+            <a:avLst/>
+          </a:prstGeom>
+        </p:spPr>
+      </p:pic>
     </p:spTree>
     <p:extLst>
       <p:ext uri="{BB962C8B-B14F-4D97-AF65-F5344CB8AC3E}">
@@ -3837,7 +4130,7 @@
           <p:cNvPr id="2" name="Título 1">
             <a:extLst>
               <a:ext uri="{FF2B5EF4-FFF2-40B4-BE49-F238E27FC236}">
-                <a16:creationId xmlns:a16="http://schemas.microsoft.com/office/drawing/2014/main" id="{42A9E8B0-5780-1E83-BEA3-DA915D48DCB9}"/>
+                <a16:creationId xmlns:a16="http://schemas.microsoft.com/office/drawing/2014/main" id="{BF770FDD-F60D-CD86-6B5D-42D104681284}"/>
               </a:ext>
             </a:extLst>
           </p:cNvPr>
@@ -3855,7 +4148,7 @@
           <a:p>
             <a:r>
               <a:rPr lang="en-GB" b="1" dirty="0"/>
-              <a:t>Solution Overview (CRISP-DM style)</a:t>
+              <a:t>Why Forecasting Matters?</a:t>
             </a:r>
           </a:p>
         </p:txBody>
@@ -3865,7 +4158,7 @@
           <p:cNvPr id="3" name="Marcador de contenido 2">
             <a:extLst>
               <a:ext uri="{FF2B5EF4-FFF2-40B4-BE49-F238E27FC236}">
-                <a16:creationId xmlns:a16="http://schemas.microsoft.com/office/drawing/2014/main" id="{7894CECC-7894-ECB1-EB7F-3348F971579B}"/>
+                <a16:creationId xmlns:a16="http://schemas.microsoft.com/office/drawing/2014/main" id="{DB0D5D11-1F12-A2BB-0779-DA3F2FC7F378}"/>
               </a:ext>
             </a:extLst>
           </p:cNvPr>
@@ -3878,49 +4171,43 @@
         </p:nvSpPr>
         <p:spPr/>
         <p:txBody>
-          <a:bodyPr>
-            <a:normAutofit fontScale="92500" lnSpcReduction="10000"/>
-          </a:bodyPr>
-          <a:lstStyle/>
-          <a:p>
-            <a:pPr marL="514350" indent="-514350">
-              <a:buAutoNum type="arabicPeriod"/>
+          <a:bodyPr/>
+          <a:lstStyle/>
+          <a:p>
+            <a:r>
+              <a:rPr lang="en-GB" dirty="0"/>
+              <a:t>Accurate forecast support:</a:t>
+            </a:r>
+          </a:p>
+          <a:p>
+            <a:pPr lvl="1"/>
+            <a:r>
+              <a:rPr lang="en-GB" dirty="0"/>
+              <a:t>Operational planning and balancing </a:t>
+            </a:r>
+          </a:p>
+          <a:p>
+            <a:pPr lvl="1"/>
+            <a:r>
+              <a:rPr lang="en-GB" dirty="0"/>
+              <a:t>Resource scheduling</a:t>
+            </a:r>
+          </a:p>
+          <a:p>
+            <a:pPr lvl="1"/>
+            <a:r>
+              <a:rPr lang="en-GB" dirty="0"/>
+              <a:t>Markt decisions and risk management</a:t>
+            </a:r>
+          </a:p>
+          <a:p>
+            <a:pPr marL="457200" lvl="1" indent="0">
+              <a:buNone/>
             </a:pPr>
             <a:r>
-              <a:rPr lang="en-GB" b="1" dirty="0"/>
-              <a:t>Business understanding: </a:t>
-            </a:r>
-            <a:r>
-              <a:rPr lang="en-GB" dirty="0"/>
-              <a:t>define the forecasting goal and the value.</a:t>
-            </a:r>
-          </a:p>
-          <a:p>
-            <a:pPr marL="514350" indent="-514350">
-              <a:buAutoNum type="arabicPeriod"/>
-            </a:pPr>
-            <a:r>
-              <a:rPr lang="en-GB" b="1" dirty="0"/>
-              <a:t>Data understanding: </a:t>
-            </a:r>
-            <a:r>
-              <a:rPr lang="en-GB" dirty="0"/>
-              <a:t>inspect the dataset, frequency, trends, seasonality, missing values.</a:t>
-            </a:r>
-          </a:p>
-          <a:p>
-            <a:pPr marL="514350" indent="-514350">
-              <a:buAutoNum type="arabicPeriod"/>
-            </a:pPr>
-            <a:r>
-              <a:rPr lang="en-GB" b="1" dirty="0"/>
-              <a:t>Data preparation: </a:t>
-            </a:r>
-            <a:r>
-              <a:rPr lang="en-GB" dirty="0"/>
-              <a:t>clean, reshape, and build a final time series dataset. </a:t>
-            </a:r>
-            <a:endParaRPr lang="en-GB" b="1" dirty="0"/>
+              <a:rPr lang="en-GB" dirty="0"/>
+              <a:t> </a:t>
+            </a:r>
           </a:p>
         </p:txBody>
       </p:sp>
@@ -3929,7 +4216,7 @@
           <p:cNvPr id="4" name="Marcador de contenido 3">
             <a:extLst>
               <a:ext uri="{FF2B5EF4-FFF2-40B4-BE49-F238E27FC236}">
-                <a16:creationId xmlns:a16="http://schemas.microsoft.com/office/drawing/2014/main" id="{36039BA5-2B95-6EF8-D781-F966AF02BADC}"/>
+                <a16:creationId xmlns:a16="http://schemas.microsoft.com/office/drawing/2014/main" id="{3AD3EC20-713B-F674-A0B0-6E0154253C25}"/>
               </a:ext>
             </a:extLst>
           </p:cNvPr>
@@ -3942,69 +4229,41 @@
         </p:nvSpPr>
         <p:spPr/>
         <p:txBody>
-          <a:bodyPr>
-            <a:normAutofit fontScale="92500" lnSpcReduction="10000"/>
-          </a:bodyPr>
-          <a:lstStyle/>
-          <a:p>
-            <a:pPr marL="0" indent="0">
-              <a:buNone/>
-            </a:pPr>
-            <a:r>
-              <a:rPr lang="en-GB" b="1" dirty="0"/>
-              <a:t>4. Feature engineering: </a:t>
-            </a:r>
-            <a:r>
-              <a:rPr lang="en-GB" dirty="0"/>
-              <a:t>create lag features, calendar features…</a:t>
-            </a:r>
-          </a:p>
-          <a:p>
-            <a:pPr marL="0" indent="0">
-              <a:buNone/>
-            </a:pPr>
-            <a:r>
-              <a:rPr lang="en-GB" b="1" dirty="0"/>
-              <a:t>5. Modelling: </a:t>
-            </a:r>
-            <a:r>
-              <a:rPr lang="en-GB" dirty="0"/>
-              <a:t>train model families used in class (baselines, statistical, ML, neural)</a:t>
-            </a:r>
-          </a:p>
-          <a:p>
-            <a:pPr marL="0" indent="0">
-              <a:buNone/>
-            </a:pPr>
-            <a:r>
-              <a:rPr lang="en-GB" b="1" dirty="0"/>
-              <a:t>6. Evaluation: </a:t>
-            </a:r>
-            <a:r>
-              <a:rPr lang="en-GB" dirty="0"/>
-              <a:t>time-based validation/test split, metrics and plots. </a:t>
-            </a:r>
-          </a:p>
-          <a:p>
-            <a:pPr marL="0" indent="0">
-              <a:buNone/>
-            </a:pPr>
-            <a:r>
-              <a:rPr lang="en-GB" b="1" dirty="0"/>
-              <a:t>7. Deployment output: </a:t>
-            </a:r>
-            <a:r>
-              <a:rPr lang="en-GB" dirty="0"/>
-              <a:t>forecast January 2026, export predictions, save metrics for reporting. </a:t>
-            </a:r>
-            <a:endParaRPr lang="en-GB" b="1" dirty="0"/>
+          <a:bodyPr/>
+          <a:lstStyle/>
+          <a:p>
+            <a:r>
+              <a:rPr lang="en-GB" dirty="0"/>
+              <a:t>Without forecast:</a:t>
+            </a:r>
+          </a:p>
+          <a:p>
+            <a:pPr lvl="1"/>
+            <a:r>
+              <a:rPr lang="en-GB" dirty="0"/>
+              <a:t>Reactive decisions </a:t>
+            </a:r>
+          </a:p>
+          <a:p>
+            <a:pPr lvl="1"/>
+            <a:r>
+              <a:rPr lang="en-GB" dirty="0"/>
+              <a:t>Higher operational risk </a:t>
+            </a:r>
+          </a:p>
+          <a:p>
+            <a:pPr lvl="1"/>
+            <a:r>
+              <a:rPr lang="en-GB" dirty="0"/>
+              <a:t>Potential extra costs </a:t>
+            </a:r>
           </a:p>
         </p:txBody>
       </p:sp>
     </p:spTree>
     <p:extLst>
       <p:ext uri="{BB962C8B-B14F-4D97-AF65-F5344CB8AC3E}">
-        <p14:creationId xmlns:p14="http://schemas.microsoft.com/office/powerpoint/2010/main" val="1507118366"/>
+        <p14:creationId xmlns:p14="http://schemas.microsoft.com/office/powerpoint/2010/main" val="41098194"/>
       </p:ext>
     </p:extLst>
   </p:cSld>
@@ -4036,7 +4295,7 @@
           <p:cNvPr id="2" name="Título 1">
             <a:extLst>
               <a:ext uri="{FF2B5EF4-FFF2-40B4-BE49-F238E27FC236}">
-                <a16:creationId xmlns:a16="http://schemas.microsoft.com/office/drawing/2014/main" id="{B2CCA1F6-B7F6-4AA7-94BB-14C33D029142}"/>
+                <a16:creationId xmlns:a16="http://schemas.microsoft.com/office/drawing/2014/main" id="{42A9E8B0-5780-1E83-BEA3-DA915D48DCB9}"/>
               </a:ext>
             </a:extLst>
           </p:cNvPr>
@@ -4053,16 +4312,157 @@
           <a:lstStyle/>
           <a:p>
             <a:r>
-              <a:rPr lang="en-GB" dirty="0"/>
-              <a:t>Outputs</a:t>
-            </a:r>
+              <a:rPr lang="en-GB" b="1" dirty="0"/>
+              <a:t>Solution Overview (CRISP-DM style). REISAR</a:t>
+            </a:r>
+          </a:p>
+        </p:txBody>
+      </p:sp>
+      <p:sp>
+        <p:nvSpPr>
+          <p:cNvPr id="3" name="Marcador de contenido 2">
+            <a:extLst>
+              <a:ext uri="{FF2B5EF4-FFF2-40B4-BE49-F238E27FC236}">
+                <a16:creationId xmlns:a16="http://schemas.microsoft.com/office/drawing/2014/main" id="{7894CECC-7894-ECB1-EB7F-3348F971579B}"/>
+              </a:ext>
+            </a:extLst>
+          </p:cNvPr>
+          <p:cNvSpPr>
+            <a:spLocks noGrp="1"/>
+          </p:cNvSpPr>
+          <p:nvPr>
+            <p:ph sz="half" idx="1"/>
+          </p:nvPr>
+        </p:nvSpPr>
+        <p:spPr/>
+        <p:txBody>
+          <a:bodyPr>
+            <a:normAutofit fontScale="92500" lnSpcReduction="10000"/>
+          </a:bodyPr>
+          <a:lstStyle/>
+          <a:p>
+            <a:pPr marL="514350" indent="-514350">
+              <a:buAutoNum type="arabicPeriod"/>
+            </a:pPr>
+            <a:r>
+              <a:rPr lang="en-GB" b="1" dirty="0"/>
+              <a:t>Business understanding: </a:t>
+            </a:r>
+            <a:r>
+              <a:rPr lang="en-GB" dirty="0"/>
+              <a:t>define the forecasting goal and the value.</a:t>
+            </a:r>
+          </a:p>
+          <a:p>
+            <a:pPr marL="514350" indent="-514350">
+              <a:buAutoNum type="arabicPeriod"/>
+            </a:pPr>
+            <a:r>
+              <a:rPr lang="en-GB" b="1" dirty="0"/>
+              <a:t>Data understanding: </a:t>
+            </a:r>
+            <a:r>
+              <a:rPr lang="en-GB" dirty="0"/>
+              <a:t>inspect the dataset, frequency, trends, seasonality, missing values.</a:t>
+            </a:r>
+          </a:p>
+          <a:p>
+            <a:pPr marL="514350" indent="-514350">
+              <a:buAutoNum type="arabicPeriod"/>
+            </a:pPr>
+            <a:r>
+              <a:rPr lang="en-GB" b="1" dirty="0"/>
+              <a:t>Data preparation: </a:t>
+            </a:r>
+            <a:r>
+              <a:rPr lang="en-GB" dirty="0"/>
+              <a:t>clean, reshape, and build a final time series dataset. </a:t>
+            </a:r>
+            <a:endParaRPr lang="en-GB" b="1" dirty="0"/>
+          </a:p>
+        </p:txBody>
+      </p:sp>
+      <p:sp>
+        <p:nvSpPr>
+          <p:cNvPr id="4" name="Marcador de contenido 3">
+            <a:extLst>
+              <a:ext uri="{FF2B5EF4-FFF2-40B4-BE49-F238E27FC236}">
+                <a16:creationId xmlns:a16="http://schemas.microsoft.com/office/drawing/2014/main" id="{36039BA5-2B95-6EF8-D781-F966AF02BADC}"/>
+              </a:ext>
+            </a:extLst>
+          </p:cNvPr>
+          <p:cNvSpPr>
+            <a:spLocks noGrp="1"/>
+          </p:cNvSpPr>
+          <p:nvPr>
+            <p:ph sz="half" idx="2"/>
+          </p:nvPr>
+        </p:nvSpPr>
+        <p:spPr/>
+        <p:txBody>
+          <a:bodyPr>
+            <a:normAutofit fontScale="92500" lnSpcReduction="10000"/>
+          </a:bodyPr>
+          <a:lstStyle/>
+          <a:p>
+            <a:pPr marL="0" indent="0">
+              <a:buNone/>
+            </a:pPr>
+            <a:r>
+              <a:rPr lang="en-GB" b="1" dirty="0"/>
+              <a:t>4. Feature engineering: </a:t>
+            </a:r>
+            <a:r>
+              <a:rPr lang="en-GB" dirty="0"/>
+              <a:t>create lag features, calendar features…</a:t>
+            </a:r>
+          </a:p>
+          <a:p>
+            <a:pPr marL="0" indent="0">
+              <a:buNone/>
+            </a:pPr>
+            <a:r>
+              <a:rPr lang="en-GB" b="1" dirty="0"/>
+              <a:t>5. Modelling: </a:t>
+            </a:r>
+            <a:r>
+              <a:rPr lang="en-GB" dirty="0"/>
+              <a:t>train model families used in class (baselines, statistical, ML, neural)</a:t>
+            </a:r>
+          </a:p>
+          <a:p>
+            <a:pPr marL="0" indent="0">
+              <a:buNone/>
+            </a:pPr>
+            <a:r>
+              <a:rPr lang="en-GB" b="1" dirty="0"/>
+              <a:t>6. Evaluation: </a:t>
+            </a:r>
+            <a:r>
+              <a:rPr lang="en-GB" dirty="0"/>
+              <a:t>time-based validation/test split, metrics and plots. </a:t>
+            </a:r>
+          </a:p>
+          <a:p>
+            <a:pPr marL="0" indent="0">
+              <a:buNone/>
+            </a:pPr>
+            <a:r>
+              <a:rPr lang="en-GB" b="1" dirty="0"/>
+              <a:t>7. Deployment output: </a:t>
+            </a:r>
+            <a:r>
+              <a:rPr lang="en-GB" dirty="0"/>
+              <a:t>forecast January 2026, export predictions, save metrics for reporting. </a:t>
+            </a:r>
+            <a:endParaRPr lang="en-GB" b="1" dirty="0"/>
           </a:p>
         </p:txBody>
       </p:sp>
     </p:spTree>
     <p:extLst>
       <p:ext uri="{BB962C8B-B14F-4D97-AF65-F5344CB8AC3E}">
-        <p14:creationId xmlns:p14="http://schemas.microsoft.com/office/powerpoint/2010/main" val="1997678326"/>
+        <p14:creationId xmlns:p14="http://schemas.microsoft.com/office/powerpoint/2010/main" val="1507118366"/>
       </p:ext>
     </p:extLst>
   </p:cSld>
@@ -4139,18 +4539,22 @@
           <a:lstStyle/>
           <a:p>
             <a:r>
+              <a:rPr lang="en-GB" dirty="0"/>
+              <a:t>Source:</a:t>
+            </a:r>
+            <a:r>
               <a:rPr lang="en-GB" b="1" dirty="0"/>
-              <a:t>Data source: </a:t>
-            </a:r>
-            <a:r>
-              <a:rPr lang="en-GB" dirty="0"/>
-              <a:t>Spanish Electric Net (REE) </a:t>
-            </a:r>
-          </a:p>
-          <a:p>
-            <a:r>
-              <a:rPr lang="en-GB" dirty="0"/>
-              <a:t>Open, public, daily updated </a:t>
+              <a:t> </a:t>
+            </a:r>
+            <a:r>
+              <a:rPr lang="en-GB" dirty="0"/>
+              <a:t>Spanish Electric Network (REE) </a:t>
+            </a:r>
+          </a:p>
+          <a:p>
+            <a:r>
+              <a:rPr lang="en-GB" dirty="0"/>
+              <a:t>Frequency: daily</a:t>
             </a:r>
           </a:p>
           <a:p>
@@ -4237,8 +4641,8 @@
           <a:lstStyle/>
           <a:p>
             <a:r>
-              <a:rPr lang="en-GB" dirty="0"/>
-              <a:t>Data Insight </a:t>
+              <a:rPr lang="en-GB" b="1" dirty="0"/>
+              <a:t>Data Preparation</a:t>
             </a:r>
           </a:p>
         </p:txBody>
@@ -4264,6 +4668,105 @@
           <a:bodyPr/>
           <a:lstStyle/>
           <a:p>
+            <a:pPr marL="0" indent="0">
+              <a:buNone/>
+            </a:pPr>
+            <a:r>
+              <a:rPr lang="en-GB" b="1" dirty="0"/>
+              <a:t>From Raw Data to Panel Dataset </a:t>
+            </a:r>
+          </a:p>
+          <a:p>
+            <a:pPr marL="514350" indent="-514350">
+              <a:buFont typeface="+mj-lt"/>
+              <a:buAutoNum type="arabicPeriod"/>
+            </a:pPr>
+            <a:r>
+              <a:rPr lang="en-GB" dirty="0"/>
+              <a:t>Convert raw data to panel format:</a:t>
+            </a:r>
+          </a:p>
+          <a:p>
+            <a:pPr lvl="1"/>
+            <a:r>
+              <a:rPr lang="en-GB" b="1" dirty="0" err="1"/>
+              <a:t>unique_id</a:t>
+            </a:r>
+            <a:r>
+              <a:rPr lang="en-GB" b="1" dirty="0"/>
+              <a:t>:</a:t>
+            </a:r>
+            <a:r>
+              <a:rPr lang="en-GB" dirty="0"/>
+              <a:t> technology</a:t>
+            </a:r>
+          </a:p>
+          <a:p>
+            <a:pPr lvl="1"/>
+            <a:r>
+              <a:rPr lang="en-GB" b="1" dirty="0"/>
+              <a:t>ds: </a:t>
+            </a:r>
+            <a:r>
+              <a:rPr lang="en-GB" dirty="0"/>
+              <a:t>date</a:t>
+            </a:r>
+          </a:p>
+          <a:p>
+            <a:pPr lvl="1"/>
+            <a:r>
+              <a:rPr lang="en-GB" b="1" dirty="0"/>
+              <a:t>y: </a:t>
+            </a:r>
+            <a:r>
+              <a:rPr lang="en-GB" dirty="0"/>
+              <a:t>daily generation </a:t>
+            </a:r>
+            <a:r>
+              <a:rPr lang="en-GB" b="1" dirty="0"/>
+              <a:t> </a:t>
+            </a:r>
+          </a:p>
+          <a:p>
+            <a:pPr marL="514350" indent="-514350">
+              <a:buFont typeface="+mj-lt"/>
+              <a:buAutoNum type="arabicPeriod"/>
+            </a:pPr>
+            <a:r>
+              <a:rPr lang="en-GB" dirty="0"/>
+              <a:t>Clean dates and numeric values</a:t>
+            </a:r>
+          </a:p>
+          <a:p>
+            <a:pPr marL="514350" indent="-514350">
+              <a:buFont typeface="+mj-lt"/>
+              <a:buAutoNum type="arabicPeriod"/>
+            </a:pPr>
+            <a:r>
+              <a:rPr lang="en-GB" dirty="0"/>
+              <a:t>Ensures complete daily calendar </a:t>
+            </a:r>
+          </a:p>
+          <a:p>
+            <a:pPr marL="514350" indent="-514350">
+              <a:buFont typeface="+mj-lt"/>
+              <a:buAutoNum type="arabicPeriod"/>
+            </a:pPr>
+            <a:r>
+              <a:rPr lang="en-GB" dirty="0"/>
+              <a:t>Validate and handle missing days</a:t>
+            </a:r>
+          </a:p>
+          <a:p>
+            <a:pPr marL="914400" lvl="2" indent="0">
+              <a:buNone/>
+            </a:pPr>
+            <a:endParaRPr lang="en-GB" dirty="0"/>
+          </a:p>
+          <a:p>
+            <a:pPr marL="457200" lvl="1" indent="0">
+              <a:buNone/>
+            </a:pPr>
             <a:endParaRPr lang="en-GB" dirty="0"/>
           </a:p>
         </p:txBody>
@@ -4272,6 +4775,444 @@
     <p:extLst>
       <p:ext uri="{BB962C8B-B14F-4D97-AF65-F5344CB8AC3E}">
         <p14:creationId xmlns:p14="http://schemas.microsoft.com/office/powerpoint/2010/main" val="3946387973"/>
+      </p:ext>
+    </p:extLst>
+  </p:cSld>
+  <p:clrMapOvr>
+    <a:masterClrMapping/>
+  </p:clrMapOvr>
+</p:sld>
+</file>
+
+<file path=ppt/slides/slide8.xml><?xml version="1.0" encoding="utf-8"?>
+<p:sld xmlns:a="http://schemas.openxmlformats.org/drawingml/2006/main" xmlns:r="http://schemas.openxmlformats.org/officeDocument/2006/relationships" xmlns:p="http://schemas.openxmlformats.org/presentationml/2006/main">
+  <p:cSld>
+    <p:spTree>
+      <p:nvGrpSpPr>
+        <p:cNvPr id="1" name=""/>
+        <p:cNvGrpSpPr/>
+        <p:nvPr/>
+      </p:nvGrpSpPr>
+      <p:grpSpPr>
+        <a:xfrm>
+          <a:off x="0" y="0"/>
+          <a:ext cx="0" cy="0"/>
+          <a:chOff x="0" y="0"/>
+          <a:chExt cx="0" cy="0"/>
+        </a:xfrm>
+      </p:grpSpPr>
+      <p:sp>
+        <p:nvSpPr>
+          <p:cNvPr id="2" name="Título 1">
+            <a:extLst>
+              <a:ext uri="{FF2B5EF4-FFF2-40B4-BE49-F238E27FC236}">
+                <a16:creationId xmlns:a16="http://schemas.microsoft.com/office/drawing/2014/main" id="{3840B8F3-0CD4-9CA2-2B32-6AD32D18E6F2}"/>
+              </a:ext>
+            </a:extLst>
+          </p:cNvPr>
+          <p:cNvSpPr>
+            <a:spLocks noGrp="1"/>
+          </p:cNvSpPr>
+          <p:nvPr>
+            <p:ph type="title"/>
+          </p:nvPr>
+        </p:nvSpPr>
+        <p:spPr/>
+        <p:txBody>
+          <a:bodyPr/>
+          <a:lstStyle/>
+          <a:p>
+            <a:r>
+              <a:rPr lang="en-GB" b="1" dirty="0"/>
+              <a:t>Model Families Tested </a:t>
+            </a:r>
+          </a:p>
+        </p:txBody>
+      </p:sp>
+      <p:sp>
+        <p:nvSpPr>
+          <p:cNvPr id="3" name="Marcador de contenido 2">
+            <a:extLst>
+              <a:ext uri="{FF2B5EF4-FFF2-40B4-BE49-F238E27FC236}">
+                <a16:creationId xmlns:a16="http://schemas.microsoft.com/office/drawing/2014/main" id="{B458AE76-16F3-9322-3513-6AC62BEFCF9C}"/>
+              </a:ext>
+            </a:extLst>
+          </p:cNvPr>
+          <p:cNvSpPr>
+            <a:spLocks noGrp="1"/>
+          </p:cNvSpPr>
+          <p:nvPr>
+            <p:ph sz="half" idx="1"/>
+          </p:nvPr>
+        </p:nvSpPr>
+        <p:spPr/>
+        <p:txBody>
+          <a:bodyPr/>
+          <a:lstStyle/>
+          <a:p>
+            <a:r>
+              <a:rPr lang="en-GB" b="1" dirty="0"/>
+              <a:t>Baselines:</a:t>
+            </a:r>
+          </a:p>
+          <a:p>
+            <a:pPr lvl="1"/>
+            <a:r>
+              <a:rPr lang="en-GB" dirty="0"/>
+              <a:t>Naive </a:t>
+            </a:r>
+          </a:p>
+          <a:p>
+            <a:pPr lvl="1"/>
+            <a:r>
+              <a:rPr lang="en-GB" dirty="0"/>
+              <a:t>Moving average</a:t>
+            </a:r>
+          </a:p>
+          <a:p>
+            <a:r>
+              <a:rPr lang="en-GB" b="1" dirty="0"/>
+              <a:t>Statistical:</a:t>
+            </a:r>
+          </a:p>
+          <a:p>
+            <a:pPr lvl="1"/>
+            <a:r>
+              <a:rPr lang="en-GB" dirty="0" err="1"/>
+              <a:t>AutoARIMA</a:t>
+            </a:r>
+            <a:endParaRPr lang="en-GB" dirty="0"/>
+          </a:p>
+          <a:p>
+            <a:r>
+              <a:rPr lang="en-GB" b="1" dirty="0"/>
+              <a:t>Machine Learning:</a:t>
+            </a:r>
+          </a:p>
+          <a:p>
+            <a:pPr lvl="1"/>
+            <a:r>
+              <a:rPr lang="en-GB" dirty="0"/>
+              <a:t>Random Forest</a:t>
+            </a:r>
+          </a:p>
+          <a:p>
+            <a:pPr lvl="1"/>
+            <a:r>
+              <a:rPr lang="en-GB" dirty="0"/>
+              <a:t>Gradient Boosting</a:t>
+            </a:r>
+          </a:p>
+          <a:p>
+            <a:pPr lvl="1"/>
+            <a:r>
+              <a:rPr lang="en-GB" dirty="0"/>
+              <a:t>Lag, calendar &amp; rolling features</a:t>
+            </a:r>
+          </a:p>
+          <a:p>
+            <a:pPr marL="0" indent="0">
+              <a:buNone/>
+            </a:pPr>
+            <a:endParaRPr lang="en-GB" b="1" dirty="0"/>
+          </a:p>
+        </p:txBody>
+      </p:sp>
+      <p:sp>
+        <p:nvSpPr>
+          <p:cNvPr id="4" name="Marcador de contenido 3">
+            <a:extLst>
+              <a:ext uri="{FF2B5EF4-FFF2-40B4-BE49-F238E27FC236}">
+                <a16:creationId xmlns:a16="http://schemas.microsoft.com/office/drawing/2014/main" id="{CBE12D95-E880-5C96-778D-FF051D5DB324}"/>
+              </a:ext>
+            </a:extLst>
+          </p:cNvPr>
+          <p:cNvSpPr>
+            <a:spLocks noGrp="1"/>
+          </p:cNvSpPr>
+          <p:nvPr>
+            <p:ph sz="half" idx="2"/>
+          </p:nvPr>
+        </p:nvSpPr>
+        <p:spPr/>
+        <p:txBody>
+          <a:bodyPr/>
+          <a:lstStyle/>
+          <a:p>
+            <a:r>
+              <a:rPr lang="en-GB" b="1" dirty="0"/>
+              <a:t>Deep Learning:</a:t>
+            </a:r>
+          </a:p>
+          <a:p>
+            <a:pPr lvl="1"/>
+            <a:r>
+              <a:rPr lang="en-GB" dirty="0"/>
+              <a:t>NBEATS</a:t>
+            </a:r>
+          </a:p>
+          <a:p>
+            <a:pPr lvl="1"/>
+            <a:r>
+              <a:rPr lang="en-GB" dirty="0" err="1"/>
+              <a:t>NLinear</a:t>
+            </a:r>
+            <a:endParaRPr lang="en-GB" dirty="0"/>
+          </a:p>
+        </p:txBody>
+      </p:sp>
+    </p:spTree>
+    <p:extLst>
+      <p:ext uri="{BB962C8B-B14F-4D97-AF65-F5344CB8AC3E}">
+        <p14:creationId xmlns:p14="http://schemas.microsoft.com/office/powerpoint/2010/main" val="702062300"/>
+      </p:ext>
+    </p:extLst>
+  </p:cSld>
+  <p:clrMapOvr>
+    <a:masterClrMapping/>
+  </p:clrMapOvr>
+</p:sld>
+</file>
+
+<file path=ppt/slides/slide9.xml><?xml version="1.0" encoding="utf-8"?>
+<p:sld xmlns:a="http://schemas.openxmlformats.org/drawingml/2006/main" xmlns:r="http://schemas.openxmlformats.org/officeDocument/2006/relationships" xmlns:p="http://schemas.openxmlformats.org/presentationml/2006/main">
+  <p:cSld>
+    <p:spTree>
+      <p:nvGrpSpPr>
+        <p:cNvPr id="1" name=""/>
+        <p:cNvGrpSpPr/>
+        <p:nvPr/>
+      </p:nvGrpSpPr>
+      <p:grpSpPr>
+        <a:xfrm>
+          <a:off x="0" y="0"/>
+          <a:ext cx="0" cy="0"/>
+          <a:chOff x="0" y="0"/>
+          <a:chExt cx="0" cy="0"/>
+        </a:xfrm>
+      </p:grpSpPr>
+      <p:sp>
+        <p:nvSpPr>
+          <p:cNvPr id="2" name="Título 1">
+            <a:extLst>
+              <a:ext uri="{FF2B5EF4-FFF2-40B4-BE49-F238E27FC236}">
+                <a16:creationId xmlns:a16="http://schemas.microsoft.com/office/drawing/2014/main" id="{2A8EAD1E-807D-F7AC-1299-E225FB374172}"/>
+              </a:ext>
+            </a:extLst>
+          </p:cNvPr>
+          <p:cNvSpPr>
+            <a:spLocks noGrp="1"/>
+          </p:cNvSpPr>
+          <p:nvPr>
+            <p:ph type="title"/>
+          </p:nvPr>
+        </p:nvSpPr>
+        <p:spPr/>
+        <p:txBody>
+          <a:bodyPr/>
+          <a:lstStyle/>
+          <a:p>
+            <a:r>
+              <a:rPr lang="en-GB" b="1" dirty="0"/>
+              <a:t>Evaluation Strategy</a:t>
+            </a:r>
+          </a:p>
+        </p:txBody>
+      </p:sp>
+      <p:sp>
+        <p:nvSpPr>
+          <p:cNvPr id="3" name="Marcador de texto 2">
+            <a:extLst>
+              <a:ext uri="{FF2B5EF4-FFF2-40B4-BE49-F238E27FC236}">
+                <a16:creationId xmlns:a16="http://schemas.microsoft.com/office/drawing/2014/main" id="{5C461081-B566-CA00-3287-9C6D1B1AC786}"/>
+              </a:ext>
+            </a:extLst>
+          </p:cNvPr>
+          <p:cNvSpPr>
+            <a:spLocks noGrp="1"/>
+          </p:cNvSpPr>
+          <p:nvPr>
+            <p:ph type="body" idx="1"/>
+          </p:nvPr>
+        </p:nvSpPr>
+        <p:spPr/>
+        <p:txBody>
+          <a:bodyPr/>
+          <a:lstStyle/>
+          <a:p>
+            <a:r>
+              <a:rPr lang="en-GB" dirty="0"/>
+              <a:t>Time-Based Evaluation </a:t>
+            </a:r>
+          </a:p>
+        </p:txBody>
+      </p:sp>
+      <p:sp>
+        <p:nvSpPr>
+          <p:cNvPr id="4" name="Marcador de contenido 3">
+            <a:extLst>
+              <a:ext uri="{FF2B5EF4-FFF2-40B4-BE49-F238E27FC236}">
+                <a16:creationId xmlns:a16="http://schemas.microsoft.com/office/drawing/2014/main" id="{E781A080-DD99-DEEB-E568-E981F2A9425A}"/>
+              </a:ext>
+            </a:extLst>
+          </p:cNvPr>
+          <p:cNvSpPr>
+            <a:spLocks noGrp="1"/>
+          </p:cNvSpPr>
+          <p:nvPr>
+            <p:ph sz="half" idx="2"/>
+          </p:nvPr>
+        </p:nvSpPr>
+        <p:spPr/>
+        <p:txBody>
+          <a:bodyPr>
+            <a:normAutofit fontScale="85000" lnSpcReduction="20000"/>
+          </a:bodyPr>
+          <a:lstStyle/>
+          <a:p>
+            <a:r>
+              <a:rPr lang="en-GB" dirty="0"/>
+              <a:t>No shuffling (time series CV)</a:t>
+            </a:r>
+          </a:p>
+          <a:p>
+            <a:r>
+              <a:rPr lang="en-GB" dirty="0"/>
+              <a:t>Split:</a:t>
+            </a:r>
+          </a:p>
+          <a:p>
+            <a:pPr lvl="1"/>
+            <a:r>
+              <a:rPr lang="en-GB" dirty="0"/>
+              <a:t>Train </a:t>
+            </a:r>
+          </a:p>
+          <a:p>
+            <a:pPr lvl="1"/>
+            <a:r>
+              <a:rPr lang="en-GB" dirty="0"/>
+              <a:t>Validation (H = 31 days)</a:t>
+            </a:r>
+          </a:p>
+          <a:p>
+            <a:pPr lvl="1"/>
+            <a:r>
+              <a:rPr lang="en-GB" dirty="0"/>
+              <a:t>Test (H = 31 days)</a:t>
+            </a:r>
+          </a:p>
+          <a:p>
+            <a:r>
+              <a:rPr lang="en-GB" dirty="0"/>
+              <a:t>Metrics:</a:t>
+            </a:r>
+          </a:p>
+          <a:p>
+            <a:pPr lvl="1"/>
+            <a:r>
+              <a:rPr lang="en-GB" dirty="0"/>
+              <a:t>MAPE</a:t>
+            </a:r>
+          </a:p>
+          <a:p>
+            <a:pPr lvl="1"/>
+            <a:r>
+              <a:rPr lang="en-GB" dirty="0"/>
+              <a:t>MAE</a:t>
+            </a:r>
+          </a:p>
+          <a:p>
+            <a:pPr lvl="1"/>
+            <a:r>
+              <a:rPr lang="en-GB" dirty="0"/>
+              <a:t>RMSE</a:t>
+            </a:r>
+          </a:p>
+          <a:p>
+            <a:pPr lvl="1"/>
+            <a:r>
+              <a:rPr lang="en-GB" dirty="0"/>
+              <a:t>OPE</a:t>
+            </a:r>
+          </a:p>
+          <a:p>
+            <a:pPr lvl="1"/>
+            <a:r>
+              <a:rPr lang="en-GB" dirty="0"/>
+              <a:t>R2</a:t>
+            </a:r>
+          </a:p>
+        </p:txBody>
+      </p:sp>
+      <p:sp>
+        <p:nvSpPr>
+          <p:cNvPr id="5" name="Marcador de texto 4">
+            <a:extLst>
+              <a:ext uri="{FF2B5EF4-FFF2-40B4-BE49-F238E27FC236}">
+                <a16:creationId xmlns:a16="http://schemas.microsoft.com/office/drawing/2014/main" id="{3F28E473-FCCF-5323-3DF6-8E55FA8E65E3}"/>
+              </a:ext>
+            </a:extLst>
+          </p:cNvPr>
+          <p:cNvSpPr>
+            <a:spLocks noGrp="1"/>
+          </p:cNvSpPr>
+          <p:nvPr>
+            <p:ph type="body" sz="quarter" idx="3"/>
+          </p:nvPr>
+        </p:nvSpPr>
+        <p:spPr/>
+        <p:txBody>
+          <a:bodyPr/>
+          <a:lstStyle/>
+          <a:p>
+            <a:r>
+              <a:rPr lang="en-GB" dirty="0"/>
+              <a:t>Model Selection </a:t>
+            </a:r>
+          </a:p>
+        </p:txBody>
+      </p:sp>
+      <p:sp>
+        <p:nvSpPr>
+          <p:cNvPr id="6" name="Marcador de contenido 5">
+            <a:extLst>
+              <a:ext uri="{FF2B5EF4-FFF2-40B4-BE49-F238E27FC236}">
+                <a16:creationId xmlns:a16="http://schemas.microsoft.com/office/drawing/2014/main" id="{EF8FE6A7-C412-2D95-92DF-9D75CA5DE8F6}"/>
+              </a:ext>
+            </a:extLst>
+          </p:cNvPr>
+          <p:cNvSpPr>
+            <a:spLocks noGrp="1"/>
+          </p:cNvSpPr>
+          <p:nvPr>
+            <p:ph sz="quarter" idx="4"/>
+          </p:nvPr>
+        </p:nvSpPr>
+        <p:spPr/>
+        <p:txBody>
+          <a:bodyPr>
+            <a:normAutofit fontScale="85000" lnSpcReduction="20000"/>
+          </a:bodyPr>
+          <a:lstStyle/>
+          <a:p>
+            <a:r>
+              <a:rPr lang="en-GB" dirty="0"/>
+              <a:t>Best MAE on validation </a:t>
+            </a:r>
+          </a:p>
+          <a:p>
+            <a:r>
+              <a:rPr lang="en-GB" dirty="0"/>
+              <a:t>Baselines excluded from final forecast if unrealistic</a:t>
+            </a:r>
+          </a:p>
+        </p:txBody>
+      </p:sp>
+    </p:spTree>
+    <p:extLst>
+      <p:ext uri="{BB962C8B-B14F-4D97-AF65-F5344CB8AC3E}">
+        <p14:creationId xmlns:p14="http://schemas.microsoft.com/office/powerpoint/2010/main" val="84781556"/>
       </p:ext>
     </p:extLst>
   </p:cSld>

--- a/presentation/CapstonProject.pptx
+++ b/presentation/CapstonProject.pptx
@@ -271,7 +271,7 @@
           <a:p>
             <a:fld id="{DDBFD437-33C7-4B24-B6C7-F91A3EACF5E2}" type="datetimeFigureOut">
               <a:rPr lang="en-GB" smtClean="0"/>
-              <a:t>30/12/2025</a:t>
+              <a:t>31/12/2025</a:t>
             </a:fld>
             <a:endParaRPr lang="en-GB"/>
           </a:p>
@@ -471,7 +471,7 @@
           <a:p>
             <a:fld id="{DDBFD437-33C7-4B24-B6C7-F91A3EACF5E2}" type="datetimeFigureOut">
               <a:rPr lang="en-GB" smtClean="0"/>
-              <a:t>30/12/2025</a:t>
+              <a:t>31/12/2025</a:t>
             </a:fld>
             <a:endParaRPr lang="en-GB"/>
           </a:p>
@@ -681,7 +681,7 @@
           <a:p>
             <a:fld id="{DDBFD437-33C7-4B24-B6C7-F91A3EACF5E2}" type="datetimeFigureOut">
               <a:rPr lang="en-GB" smtClean="0"/>
-              <a:t>30/12/2025</a:t>
+              <a:t>31/12/2025</a:t>
             </a:fld>
             <a:endParaRPr lang="en-GB"/>
           </a:p>
@@ -881,7 +881,7 @@
           <a:p>
             <a:fld id="{DDBFD437-33C7-4B24-B6C7-F91A3EACF5E2}" type="datetimeFigureOut">
               <a:rPr lang="en-GB" smtClean="0"/>
-              <a:t>30/12/2025</a:t>
+              <a:t>31/12/2025</a:t>
             </a:fld>
             <a:endParaRPr lang="en-GB"/>
           </a:p>
@@ -1157,7 +1157,7 @@
           <a:p>
             <a:fld id="{DDBFD437-33C7-4B24-B6C7-F91A3EACF5E2}" type="datetimeFigureOut">
               <a:rPr lang="en-GB" smtClean="0"/>
-              <a:t>30/12/2025</a:t>
+              <a:t>31/12/2025</a:t>
             </a:fld>
             <a:endParaRPr lang="en-GB"/>
           </a:p>
@@ -1425,7 +1425,7 @@
           <a:p>
             <a:fld id="{DDBFD437-33C7-4B24-B6C7-F91A3EACF5E2}" type="datetimeFigureOut">
               <a:rPr lang="en-GB" smtClean="0"/>
-              <a:t>30/12/2025</a:t>
+              <a:t>31/12/2025</a:t>
             </a:fld>
             <a:endParaRPr lang="en-GB"/>
           </a:p>
@@ -1840,7 +1840,7 @@
           <a:p>
             <a:fld id="{DDBFD437-33C7-4B24-B6C7-F91A3EACF5E2}" type="datetimeFigureOut">
               <a:rPr lang="en-GB" smtClean="0"/>
-              <a:t>30/12/2025</a:t>
+              <a:t>31/12/2025</a:t>
             </a:fld>
             <a:endParaRPr lang="en-GB"/>
           </a:p>
@@ -1982,7 +1982,7 @@
           <a:p>
             <a:fld id="{DDBFD437-33C7-4B24-B6C7-F91A3EACF5E2}" type="datetimeFigureOut">
               <a:rPr lang="en-GB" smtClean="0"/>
-              <a:t>30/12/2025</a:t>
+              <a:t>31/12/2025</a:t>
             </a:fld>
             <a:endParaRPr lang="en-GB"/>
           </a:p>
@@ -2095,7 +2095,7 @@
           <a:p>
             <a:fld id="{DDBFD437-33C7-4B24-B6C7-F91A3EACF5E2}" type="datetimeFigureOut">
               <a:rPr lang="en-GB" smtClean="0"/>
-              <a:t>30/12/2025</a:t>
+              <a:t>31/12/2025</a:t>
             </a:fld>
             <a:endParaRPr lang="en-GB"/>
           </a:p>
@@ -2408,7 +2408,7 @@
           <a:p>
             <a:fld id="{DDBFD437-33C7-4B24-B6C7-F91A3EACF5E2}" type="datetimeFigureOut">
               <a:rPr lang="en-GB" smtClean="0"/>
-              <a:t>30/12/2025</a:t>
+              <a:t>31/12/2025</a:t>
             </a:fld>
             <a:endParaRPr lang="en-GB"/>
           </a:p>
@@ -2697,7 +2697,7 @@
           <a:p>
             <a:fld id="{DDBFD437-33C7-4B24-B6C7-F91A3EACF5E2}" type="datetimeFigureOut">
               <a:rPr lang="en-GB" smtClean="0"/>
-              <a:t>30/12/2025</a:t>
+              <a:t>31/12/2025</a:t>
             </a:fld>
             <a:endParaRPr lang="en-GB"/>
           </a:p>
@@ -2940,7 +2940,7 @@
           <a:p>
             <a:fld id="{DDBFD437-33C7-4B24-B6C7-F91A3EACF5E2}" type="datetimeFigureOut">
               <a:rPr lang="en-GB" smtClean="0"/>
-              <a:t>30/12/2025</a:t>
+              <a:t>31/12/2025</a:t>
             </a:fld>
             <a:endParaRPr lang="en-GB"/>
           </a:p>
@@ -3759,7 +3759,7 @@
           <a:p>
             <a:r>
               <a:rPr lang="en-GB" dirty="0"/>
-              <a:t>Team &amp; Contributions. REVISAR LO DE CADA UNO </a:t>
+              <a:t>Team &amp; Contributions. </a:t>
             </a:r>
           </a:p>
         </p:txBody>
@@ -3794,109 +3794,115 @@
             <a:pPr lvl="1"/>
             <a:r>
               <a:rPr lang="en-GB" dirty="0"/>
-              <a:t>Main Coding</a:t>
+              <a:t>Data parsing/cleaning</a:t>
             </a:r>
           </a:p>
           <a:p>
             <a:pPr lvl="1"/>
             <a:r>
               <a:rPr lang="en-GB" dirty="0"/>
-              <a:t>Data parsing/cleaning</a:t>
+              <a:t>Modelling </a:t>
             </a:r>
           </a:p>
           <a:p>
             <a:pPr lvl="1"/>
             <a:r>
               <a:rPr lang="en-GB" dirty="0"/>
-              <a:t>Modelling </a:t>
+              <a:t>Evaluation </a:t>
             </a:r>
           </a:p>
           <a:p>
             <a:pPr lvl="1"/>
             <a:r>
               <a:rPr lang="en-GB" dirty="0"/>
-              <a:t>Evaluation </a:t>
+              <a:t>Plots</a:t>
             </a:r>
           </a:p>
           <a:p>
             <a:pPr lvl="1"/>
             <a:r>
               <a:rPr lang="en-GB" dirty="0"/>
+              <a:t>Business value</a:t>
+            </a:r>
+          </a:p>
+          <a:p>
+            <a:pPr lvl="1"/>
+            <a:endParaRPr lang="en-GB" dirty="0"/>
+          </a:p>
+          <a:p>
+            <a:pPr marL="0" indent="0">
+              <a:buNone/>
+            </a:pPr>
+            <a:endParaRPr lang="en-GB" dirty="0"/>
+          </a:p>
+        </p:txBody>
+      </p:sp>
+      <p:sp>
+        <p:nvSpPr>
+          <p:cNvPr id="4" name="Marcador de contenido 3">
+            <a:extLst>
+              <a:ext uri="{FF2B5EF4-FFF2-40B4-BE49-F238E27FC236}">
+                <a16:creationId xmlns:a16="http://schemas.microsoft.com/office/drawing/2014/main" id="{9CD08206-EE7A-3E02-0120-39AE8E2E9062}"/>
+              </a:ext>
+            </a:extLst>
+          </p:cNvPr>
+          <p:cNvSpPr>
+            <a:spLocks noGrp="1"/>
+          </p:cNvSpPr>
+          <p:nvPr>
+            <p:ph sz="half" idx="2"/>
+          </p:nvPr>
+        </p:nvSpPr>
+        <p:spPr/>
+        <p:txBody>
+          <a:bodyPr/>
+          <a:lstStyle/>
+          <a:p>
+            <a:r>
+              <a:rPr lang="en-GB" dirty="0"/>
+              <a:t>Mireia Montoya:</a:t>
+            </a:r>
+          </a:p>
+          <a:p>
+            <a:pPr lvl="1"/>
+            <a:r>
+              <a:rPr lang="en-GB" dirty="0"/>
+              <a:t>Documentation </a:t>
+            </a:r>
+          </a:p>
+          <a:p>
+            <a:pPr lvl="1"/>
+            <a:r>
+              <a:rPr lang="en-GB" dirty="0"/>
+              <a:t>Slide deck</a:t>
+            </a:r>
+          </a:p>
+          <a:p>
+            <a:pPr lvl="1"/>
+            <a:r>
+              <a:rPr lang="en-GB" dirty="0"/>
+              <a:t>Interpretation of results</a:t>
+            </a:r>
+          </a:p>
+          <a:p>
+            <a:pPr lvl="1"/>
+            <a:r>
+              <a:rPr lang="en-GB" dirty="0"/>
+              <a:t>Presentation speaking roles</a:t>
+            </a:r>
+          </a:p>
+          <a:p>
+            <a:pPr lvl="1"/>
+            <a:r>
+              <a:rPr lang="en-GB" dirty="0"/>
               <a:t>Plots</a:t>
             </a:r>
           </a:p>
           <a:p>
-            <a:pPr lvl="1"/>
-            <a:r>
-              <a:rPr lang="en-GB" dirty="0"/>
-              <a:t>Final </a:t>
-            </a:r>
-          </a:p>
-          <a:p>
+            <a:pPr marL="457200" lvl="1" indent="0">
+              <a:buNone/>
+            </a:pPr>
             <a:endParaRPr lang="en-GB" dirty="0"/>
-          </a:p>
-        </p:txBody>
-      </p:sp>
-      <p:sp>
-        <p:nvSpPr>
-          <p:cNvPr id="4" name="Marcador de contenido 3">
-            <a:extLst>
-              <a:ext uri="{FF2B5EF4-FFF2-40B4-BE49-F238E27FC236}">
-                <a16:creationId xmlns:a16="http://schemas.microsoft.com/office/drawing/2014/main" id="{9CD08206-EE7A-3E02-0120-39AE8E2E9062}"/>
-              </a:ext>
-            </a:extLst>
-          </p:cNvPr>
-          <p:cNvSpPr>
-            <a:spLocks noGrp="1"/>
-          </p:cNvSpPr>
-          <p:nvPr>
-            <p:ph sz="half" idx="2"/>
-          </p:nvPr>
-        </p:nvSpPr>
-        <p:spPr/>
-        <p:txBody>
-          <a:bodyPr/>
-          <a:lstStyle/>
-          <a:p>
-            <a:r>
-              <a:rPr lang="en-GB" dirty="0"/>
-              <a:t>Mireia Montoya:</a:t>
-            </a:r>
-          </a:p>
-          <a:p>
-            <a:pPr lvl="1"/>
-            <a:r>
-              <a:rPr lang="en-GB" dirty="0"/>
-              <a:t>Documentation support </a:t>
-            </a:r>
-          </a:p>
-          <a:p>
-            <a:pPr lvl="1"/>
-            <a:r>
-              <a:rPr lang="en-GB" dirty="0"/>
-              <a:t>Slide deck</a:t>
-            </a:r>
-          </a:p>
-          <a:p>
-            <a:pPr lvl="1"/>
-            <a:r>
-              <a:rPr lang="en-GB" dirty="0"/>
-              <a:t>Interpretation of results</a:t>
-            </a:r>
-          </a:p>
-          <a:p>
-            <a:pPr lvl="1"/>
-            <a:r>
-              <a:rPr lang="en-GB" dirty="0"/>
-              <a:t>Business value</a:t>
-            </a:r>
-          </a:p>
-          <a:p>
-            <a:pPr lvl="1"/>
-            <a:r>
-              <a:rPr lang="en-GB" dirty="0"/>
-              <a:t>Presentation speaking roles</a:t>
-            </a:r>
           </a:p>
         </p:txBody>
       </p:sp>
@@ -4046,15 +4052,8 @@
             </a:r>
             <a:r>
               <a:rPr lang="en-GB" dirty="0"/>
-              <a:t>Forecast daily electricity generation for Spain by production technology for January 2026. CAMBIAR</a:t>
-            </a:r>
-          </a:p>
-          <a:p>
-            <a:pPr marL="285750" indent="-285750">
-              <a:buFont typeface="Arial" panose="020B0604020202020204" pitchFamily="34" charset="0"/>
-              <a:buChar char="•"/>
-            </a:pPr>
-            <a:endParaRPr lang="en-GB" dirty="0"/>
+              <a:t>Forecast daily electricity generation for Spain by production technology for January 2026. </a:t>
+            </a:r>
           </a:p>
           <a:p>
             <a:pPr marL="285750" indent="-285750">
@@ -4313,7 +4312,7 @@
           <a:p>
             <a:r>
               <a:rPr lang="en-GB" b="1" dirty="0"/>
-              <a:t>Solution Overview (CRISP-DM style). REISAR</a:t>
+              <a:t>Solution Overview </a:t>
             </a:r>
           </a:p>
         </p:txBody>
@@ -4449,7 +4448,7 @@
             </a:pPr>
             <a:r>
               <a:rPr lang="en-GB" b="1" dirty="0"/>
-              <a:t>7. Deployment output: </a:t>
+              <a:t>7. Output: </a:t>
             </a:r>
             <a:r>
               <a:rPr lang="en-GB" dirty="0"/>
@@ -5204,7 +5203,7 @@
           <a:p>
             <a:r>
               <a:rPr lang="en-GB" dirty="0"/>
-              <a:t>Baselines excluded from final forecast if unrealistic</a:t>
+              <a:t>Baselines excluded from final forecast</a:t>
             </a:r>
           </a:p>
         </p:txBody>

--- a/presentation/CapstonProject.pptx
+++ b/presentation/CapstonProject.pptx
@@ -7,15 +7,16 @@
   <p:sldIdLst>
     <p:sldId id="256" r:id="rId2"/>
     <p:sldId id="257" r:id="rId3"/>
-    <p:sldId id="258" r:id="rId4"/>
-    <p:sldId id="263" r:id="rId5"/>
-    <p:sldId id="259" r:id="rId6"/>
-    <p:sldId id="261" r:id="rId7"/>
-    <p:sldId id="262" r:id="rId8"/>
-    <p:sldId id="264" r:id="rId9"/>
-    <p:sldId id="265" r:id="rId10"/>
-    <p:sldId id="266" r:id="rId11"/>
-    <p:sldId id="267" r:id="rId12"/>
+    <p:sldId id="268" r:id="rId4"/>
+    <p:sldId id="259" r:id="rId5"/>
+    <p:sldId id="270" r:id="rId6"/>
+    <p:sldId id="269" r:id="rId7"/>
+    <p:sldId id="271" r:id="rId8"/>
+    <p:sldId id="262" r:id="rId9"/>
+    <p:sldId id="264" r:id="rId10"/>
+    <p:sldId id="272" r:id="rId11"/>
+    <p:sldId id="266" r:id="rId12"/>
+    <p:sldId id="267" r:id="rId13"/>
   </p:sldIdLst>
   <p:sldSz cx="12192000" cy="6858000"/>
   <p:notesSz cx="6858000" cy="9144000"/>
@@ -271,7 +272,7 @@
           <a:p>
             <a:fld id="{DDBFD437-33C7-4B24-B6C7-F91A3EACF5E2}" type="datetimeFigureOut">
               <a:rPr lang="en-GB" smtClean="0"/>
-              <a:t>31/12/2025</a:t>
+              <a:t>07/01/2026</a:t>
             </a:fld>
             <a:endParaRPr lang="en-GB"/>
           </a:p>
@@ -471,7 +472,7 @@
           <a:p>
             <a:fld id="{DDBFD437-33C7-4B24-B6C7-F91A3EACF5E2}" type="datetimeFigureOut">
               <a:rPr lang="en-GB" smtClean="0"/>
-              <a:t>31/12/2025</a:t>
+              <a:t>07/01/2026</a:t>
             </a:fld>
             <a:endParaRPr lang="en-GB"/>
           </a:p>
@@ -681,7 +682,7 @@
           <a:p>
             <a:fld id="{DDBFD437-33C7-4B24-B6C7-F91A3EACF5E2}" type="datetimeFigureOut">
               <a:rPr lang="en-GB" smtClean="0"/>
-              <a:t>31/12/2025</a:t>
+              <a:t>07/01/2026</a:t>
             </a:fld>
             <a:endParaRPr lang="en-GB"/>
           </a:p>
@@ -881,7 +882,7 @@
           <a:p>
             <a:fld id="{DDBFD437-33C7-4B24-B6C7-F91A3EACF5E2}" type="datetimeFigureOut">
               <a:rPr lang="en-GB" smtClean="0"/>
-              <a:t>31/12/2025</a:t>
+              <a:t>07/01/2026</a:t>
             </a:fld>
             <a:endParaRPr lang="en-GB"/>
           </a:p>
@@ -1157,7 +1158,7 @@
           <a:p>
             <a:fld id="{DDBFD437-33C7-4B24-B6C7-F91A3EACF5E2}" type="datetimeFigureOut">
               <a:rPr lang="en-GB" smtClean="0"/>
-              <a:t>31/12/2025</a:t>
+              <a:t>07/01/2026</a:t>
             </a:fld>
             <a:endParaRPr lang="en-GB"/>
           </a:p>
@@ -1425,7 +1426,7 @@
           <a:p>
             <a:fld id="{DDBFD437-33C7-4B24-B6C7-F91A3EACF5E2}" type="datetimeFigureOut">
               <a:rPr lang="en-GB" smtClean="0"/>
-              <a:t>31/12/2025</a:t>
+              <a:t>07/01/2026</a:t>
             </a:fld>
             <a:endParaRPr lang="en-GB"/>
           </a:p>
@@ -1840,7 +1841,7 @@
           <a:p>
             <a:fld id="{DDBFD437-33C7-4B24-B6C7-F91A3EACF5E2}" type="datetimeFigureOut">
               <a:rPr lang="en-GB" smtClean="0"/>
-              <a:t>31/12/2025</a:t>
+              <a:t>07/01/2026</a:t>
             </a:fld>
             <a:endParaRPr lang="en-GB"/>
           </a:p>
@@ -1982,7 +1983,7 @@
           <a:p>
             <a:fld id="{DDBFD437-33C7-4B24-B6C7-F91A3EACF5E2}" type="datetimeFigureOut">
               <a:rPr lang="en-GB" smtClean="0"/>
-              <a:t>31/12/2025</a:t>
+              <a:t>07/01/2026</a:t>
             </a:fld>
             <a:endParaRPr lang="en-GB"/>
           </a:p>
@@ -2095,7 +2096,7 @@
           <a:p>
             <a:fld id="{DDBFD437-33C7-4B24-B6C7-F91A3EACF5E2}" type="datetimeFigureOut">
               <a:rPr lang="en-GB" smtClean="0"/>
-              <a:t>31/12/2025</a:t>
+              <a:t>07/01/2026</a:t>
             </a:fld>
             <a:endParaRPr lang="en-GB"/>
           </a:p>
@@ -2408,7 +2409,7 @@
           <a:p>
             <a:fld id="{DDBFD437-33C7-4B24-B6C7-F91A3EACF5E2}" type="datetimeFigureOut">
               <a:rPr lang="en-GB" smtClean="0"/>
-              <a:t>31/12/2025</a:t>
+              <a:t>07/01/2026</a:t>
             </a:fld>
             <a:endParaRPr lang="en-GB"/>
           </a:p>
@@ -2697,7 +2698,7 @@
           <a:p>
             <a:fld id="{DDBFD437-33C7-4B24-B6C7-F91A3EACF5E2}" type="datetimeFigureOut">
               <a:rPr lang="en-GB" smtClean="0"/>
-              <a:t>31/12/2025</a:t>
+              <a:t>07/01/2026</a:t>
             </a:fld>
             <a:endParaRPr lang="en-GB"/>
           </a:p>
@@ -2940,7 +2941,7 @@
           <a:p>
             <a:fld id="{DDBFD437-33C7-4B24-B6C7-F91A3EACF5E2}" type="datetimeFigureOut">
               <a:rPr lang="en-GB" smtClean="0"/>
-              <a:t>31/12/2025</a:t>
+              <a:t>07/01/2026</a:t>
             </a:fld>
             <a:endParaRPr lang="en-GB"/>
           </a:p>
@@ -3343,6 +3344,14 @@
 <file path=ppt/slides/slide1.xml><?xml version="1.0" encoding="utf-8"?>
 <p:sld xmlns:a="http://schemas.openxmlformats.org/drawingml/2006/main" xmlns:r="http://schemas.openxmlformats.org/officeDocument/2006/relationships" xmlns:p="http://schemas.openxmlformats.org/presentationml/2006/main">
   <p:cSld>
+    <p:bg>
+      <p:bgPr>
+        <a:solidFill>
+          <a:schemeClr val="bg1"/>
+        </a:solidFill>
+        <a:effectLst/>
+      </p:bgPr>
+    </p:bg>
     <p:spTree>
       <p:nvGrpSpPr>
         <p:cNvPr id="1" name=""/>
@@ -3357,6 +3366,66 @@
           <a:chExt cx="0" cy="0"/>
         </a:xfrm>
       </p:grpSpPr>
+      <p:sp useBgFill="1">
+        <p:nvSpPr>
+          <p:cNvPr id="9" name="Rectangle 8">
+            <a:extLst>
+              <a:ext uri="{FF2B5EF4-FFF2-40B4-BE49-F238E27FC236}">
+                <a16:creationId xmlns:a16="http://schemas.microsoft.com/office/drawing/2014/main" id="{2C61293E-6EBE-43EF-A52C-9BEBFD7679D4}"/>
+              </a:ext>
+              <a:ext uri="{C183D7F6-B498-43B3-948B-1728B52AA6E4}">
+                <adec:decorative xmlns:adec="http://schemas.microsoft.com/office/drawing/2017/decorative" val="1"/>
+              </a:ext>
+            </a:extLst>
+          </p:cNvPr>
+          <p:cNvSpPr>
+            <a:spLocks noGrp="1" noRot="1" noChangeAspect="1" noMove="1" noResize="1" noEditPoints="1" noAdjustHandles="1" noChangeArrowheads="1" noChangeShapeType="1" noTextEdit="1"/>
+          </p:cNvSpPr>
+          <p:nvPr>
+            <p:extLst>
+              <p:ext uri="{386F3935-93C4-4BCD-93E2-E3B085C9AB24}">
+                <p16:designElem xmlns:p16="http://schemas.microsoft.com/office/powerpoint/2015/main" val="1"/>
+              </p:ext>
+            </p:extLst>
+          </p:nvPr>
+        </p:nvSpPr>
+        <p:spPr>
+          <a:xfrm>
+            <a:off x="0" y="0"/>
+            <a:ext cx="12188952" cy="6858000"/>
+          </a:xfrm>
+          <a:prstGeom prst="rect">
+            <a:avLst/>
+          </a:prstGeom>
+          <a:ln>
+            <a:noFill/>
+          </a:ln>
+        </p:spPr>
+        <p:style>
+          <a:lnRef idx="2">
+            <a:schemeClr val="accent1">
+              <a:shade val="50000"/>
+            </a:schemeClr>
+          </a:lnRef>
+          <a:fillRef idx="1">
+            <a:schemeClr val="accent1"/>
+          </a:fillRef>
+          <a:effectRef idx="0">
+            <a:schemeClr val="accent1"/>
+          </a:effectRef>
+          <a:fontRef idx="minor">
+            <a:schemeClr val="lt1"/>
+          </a:fontRef>
+        </p:style>
+        <p:txBody>
+          <a:bodyPr rtlCol="0" anchor="ctr"/>
+          <a:lstStyle/>
+          <a:p>
+            <a:pPr algn="ctr"/>
+            <a:endParaRPr lang="en-US"/>
+          </a:p>
+        </p:txBody>
+      </p:sp>
       <p:sp>
         <p:nvSpPr>
           <p:cNvPr id="2" name="Título 1">
@@ -3373,61 +3442,575 @@
             <p:ph type="ctrTitle"/>
           </p:nvPr>
         </p:nvSpPr>
-        <p:spPr/>
-        <p:txBody>
-          <a:bodyPr/>
-          <a:lstStyle/>
-          <a:p>
-            <a:r>
-              <a:rPr lang="en-GB"/>
-              <a:t>Forecasting Daily Electricity Generation in Spain </a:t>
-            </a:r>
-            <a:endParaRPr lang="en-GB" dirty="0"/>
-          </a:p>
-        </p:txBody>
-      </p:sp>
-      <p:sp>
-        <p:nvSpPr>
-          <p:cNvPr id="3" name="Subtítulo 2">
-            <a:extLst>
-              <a:ext uri="{FF2B5EF4-FFF2-40B4-BE49-F238E27FC236}">
-                <a16:creationId xmlns:a16="http://schemas.microsoft.com/office/drawing/2014/main" id="{17C307ED-4B8A-8525-E6FF-511BA5EF6E71}"/>
-              </a:ext>
-            </a:extLst>
-          </p:cNvPr>
-          <p:cNvSpPr>
-            <a:spLocks noGrp="1"/>
-          </p:cNvSpPr>
-          <p:nvPr>
-            <p:ph type="subTitle" idx="1"/>
-          </p:nvPr>
-        </p:nvSpPr>
-        <p:spPr/>
-        <p:txBody>
-          <a:bodyPr>
+        <p:spPr>
+          <a:xfrm>
+            <a:off x="5297762" y="329184"/>
+            <a:ext cx="6251110" cy="1783080"/>
+          </a:xfrm>
+        </p:spPr>
+        <p:txBody>
+          <a:bodyPr vert="horz" lIns="91440" tIns="45720" rIns="91440" bIns="45720" rtlCol="0" anchor="b">
             <a:normAutofit/>
           </a:bodyPr>
           <a:lstStyle/>
           <a:p>
-            <a:r>
-              <a:rPr lang="en-GB"/>
+            <a:pPr algn="l"/>
+            <a:r>
+              <a:rPr lang="en-US" sz="4200"/>
+              <a:t>Forecasting Daily Electricity Generation in Spain </a:t>
+            </a:r>
+          </a:p>
+        </p:txBody>
+      </p:sp>
+      <p:pic>
+        <p:nvPicPr>
+          <p:cNvPr id="5" name="Picture 4" descr="Una granja de paneles solares">
+            <a:extLst>
+              <a:ext uri="{FF2B5EF4-FFF2-40B4-BE49-F238E27FC236}">
+                <a16:creationId xmlns:a16="http://schemas.microsoft.com/office/drawing/2014/main" id="{ABE6EBB4-BA15-B696-8C3E-613C2F979429}"/>
+              </a:ext>
+            </a:extLst>
+          </p:cNvPr>
+          <p:cNvPicPr>
+            <a:picLocks noChangeAspect="1"/>
+          </p:cNvPicPr>
+          <p:nvPr/>
+        </p:nvPicPr>
+        <p:blipFill>
+          <a:blip r:embed="rId2"/>
+          <a:srcRect l="32088" r="22921" b="-1"/>
+          <a:stretch>
+            <a:fillRect/>
+          </a:stretch>
+        </p:blipFill>
+        <p:spPr>
+          <a:xfrm>
+            <a:off x="1" y="10"/>
+            <a:ext cx="4657344" cy="6857990"/>
+          </a:xfrm>
+          <a:custGeom>
+            <a:avLst/>
+            <a:gdLst/>
+            <a:ahLst/>
+            <a:cxnLst/>
+            <a:rect l="l" t="t" r="r" b="b"/>
+            <a:pathLst>
+              <a:path w="4657344" h="6858000">
+                <a:moveTo>
+                  <a:pt x="0" y="0"/>
+                </a:moveTo>
+                <a:lnTo>
+                  <a:pt x="3429755" y="0"/>
+                </a:lnTo>
+                <a:lnTo>
+                  <a:pt x="3526016" y="148742"/>
+                </a:lnTo>
+                <a:cubicBezTo>
+                  <a:pt x="3657740" y="365513"/>
+                  <a:pt x="3777402" y="589569"/>
+                  <a:pt x="3886489" y="819975"/>
+                </a:cubicBezTo>
+                <a:cubicBezTo>
+                  <a:pt x="3891856" y="833492"/>
+                  <a:pt x="3900663" y="845393"/>
+                  <a:pt x="3912049" y="854514"/>
+                </a:cubicBezTo>
+                <a:cubicBezTo>
+                  <a:pt x="3897352" y="819849"/>
+                  <a:pt x="3883037" y="784928"/>
+                  <a:pt x="3868083" y="750263"/>
+                </a:cubicBezTo>
+                <a:cubicBezTo>
+                  <a:pt x="3806989" y="608712"/>
+                  <a:pt x="3742478" y="469145"/>
+                  <a:pt x="3674155" y="331786"/>
+                </a:cubicBezTo>
+                <a:lnTo>
+                  <a:pt x="3496656" y="0"/>
+                </a:lnTo>
+                <a:lnTo>
+                  <a:pt x="3554371" y="0"/>
+                </a:lnTo>
+                <a:lnTo>
+                  <a:pt x="3661621" y="196614"/>
+                </a:lnTo>
+                <a:cubicBezTo>
+                  <a:pt x="3856899" y="573253"/>
+                  <a:pt x="4021071" y="966066"/>
+                  <a:pt x="4161279" y="1371196"/>
+                </a:cubicBezTo>
+                <a:cubicBezTo>
+                  <a:pt x="4379525" y="2007265"/>
+                  <a:pt x="4530141" y="2664286"/>
+                  <a:pt x="4610660" y="3331516"/>
+                </a:cubicBezTo>
+                <a:cubicBezTo>
+                  <a:pt x="4652837" y="3672965"/>
+                  <a:pt x="4671625" y="4013908"/>
+                  <a:pt x="4645040" y="4357388"/>
+                </a:cubicBezTo>
+                <a:cubicBezTo>
+                  <a:pt x="4613599" y="4758899"/>
+                  <a:pt x="4566181" y="5157998"/>
+                  <a:pt x="4485789" y="5552906"/>
+                </a:cubicBezTo>
+                <a:cubicBezTo>
+                  <a:pt x="4397121" y="5988893"/>
+                  <a:pt x="4276748" y="6414594"/>
+                  <a:pt x="4117769" y="6828295"/>
+                </a:cubicBezTo>
+                <a:lnTo>
+                  <a:pt x="4105288" y="6858000"/>
+                </a:lnTo>
+                <a:lnTo>
+                  <a:pt x="4052520" y="6858000"/>
+                </a:lnTo>
+                <a:lnTo>
+                  <a:pt x="4059369" y="6841549"/>
+                </a:lnTo>
+                <a:cubicBezTo>
+                  <a:pt x="4147276" y="6614016"/>
+                  <a:pt x="4224193" y="6380817"/>
+                  <a:pt x="4291518" y="6142729"/>
+                </a:cubicBezTo>
+                <a:cubicBezTo>
+                  <a:pt x="4350055" y="5935370"/>
+                  <a:pt x="4393256" y="5723695"/>
+                  <a:pt x="4443357" y="5513923"/>
+                </a:cubicBezTo>
+                <a:cubicBezTo>
+                  <a:pt x="4444541" y="5502788"/>
+                  <a:pt x="4445137" y="5491601"/>
+                  <a:pt x="4445146" y="5480401"/>
+                </a:cubicBezTo>
+                <a:cubicBezTo>
+                  <a:pt x="4408465" y="5607635"/>
+                  <a:pt x="4379196" y="5719759"/>
+                  <a:pt x="4344559" y="5830359"/>
+                </a:cubicBezTo>
+                <a:cubicBezTo>
+                  <a:pt x="4254261" y="6118381"/>
+                  <a:pt x="4150112" y="6398531"/>
+                  <a:pt x="4031702" y="6670527"/>
+                </a:cubicBezTo>
+                <a:lnTo>
+                  <a:pt x="3943824" y="6858000"/>
+                </a:lnTo>
+                <a:lnTo>
+                  <a:pt x="0" y="6858000"/>
+                </a:lnTo>
+                <a:close/>
+              </a:path>
+            </a:pathLst>
+          </a:custGeom>
+        </p:spPr>
+      </p:pic>
+      <p:sp>
+        <p:nvSpPr>
+          <p:cNvPr id="19" name="sketchy line">
+            <a:extLst>
+              <a:ext uri="{FF2B5EF4-FFF2-40B4-BE49-F238E27FC236}">
+                <a16:creationId xmlns:a16="http://schemas.microsoft.com/office/drawing/2014/main" id="{21540236-BFD5-4A9D-8840-4703E7F76825}"/>
+              </a:ext>
+              <a:ext uri="{C183D7F6-B498-43B3-948B-1728B52AA6E4}">
+                <adec:decorative xmlns:adec="http://schemas.microsoft.com/office/drawing/2017/decorative" val="1"/>
+              </a:ext>
+            </a:extLst>
+          </p:cNvPr>
+          <p:cNvSpPr>
+            <a:spLocks noGrp="1" noRot="1" noChangeAspect="1" noMove="1" noResize="1" noEditPoints="1" noAdjustHandles="1" noChangeArrowheads="1" noChangeShapeType="1" noTextEdit="1"/>
+          </p:cNvSpPr>
+          <p:nvPr>
+            <p:extLst>
+              <p:ext uri="{386F3935-93C4-4BCD-93E2-E3B085C9AB24}">
+                <p16:designElem xmlns:p16="http://schemas.microsoft.com/office/powerpoint/2015/main" val="1"/>
+              </p:ext>
+            </p:extLst>
+          </p:nvPr>
+        </p:nvSpPr>
+        <p:spPr>
+          <a:xfrm>
+            <a:off x="5297762" y="2374947"/>
+            <a:ext cx="4243589" cy="18288"/>
+          </a:xfrm>
+          <a:custGeom>
+            <a:avLst/>
+            <a:gdLst>
+              <a:gd name="csX0" fmla="*/ 0 w 4243589"/>
+              <a:gd name="csY0" fmla="*/ 0 h 18288"/>
+              <a:gd name="csX1" fmla="*/ 478919 w 4243589"/>
+              <a:gd name="csY1" fmla="*/ 0 h 18288"/>
+              <a:gd name="csX2" fmla="*/ 957839 w 4243589"/>
+              <a:gd name="csY2" fmla="*/ 0 h 18288"/>
+              <a:gd name="csX3" fmla="*/ 1521630 w 4243589"/>
+              <a:gd name="csY3" fmla="*/ 0 h 18288"/>
+              <a:gd name="csX4" fmla="*/ 2212729 w 4243589"/>
+              <a:gd name="csY4" fmla="*/ 0 h 18288"/>
+              <a:gd name="csX5" fmla="*/ 2734084 w 4243589"/>
+              <a:gd name="csY5" fmla="*/ 0 h 18288"/>
+              <a:gd name="csX6" fmla="*/ 3255439 w 4243589"/>
+              <a:gd name="csY6" fmla="*/ 0 h 18288"/>
+              <a:gd name="csX7" fmla="*/ 4243589 w 4243589"/>
+              <a:gd name="csY7" fmla="*/ 0 h 18288"/>
+              <a:gd name="csX8" fmla="*/ 4243589 w 4243589"/>
+              <a:gd name="csY8" fmla="*/ 18288 h 18288"/>
+              <a:gd name="csX9" fmla="*/ 3594926 w 4243589"/>
+              <a:gd name="csY9" fmla="*/ 18288 h 18288"/>
+              <a:gd name="csX10" fmla="*/ 3073571 w 4243589"/>
+              <a:gd name="csY10" fmla="*/ 18288 h 18288"/>
+              <a:gd name="csX11" fmla="*/ 2552216 w 4243589"/>
+              <a:gd name="csY11" fmla="*/ 18288 h 18288"/>
+              <a:gd name="csX12" fmla="*/ 1903553 w 4243589"/>
+              <a:gd name="csY12" fmla="*/ 18288 h 18288"/>
+              <a:gd name="csX13" fmla="*/ 1212454 w 4243589"/>
+              <a:gd name="csY13" fmla="*/ 18288 h 18288"/>
+              <a:gd name="csX14" fmla="*/ 733535 w 4243589"/>
+              <a:gd name="csY14" fmla="*/ 18288 h 18288"/>
+              <a:gd name="csX15" fmla="*/ 0 w 4243589"/>
+              <a:gd name="csY15" fmla="*/ 18288 h 18288"/>
+              <a:gd name="csX16" fmla="*/ 0 w 4243589"/>
+              <a:gd name="csY16" fmla="*/ 0 h 18288"/>
+            </a:gdLst>
+            <a:ahLst/>
+            <a:cxnLst>
+              <a:cxn ang="0">
+                <a:pos x="csX0" y="csY0"/>
+              </a:cxn>
+              <a:cxn ang="0">
+                <a:pos x="csX1" y="csY1"/>
+              </a:cxn>
+              <a:cxn ang="0">
+                <a:pos x="csX2" y="csY2"/>
+              </a:cxn>
+              <a:cxn ang="0">
+                <a:pos x="csX3" y="csY3"/>
+              </a:cxn>
+              <a:cxn ang="0">
+                <a:pos x="csX4" y="csY4"/>
+              </a:cxn>
+              <a:cxn ang="0">
+                <a:pos x="csX5" y="csY5"/>
+              </a:cxn>
+              <a:cxn ang="0">
+                <a:pos x="csX6" y="csY6"/>
+              </a:cxn>
+              <a:cxn ang="0">
+                <a:pos x="csX7" y="csY7"/>
+              </a:cxn>
+              <a:cxn ang="0">
+                <a:pos x="csX8" y="csY8"/>
+              </a:cxn>
+              <a:cxn ang="0">
+                <a:pos x="csX9" y="csY9"/>
+              </a:cxn>
+              <a:cxn ang="0">
+                <a:pos x="csX10" y="csY10"/>
+              </a:cxn>
+              <a:cxn ang="0">
+                <a:pos x="csX11" y="csY11"/>
+              </a:cxn>
+              <a:cxn ang="0">
+                <a:pos x="csX12" y="csY12"/>
+              </a:cxn>
+              <a:cxn ang="0">
+                <a:pos x="csX13" y="csY13"/>
+              </a:cxn>
+              <a:cxn ang="0">
+                <a:pos x="csX14" y="csY14"/>
+              </a:cxn>
+              <a:cxn ang="0">
+                <a:pos x="csX15" y="csY15"/>
+              </a:cxn>
+              <a:cxn ang="0">
+                <a:pos x="csX16" y="csY16"/>
+              </a:cxn>
+            </a:cxnLst>
+            <a:rect l="l" t="t" r="r" b="b"/>
+            <a:pathLst>
+              <a:path w="4243589" h="18288" fill="none" extrusionOk="0">
+                <a:moveTo>
+                  <a:pt x="0" y="0"/>
+                </a:moveTo>
+                <a:cubicBezTo>
+                  <a:pt x="213395" y="-21006"/>
+                  <a:pt x="307421" y="-18116"/>
+                  <a:pt x="478919" y="0"/>
+                </a:cubicBezTo>
+                <a:cubicBezTo>
+                  <a:pt x="650417" y="18116"/>
+                  <a:pt x="831092" y="-21237"/>
+                  <a:pt x="957839" y="0"/>
+                </a:cubicBezTo>
+                <a:cubicBezTo>
+                  <a:pt x="1084586" y="21237"/>
+                  <a:pt x="1301682" y="25124"/>
+                  <a:pt x="1521630" y="0"/>
+                </a:cubicBezTo>
+                <a:cubicBezTo>
+                  <a:pt x="1741578" y="-25124"/>
+                  <a:pt x="1970269" y="-29139"/>
+                  <a:pt x="2212729" y="0"/>
+                </a:cubicBezTo>
+                <a:cubicBezTo>
+                  <a:pt x="2455189" y="29139"/>
+                  <a:pt x="2558847" y="-4796"/>
+                  <a:pt x="2734084" y="0"/>
+                </a:cubicBezTo>
+                <a:cubicBezTo>
+                  <a:pt x="2909321" y="4796"/>
+                  <a:pt x="3097217" y="-13409"/>
+                  <a:pt x="3255439" y="0"/>
+                </a:cubicBezTo>
+                <a:cubicBezTo>
+                  <a:pt x="3413662" y="13409"/>
+                  <a:pt x="3979999" y="-10121"/>
+                  <a:pt x="4243589" y="0"/>
+                </a:cubicBezTo>
+                <a:cubicBezTo>
+                  <a:pt x="4244484" y="8974"/>
+                  <a:pt x="4243043" y="9359"/>
+                  <a:pt x="4243589" y="18288"/>
+                </a:cubicBezTo>
+                <a:cubicBezTo>
+                  <a:pt x="4058777" y="31246"/>
+                  <a:pt x="3910348" y="3158"/>
+                  <a:pt x="3594926" y="18288"/>
+                </a:cubicBezTo>
+                <a:cubicBezTo>
+                  <a:pt x="3279504" y="33418"/>
+                  <a:pt x="3319955" y="-3977"/>
+                  <a:pt x="3073571" y="18288"/>
+                </a:cubicBezTo>
+                <a:cubicBezTo>
+                  <a:pt x="2827187" y="40553"/>
+                  <a:pt x="2767387" y="1863"/>
+                  <a:pt x="2552216" y="18288"/>
+                </a:cubicBezTo>
+                <a:cubicBezTo>
+                  <a:pt x="2337046" y="34713"/>
+                  <a:pt x="2181871" y="19527"/>
+                  <a:pt x="1903553" y="18288"/>
+                </a:cubicBezTo>
+                <a:cubicBezTo>
+                  <a:pt x="1625235" y="17049"/>
+                  <a:pt x="1557672" y="24174"/>
+                  <a:pt x="1212454" y="18288"/>
+                </a:cubicBezTo>
+                <a:cubicBezTo>
+                  <a:pt x="867236" y="12402"/>
+                  <a:pt x="874382" y="15627"/>
+                  <a:pt x="733535" y="18288"/>
+                </a:cubicBezTo>
+                <a:cubicBezTo>
+                  <a:pt x="592688" y="20949"/>
+                  <a:pt x="183477" y="14753"/>
+                  <a:pt x="0" y="18288"/>
+                </a:cubicBezTo>
+                <a:cubicBezTo>
+                  <a:pt x="-229" y="14222"/>
+                  <a:pt x="509" y="5816"/>
+                  <a:pt x="0" y="0"/>
+                </a:cubicBezTo>
+                <a:close/>
+              </a:path>
+              <a:path w="4243589" h="18288" stroke="0" extrusionOk="0">
+                <a:moveTo>
+                  <a:pt x="0" y="0"/>
+                </a:moveTo>
+                <a:cubicBezTo>
+                  <a:pt x="143690" y="16630"/>
+                  <a:pt x="266667" y="14847"/>
+                  <a:pt x="521355" y="0"/>
+                </a:cubicBezTo>
+                <a:cubicBezTo>
+                  <a:pt x="776043" y="-14847"/>
+                  <a:pt x="814491" y="-17363"/>
+                  <a:pt x="1000275" y="0"/>
+                </a:cubicBezTo>
+                <a:cubicBezTo>
+                  <a:pt x="1186059" y="17363"/>
+                  <a:pt x="1352504" y="-23507"/>
+                  <a:pt x="1521630" y="0"/>
+                </a:cubicBezTo>
+                <a:cubicBezTo>
+                  <a:pt x="1690756" y="23507"/>
+                  <a:pt x="1889525" y="5871"/>
+                  <a:pt x="2127857" y="0"/>
+                </a:cubicBezTo>
+                <a:cubicBezTo>
+                  <a:pt x="2366189" y="-5871"/>
+                  <a:pt x="2620628" y="-27997"/>
+                  <a:pt x="2776520" y="0"/>
+                </a:cubicBezTo>
+                <a:cubicBezTo>
+                  <a:pt x="2932412" y="27997"/>
+                  <a:pt x="3131683" y="-25073"/>
+                  <a:pt x="3467618" y="0"/>
+                </a:cubicBezTo>
+                <a:cubicBezTo>
+                  <a:pt x="3803553" y="25073"/>
+                  <a:pt x="4017371" y="3071"/>
+                  <a:pt x="4243589" y="0"/>
+                </a:cubicBezTo>
+                <a:cubicBezTo>
+                  <a:pt x="4243134" y="6162"/>
+                  <a:pt x="4243492" y="11775"/>
+                  <a:pt x="4243589" y="18288"/>
+                </a:cubicBezTo>
+                <a:cubicBezTo>
+                  <a:pt x="4017834" y="-5779"/>
+                  <a:pt x="3834586" y="13376"/>
+                  <a:pt x="3594926" y="18288"/>
+                </a:cubicBezTo>
+                <a:cubicBezTo>
+                  <a:pt x="3355266" y="23200"/>
+                  <a:pt x="3204179" y="2869"/>
+                  <a:pt x="2903827" y="18288"/>
+                </a:cubicBezTo>
+                <a:cubicBezTo>
+                  <a:pt x="2603475" y="33707"/>
+                  <a:pt x="2526187" y="46187"/>
+                  <a:pt x="2212729" y="18288"/>
+                </a:cubicBezTo>
+                <a:cubicBezTo>
+                  <a:pt x="1899271" y="-9611"/>
+                  <a:pt x="1966289" y="29692"/>
+                  <a:pt x="1733809" y="18288"/>
+                </a:cubicBezTo>
+                <a:cubicBezTo>
+                  <a:pt x="1501329" y="6884"/>
+                  <a:pt x="1343612" y="12492"/>
+                  <a:pt x="1085146" y="18288"/>
+                </a:cubicBezTo>
+                <a:cubicBezTo>
+                  <a:pt x="826680" y="24084"/>
+                  <a:pt x="778184" y="35607"/>
+                  <a:pt x="521355" y="18288"/>
+                </a:cubicBezTo>
+                <a:cubicBezTo>
+                  <a:pt x="264526" y="969"/>
+                  <a:pt x="120277" y="4268"/>
+                  <a:pt x="0" y="18288"/>
+                </a:cubicBezTo>
+                <a:cubicBezTo>
+                  <a:pt x="766" y="10800"/>
+                  <a:pt x="-457" y="8180"/>
+                  <a:pt x="0" y="0"/>
+                </a:cubicBezTo>
+                <a:close/>
+              </a:path>
+            </a:pathLst>
+          </a:custGeom>
+          <a:solidFill>
+            <a:schemeClr val="accent2"/>
+          </a:solidFill>
+          <a:ln w="44450" cap="rnd">
+            <a:solidFill>
+              <a:schemeClr val="accent2"/>
+            </a:solidFill>
+            <a:round/>
+            <a:extLst>
+              <a:ext uri="{C807C97D-BFC1-408E-A445-0C87EB9F89A2}">
+                <ask:lineSketchStyleProps xmlns:ask="http://schemas.microsoft.com/office/drawing/2018/sketchyshapes" sd="2727557108">
+                  <a:prstGeom prst="rect">
+                    <a:avLst/>
+                  </a:prstGeom>
+                  <ask:type>
+                    <ask:lineSketchFreehand/>
+                  </ask:type>
+                </ask:lineSketchStyleProps>
+              </a:ext>
+            </a:extLst>
+          </a:ln>
+        </p:spPr>
+        <p:style>
+          <a:lnRef idx="2">
+            <a:schemeClr val="accent1">
+              <a:shade val="50000"/>
+            </a:schemeClr>
+          </a:lnRef>
+          <a:fillRef idx="1">
+            <a:schemeClr val="accent1"/>
+          </a:fillRef>
+          <a:effectRef idx="0">
+            <a:schemeClr val="accent1"/>
+          </a:effectRef>
+          <a:fontRef idx="minor">
+            <a:schemeClr val="lt1"/>
+          </a:fontRef>
+        </p:style>
+        <p:txBody>
+          <a:bodyPr rtlCol="0" anchor="ctr"/>
+          <a:lstStyle/>
+          <a:p>
+            <a:pPr algn="ctr"/>
+            <a:endParaRPr lang="en-US"/>
+          </a:p>
+        </p:txBody>
+      </p:sp>
+      <p:sp>
+        <p:nvSpPr>
+          <p:cNvPr id="3" name="Subtítulo 2">
+            <a:extLst>
+              <a:ext uri="{FF2B5EF4-FFF2-40B4-BE49-F238E27FC236}">
+                <a16:creationId xmlns:a16="http://schemas.microsoft.com/office/drawing/2014/main" id="{17C307ED-4B8A-8525-E6FF-511BA5EF6E71}"/>
+              </a:ext>
+            </a:extLst>
+          </p:cNvPr>
+          <p:cNvSpPr>
+            <a:spLocks noGrp="1"/>
+          </p:cNvSpPr>
+          <p:nvPr>
+            <p:ph type="subTitle" idx="1"/>
+          </p:nvPr>
+        </p:nvSpPr>
+        <p:spPr>
+          <a:xfrm>
+            <a:off x="5297762" y="2706624"/>
+            <a:ext cx="6251110" cy="3483864"/>
+          </a:xfrm>
+        </p:spPr>
+        <p:txBody>
+          <a:bodyPr vert="horz" lIns="91440" tIns="45720" rIns="91440" bIns="45720" rtlCol="0">
+            <a:normAutofit/>
+          </a:bodyPr>
+          <a:lstStyle/>
+          <a:p>
+            <a:pPr indent="-228600" algn="l">
+              <a:buFont typeface="Arial" panose="020B0604020202020204" pitchFamily="34" charset="0"/>
+              <a:buChar char="•"/>
+            </a:pPr>
+            <a:r>
+              <a:rPr lang="en-US" sz="2200"/>
               <a:t>Capstone Forecasting Project</a:t>
             </a:r>
           </a:p>
           <a:p>
-            <a:r>
-              <a:rPr lang="en-GB"/>
+            <a:pPr indent="-228600" algn="l">
+              <a:buFont typeface="Arial" panose="020B0604020202020204" pitchFamily="34" charset="0"/>
+              <a:buChar char="•"/>
+            </a:pPr>
+            <a:r>
+              <a:rPr lang="en-US" sz="2200"/>
               <a:t>Time Series Analysis</a:t>
             </a:r>
           </a:p>
           <a:p>
-            <a:r>
-              <a:rPr lang="en-GB"/>
+            <a:pPr indent="-228600" algn="l">
+              <a:buFont typeface="Arial" panose="020B0604020202020204" pitchFamily="34" charset="0"/>
+              <a:buChar char="•"/>
+            </a:pPr>
+            <a:r>
+              <a:rPr lang="en-US" sz="2200"/>
               <a:t>Team: Spanish Forecasters </a:t>
             </a:r>
           </a:p>
           <a:p>
-            <a:endParaRPr lang="en-GB" dirty="0"/>
+            <a:pPr indent="-228600" algn="l">
+              <a:buFont typeface="Arial" panose="020B0604020202020204" pitchFamily="34" charset="0"/>
+              <a:buChar char="•"/>
+            </a:pPr>
+            <a:endParaRPr lang="en-US" sz="2200"/>
           </a:p>
         </p:txBody>
       </p:sp>
@@ -3466,7 +4049,7 @@
           <p:cNvPr id="2" name="Título 1">
             <a:extLst>
               <a:ext uri="{FF2B5EF4-FFF2-40B4-BE49-F238E27FC236}">
-                <a16:creationId xmlns:a16="http://schemas.microsoft.com/office/drawing/2014/main" id="{3FEA39E2-F78C-1BA0-D34B-1BFB19A4D4A9}"/>
+                <a16:creationId xmlns:a16="http://schemas.microsoft.com/office/drawing/2014/main" id="{8E85E0AB-5DE7-D68A-E0B6-C1D13C47DB65}"/>
               </a:ext>
             </a:extLst>
           </p:cNvPr>
@@ -3484,7 +4067,7 @@
           <a:p>
             <a:r>
               <a:rPr lang="en-GB" b="1" dirty="0"/>
-              <a:t>Results &amp; Forecast</a:t>
+              <a:t>Evaluation Strategy</a:t>
             </a:r>
           </a:p>
         </p:txBody>
@@ -3494,7 +4077,7 @@
           <p:cNvPr id="3" name="Marcador de contenido 2">
             <a:extLst>
               <a:ext uri="{FF2B5EF4-FFF2-40B4-BE49-F238E27FC236}">
-                <a16:creationId xmlns:a16="http://schemas.microsoft.com/office/drawing/2014/main" id="{51BEF5E2-BEF8-4AC4-F1B8-B88BDEA14B9B}"/>
+                <a16:creationId xmlns:a16="http://schemas.microsoft.com/office/drawing/2014/main" id="{6973D5A5-C543-94FA-5219-1A911BD85B9E}"/>
               </a:ext>
             </a:extLst>
           </p:cNvPr>
@@ -3515,32 +4098,46 @@
             </a:pPr>
             <a:r>
               <a:rPr lang="en-GB" b="1" dirty="0"/>
-              <a:t>January 2026 Forecast</a:t>
+              <a:t>Time-Based Evaluation</a:t>
             </a:r>
           </a:p>
           <a:p>
             <a:r>
               <a:rPr lang="en-GB" dirty="0"/>
-              <a:t>Best overall model selected across technologies </a:t>
+              <a:t>Chronological split (no shuffling)</a:t>
             </a:r>
           </a:p>
           <a:p>
             <a:r>
               <a:rPr lang="en-GB" dirty="0"/>
-              <a:t>Daily forecast for Jan 2026</a:t>
+              <a:t>Time series-aware validation</a:t>
+            </a:r>
+          </a:p>
+          <a:p>
+            <a:pPr marL="0" indent="0">
+              <a:buNone/>
+            </a:pPr>
+            <a:r>
+              <a:rPr lang="en-GB" b="1" dirty="0"/>
+              <a:t>Data Split</a:t>
             </a:r>
           </a:p>
           <a:p>
             <a:r>
               <a:rPr lang="en-GB" dirty="0"/>
-              <a:t>Outputs: </a:t>
-            </a:r>
-          </a:p>
-          <a:p>
-            <a:pPr lvl="1"/>
+              <a:t>Train</a:t>
+            </a:r>
+          </a:p>
+          <a:p>
             <a:r>
               <a:rPr lang="en-GB" dirty="0"/>
-              <a:t>CSV (and Parquet if available)</a:t>
+              <a:t>Validation: 31 days</a:t>
+            </a:r>
+          </a:p>
+          <a:p>
+            <a:r>
+              <a:rPr lang="en-GB" dirty="0"/>
+              <a:t>Test: 31 days</a:t>
             </a:r>
           </a:p>
         </p:txBody>
@@ -3550,7 +4147,7 @@
           <p:cNvPr id="4" name="Marcador de contenido 3">
             <a:extLst>
               <a:ext uri="{FF2B5EF4-FFF2-40B4-BE49-F238E27FC236}">
-                <a16:creationId xmlns:a16="http://schemas.microsoft.com/office/drawing/2014/main" id="{B76FBDE1-4D02-C29F-AF06-FAEC019CB013}"/>
+                <a16:creationId xmlns:a16="http://schemas.microsoft.com/office/drawing/2014/main" id="{81B0D8E2-1D8E-E053-E756-9C407D584700}"/>
               </a:ext>
             </a:extLst>
           </p:cNvPr>
@@ -3571,19 +4168,32 @@
             </a:pPr>
             <a:r>
               <a:rPr lang="en-GB" b="1" dirty="0"/>
-              <a:t>Uncertainty</a:t>
-            </a:r>
-          </a:p>
-          <a:p>
+              <a:t>Evaluation Metrics: </a:t>
+            </a:r>
             <a:r>
               <a:rPr lang="en-GB" dirty="0"/>
-              <a:t>Empirical prediction intervals </a:t>
+              <a:t>MAE (primary metric), RMSE, MAPE, OPE, R2</a:t>
+            </a:r>
+          </a:p>
+          <a:p>
+            <a:pPr marL="0" indent="0">
+              <a:buNone/>
+            </a:pPr>
+            <a:r>
+              <a:rPr lang="en-GB" b="1" dirty="0"/>
+              <a:t>Model Selection</a:t>
             </a:r>
           </a:p>
           <a:p>
             <a:r>
               <a:rPr lang="en-GB" dirty="0"/>
-              <a:t>Based on validation residual quantiles (95%)</a:t>
+              <a:t>Best model per family: lowest MAE on validation.</a:t>
+            </a:r>
+          </a:p>
+          <a:p>
+            <a:r>
+              <a:rPr lang="en-GB" dirty="0"/>
+              <a:t>Final forecast: best non-baseline model.</a:t>
             </a:r>
           </a:p>
         </p:txBody>
@@ -3591,7 +4201,7 @@
     </p:spTree>
     <p:extLst>
       <p:ext uri="{BB962C8B-B14F-4D97-AF65-F5344CB8AC3E}">
-        <p14:creationId xmlns:p14="http://schemas.microsoft.com/office/powerpoint/2010/main" val="3689835045"/>
+        <p14:creationId xmlns:p14="http://schemas.microsoft.com/office/powerpoint/2010/main" val="1819667916"/>
       </p:ext>
     </p:extLst>
   </p:cSld>
@@ -3623,6 +4233,163 @@
           <p:cNvPr id="2" name="Título 1">
             <a:extLst>
               <a:ext uri="{FF2B5EF4-FFF2-40B4-BE49-F238E27FC236}">
+                <a16:creationId xmlns:a16="http://schemas.microsoft.com/office/drawing/2014/main" id="{3FEA39E2-F78C-1BA0-D34B-1BFB19A4D4A9}"/>
+              </a:ext>
+            </a:extLst>
+          </p:cNvPr>
+          <p:cNvSpPr>
+            <a:spLocks noGrp="1"/>
+          </p:cNvSpPr>
+          <p:nvPr>
+            <p:ph type="title"/>
+          </p:nvPr>
+        </p:nvSpPr>
+        <p:spPr/>
+        <p:txBody>
+          <a:bodyPr/>
+          <a:lstStyle/>
+          <a:p>
+            <a:r>
+              <a:rPr lang="en-GB" b="1" dirty="0"/>
+              <a:t>Results &amp; Forecast</a:t>
+            </a:r>
+          </a:p>
+        </p:txBody>
+      </p:sp>
+      <p:sp>
+        <p:nvSpPr>
+          <p:cNvPr id="3" name="Marcador de contenido 2">
+            <a:extLst>
+              <a:ext uri="{FF2B5EF4-FFF2-40B4-BE49-F238E27FC236}">
+                <a16:creationId xmlns:a16="http://schemas.microsoft.com/office/drawing/2014/main" id="{51BEF5E2-BEF8-4AC4-F1B8-B88BDEA14B9B}"/>
+              </a:ext>
+            </a:extLst>
+          </p:cNvPr>
+          <p:cNvSpPr>
+            <a:spLocks noGrp="1"/>
+          </p:cNvSpPr>
+          <p:nvPr>
+            <p:ph sz="half" idx="1"/>
+          </p:nvPr>
+        </p:nvSpPr>
+        <p:spPr/>
+        <p:txBody>
+          <a:bodyPr/>
+          <a:lstStyle/>
+          <a:p>
+            <a:pPr marL="0" indent="0">
+              <a:buNone/>
+            </a:pPr>
+            <a:r>
+              <a:rPr lang="en-GB" b="1" dirty="0"/>
+              <a:t>January 2026 Forecast</a:t>
+            </a:r>
+          </a:p>
+          <a:p>
+            <a:r>
+              <a:rPr lang="en-GB" dirty="0"/>
+              <a:t>Best overall model selected across technologies </a:t>
+            </a:r>
+          </a:p>
+          <a:p>
+            <a:r>
+              <a:rPr lang="en-GB" dirty="0"/>
+              <a:t>Daily forecast for Jan 2026</a:t>
+            </a:r>
+          </a:p>
+          <a:p>
+            <a:r>
+              <a:rPr lang="en-GB" dirty="0"/>
+              <a:t>Outputs: </a:t>
+            </a:r>
+          </a:p>
+          <a:p>
+            <a:pPr lvl="1"/>
+            <a:r>
+              <a:rPr lang="en-GB" dirty="0"/>
+              <a:t>CSV (and Parquet if available)</a:t>
+            </a:r>
+          </a:p>
+        </p:txBody>
+      </p:sp>
+      <p:sp>
+        <p:nvSpPr>
+          <p:cNvPr id="4" name="Marcador de contenido 3">
+            <a:extLst>
+              <a:ext uri="{FF2B5EF4-FFF2-40B4-BE49-F238E27FC236}">
+                <a16:creationId xmlns:a16="http://schemas.microsoft.com/office/drawing/2014/main" id="{B76FBDE1-4D02-C29F-AF06-FAEC019CB013}"/>
+              </a:ext>
+            </a:extLst>
+          </p:cNvPr>
+          <p:cNvSpPr>
+            <a:spLocks noGrp="1"/>
+          </p:cNvSpPr>
+          <p:nvPr>
+            <p:ph sz="half" idx="2"/>
+          </p:nvPr>
+        </p:nvSpPr>
+        <p:spPr/>
+        <p:txBody>
+          <a:bodyPr/>
+          <a:lstStyle/>
+          <a:p>
+            <a:pPr marL="0" indent="0">
+              <a:buNone/>
+            </a:pPr>
+            <a:r>
+              <a:rPr lang="en-GB" b="1" dirty="0"/>
+              <a:t>Uncertainty</a:t>
+            </a:r>
+          </a:p>
+          <a:p>
+            <a:r>
+              <a:rPr lang="en-GB" dirty="0"/>
+              <a:t>Empirical prediction intervals </a:t>
+            </a:r>
+          </a:p>
+          <a:p>
+            <a:r>
+              <a:rPr lang="en-GB" dirty="0"/>
+              <a:t>Based on validation residual quantiles (95%)</a:t>
+            </a:r>
+          </a:p>
+        </p:txBody>
+      </p:sp>
+    </p:spTree>
+    <p:extLst>
+      <p:ext uri="{BB962C8B-B14F-4D97-AF65-F5344CB8AC3E}">
+        <p14:creationId xmlns:p14="http://schemas.microsoft.com/office/powerpoint/2010/main" val="3689835045"/>
+      </p:ext>
+    </p:extLst>
+  </p:cSld>
+  <p:clrMapOvr>
+    <a:masterClrMapping/>
+  </p:clrMapOvr>
+</p:sld>
+</file>
+
+<file path=ppt/slides/slide12.xml><?xml version="1.0" encoding="utf-8"?>
+<p:sld xmlns:a="http://schemas.openxmlformats.org/drawingml/2006/main" xmlns:r="http://schemas.openxmlformats.org/officeDocument/2006/relationships" xmlns:p="http://schemas.openxmlformats.org/presentationml/2006/main">
+  <p:cSld>
+    <p:spTree>
+      <p:nvGrpSpPr>
+        <p:cNvPr id="1" name=""/>
+        <p:cNvGrpSpPr/>
+        <p:nvPr/>
+      </p:nvGrpSpPr>
+      <p:grpSpPr>
+        <a:xfrm>
+          <a:off x="0" y="0"/>
+          <a:ext cx="0" cy="0"/>
+          <a:chOff x="0" y="0"/>
+          <a:chExt cx="0" cy="0"/>
+        </a:xfrm>
+      </p:grpSpPr>
+      <p:sp>
+        <p:nvSpPr>
+          <p:cNvPr id="2" name="Título 1">
+            <a:extLst>
+              <a:ext uri="{FF2B5EF4-FFF2-40B4-BE49-F238E27FC236}">
                 <a16:creationId xmlns:a16="http://schemas.microsoft.com/office/drawing/2014/main" id="{8D2D2313-E4F2-A92B-B35C-5855715907C9}"/>
               </a:ext>
             </a:extLst>
@@ -3702,7 +4469,6 @@
               <a:rPr lang="en-GB" b="1" dirty="0"/>
               <a:t>Conclusion:</a:t>
             </a:r>
-            <a:endParaRPr lang="en-GB" dirty="0"/>
           </a:p>
         </p:txBody>
       </p:sp>
@@ -3736,6 +4502,66 @@
           <a:chExt cx="0" cy="0"/>
         </a:xfrm>
       </p:grpSpPr>
+      <p:sp useBgFill="1">
+        <p:nvSpPr>
+          <p:cNvPr id="9" name="Rectangle 8">
+            <a:extLst>
+              <a:ext uri="{FF2B5EF4-FFF2-40B4-BE49-F238E27FC236}">
+                <a16:creationId xmlns:a16="http://schemas.microsoft.com/office/drawing/2014/main" id="{4FFBEE45-F140-49D5-85EA-C78C24340B23}"/>
+              </a:ext>
+              <a:ext uri="{C183D7F6-B498-43B3-948B-1728B52AA6E4}">
+                <adec:decorative xmlns:adec="http://schemas.microsoft.com/office/drawing/2017/decorative" val="1"/>
+              </a:ext>
+            </a:extLst>
+          </p:cNvPr>
+          <p:cNvSpPr>
+            <a:spLocks noGrp="1" noRot="1" noChangeAspect="1" noMove="1" noResize="1" noEditPoints="1" noAdjustHandles="1" noChangeArrowheads="1" noChangeShapeType="1" noTextEdit="1"/>
+          </p:cNvSpPr>
+          <p:nvPr>
+            <p:extLst>
+              <p:ext uri="{386F3935-93C4-4BCD-93E2-E3B085C9AB24}">
+                <p16:designElem xmlns:p16="http://schemas.microsoft.com/office/powerpoint/2015/main" val="1"/>
+              </p:ext>
+            </p:extLst>
+          </p:nvPr>
+        </p:nvSpPr>
+        <p:spPr>
+          <a:xfrm>
+            <a:off x="0" y="-1"/>
+            <a:ext cx="12188952" cy="6858000"/>
+          </a:xfrm>
+          <a:prstGeom prst="rect">
+            <a:avLst/>
+          </a:prstGeom>
+          <a:ln>
+            <a:noFill/>
+          </a:ln>
+        </p:spPr>
+        <p:style>
+          <a:lnRef idx="2">
+            <a:schemeClr val="accent1">
+              <a:shade val="50000"/>
+            </a:schemeClr>
+          </a:lnRef>
+          <a:fillRef idx="1">
+            <a:schemeClr val="accent1"/>
+          </a:fillRef>
+          <a:effectRef idx="0">
+            <a:schemeClr val="accent1"/>
+          </a:effectRef>
+          <a:fontRef idx="minor">
+            <a:schemeClr val="lt1"/>
+          </a:fontRef>
+        </p:style>
+        <p:txBody>
+          <a:bodyPr rtlCol="0" anchor="ctr"/>
+          <a:lstStyle/>
+          <a:p>
+            <a:pPr algn="ctr"/>
+            <a:endParaRPr lang="en-US"/>
+          </a:p>
+        </p:txBody>
+      </p:sp>
       <p:sp>
         <p:nvSpPr>
           <p:cNvPr id="2" name="Título 1">
@@ -3752,13 +4578,20 @@
             <p:ph type="title"/>
           </p:nvPr>
         </p:nvSpPr>
-        <p:spPr/>
-        <p:txBody>
-          <a:bodyPr/>
-          <a:lstStyle/>
-          <a:p>
-            <a:r>
-              <a:rPr lang="en-GB" dirty="0"/>
+        <p:spPr>
+          <a:xfrm>
+            <a:off x="838200" y="365125"/>
+            <a:ext cx="10515600" cy="1828444"/>
+          </a:xfrm>
+        </p:spPr>
+        <p:txBody>
+          <a:bodyPr>
+            <a:normAutofit/>
+          </a:bodyPr>
+          <a:lstStyle/>
+          <a:p>
+            <a:r>
+              <a:rPr lang="en-GB" sz="5200"/>
               <a:t>Team &amp; Contributions. </a:t>
             </a:r>
           </a:p>
@@ -3780,60 +4613,67 @@
             <p:ph sz="half" idx="1"/>
           </p:nvPr>
         </p:nvSpPr>
-        <p:spPr/>
-        <p:txBody>
-          <a:bodyPr/>
-          <a:lstStyle/>
-          <a:p>
-            <a:r>
-              <a:rPr lang="en-GB" dirty="0"/>
+        <p:spPr>
+          <a:xfrm>
+            <a:off x="838200" y="2398626"/>
+            <a:ext cx="5158427" cy="3730460"/>
+          </a:xfrm>
+        </p:spPr>
+        <p:txBody>
+          <a:bodyPr>
+            <a:normAutofit/>
+          </a:bodyPr>
+          <a:lstStyle/>
+          <a:p>
+            <a:r>
+              <a:rPr lang="en-GB" sz="2000"/>
               <a:t>Enrique Ruiz:</a:t>
             </a:r>
           </a:p>
           <a:p>
             <a:pPr lvl="1"/>
             <a:r>
-              <a:rPr lang="en-GB" dirty="0"/>
+              <a:rPr lang="en-GB" sz="2000"/>
               <a:t>Data parsing/cleaning</a:t>
             </a:r>
           </a:p>
           <a:p>
             <a:pPr lvl="1"/>
             <a:r>
-              <a:rPr lang="en-GB" dirty="0"/>
+              <a:rPr lang="en-GB" sz="2000"/>
               <a:t>Modelling </a:t>
             </a:r>
           </a:p>
           <a:p>
             <a:pPr lvl="1"/>
             <a:r>
-              <a:rPr lang="en-GB" dirty="0"/>
+              <a:rPr lang="en-GB" sz="2000"/>
               <a:t>Evaluation </a:t>
             </a:r>
           </a:p>
           <a:p>
             <a:pPr lvl="1"/>
             <a:r>
-              <a:rPr lang="en-GB" dirty="0"/>
+              <a:rPr lang="en-GB" sz="2000"/>
               <a:t>Plots</a:t>
             </a:r>
           </a:p>
           <a:p>
             <a:pPr lvl="1"/>
             <a:r>
-              <a:rPr lang="en-GB" dirty="0"/>
+              <a:rPr lang="en-GB" sz="2000"/>
               <a:t>Business value</a:t>
             </a:r>
           </a:p>
           <a:p>
             <a:pPr lvl="1"/>
-            <a:endParaRPr lang="en-GB" dirty="0"/>
+            <a:endParaRPr lang="en-GB" sz="2000"/>
           </a:p>
           <a:p>
             <a:pPr marL="0" indent="0">
               <a:buNone/>
             </a:pPr>
-            <a:endParaRPr lang="en-GB" dirty="0"/>
+            <a:endParaRPr lang="en-GB" sz="2000"/>
           </a:p>
         </p:txBody>
       </p:sp>
@@ -3853,48 +4693,55 @@
             <p:ph sz="half" idx="2"/>
           </p:nvPr>
         </p:nvSpPr>
-        <p:spPr/>
-        <p:txBody>
-          <a:bodyPr/>
-          <a:lstStyle/>
-          <a:p>
-            <a:r>
-              <a:rPr lang="en-GB" dirty="0"/>
+        <p:spPr>
+          <a:xfrm>
+            <a:off x="6189154" y="2398626"/>
+            <a:ext cx="5164645" cy="3730460"/>
+          </a:xfrm>
+        </p:spPr>
+        <p:txBody>
+          <a:bodyPr>
+            <a:normAutofit/>
+          </a:bodyPr>
+          <a:lstStyle/>
+          <a:p>
+            <a:r>
+              <a:rPr lang="en-GB" sz="2000"/>
               <a:t>Mireia Montoya:</a:t>
             </a:r>
           </a:p>
           <a:p>
             <a:pPr lvl="1"/>
             <a:r>
-              <a:rPr lang="en-GB" dirty="0"/>
+              <a:rPr lang="en-GB" sz="2000"/>
               <a:t>Documentation </a:t>
             </a:r>
           </a:p>
           <a:p>
             <a:pPr lvl="1"/>
             <a:r>
-              <a:rPr lang="en-GB" dirty="0"/>
+              <a:rPr lang="en-GB" sz="2000"/>
               <a:t>Slide deck</a:t>
             </a:r>
           </a:p>
           <a:p>
             <a:pPr lvl="1"/>
             <a:r>
-              <a:rPr lang="en-GB" dirty="0"/>
+              <a:rPr lang="en-GB" sz="2000"/>
               <a:t>Interpretation of results</a:t>
             </a:r>
           </a:p>
           <a:p>
             <a:pPr lvl="1"/>
             <a:r>
-              <a:rPr lang="en-GB" dirty="0"/>
+              <a:rPr lang="en-GB" sz="2000"/>
               <a:t>Presentation speaking roles</a:t>
             </a:r>
           </a:p>
           <a:p>
             <a:pPr lvl="1"/>
             <a:r>
-              <a:rPr lang="en-GB" dirty="0"/>
+              <a:rPr lang="en-GB" sz="2000"/>
               <a:t>Plots</a:t>
             </a:r>
           </a:p>
@@ -3902,7 +4749,7 @@
             <a:pPr marL="457200" lvl="1" indent="0">
               <a:buNone/>
             </a:pPr>
-            <a:endParaRPr lang="en-GB" dirty="0"/>
+            <a:endParaRPr lang="en-GB" sz="2000"/>
           </a:p>
         </p:txBody>
       </p:sp>
@@ -3922,6 +4769,14 @@
 <file path=ppt/slides/slide3.xml><?xml version="1.0" encoding="utf-8"?>
 <p:sld xmlns:a="http://schemas.openxmlformats.org/drawingml/2006/main" xmlns:r="http://schemas.openxmlformats.org/officeDocument/2006/relationships" xmlns:p="http://schemas.openxmlformats.org/presentationml/2006/main">
   <p:cSld>
+    <p:bg>
+      <p:bgPr>
+        <a:solidFill>
+          <a:schemeClr val="bg1"/>
+        </a:solidFill>
+        <a:effectLst/>
+      </p:bgPr>
+    </p:bg>
     <p:spTree>
       <p:nvGrpSpPr>
         <p:cNvPr id="1" name=""/>
@@ -3936,147 +4791,457 @@
           <a:chExt cx="0" cy="0"/>
         </a:xfrm>
       </p:grpSpPr>
-      <p:sp>
-        <p:nvSpPr>
-          <p:cNvPr id="2" name="Título 1">
-            <a:extLst>
-              <a:ext uri="{FF2B5EF4-FFF2-40B4-BE49-F238E27FC236}">
-                <a16:creationId xmlns:a16="http://schemas.microsoft.com/office/drawing/2014/main" id="{3D2C3630-63D1-4ABA-5E90-228527877212}"/>
-              </a:ext>
-            </a:extLst>
-          </p:cNvPr>
-          <p:cNvSpPr>
-            <a:spLocks noGrp="1"/>
-          </p:cNvSpPr>
-          <p:nvPr>
-            <p:ph type="title"/>
+      <p:sp useBgFill="1">
+        <p:nvSpPr>
+          <p:cNvPr id="21" name="Rectangle 20">
+            <a:extLst>
+              <a:ext uri="{FF2B5EF4-FFF2-40B4-BE49-F238E27FC236}">
+                <a16:creationId xmlns:a16="http://schemas.microsoft.com/office/drawing/2014/main" id="{2B97F24A-32CE-4C1C-A50D-3016B394DCFB}"/>
+              </a:ext>
+              <a:ext uri="{C183D7F6-B498-43B3-948B-1728B52AA6E4}">
+                <adec:decorative xmlns:adec="http://schemas.microsoft.com/office/drawing/2017/decorative" val="1"/>
+              </a:ext>
+            </a:extLst>
+          </p:cNvPr>
+          <p:cNvSpPr>
+            <a:spLocks noGrp="1" noRot="1" noChangeAspect="1" noMove="1" noResize="1" noEditPoints="1" noAdjustHandles="1" noChangeArrowheads="1" noChangeShapeType="1" noTextEdit="1"/>
+          </p:cNvSpPr>
+          <p:nvPr>
+            <p:extLst>
+              <p:ext uri="{386F3935-93C4-4BCD-93E2-E3B085C9AB24}">
+                <p16:designElem xmlns:p16="http://schemas.microsoft.com/office/powerpoint/2015/main" val="1"/>
+              </p:ext>
+            </p:extLst>
           </p:nvPr>
         </p:nvSpPr>
         <p:spPr>
           <a:xfrm>
-            <a:off x="839788" y="736767"/>
-            <a:ext cx="3932237" cy="501316"/>
+            <a:off x="0" y="0"/>
+            <a:ext cx="12192000" cy="6858000"/>
+          </a:xfrm>
+          <a:prstGeom prst="rect">
+            <a:avLst/>
+          </a:prstGeom>
+          <a:ln>
+            <a:noFill/>
+          </a:ln>
+        </p:spPr>
+        <p:style>
+          <a:lnRef idx="2">
+            <a:schemeClr val="accent1">
+              <a:shade val="50000"/>
+            </a:schemeClr>
+          </a:lnRef>
+          <a:fillRef idx="1">
+            <a:schemeClr val="accent1"/>
+          </a:fillRef>
+          <a:effectRef idx="0">
+            <a:schemeClr val="accent1"/>
+          </a:effectRef>
+          <a:fontRef idx="minor">
+            <a:schemeClr val="lt1"/>
+          </a:fontRef>
+        </p:style>
+        <p:txBody>
+          <a:bodyPr rtlCol="0" anchor="ctr"/>
+          <a:lstStyle/>
+          <a:p>
+            <a:pPr algn="ctr"/>
+            <a:endParaRPr lang="en-US"/>
+          </a:p>
+        </p:txBody>
+      </p:sp>
+      <p:sp>
+        <p:nvSpPr>
+          <p:cNvPr id="2" name="Título 1">
+            <a:extLst>
+              <a:ext uri="{FF2B5EF4-FFF2-40B4-BE49-F238E27FC236}">
+                <a16:creationId xmlns:a16="http://schemas.microsoft.com/office/drawing/2014/main" id="{CDCDD8E0-E6E6-5F10-E59D-A65540973727}"/>
+              </a:ext>
+            </a:extLst>
+          </p:cNvPr>
+          <p:cNvSpPr>
+            <a:spLocks noGrp="1"/>
+          </p:cNvSpPr>
+          <p:nvPr>
+            <p:ph type="title"/>
+          </p:nvPr>
+        </p:nvSpPr>
+        <p:spPr>
+          <a:xfrm>
+            <a:off x="630936" y="639520"/>
+            <a:ext cx="3429000" cy="1719072"/>
           </a:xfrm>
         </p:spPr>
         <p:txBody>
-          <a:bodyPr>
-            <a:normAutofit fontScale="90000"/>
+          <a:bodyPr vert="horz" lIns="91440" tIns="45720" rIns="91440" bIns="45720" rtlCol="0" anchor="b">
+            <a:normAutofit/>
           </a:bodyPr>
           <a:lstStyle/>
           <a:p>
             <a:r>
-              <a:rPr lang="en-GB" b="1" dirty="0"/>
-              <a:t>Business Problem </a:t>
-            </a:r>
-          </a:p>
-        </p:txBody>
-      </p:sp>
-      <p:sp>
-        <p:nvSpPr>
-          <p:cNvPr id="3" name="Marcador de contenido 2">
-            <a:extLst>
-              <a:ext uri="{FF2B5EF4-FFF2-40B4-BE49-F238E27FC236}">
-                <a16:creationId xmlns:a16="http://schemas.microsoft.com/office/drawing/2014/main" id="{ABF114C0-C700-0A15-B440-C847219496BE}"/>
-              </a:ext>
-            </a:extLst>
-          </p:cNvPr>
-          <p:cNvSpPr>
-            <a:spLocks noGrp="1"/>
-          </p:cNvSpPr>
-          <p:nvPr>
-            <p:ph idx="1"/>
-          </p:nvPr>
-        </p:nvSpPr>
-        <p:spPr/>
-        <p:txBody>
-          <a:bodyPr/>
-          <a:lstStyle/>
-          <a:p>
-            <a:pPr marL="0" indent="0">
-              <a:buNone/>
-            </a:pPr>
-            <a:r>
-              <a:rPr lang="en-GB" dirty="0"/>
-              <a:t> </a:t>
-            </a:r>
-          </a:p>
-        </p:txBody>
-      </p:sp>
-      <p:sp>
-        <p:nvSpPr>
-          <p:cNvPr id="4" name="Marcador de texto 3">
-            <a:extLst>
-              <a:ext uri="{FF2B5EF4-FFF2-40B4-BE49-F238E27FC236}">
-                <a16:creationId xmlns:a16="http://schemas.microsoft.com/office/drawing/2014/main" id="{40F08160-F46B-2EA8-0115-2429FF46C61E}"/>
-              </a:ext>
-            </a:extLst>
-          </p:cNvPr>
-          <p:cNvSpPr>
-            <a:spLocks noGrp="1"/>
-          </p:cNvSpPr>
-          <p:nvPr>
-            <p:ph type="body" sz="half" idx="2"/>
+              <a:rPr lang="en-US" sz="5400" b="1" kern="1200">
+                <a:solidFill>
+                  <a:schemeClr val="tx1"/>
+                </a:solidFill>
+                <a:latin typeface="+mj-lt"/>
+                <a:ea typeface="+mj-ea"/>
+                <a:cs typeface="+mj-cs"/>
+              </a:rPr>
+              <a:t>Business Problem</a:t>
+            </a:r>
+          </a:p>
+        </p:txBody>
+      </p:sp>
+      <p:sp>
+        <p:nvSpPr>
+          <p:cNvPr id="23" name="sketch line">
+            <a:extLst>
+              <a:ext uri="{FF2B5EF4-FFF2-40B4-BE49-F238E27FC236}">
+                <a16:creationId xmlns:a16="http://schemas.microsoft.com/office/drawing/2014/main" id="{CD8B4F24-440B-49E9-B85D-733523DC064B}"/>
+              </a:ext>
+              <a:ext uri="{C183D7F6-B498-43B3-948B-1728B52AA6E4}">
+                <adec:decorative xmlns:adec="http://schemas.microsoft.com/office/drawing/2017/decorative" val="1"/>
+              </a:ext>
+            </a:extLst>
+          </p:cNvPr>
+          <p:cNvSpPr>
+            <a:spLocks noGrp="1" noRot="1" noChangeAspect="1" noMove="1" noResize="1" noEditPoints="1" noAdjustHandles="1" noChangeArrowheads="1" noChangeShapeType="1" noTextEdit="1"/>
+          </p:cNvSpPr>
+          <p:nvPr>
+            <p:extLst>
+              <p:ext uri="{386F3935-93C4-4BCD-93E2-E3B085C9AB24}">
+                <p16:designElem xmlns:p16="http://schemas.microsoft.com/office/powerpoint/2015/main" val="1"/>
+              </p:ext>
+            </p:extLst>
           </p:nvPr>
         </p:nvSpPr>
         <p:spPr>
           <a:xfrm>
-            <a:off x="839788" y="1363580"/>
-            <a:ext cx="3932237" cy="3994484"/>
+            <a:off x="643278" y="2573756"/>
+            <a:ext cx="3255095" cy="18288"/>
+          </a:xfrm>
+          <a:custGeom>
+            <a:avLst/>
+            <a:gdLst>
+              <a:gd name="csX0" fmla="*/ 0 w 3255095"/>
+              <a:gd name="csY0" fmla="*/ 0 h 18288"/>
+              <a:gd name="csX1" fmla="*/ 618468 w 3255095"/>
+              <a:gd name="csY1" fmla="*/ 0 h 18288"/>
+              <a:gd name="csX2" fmla="*/ 1269487 w 3255095"/>
+              <a:gd name="csY2" fmla="*/ 0 h 18288"/>
+              <a:gd name="csX3" fmla="*/ 1953057 w 3255095"/>
+              <a:gd name="csY3" fmla="*/ 0 h 18288"/>
+              <a:gd name="csX4" fmla="*/ 2636627 w 3255095"/>
+              <a:gd name="csY4" fmla="*/ 0 h 18288"/>
+              <a:gd name="csX5" fmla="*/ 3255095 w 3255095"/>
+              <a:gd name="csY5" fmla="*/ 0 h 18288"/>
+              <a:gd name="csX6" fmla="*/ 3255095 w 3255095"/>
+              <a:gd name="csY6" fmla="*/ 18288 h 18288"/>
+              <a:gd name="csX7" fmla="*/ 2538974 w 3255095"/>
+              <a:gd name="csY7" fmla="*/ 18288 h 18288"/>
+              <a:gd name="csX8" fmla="*/ 1822853 w 3255095"/>
+              <a:gd name="csY8" fmla="*/ 18288 h 18288"/>
+              <a:gd name="csX9" fmla="*/ 1171834 w 3255095"/>
+              <a:gd name="csY9" fmla="*/ 18288 h 18288"/>
+              <a:gd name="csX10" fmla="*/ 0 w 3255095"/>
+              <a:gd name="csY10" fmla="*/ 18288 h 18288"/>
+              <a:gd name="csX11" fmla="*/ 0 w 3255095"/>
+              <a:gd name="csY11" fmla="*/ 0 h 18288"/>
+            </a:gdLst>
+            <a:ahLst/>
+            <a:cxnLst>
+              <a:cxn ang="0">
+                <a:pos x="csX0" y="csY0"/>
+              </a:cxn>
+              <a:cxn ang="0">
+                <a:pos x="csX1" y="csY1"/>
+              </a:cxn>
+              <a:cxn ang="0">
+                <a:pos x="csX2" y="csY2"/>
+              </a:cxn>
+              <a:cxn ang="0">
+                <a:pos x="csX3" y="csY3"/>
+              </a:cxn>
+              <a:cxn ang="0">
+                <a:pos x="csX4" y="csY4"/>
+              </a:cxn>
+              <a:cxn ang="0">
+                <a:pos x="csX5" y="csY5"/>
+              </a:cxn>
+              <a:cxn ang="0">
+                <a:pos x="csX6" y="csY6"/>
+              </a:cxn>
+              <a:cxn ang="0">
+                <a:pos x="csX7" y="csY7"/>
+              </a:cxn>
+              <a:cxn ang="0">
+                <a:pos x="csX8" y="csY8"/>
+              </a:cxn>
+              <a:cxn ang="0">
+                <a:pos x="csX9" y="csY9"/>
+              </a:cxn>
+              <a:cxn ang="0">
+                <a:pos x="csX10" y="csY10"/>
+              </a:cxn>
+              <a:cxn ang="0">
+                <a:pos x="csX11" y="csY11"/>
+              </a:cxn>
+            </a:cxnLst>
+            <a:rect l="l" t="t" r="r" b="b"/>
+            <a:pathLst>
+              <a:path w="3255095" h="18288" fill="none" extrusionOk="0">
+                <a:moveTo>
+                  <a:pt x="0" y="0"/>
+                </a:moveTo>
+                <a:cubicBezTo>
+                  <a:pt x="240201" y="-22123"/>
+                  <a:pt x="462021" y="-19623"/>
+                  <a:pt x="618468" y="0"/>
+                </a:cubicBezTo>
+                <a:cubicBezTo>
+                  <a:pt x="774915" y="19623"/>
+                  <a:pt x="974734" y="2035"/>
+                  <a:pt x="1269487" y="0"/>
+                </a:cubicBezTo>
+                <a:cubicBezTo>
+                  <a:pt x="1564240" y="-2035"/>
+                  <a:pt x="1733579" y="10639"/>
+                  <a:pt x="1953057" y="0"/>
+                </a:cubicBezTo>
+                <a:cubicBezTo>
+                  <a:pt x="2172535" y="-10639"/>
+                  <a:pt x="2453962" y="14018"/>
+                  <a:pt x="2636627" y="0"/>
+                </a:cubicBezTo>
+                <a:cubicBezTo>
+                  <a:pt x="2819292" y="-14018"/>
+                  <a:pt x="3121375" y="5399"/>
+                  <a:pt x="3255095" y="0"/>
+                </a:cubicBezTo>
+                <a:cubicBezTo>
+                  <a:pt x="3254386" y="8157"/>
+                  <a:pt x="3254682" y="12125"/>
+                  <a:pt x="3255095" y="18288"/>
+                </a:cubicBezTo>
+                <a:cubicBezTo>
+                  <a:pt x="3088545" y="23203"/>
+                  <a:pt x="2687475" y="7419"/>
+                  <a:pt x="2538974" y="18288"/>
+                </a:cubicBezTo>
+                <a:cubicBezTo>
+                  <a:pt x="2390473" y="29157"/>
+                  <a:pt x="2137381" y="-8959"/>
+                  <a:pt x="1822853" y="18288"/>
+                </a:cubicBezTo>
+                <a:cubicBezTo>
+                  <a:pt x="1508325" y="45535"/>
+                  <a:pt x="1466437" y="20385"/>
+                  <a:pt x="1171834" y="18288"/>
+                </a:cubicBezTo>
+                <a:cubicBezTo>
+                  <a:pt x="877231" y="16191"/>
+                  <a:pt x="561097" y="37643"/>
+                  <a:pt x="0" y="18288"/>
+                </a:cubicBezTo>
+                <a:cubicBezTo>
+                  <a:pt x="-46" y="12483"/>
+                  <a:pt x="-203" y="6491"/>
+                  <a:pt x="0" y="0"/>
+                </a:cubicBezTo>
+                <a:close/>
+              </a:path>
+              <a:path w="3255095" h="18288" stroke="0" extrusionOk="0">
+                <a:moveTo>
+                  <a:pt x="0" y="0"/>
+                </a:moveTo>
+                <a:cubicBezTo>
+                  <a:pt x="291965" y="19429"/>
+                  <a:pt x="363155" y="8568"/>
+                  <a:pt x="618468" y="0"/>
+                </a:cubicBezTo>
+                <a:cubicBezTo>
+                  <a:pt x="873781" y="-8568"/>
+                  <a:pt x="904459" y="-19505"/>
+                  <a:pt x="1171834" y="0"/>
+                </a:cubicBezTo>
+                <a:cubicBezTo>
+                  <a:pt x="1439209" y="19505"/>
+                  <a:pt x="1744369" y="9790"/>
+                  <a:pt x="1887955" y="0"/>
+                </a:cubicBezTo>
+                <a:cubicBezTo>
+                  <a:pt x="2031541" y="-9790"/>
+                  <a:pt x="2346378" y="21240"/>
+                  <a:pt x="2506423" y="0"/>
+                </a:cubicBezTo>
+                <a:cubicBezTo>
+                  <a:pt x="2666468" y="-21240"/>
+                  <a:pt x="2990257" y="30414"/>
+                  <a:pt x="3255095" y="0"/>
+                </a:cubicBezTo>
+                <a:cubicBezTo>
+                  <a:pt x="3254831" y="4493"/>
+                  <a:pt x="3255479" y="9472"/>
+                  <a:pt x="3255095" y="18288"/>
+                </a:cubicBezTo>
+                <a:cubicBezTo>
+                  <a:pt x="3120743" y="16690"/>
+                  <a:pt x="2759628" y="42462"/>
+                  <a:pt x="2604076" y="18288"/>
+                </a:cubicBezTo>
+                <a:cubicBezTo>
+                  <a:pt x="2448524" y="-5886"/>
+                  <a:pt x="2184336" y="19599"/>
+                  <a:pt x="1887955" y="18288"/>
+                </a:cubicBezTo>
+                <a:cubicBezTo>
+                  <a:pt x="1591574" y="16977"/>
+                  <a:pt x="1548845" y="6870"/>
+                  <a:pt x="1334589" y="18288"/>
+                </a:cubicBezTo>
+                <a:cubicBezTo>
+                  <a:pt x="1120333" y="29706"/>
+                  <a:pt x="996014" y="9662"/>
+                  <a:pt x="683570" y="18288"/>
+                </a:cubicBezTo>
+                <a:cubicBezTo>
+                  <a:pt x="371126" y="26914"/>
+                  <a:pt x="198687" y="16167"/>
+                  <a:pt x="0" y="18288"/>
+                </a:cubicBezTo>
+                <a:cubicBezTo>
+                  <a:pt x="843" y="9577"/>
+                  <a:pt x="371" y="6900"/>
+                  <a:pt x="0" y="0"/>
+                </a:cubicBezTo>
+                <a:close/>
+              </a:path>
+            </a:pathLst>
+          </a:custGeom>
+          <a:solidFill>
+            <a:schemeClr val="accent2"/>
+          </a:solidFill>
+          <a:ln w="38100" cap="rnd">
+            <a:solidFill>
+              <a:schemeClr val="accent2"/>
+            </a:solidFill>
+            <a:round/>
+            <a:extLst>
+              <a:ext uri="{C807C97D-BFC1-408E-A445-0C87EB9F89A2}">
+                <ask:lineSketchStyleProps xmlns:ask="http://schemas.microsoft.com/office/drawing/2018/sketchyshapes" sd="1219033472">
+                  <a:prstGeom prst="rect">
+                    <a:avLst/>
+                  </a:prstGeom>
+                  <ask:type>
+                    <ask:lineSketchFreehand/>
+                  </ask:type>
+                </ask:lineSketchStyleProps>
+              </a:ext>
+            </a:extLst>
+          </a:ln>
+        </p:spPr>
+        <p:style>
+          <a:lnRef idx="2">
+            <a:schemeClr val="accent1">
+              <a:shade val="50000"/>
+            </a:schemeClr>
+          </a:lnRef>
+          <a:fillRef idx="1">
+            <a:schemeClr val="accent1"/>
+          </a:fillRef>
+          <a:effectRef idx="0">
+            <a:schemeClr val="accent1"/>
+          </a:effectRef>
+          <a:fontRef idx="minor">
+            <a:schemeClr val="lt1"/>
+          </a:fontRef>
+        </p:style>
+        <p:txBody>
+          <a:bodyPr rtlCol="0" anchor="ctr"/>
+          <a:lstStyle/>
+          <a:p>
+            <a:pPr algn="ctr"/>
+            <a:endParaRPr lang="en-US"/>
+          </a:p>
+        </p:txBody>
+      </p:sp>
+      <p:sp>
+        <p:nvSpPr>
+          <p:cNvPr id="4" name="Marcador de texto 3">
+            <a:extLst>
+              <a:ext uri="{FF2B5EF4-FFF2-40B4-BE49-F238E27FC236}">
+                <a16:creationId xmlns:a16="http://schemas.microsoft.com/office/drawing/2014/main" id="{C28278E9-FDD9-5B7F-EF03-07B1DB6B5A34}"/>
+              </a:ext>
+            </a:extLst>
+          </p:cNvPr>
+          <p:cNvSpPr>
+            <a:spLocks noGrp="1"/>
+          </p:cNvSpPr>
+          <p:nvPr>
+            <p:ph type="body" sz="half" idx="2"/>
+          </p:nvPr>
+        </p:nvSpPr>
+        <p:spPr>
+          <a:xfrm>
+            <a:off x="630936" y="2807208"/>
+            <a:ext cx="3429000" cy="3410712"/>
           </a:xfrm>
         </p:spPr>
         <p:txBody>
-          <a:bodyPr/>
-          <a:lstStyle/>
-          <a:p>
-            <a:pPr marL="285750" indent="-285750">
+          <a:bodyPr vert="horz" lIns="91440" tIns="45720" rIns="91440" bIns="45720" rtlCol="0" anchor="t">
+            <a:normAutofit/>
+          </a:bodyPr>
+          <a:lstStyle/>
+          <a:p>
+            <a:r>
+              <a:rPr lang="en-US" sz="1400" b="1" dirty="0"/>
+              <a:t>Problem:</a:t>
+            </a:r>
+          </a:p>
+          <a:p>
+            <a:pPr indent="-228600">
               <a:buFont typeface="Arial" panose="020B0604020202020204" pitchFamily="34" charset="0"/>
               <a:buChar char="•"/>
             </a:pPr>
             <a:r>
-              <a:rPr lang="en-GB" b="1" dirty="0"/>
-              <a:t>Problem: </a:t>
-            </a:r>
-            <a:r>
-              <a:rPr lang="en-GB" dirty="0"/>
-              <a:t>Electricity generation varies due to the weather, demand or seasonality. This creates uncertainty for system planning.</a:t>
-            </a:r>
-          </a:p>
-          <a:p>
-            <a:pPr marL="285750" indent="-285750">
+              <a:rPr lang="en-US" sz="1400" dirty="0"/>
+              <a:t>Electricity generation in Spain is highly variable due to weather conditions, demand fluctuations, and seasonal patterns. This variability introduces uncertainty in grid operation, generation planning, and energy market decisions.</a:t>
+            </a:r>
+          </a:p>
+          <a:p>
+            <a:r>
+              <a:rPr lang="en-US" sz="1400" b="1" dirty="0"/>
+              <a:t>Goal :</a:t>
+            </a:r>
+          </a:p>
+          <a:p>
+            <a:pPr indent="-228600">
               <a:buFont typeface="Arial" panose="020B0604020202020204" pitchFamily="34" charset="0"/>
               <a:buChar char="•"/>
             </a:pPr>
             <a:r>
-              <a:rPr lang="en-GB" b="1" dirty="0"/>
-              <a:t>Goal: </a:t>
-            </a:r>
-            <a:r>
-              <a:rPr lang="en-GB" dirty="0"/>
-              <a:t>Forecast daily electricity generation for Spain by production technology for January 2026. </a:t>
-            </a:r>
-          </a:p>
-          <a:p>
-            <a:pPr marL="285750" indent="-285750">
-              <a:buFont typeface="Arial" panose="020B0604020202020204" pitchFamily="34" charset="0"/>
-              <a:buChar char="•"/>
-            </a:pPr>
-            <a:endParaRPr lang="en-GB" dirty="0"/>
+              <a:rPr lang="en-US" sz="1400" dirty="0"/>
+              <a:t>Forecast daily electricity generation by production technology for January 2026 to support better planning decisions, reduce operational risk, and minimize economic losses caused by unexpected changes in generation.</a:t>
+            </a:r>
           </a:p>
         </p:txBody>
       </p:sp>
       <p:pic>
         <p:nvPicPr>
-          <p:cNvPr id="6" name="Imagen 5" descr="Gráfico&#10;&#10;El contenido generado por IA puede ser incorrecto.">
-            <a:extLst>
-              <a:ext uri="{FF2B5EF4-FFF2-40B4-BE49-F238E27FC236}">
-                <a16:creationId xmlns:a16="http://schemas.microsoft.com/office/drawing/2014/main" id="{0ABE41F3-A217-D9FB-3780-61E5B5AD2736}"/>
+          <p:cNvPr id="6" name="Marcador de contenido 5" descr="Gráfico&#10;&#10;El contenido generado por IA puede ser incorrecto.">
+            <a:extLst>
+              <a:ext uri="{FF2B5EF4-FFF2-40B4-BE49-F238E27FC236}">
+                <a16:creationId xmlns:a16="http://schemas.microsoft.com/office/drawing/2014/main" id="{3D6E01D1-9C43-F922-1E44-E5E5F103036C}"/>
               </a:ext>
             </a:extLst>
           </p:cNvPr>
           <p:cNvPicPr>
-            <a:picLocks noChangeAspect="1"/>
+            <a:picLocks noGrp="1" noChangeAspect="1"/>
           </p:cNvPicPr>
-          <p:nvPr/>
+          <p:nvPr>
+            <p:ph idx="1"/>
+          </p:nvPr>
         </p:nvPicPr>
         <p:blipFill>
           <a:blip r:embed="rId2"/>
@@ -4086,8 +5251,8 @@
         </p:blipFill>
         <p:spPr>
           <a:xfrm>
-            <a:off x="4772025" y="1363580"/>
-            <a:ext cx="6756744" cy="3352800"/>
+            <a:off x="4654296" y="1720330"/>
+            <a:ext cx="6903720" cy="3417340"/>
           </a:xfrm>
           <a:prstGeom prst="rect">
             <a:avLst/>
@@ -4097,7 +5262,7 @@
     </p:spTree>
     <p:extLst>
       <p:ext uri="{BB962C8B-B14F-4D97-AF65-F5344CB8AC3E}">
-        <p14:creationId xmlns:p14="http://schemas.microsoft.com/office/powerpoint/2010/main" val="1969395217"/>
+        <p14:creationId xmlns:p14="http://schemas.microsoft.com/office/powerpoint/2010/main" val="3834023385"/>
       </p:ext>
     </p:extLst>
   </p:cSld>
@@ -4129,7 +5294,7 @@
           <p:cNvPr id="2" name="Título 1">
             <a:extLst>
               <a:ext uri="{FF2B5EF4-FFF2-40B4-BE49-F238E27FC236}">
-                <a16:creationId xmlns:a16="http://schemas.microsoft.com/office/drawing/2014/main" id="{BF770FDD-F60D-CD86-6B5D-42D104681284}"/>
+                <a16:creationId xmlns:a16="http://schemas.microsoft.com/office/drawing/2014/main" id="{42A9E8B0-5780-1E83-BEA3-DA915D48DCB9}"/>
               </a:ext>
             </a:extLst>
           </p:cNvPr>
@@ -4147,7 +5312,7 @@
           <a:p>
             <a:r>
               <a:rPr lang="en-GB" b="1" dirty="0"/>
-              <a:t>Why Forecasting Matters?</a:t>
+              <a:t>Solution Overview. General</a:t>
             </a:r>
           </a:p>
         </p:txBody>
@@ -4157,7 +5322,7 @@
           <p:cNvPr id="3" name="Marcador de contenido 2">
             <a:extLst>
               <a:ext uri="{FF2B5EF4-FFF2-40B4-BE49-F238E27FC236}">
-                <a16:creationId xmlns:a16="http://schemas.microsoft.com/office/drawing/2014/main" id="{DB0D5D11-1F12-A2BB-0779-DA3F2FC7F378}"/>
+                <a16:creationId xmlns:a16="http://schemas.microsoft.com/office/drawing/2014/main" id="{7894CECC-7894-ECB1-EB7F-3348F971579B}"/>
               </a:ext>
             </a:extLst>
           </p:cNvPr>
@@ -4170,99 +5335,133 @@
         </p:nvSpPr>
         <p:spPr/>
         <p:txBody>
-          <a:bodyPr/>
-          <a:lstStyle/>
-          <a:p>
+          <a:bodyPr>
+            <a:normAutofit fontScale="92500" lnSpcReduction="10000"/>
+          </a:bodyPr>
+          <a:lstStyle/>
+          <a:p>
+            <a:pPr marL="514350" indent="-514350">
+              <a:buAutoNum type="arabicPeriod"/>
+            </a:pPr>
+            <a:r>
+              <a:rPr lang="en-GB" b="1" dirty="0"/>
+              <a:t>Business understanding: </a:t>
+            </a:r>
             <a:r>
               <a:rPr lang="en-GB" dirty="0"/>
-              <a:t>Accurate forecast support:</a:t>
-            </a:r>
-          </a:p>
-          <a:p>
-            <a:pPr lvl="1"/>
+              <a:t>define the forecasting goal and the value.</a:t>
+            </a:r>
+          </a:p>
+          <a:p>
+            <a:pPr marL="514350" indent="-514350">
+              <a:buAutoNum type="arabicPeriod"/>
+            </a:pPr>
+            <a:r>
+              <a:rPr lang="en-GB" b="1" dirty="0"/>
+              <a:t>Data understanding: </a:t>
+            </a:r>
             <a:r>
               <a:rPr lang="en-GB" dirty="0"/>
-              <a:t>Operational planning and balancing </a:t>
-            </a:r>
-          </a:p>
-          <a:p>
-            <a:pPr lvl="1"/>
+              <a:t>inspect the dataset, frequency, trends, seasonality, missing values.</a:t>
+            </a:r>
+          </a:p>
+          <a:p>
+            <a:pPr marL="514350" indent="-514350">
+              <a:buAutoNum type="arabicPeriod"/>
+            </a:pPr>
+            <a:r>
+              <a:rPr lang="en-GB" b="1" dirty="0"/>
+              <a:t>Data preparation: </a:t>
+            </a:r>
             <a:r>
               <a:rPr lang="en-GB" dirty="0"/>
-              <a:t>Resource scheduling</a:t>
-            </a:r>
-          </a:p>
-          <a:p>
-            <a:pPr lvl="1"/>
+              <a:t>clean, reshape, and build a final time series dataset. </a:t>
+            </a:r>
+            <a:endParaRPr lang="en-GB" b="1" dirty="0"/>
+          </a:p>
+        </p:txBody>
+      </p:sp>
+      <p:sp>
+        <p:nvSpPr>
+          <p:cNvPr id="4" name="Marcador de contenido 3">
+            <a:extLst>
+              <a:ext uri="{FF2B5EF4-FFF2-40B4-BE49-F238E27FC236}">
+                <a16:creationId xmlns:a16="http://schemas.microsoft.com/office/drawing/2014/main" id="{36039BA5-2B95-6EF8-D781-F966AF02BADC}"/>
+              </a:ext>
+            </a:extLst>
+          </p:cNvPr>
+          <p:cNvSpPr>
+            <a:spLocks noGrp="1"/>
+          </p:cNvSpPr>
+          <p:nvPr>
+            <p:ph sz="half" idx="2"/>
+          </p:nvPr>
+        </p:nvSpPr>
+        <p:spPr/>
+        <p:txBody>
+          <a:bodyPr>
+            <a:normAutofit fontScale="92500" lnSpcReduction="10000"/>
+          </a:bodyPr>
+          <a:lstStyle/>
+          <a:p>
+            <a:pPr marL="0" indent="0">
+              <a:buNone/>
+            </a:pPr>
+            <a:r>
+              <a:rPr lang="en-GB" b="1" dirty="0"/>
+              <a:t>4. Feature engineering: </a:t>
+            </a:r>
             <a:r>
               <a:rPr lang="en-GB" dirty="0"/>
-              <a:t>Markt decisions and risk management</a:t>
-            </a:r>
-          </a:p>
-          <a:p>
-            <a:pPr marL="457200" lvl="1" indent="0">
+              <a:t>create lag features, calendar features…</a:t>
+            </a:r>
+          </a:p>
+          <a:p>
+            <a:pPr marL="0" indent="0">
               <a:buNone/>
             </a:pPr>
             <a:r>
+              <a:rPr lang="en-GB" b="1" dirty="0"/>
+              <a:t>5. Modelling: </a:t>
+            </a:r>
+            <a:r>
               <a:rPr lang="en-GB" dirty="0"/>
-              <a:t> </a:t>
-            </a:r>
-          </a:p>
-        </p:txBody>
-      </p:sp>
-      <p:sp>
-        <p:nvSpPr>
-          <p:cNvPr id="4" name="Marcador de contenido 3">
-            <a:extLst>
-              <a:ext uri="{FF2B5EF4-FFF2-40B4-BE49-F238E27FC236}">
-                <a16:creationId xmlns:a16="http://schemas.microsoft.com/office/drawing/2014/main" id="{3AD3EC20-713B-F674-A0B0-6E0154253C25}"/>
-              </a:ext>
-            </a:extLst>
-          </p:cNvPr>
-          <p:cNvSpPr>
-            <a:spLocks noGrp="1"/>
-          </p:cNvSpPr>
-          <p:nvPr>
-            <p:ph sz="half" idx="2"/>
-          </p:nvPr>
-        </p:nvSpPr>
-        <p:spPr/>
-        <p:txBody>
-          <a:bodyPr/>
-          <a:lstStyle/>
-          <a:p>
+              <a:t>train model families used in class (baselines, statistical, ML, neural)</a:t>
+            </a:r>
+          </a:p>
+          <a:p>
+            <a:pPr marL="0" indent="0">
+              <a:buNone/>
+            </a:pPr>
+            <a:r>
+              <a:rPr lang="en-GB" b="1" dirty="0"/>
+              <a:t>6. Evaluation: </a:t>
+            </a:r>
             <a:r>
               <a:rPr lang="en-GB" dirty="0"/>
-              <a:t>Without forecast:</a:t>
-            </a:r>
-          </a:p>
-          <a:p>
-            <a:pPr lvl="1"/>
+              <a:t>time-based validation/test split, metrics and plots. </a:t>
+            </a:r>
+          </a:p>
+          <a:p>
+            <a:pPr marL="0" indent="0">
+              <a:buNone/>
+            </a:pPr>
+            <a:r>
+              <a:rPr lang="en-GB" b="1" dirty="0"/>
+              <a:t>7. Output: </a:t>
+            </a:r>
             <a:r>
               <a:rPr lang="en-GB" dirty="0"/>
-              <a:t>Reactive decisions </a:t>
-            </a:r>
-          </a:p>
-          <a:p>
-            <a:pPr lvl="1"/>
-            <a:r>
-              <a:rPr lang="en-GB" dirty="0"/>
-              <a:t>Higher operational risk </a:t>
-            </a:r>
-          </a:p>
-          <a:p>
-            <a:pPr lvl="1"/>
-            <a:r>
-              <a:rPr lang="en-GB" dirty="0"/>
-              <a:t>Potential extra costs </a:t>
-            </a:r>
+              <a:t>forecast January 2026, export predictions, save metrics for reporting. </a:t>
+            </a:r>
+            <a:endParaRPr lang="en-GB" b="1" dirty="0"/>
           </a:p>
         </p:txBody>
       </p:sp>
     </p:spTree>
     <p:extLst>
       <p:ext uri="{BB962C8B-B14F-4D97-AF65-F5344CB8AC3E}">
-        <p14:creationId xmlns:p14="http://schemas.microsoft.com/office/powerpoint/2010/main" val="41098194"/>
+        <p14:creationId xmlns:p14="http://schemas.microsoft.com/office/powerpoint/2010/main" val="1507118366"/>
       </p:ext>
     </p:extLst>
   </p:cSld>
@@ -4294,7 +5493,7 @@
           <p:cNvPr id="2" name="Título 1">
             <a:extLst>
               <a:ext uri="{FF2B5EF4-FFF2-40B4-BE49-F238E27FC236}">
-                <a16:creationId xmlns:a16="http://schemas.microsoft.com/office/drawing/2014/main" id="{42A9E8B0-5780-1E83-BEA3-DA915D48DCB9}"/>
+                <a16:creationId xmlns:a16="http://schemas.microsoft.com/office/drawing/2014/main" id="{110350D3-30BF-6837-F2FB-FBDB6602EE72}"/>
               </a:ext>
             </a:extLst>
           </p:cNvPr>
@@ -4312,7 +5511,7 @@
           <a:p>
             <a:r>
               <a:rPr lang="en-GB" b="1" dirty="0"/>
-              <a:t>Solution Overview </a:t>
+              <a:t>Solution Overview (General)</a:t>
             </a:r>
           </a:p>
         </p:txBody>
@@ -4322,7 +5521,7 @@
           <p:cNvPr id="3" name="Marcador de contenido 2">
             <a:extLst>
               <a:ext uri="{FF2B5EF4-FFF2-40B4-BE49-F238E27FC236}">
-                <a16:creationId xmlns:a16="http://schemas.microsoft.com/office/drawing/2014/main" id="{7894CECC-7894-ECB1-EB7F-3348F971579B}"/>
+                <a16:creationId xmlns:a16="http://schemas.microsoft.com/office/drawing/2014/main" id="{D77DD94E-7F8E-0585-321E-7099CABCFE27}"/>
               </a:ext>
             </a:extLst>
           </p:cNvPr>
@@ -4335,9 +5534,7 @@
         </p:nvSpPr>
         <p:spPr/>
         <p:txBody>
-          <a:bodyPr>
-            <a:normAutofit fontScale="92500" lnSpcReduction="10000"/>
-          </a:bodyPr>
+          <a:bodyPr/>
           <a:lstStyle/>
           <a:p>
             <a:pPr marL="514350" indent="-514350">
@@ -4345,11 +5542,11 @@
             </a:pPr>
             <a:r>
               <a:rPr lang="en-GB" b="1" dirty="0"/>
-              <a:t>Business understanding: </a:t>
+              <a:t>Business goal: </a:t>
             </a:r>
             <a:r>
               <a:rPr lang="en-GB" dirty="0"/>
-              <a:t>define the forecasting goal and the value.</a:t>
+              <a:t>forecast daily electricity generation (Top-7 technologies).</a:t>
             </a:r>
           </a:p>
           <a:p>
@@ -4358,11 +5555,11 @@
             </a:pPr>
             <a:r>
               <a:rPr lang="en-GB" b="1" dirty="0"/>
-              <a:t>Data understanding: </a:t>
+              <a:t>Data preparation: </a:t>
             </a:r>
             <a:r>
               <a:rPr lang="en-GB" dirty="0"/>
-              <a:t>inspect the dataset, frequency, trends, seasonality, missing values.</a:t>
+              <a:t>clean panel data, full daily grid, missing values handled </a:t>
             </a:r>
           </a:p>
           <a:p>
@@ -4371,11 +5568,11 @@
             </a:pPr>
             <a:r>
               <a:rPr lang="en-GB" b="1" dirty="0"/>
-              <a:t>Data preparation: </a:t>
+              <a:t>Feature engineering: </a:t>
             </a:r>
             <a:r>
               <a:rPr lang="en-GB" dirty="0"/>
-              <a:t>clean, reshape, and build a final time series dataset. </a:t>
+              <a:t>lags, calendar features and rolling statistics. </a:t>
             </a:r>
             <a:endParaRPr lang="en-GB" b="1" dirty="0"/>
           </a:p>
@@ -4386,7 +5583,7 @@
           <p:cNvPr id="4" name="Marcador de contenido 3">
             <a:extLst>
               <a:ext uri="{FF2B5EF4-FFF2-40B4-BE49-F238E27FC236}">
-                <a16:creationId xmlns:a16="http://schemas.microsoft.com/office/drawing/2014/main" id="{36039BA5-2B95-6EF8-D781-F966AF02BADC}"/>
+                <a16:creationId xmlns:a16="http://schemas.microsoft.com/office/drawing/2014/main" id="{9199A925-090D-C224-5A0C-26518CA5948C}"/>
               </a:ext>
             </a:extLst>
           </p:cNvPr>
@@ -4399,9 +5596,7 @@
         </p:nvSpPr>
         <p:spPr/>
         <p:txBody>
-          <a:bodyPr>
-            <a:normAutofit fontScale="92500" lnSpcReduction="10000"/>
-          </a:bodyPr>
+          <a:bodyPr/>
           <a:lstStyle/>
           <a:p>
             <a:pPr marL="0" indent="0">
@@ -4409,11 +5604,11 @@
             </a:pPr>
             <a:r>
               <a:rPr lang="en-GB" b="1" dirty="0"/>
-              <a:t>4. Feature engineering: </a:t>
+              <a:t>4. Modelling: </a:t>
             </a:r>
             <a:r>
               <a:rPr lang="en-GB" dirty="0"/>
-              <a:t>create lag features, calendar features…</a:t>
+              <a:t>baselines, statistical (ARIMA), ML and neural models.</a:t>
             </a:r>
           </a:p>
           <a:p>
@@ -4422,11 +5617,11 @@
             </a:pPr>
             <a:r>
               <a:rPr lang="en-GB" b="1" dirty="0"/>
-              <a:t>5. Modelling: </a:t>
+              <a:t>5. Evaluation: </a:t>
             </a:r>
             <a:r>
               <a:rPr lang="en-GB" dirty="0"/>
-              <a:t>train model families used in class (baselines, statistical, ML, neural)</a:t>
+              <a:t>time-based Train/Val/Test split with error metrics. </a:t>
             </a:r>
           </a:p>
           <a:p>
@@ -4435,24 +5630,11 @@
             </a:pPr>
             <a:r>
               <a:rPr lang="en-GB" b="1" dirty="0"/>
-              <a:t>6. Evaluation: </a:t>
+              <a:t>6. Output: </a:t>
             </a:r>
             <a:r>
               <a:rPr lang="en-GB" dirty="0"/>
-              <a:t>time-based validation/test split, metrics and plots. </a:t>
-            </a:r>
-          </a:p>
-          <a:p>
-            <a:pPr marL="0" indent="0">
-              <a:buNone/>
-            </a:pPr>
-            <a:r>
-              <a:rPr lang="en-GB" b="1" dirty="0"/>
-              <a:t>7. Output: </a:t>
-            </a:r>
-            <a:r>
-              <a:rPr lang="en-GB" dirty="0"/>
-              <a:t>forecast January 2026, export predictions, save metrics for reporting. </a:t>
+              <a:t>January 2026 forecast with uncertainty intervals and saved results. </a:t>
             </a:r>
             <a:endParaRPr lang="en-GB" b="1" dirty="0"/>
           </a:p>
@@ -4461,7 +5643,7 @@
     </p:spTree>
     <p:extLst>
       <p:ext uri="{BB962C8B-B14F-4D97-AF65-F5344CB8AC3E}">
-        <p14:creationId xmlns:p14="http://schemas.microsoft.com/office/powerpoint/2010/main" val="1507118366"/>
+        <p14:creationId xmlns:p14="http://schemas.microsoft.com/office/powerpoint/2010/main" val="3410891096"/>
       </p:ext>
     </p:extLst>
   </p:cSld>
@@ -4493,7 +5675,7 @@
           <p:cNvPr id="2" name="Título 1">
             <a:extLst>
               <a:ext uri="{FF2B5EF4-FFF2-40B4-BE49-F238E27FC236}">
-                <a16:creationId xmlns:a16="http://schemas.microsoft.com/office/drawing/2014/main" id="{485EC75C-166F-736B-9B32-DF2AA2C90E4D}"/>
+                <a16:creationId xmlns:a16="http://schemas.microsoft.com/office/drawing/2014/main" id="{35E9EC41-7E88-2489-FB33-88B5903BAA4E}"/>
               </a:ext>
             </a:extLst>
           </p:cNvPr>
@@ -4511,7 +5693,7 @@
           <a:p>
             <a:r>
               <a:rPr lang="en-GB" b="1" dirty="0"/>
-              <a:t>Dataset Info</a:t>
+              <a:t>Solution Overview. (Code Workflow)</a:t>
             </a:r>
           </a:p>
         </p:txBody>
@@ -4521,77 +5703,128 @@
           <p:cNvPr id="3" name="Marcador de contenido 2">
             <a:extLst>
               <a:ext uri="{FF2B5EF4-FFF2-40B4-BE49-F238E27FC236}">
-                <a16:creationId xmlns:a16="http://schemas.microsoft.com/office/drawing/2014/main" id="{64E3B8DF-AD8C-70CC-B696-908F4D13A500}"/>
-              </a:ext>
-            </a:extLst>
-          </p:cNvPr>
-          <p:cNvSpPr>
-            <a:spLocks noGrp="1"/>
-          </p:cNvSpPr>
-          <p:nvPr>
-            <p:ph idx="1"/>
+                <a16:creationId xmlns:a16="http://schemas.microsoft.com/office/drawing/2014/main" id="{5D391234-3875-47F3-F6C8-77A74EC785B2}"/>
+              </a:ext>
+            </a:extLst>
+          </p:cNvPr>
+          <p:cNvSpPr>
+            <a:spLocks noGrp="1"/>
+          </p:cNvSpPr>
+          <p:nvPr>
+            <p:ph sz="half" idx="1"/>
           </p:nvPr>
         </p:nvSpPr>
         <p:spPr/>
         <p:txBody>
-          <a:bodyPr/>
-          <a:lstStyle/>
-          <a:p>
+          <a:bodyPr>
+            <a:normAutofit/>
+          </a:bodyPr>
+          <a:lstStyle/>
+          <a:p>
+            <a:pPr marL="514350" indent="-514350">
+              <a:buAutoNum type="arabicPeriod"/>
+            </a:pPr>
+            <a:r>
+              <a:rPr lang="en-GB" b="1" dirty="0"/>
+              <a:t>Load data: </a:t>
+            </a:r>
             <a:r>
               <a:rPr lang="en-GB" dirty="0"/>
-              <a:t>Source:</a:t>
-            </a:r>
+              <a:t>read the prepared panel dataset (</a:t>
+            </a:r>
+            <a:r>
+              <a:rPr lang="en-GB" dirty="0" err="1"/>
+              <a:t>unique_id</a:t>
+            </a:r>
+            <a:r>
+              <a:rPr lang="en-GB" dirty="0"/>
+              <a:t>, ds, y). </a:t>
+            </a:r>
+          </a:p>
+          <a:p>
+            <a:pPr marL="514350" indent="-514350">
+              <a:buAutoNum type="arabicPeriod"/>
+            </a:pPr>
             <a:r>
               <a:rPr lang="en-GB" b="1" dirty="0"/>
-              <a:t> </a:t>
+              <a:t>Time split: </a:t>
             </a:r>
             <a:r>
               <a:rPr lang="en-GB" dirty="0"/>
-              <a:t>Spanish Electric Network (REE) </a:t>
-            </a:r>
-          </a:p>
-          <a:p>
+              <a:t>Train / Validation / Test (last 31 + 31 days). </a:t>
+            </a:r>
+          </a:p>
+          <a:p>
+            <a:pPr marL="0" indent="0">
+              <a:buNone/>
+            </a:pPr>
+            <a:r>
+              <a:rPr lang="en-GB" b="1" dirty="0"/>
+              <a:t>3. Train &amp; predict: </a:t>
+            </a:r>
             <a:r>
               <a:rPr lang="en-GB" dirty="0"/>
-              <a:t>Frequency: daily</a:t>
-            </a:r>
-          </a:p>
-          <a:p>
+              <a:t>fit models per technology and generate forecasts. </a:t>
+            </a:r>
+            <a:endParaRPr lang="en-GB" b="1" dirty="0"/>
+          </a:p>
+        </p:txBody>
+      </p:sp>
+      <p:sp>
+        <p:nvSpPr>
+          <p:cNvPr id="4" name="Marcador de contenido 3">
+            <a:extLst>
+              <a:ext uri="{FF2B5EF4-FFF2-40B4-BE49-F238E27FC236}">
+                <a16:creationId xmlns:a16="http://schemas.microsoft.com/office/drawing/2014/main" id="{21D090F4-9A0D-3B09-ABD2-A2389E7B376C}"/>
+              </a:ext>
+            </a:extLst>
+          </p:cNvPr>
+          <p:cNvSpPr>
+            <a:spLocks noGrp="1"/>
+          </p:cNvSpPr>
+          <p:nvPr>
+            <p:ph sz="half" idx="2"/>
+          </p:nvPr>
+        </p:nvSpPr>
+        <p:spPr/>
+        <p:txBody>
+          <a:bodyPr>
+            <a:normAutofit/>
+          </a:bodyPr>
+          <a:lstStyle/>
+          <a:p>
+            <a:pPr marL="0" indent="0">
+              <a:buNone/>
+            </a:pPr>
+            <a:r>
+              <a:rPr lang="en-GB" b="1" dirty="0"/>
+              <a:t>4. Evaluate &amp; select: </a:t>
+            </a:r>
             <a:r>
               <a:rPr lang="en-GB" dirty="0"/>
-              <a:t>Target: electricity generation (GWh)</a:t>
-            </a:r>
-          </a:p>
-          <a:p>
+              <a:t>compute metrics and choose best model per family.</a:t>
+            </a:r>
+          </a:p>
+          <a:p>
+            <a:pPr marL="0" indent="0">
+              <a:buNone/>
+            </a:pPr>
+            <a:r>
+              <a:rPr lang="en-GB" b="1" dirty="0"/>
+              <a:t>5. Visualize &amp; forecast: </a:t>
+            </a:r>
             <a:r>
               <a:rPr lang="en-GB" dirty="0"/>
-              <a:t>Level: production technology</a:t>
-            </a:r>
-          </a:p>
-          <a:p>
-            <a:endParaRPr lang="en-GB" dirty="0"/>
-          </a:p>
-          <a:p>
-            <a:pPr marL="0" indent="0">
-              <a:buNone/>
-            </a:pPr>
-            <a:r>
-              <a:rPr lang="en-GB" dirty="0"/>
-              <a:t>Focus:</a:t>
-            </a:r>
-          </a:p>
-          <a:p>
-            <a:r>
-              <a:rPr lang="en-GB" dirty="0"/>
-              <a:t>Top-7 technologies by average generation </a:t>
-            </a:r>
+              <a:t>plot results and generate final Jan-2026 forecast. </a:t>
+            </a:r>
+            <a:endParaRPr lang="en-GB" b="1" dirty="0"/>
           </a:p>
         </p:txBody>
       </p:sp>
     </p:spTree>
     <p:extLst>
       <p:ext uri="{BB962C8B-B14F-4D97-AF65-F5344CB8AC3E}">
-        <p14:creationId xmlns:p14="http://schemas.microsoft.com/office/powerpoint/2010/main" val="1317889118"/>
+        <p14:creationId xmlns:p14="http://schemas.microsoft.com/office/powerpoint/2010/main" val="660884647"/>
       </p:ext>
     </p:extLst>
   </p:cSld>
@@ -4623,7 +5856,7 @@
           <p:cNvPr id="2" name="Título 1">
             <a:extLst>
               <a:ext uri="{FF2B5EF4-FFF2-40B4-BE49-F238E27FC236}">
-                <a16:creationId xmlns:a16="http://schemas.microsoft.com/office/drawing/2014/main" id="{7E0FAAFF-BAF5-FF57-1147-C6FB2D1C4BA2}"/>
+                <a16:creationId xmlns:a16="http://schemas.microsoft.com/office/drawing/2014/main" id="{7338832D-0E2E-FC38-CBEF-33727E5F41D4}"/>
               </a:ext>
             </a:extLst>
           </p:cNvPr>
@@ -4641,7 +5874,7 @@
           <a:p>
             <a:r>
               <a:rPr lang="en-GB" b="1" dirty="0"/>
-              <a:t>Data Preparation</a:t>
+              <a:t>Dataset Info</a:t>
             </a:r>
           </a:p>
         </p:txBody>
@@ -4651,119 +5884,247 @@
           <p:cNvPr id="3" name="Marcador de contenido 2">
             <a:extLst>
               <a:ext uri="{FF2B5EF4-FFF2-40B4-BE49-F238E27FC236}">
-                <a16:creationId xmlns:a16="http://schemas.microsoft.com/office/drawing/2014/main" id="{546C0B3E-617B-5959-6456-9D7C08B64927}"/>
-              </a:ext>
-            </a:extLst>
-          </p:cNvPr>
-          <p:cNvSpPr>
-            <a:spLocks noGrp="1"/>
-          </p:cNvSpPr>
-          <p:nvPr>
-            <p:ph idx="1"/>
+                <a16:creationId xmlns:a16="http://schemas.microsoft.com/office/drawing/2014/main" id="{D6316350-C1EB-16A5-9412-7FAE7411654E}"/>
+              </a:ext>
+            </a:extLst>
+          </p:cNvPr>
+          <p:cNvSpPr>
+            <a:spLocks noGrp="1"/>
+          </p:cNvSpPr>
+          <p:nvPr>
+            <p:ph sz="half" idx="1"/>
           </p:nvPr>
         </p:nvSpPr>
         <p:spPr/>
         <p:txBody>
-          <a:bodyPr/>
-          <a:lstStyle/>
+          <a:bodyPr>
+            <a:normAutofit fontScale="85000" lnSpcReduction="20000"/>
+          </a:bodyPr>
+          <a:lstStyle/>
+          <a:p>
+            <a:r>
+              <a:rPr lang="en-GB" b="1" dirty="0"/>
+              <a:t>Source: </a:t>
+            </a:r>
+            <a:r>
+              <a:rPr lang="en-GB" dirty="0"/>
+              <a:t>Spanish Electric Network (REE) </a:t>
+            </a:r>
+          </a:p>
+          <a:p>
+            <a:r>
+              <a:rPr lang="en-GB" b="1" dirty="0"/>
+              <a:t>Frequency:</a:t>
+            </a:r>
+            <a:r>
+              <a:rPr lang="en-GB" dirty="0"/>
+              <a:t> daily</a:t>
+            </a:r>
+          </a:p>
+          <a:p>
+            <a:r>
+              <a:rPr lang="en-GB" b="1" dirty="0"/>
+              <a:t>Target:</a:t>
+            </a:r>
+            <a:r>
+              <a:rPr lang="en-GB" dirty="0"/>
+              <a:t> electricity generation (GWh)</a:t>
+            </a:r>
+          </a:p>
+          <a:p>
+            <a:r>
+              <a:rPr lang="en-GB" b="1" dirty="0"/>
+              <a:t>Level:</a:t>
+            </a:r>
+            <a:r>
+              <a:rPr lang="en-GB" dirty="0"/>
+              <a:t> production technology</a:t>
+            </a:r>
+          </a:p>
+          <a:p>
+            <a:endParaRPr lang="en-GB" dirty="0"/>
+          </a:p>
           <a:p>
             <a:pPr marL="0" indent="0">
               <a:buNone/>
             </a:pPr>
             <a:r>
               <a:rPr lang="en-GB" b="1" dirty="0"/>
-              <a:t>From Raw Data to Panel Dataset </a:t>
-            </a:r>
-          </a:p>
-          <a:p>
-            <a:pPr marL="514350" indent="-514350">
-              <a:buFont typeface="+mj-lt"/>
-              <a:buAutoNum type="arabicPeriod"/>
+              <a:t>Focus:</a:t>
+            </a:r>
+          </a:p>
+          <a:p>
+            <a:r>
+              <a:rPr lang="en-GB" dirty="0"/>
+              <a:t>Top-7 technologies by average generation </a:t>
+            </a:r>
+          </a:p>
+          <a:p>
+            <a:pPr marL="0" indent="0">
+              <a:buNone/>
             </a:pPr>
+            <a:endParaRPr lang="en-GB" dirty="0"/>
+          </a:p>
+        </p:txBody>
+      </p:sp>
+      <p:sp>
+        <p:nvSpPr>
+          <p:cNvPr id="4" name="Marcador de contenido 3">
+            <a:extLst>
+              <a:ext uri="{FF2B5EF4-FFF2-40B4-BE49-F238E27FC236}">
+                <a16:creationId xmlns:a16="http://schemas.microsoft.com/office/drawing/2014/main" id="{CED33C6C-B751-DC3B-71E1-DB4E433CAC78}"/>
+              </a:ext>
+            </a:extLst>
+          </p:cNvPr>
+          <p:cNvSpPr>
+            <a:spLocks noGrp="1"/>
+          </p:cNvSpPr>
+          <p:nvPr>
+            <p:ph sz="half" idx="2"/>
+          </p:nvPr>
+        </p:nvSpPr>
+        <p:spPr/>
+        <p:txBody>
+          <a:bodyPr>
+            <a:normAutofit fontScale="85000" lnSpcReduction="20000"/>
+          </a:bodyPr>
+          <a:lstStyle/>
+          <a:p>
+            <a:pPr marL="0" indent="0">
+              <a:buNone/>
+            </a:pPr>
+            <a:r>
+              <a:rPr lang="en-GB" b="1" dirty="0"/>
+              <a:t>Advert:</a:t>
+            </a:r>
+          </a:p>
+          <a:p>
+            <a:pPr marL="0" indent="0">
+              <a:buNone/>
+            </a:pPr>
             <a:r>
               <a:rPr lang="en-GB" dirty="0"/>
-              <a:t>Convert raw data to panel format:</a:t>
-            </a:r>
-          </a:p>
-          <a:p>
-            <a:pPr lvl="1"/>
+              <a:t>As the dataset is from Spain, the features are written in Spanish. Translation: </a:t>
+            </a:r>
+          </a:p>
+          <a:p>
             <a:r>
               <a:rPr lang="en-GB" b="1" dirty="0" err="1"/>
-              <a:t>unique_id</a:t>
+              <a:t>Carbón</a:t>
             </a:r>
             <a:r>
               <a:rPr lang="en-GB" b="1" dirty="0"/>
-              <a:t>:</a:t>
+              <a:t>: </a:t>
             </a:r>
             <a:r>
               <a:rPr lang="en-GB" dirty="0"/>
-              <a:t> technology</a:t>
-            </a:r>
-          </a:p>
-          <a:p>
-            <a:pPr lvl="1"/>
+              <a:t>coal</a:t>
+            </a:r>
+          </a:p>
+          <a:p>
             <a:r>
               <a:rPr lang="en-GB" b="1" dirty="0"/>
-              <a:t>ds: </a:t>
+              <a:t>Ciclo </a:t>
+            </a:r>
+            <a:r>
+              <a:rPr lang="en-GB" b="1" dirty="0" err="1"/>
+              <a:t>combinado</a:t>
+            </a:r>
+            <a:r>
+              <a:rPr lang="en-GB" b="1" dirty="0"/>
+              <a:t>: </a:t>
             </a:r>
             <a:r>
               <a:rPr lang="en-GB" dirty="0"/>
-              <a:t>date</a:t>
-            </a:r>
-          </a:p>
-          <a:p>
-            <a:pPr lvl="1"/>
+              <a:t>combined cycle</a:t>
+            </a:r>
+            <a:endParaRPr lang="en-GB" b="1" dirty="0"/>
+          </a:p>
+          <a:p>
+            <a:r>
+              <a:rPr lang="en-GB" b="1" dirty="0" err="1"/>
+              <a:t>Cogeneración</a:t>
+            </a:r>
             <a:r>
               <a:rPr lang="en-GB" b="1" dirty="0"/>
-              <a:t>y: </a:t>
+              <a:t>: </a:t>
             </a:r>
             <a:r>
               <a:rPr lang="en-GB" dirty="0"/>
-              <a:t>daily generation </a:t>
+              <a:t>cogeneration</a:t>
+            </a:r>
+            <a:endParaRPr lang="en-GB" b="1" dirty="0"/>
+          </a:p>
+          <a:p>
+            <a:r>
+              <a:rPr lang="en-GB" b="1" dirty="0" err="1"/>
+              <a:t>Eólica</a:t>
+            </a:r>
+            <a:r>
+              <a:rPr lang="en-GB" b="1" dirty="0"/>
+              <a:t>: </a:t>
+            </a:r>
+            <a:r>
+              <a:rPr lang="en-GB" dirty="0"/>
+              <a:t>Eolic</a:t>
+            </a:r>
+            <a:endParaRPr lang="en-GB" b="1" dirty="0"/>
+          </a:p>
+          <a:p>
+            <a:r>
+              <a:rPr lang="en-GB" b="1" dirty="0" err="1"/>
+              <a:t>Hidráulica</a:t>
+            </a:r>
+            <a:r>
+              <a:rPr lang="en-GB" b="1" dirty="0"/>
+              <a:t>: </a:t>
+            </a:r>
+            <a:r>
+              <a:rPr lang="en-GB" dirty="0" err="1"/>
+              <a:t>Hidraulic</a:t>
+            </a:r>
+            <a:r>
+              <a:rPr lang="en-GB" dirty="0"/>
+              <a:t> </a:t>
+            </a:r>
+            <a:endParaRPr lang="en-GB" b="1" dirty="0"/>
+          </a:p>
+          <a:p>
+            <a:r>
+              <a:rPr lang="en-GB" b="1" dirty="0"/>
+              <a:t>Nuclear: </a:t>
+            </a:r>
+            <a:r>
+              <a:rPr lang="en-GB" dirty="0"/>
+              <a:t>nuclear </a:t>
+            </a:r>
+            <a:endParaRPr lang="en-GB" b="1" dirty="0"/>
+          </a:p>
+          <a:p>
+            <a:r>
+              <a:rPr lang="en-GB" b="1" dirty="0" err="1"/>
+              <a:t>Solear</a:t>
             </a:r>
             <a:r>
               <a:rPr lang="en-GB" b="1" dirty="0"/>
               <a:t> </a:t>
             </a:r>
-          </a:p>
-          <a:p>
-            <a:pPr marL="514350" indent="-514350">
-              <a:buFont typeface="+mj-lt"/>
-              <a:buAutoNum type="arabicPeriod"/>
-            </a:pPr>
+            <a:r>
+              <a:rPr lang="en-GB" b="1" dirty="0" err="1"/>
+              <a:t>fotovoltaica</a:t>
+            </a:r>
+            <a:r>
+              <a:rPr lang="en-GB" b="1" dirty="0"/>
+              <a:t>: </a:t>
+            </a:r>
             <a:r>
               <a:rPr lang="en-GB" dirty="0"/>
-              <a:t>Clean dates and numeric values</a:t>
-            </a:r>
-          </a:p>
-          <a:p>
-            <a:pPr marL="514350" indent="-514350">
-              <a:buFont typeface="+mj-lt"/>
-              <a:buAutoNum type="arabicPeriod"/>
-            </a:pPr>
-            <a:r>
-              <a:rPr lang="en-GB" dirty="0"/>
-              <a:t>Ensures complete daily calendar </a:t>
-            </a:r>
-          </a:p>
-          <a:p>
-            <a:pPr marL="514350" indent="-514350">
-              <a:buFont typeface="+mj-lt"/>
-              <a:buAutoNum type="arabicPeriod"/>
-            </a:pPr>
-            <a:r>
-              <a:rPr lang="en-GB" dirty="0"/>
-              <a:t>Validate and handle missing days</a:t>
-            </a:r>
-          </a:p>
-          <a:p>
-            <a:pPr marL="914400" lvl="2" indent="0">
-              <a:buNone/>
-            </a:pPr>
-            <a:endParaRPr lang="en-GB" dirty="0"/>
-          </a:p>
-          <a:p>
-            <a:pPr marL="457200" lvl="1" indent="0">
+              <a:t>Solar Photovoltaics </a:t>
+            </a:r>
+            <a:endParaRPr lang="en-GB" b="1" dirty="0"/>
+          </a:p>
+          <a:p>
+            <a:pPr marL="0" indent="0">
               <a:buNone/>
             </a:pPr>
             <a:endParaRPr lang="en-GB" dirty="0"/>
@@ -4773,7 +6134,7 @@
     </p:spTree>
     <p:extLst>
       <p:ext uri="{BB962C8B-B14F-4D97-AF65-F5344CB8AC3E}">
-        <p14:creationId xmlns:p14="http://schemas.microsoft.com/office/powerpoint/2010/main" val="3946387973"/>
+        <p14:creationId xmlns:p14="http://schemas.microsoft.com/office/powerpoint/2010/main" val="1329788262"/>
       </p:ext>
     </p:extLst>
   </p:cSld>
@@ -4805,7 +6166,7 @@
           <p:cNvPr id="2" name="Título 1">
             <a:extLst>
               <a:ext uri="{FF2B5EF4-FFF2-40B4-BE49-F238E27FC236}">
-                <a16:creationId xmlns:a16="http://schemas.microsoft.com/office/drawing/2014/main" id="{3840B8F3-0CD4-9CA2-2B32-6AD32D18E6F2}"/>
+                <a16:creationId xmlns:a16="http://schemas.microsoft.com/office/drawing/2014/main" id="{7E0FAAFF-BAF5-FF57-1147-C6FB2D1C4BA2}"/>
               </a:ext>
             </a:extLst>
           </p:cNvPr>
@@ -4823,7 +6184,7 @@
           <a:p>
             <a:r>
               <a:rPr lang="en-GB" b="1" dirty="0"/>
-              <a:t>Model Families Tested </a:t>
+              <a:t>Data Engineering. </a:t>
             </a:r>
           </a:p>
         </p:txBody>
@@ -4833,15 +6194,15 @@
           <p:cNvPr id="3" name="Marcador de contenido 2">
             <a:extLst>
               <a:ext uri="{FF2B5EF4-FFF2-40B4-BE49-F238E27FC236}">
-                <a16:creationId xmlns:a16="http://schemas.microsoft.com/office/drawing/2014/main" id="{B458AE76-16F3-9322-3513-6AC62BEFCF9C}"/>
-              </a:ext>
-            </a:extLst>
-          </p:cNvPr>
-          <p:cNvSpPr>
-            <a:spLocks noGrp="1"/>
-          </p:cNvSpPr>
-          <p:nvPr>
-            <p:ph sz="half" idx="1"/>
+                <a16:creationId xmlns:a16="http://schemas.microsoft.com/office/drawing/2014/main" id="{546C0B3E-617B-5959-6456-9D7C08B64927}"/>
+              </a:ext>
+            </a:extLst>
+          </p:cNvPr>
+          <p:cNvSpPr>
+            <a:spLocks noGrp="1"/>
+          </p:cNvSpPr>
+          <p:nvPr>
+            <p:ph idx="1"/>
           </p:nvPr>
         </p:nvSpPr>
         <p:spPr/>
@@ -4849,113 +6210,105 @@
           <a:bodyPr/>
           <a:lstStyle/>
           <a:p>
+            <a:pPr marL="0" indent="0">
+              <a:buNone/>
+            </a:pPr>
             <a:r>
               <a:rPr lang="en-GB" b="1" dirty="0"/>
-              <a:t>Baselines:</a:t>
+              <a:t>From Raw Data to Panel Dataset </a:t>
+            </a:r>
+          </a:p>
+          <a:p>
+            <a:pPr marL="514350" indent="-514350">
+              <a:buFont typeface="+mj-lt"/>
+              <a:buAutoNum type="arabicPeriod"/>
+            </a:pPr>
+            <a:r>
+              <a:rPr lang="en-GB" dirty="0"/>
+              <a:t>Convert raw data to panel format:</a:t>
             </a:r>
           </a:p>
           <a:p>
             <a:pPr lvl="1"/>
             <a:r>
+              <a:rPr lang="en-GB" b="1" dirty="0" err="1"/>
+              <a:t>unique_id</a:t>
+            </a:r>
+            <a:r>
+              <a:rPr lang="en-GB" b="1" dirty="0"/>
+              <a:t>:</a:t>
+            </a:r>
+            <a:r>
               <a:rPr lang="en-GB" dirty="0"/>
-              <a:t>Naive </a:t>
+              <a:t> technology</a:t>
             </a:r>
           </a:p>
           <a:p>
             <a:pPr lvl="1"/>
             <a:r>
+              <a:rPr lang="en-GB" b="1" dirty="0"/>
+              <a:t>ds: </a:t>
+            </a:r>
+            <a:r>
               <a:rPr lang="en-GB" dirty="0"/>
-              <a:t>Moving average</a:t>
-            </a:r>
-          </a:p>
-          <a:p>
+              <a:t>date</a:t>
+            </a:r>
+          </a:p>
+          <a:p>
+            <a:pPr lvl="1"/>
             <a:r>
               <a:rPr lang="en-GB" b="1" dirty="0"/>
-              <a:t>Statistical:</a:t>
-            </a:r>
-          </a:p>
-          <a:p>
-            <a:pPr lvl="1"/>
-            <a:r>
-              <a:rPr lang="en-GB" dirty="0" err="1"/>
-              <a:t>AutoARIMA</a:t>
-            </a:r>
+              <a:t>y: </a:t>
+            </a:r>
+            <a:r>
+              <a:rPr lang="en-GB" dirty="0"/>
+              <a:t>daily generation </a:t>
+            </a:r>
+            <a:r>
+              <a:rPr lang="en-GB" b="1" dirty="0"/>
+              <a:t> </a:t>
+            </a:r>
+          </a:p>
+          <a:p>
+            <a:pPr marL="514350" indent="-514350">
+              <a:buFont typeface="+mj-lt"/>
+              <a:buAutoNum type="arabicPeriod"/>
+            </a:pPr>
+            <a:r>
+              <a:rPr lang="en-GB" dirty="0"/>
+              <a:t>Clean dates and numeric values</a:t>
+            </a:r>
+          </a:p>
+          <a:p>
+            <a:pPr marL="514350" indent="-514350">
+              <a:buFont typeface="+mj-lt"/>
+              <a:buAutoNum type="arabicPeriod"/>
+            </a:pPr>
+            <a:r>
+              <a:rPr lang="en-GB" dirty="0"/>
+              <a:t>Ensures complete daily calendar </a:t>
+            </a:r>
+          </a:p>
+          <a:p>
+            <a:pPr marL="514350" indent="-514350">
+              <a:buFont typeface="+mj-lt"/>
+              <a:buAutoNum type="arabicPeriod"/>
+            </a:pPr>
+            <a:r>
+              <a:rPr lang="en-GB" dirty="0"/>
+              <a:t>Validate and handle missing days</a:t>
+            </a:r>
+          </a:p>
+          <a:p>
+            <a:pPr marL="914400" lvl="2" indent="0">
+              <a:buNone/>
+            </a:pPr>
             <a:endParaRPr lang="en-GB" dirty="0"/>
           </a:p>
           <a:p>
-            <a:r>
-              <a:rPr lang="en-GB" b="1" dirty="0"/>
-              <a:t>Machine Learning:</a:t>
-            </a:r>
-          </a:p>
-          <a:p>
-            <a:pPr lvl="1"/>
-            <a:r>
-              <a:rPr lang="en-GB" dirty="0"/>
-              <a:t>Random Forest</a:t>
-            </a:r>
-          </a:p>
-          <a:p>
-            <a:pPr lvl="1"/>
-            <a:r>
-              <a:rPr lang="en-GB" dirty="0"/>
-              <a:t>Gradient Boosting</a:t>
-            </a:r>
-          </a:p>
-          <a:p>
-            <a:pPr lvl="1"/>
-            <a:r>
-              <a:rPr lang="en-GB" dirty="0"/>
-              <a:t>Lag, calendar &amp; rolling features</a:t>
-            </a:r>
-          </a:p>
-          <a:p>
-            <a:pPr marL="0" indent="0">
+            <a:pPr marL="457200" lvl="1" indent="0">
               <a:buNone/>
             </a:pPr>
-            <a:endParaRPr lang="en-GB" b="1" dirty="0"/>
-          </a:p>
-        </p:txBody>
-      </p:sp>
-      <p:sp>
-        <p:nvSpPr>
-          <p:cNvPr id="4" name="Marcador de contenido 3">
-            <a:extLst>
-              <a:ext uri="{FF2B5EF4-FFF2-40B4-BE49-F238E27FC236}">
-                <a16:creationId xmlns:a16="http://schemas.microsoft.com/office/drawing/2014/main" id="{CBE12D95-E880-5C96-778D-FF051D5DB324}"/>
-              </a:ext>
-            </a:extLst>
-          </p:cNvPr>
-          <p:cNvSpPr>
-            <a:spLocks noGrp="1"/>
-          </p:cNvSpPr>
-          <p:nvPr>
-            <p:ph sz="half" idx="2"/>
-          </p:nvPr>
-        </p:nvSpPr>
-        <p:spPr/>
-        <p:txBody>
-          <a:bodyPr/>
-          <a:lstStyle/>
-          <a:p>
-            <a:r>
-              <a:rPr lang="en-GB" b="1" dirty="0"/>
-              <a:t>Deep Learning:</a:t>
-            </a:r>
-          </a:p>
-          <a:p>
-            <a:pPr lvl="1"/>
-            <a:r>
-              <a:rPr lang="en-GB" dirty="0"/>
-              <a:t>NBEATS</a:t>
-            </a:r>
-          </a:p>
-          <a:p>
-            <a:pPr lvl="1"/>
-            <a:r>
-              <a:rPr lang="en-GB" dirty="0" err="1"/>
-              <a:t>NLinear</a:t>
-            </a:r>
             <a:endParaRPr lang="en-GB" dirty="0"/>
           </a:p>
         </p:txBody>
@@ -4963,7 +6316,7 @@
     </p:spTree>
     <p:extLst>
       <p:ext uri="{BB962C8B-B14F-4D97-AF65-F5344CB8AC3E}">
-        <p14:creationId xmlns:p14="http://schemas.microsoft.com/office/powerpoint/2010/main" val="702062300"/>
+        <p14:creationId xmlns:p14="http://schemas.microsoft.com/office/powerpoint/2010/main" val="3946387973"/>
       </p:ext>
     </p:extLst>
   </p:cSld>
@@ -4995,7 +6348,7 @@
           <p:cNvPr id="2" name="Título 1">
             <a:extLst>
               <a:ext uri="{FF2B5EF4-FFF2-40B4-BE49-F238E27FC236}">
-                <a16:creationId xmlns:a16="http://schemas.microsoft.com/office/drawing/2014/main" id="{2A8EAD1E-807D-F7AC-1299-E225FB374172}"/>
+                <a16:creationId xmlns:a16="http://schemas.microsoft.com/office/drawing/2014/main" id="{3840B8F3-0CD4-9CA2-2B32-6AD32D18E6F2}"/>
               </a:ext>
             </a:extLst>
           </p:cNvPr>
@@ -5013,25 +6366,33 @@
           <a:p>
             <a:r>
               <a:rPr lang="en-GB" b="1" dirty="0"/>
-              <a:t>Evaluation Strategy</a:t>
-            </a:r>
-          </a:p>
-        </p:txBody>
-      </p:sp>
-      <p:sp>
-        <p:nvSpPr>
-          <p:cNvPr id="3" name="Marcador de texto 2">
-            <a:extLst>
-              <a:ext uri="{FF2B5EF4-FFF2-40B4-BE49-F238E27FC236}">
-                <a16:creationId xmlns:a16="http://schemas.microsoft.com/office/drawing/2014/main" id="{5C461081-B566-CA00-3287-9C6D1B1AC786}"/>
-              </a:ext>
-            </a:extLst>
-          </p:cNvPr>
-          <p:cNvSpPr>
-            <a:spLocks noGrp="1"/>
-          </p:cNvSpPr>
-          <p:nvPr>
-            <p:ph type="body" idx="1"/>
+              <a:t>Model Families Tested. FALTA </a:t>
+            </a:r>
+            <a:r>
+              <a:rPr lang="en-GB" b="1" dirty="0" err="1"/>
+              <a:t>el</a:t>
+            </a:r>
+            <a:r>
+              <a:rPr lang="en-GB" b="1" dirty="0"/>
+              <a:t> why</a:t>
+            </a:r>
+          </a:p>
+        </p:txBody>
+      </p:sp>
+      <p:sp>
+        <p:nvSpPr>
+          <p:cNvPr id="3" name="Marcador de contenido 2">
+            <a:extLst>
+              <a:ext uri="{FF2B5EF4-FFF2-40B4-BE49-F238E27FC236}">
+                <a16:creationId xmlns:a16="http://schemas.microsoft.com/office/drawing/2014/main" id="{B458AE76-16F3-9322-3513-6AC62BEFCF9C}"/>
+              </a:ext>
+            </a:extLst>
+          </p:cNvPr>
+          <p:cNvSpPr>
+            <a:spLocks noGrp="1"/>
+          </p:cNvSpPr>
+          <p:nvPr>
+            <p:ph sz="half" idx="1"/>
           </p:nvPr>
         </p:nvSpPr>
         <p:spPr/>
@@ -5040,9 +6401,53 @@
           <a:lstStyle/>
           <a:p>
             <a:r>
+              <a:rPr lang="en-GB" b="1" dirty="0"/>
+              <a:t>Baselines:</a:t>
+            </a:r>
+          </a:p>
+          <a:p>
+            <a:pPr lvl="1"/>
+            <a:r>
               <a:rPr lang="en-GB" dirty="0"/>
-              <a:t>Time-Based Evaluation </a:t>
-            </a:r>
+              <a:t>Naive (last value)</a:t>
+            </a:r>
+          </a:p>
+          <a:p>
+            <a:pPr lvl="1"/>
+            <a:r>
+              <a:rPr lang="en-GB" dirty="0"/>
+              <a:t>Moving average (7-days window)</a:t>
+            </a:r>
+          </a:p>
+          <a:p>
+            <a:pPr lvl="1"/>
+            <a:r>
+              <a:rPr lang="en-GB" dirty="0"/>
+              <a:t>Seasonal Naive (weekly)</a:t>
+            </a:r>
+          </a:p>
+          <a:p>
+            <a:r>
+              <a:rPr lang="en-GB" b="1" dirty="0"/>
+              <a:t>Statistical:</a:t>
+            </a:r>
+          </a:p>
+          <a:p>
+            <a:pPr lvl="1"/>
+            <a:r>
+              <a:rPr lang="en-GB" dirty="0" err="1"/>
+              <a:t>AutoARIMA</a:t>
+            </a:r>
+            <a:r>
+              <a:rPr lang="en-GB" dirty="0"/>
+              <a:t> (weekly seasonality)</a:t>
+            </a:r>
+          </a:p>
+          <a:p>
+            <a:pPr marL="0" indent="0">
+              <a:buNone/>
+            </a:pPr>
+            <a:endParaRPr lang="en-GB" b="1" dirty="0"/>
           </a:p>
         </p:txBody>
       </p:sp>
@@ -5051,7 +6456,7 @@
           <p:cNvPr id="4" name="Marcador de contenido 3">
             <a:extLst>
               <a:ext uri="{FF2B5EF4-FFF2-40B4-BE49-F238E27FC236}">
-                <a16:creationId xmlns:a16="http://schemas.microsoft.com/office/drawing/2014/main" id="{E781A080-DD99-DEEB-E568-E981F2A9425A}"/>
+                <a16:creationId xmlns:a16="http://schemas.microsoft.com/office/drawing/2014/main" id="{CBE12D95-E880-5C96-778D-FF051D5DB324}"/>
               </a:ext>
             </a:extLst>
           </p:cNvPr>
@@ -5064,154 +6469,66 @@
         </p:nvSpPr>
         <p:spPr/>
         <p:txBody>
-          <a:bodyPr>
-            <a:normAutofit fontScale="85000" lnSpcReduction="20000"/>
-          </a:bodyPr>
-          <a:lstStyle/>
-          <a:p>
+          <a:bodyPr/>
+          <a:lstStyle/>
+          <a:p>
+            <a:r>
+              <a:rPr lang="en-GB" b="1" dirty="0"/>
+              <a:t>Machine Learning:</a:t>
+            </a:r>
+          </a:p>
+          <a:p>
+            <a:pPr lvl="1"/>
             <a:r>
               <a:rPr lang="en-GB" dirty="0"/>
-              <a:t>No shuffling (time series CV)</a:t>
-            </a:r>
-          </a:p>
-          <a:p>
+              <a:t>Random Forest</a:t>
+            </a:r>
+          </a:p>
+          <a:p>
+            <a:pPr lvl="1"/>
             <a:r>
               <a:rPr lang="en-GB" dirty="0"/>
-              <a:t>Split:</a:t>
+              <a:t>Gradient Boosting</a:t>
             </a:r>
           </a:p>
           <a:p>
             <a:pPr lvl="1"/>
             <a:r>
+              <a:rPr lang="en-GB" b="1" dirty="0"/>
+              <a:t>Features: </a:t>
+            </a:r>
+            <a:r>
               <a:rPr lang="en-GB" dirty="0"/>
-              <a:t>Train </a:t>
+              <a:t>Lag features, calendar (day, month, weekday), and rolling &amp; expanding statistics.</a:t>
+            </a:r>
+          </a:p>
+          <a:p>
+            <a:r>
+              <a:rPr lang="en-GB" b="1" dirty="0"/>
+              <a:t>Neural Forecast:</a:t>
             </a:r>
           </a:p>
           <a:p>
             <a:pPr lvl="1"/>
             <a:r>
               <a:rPr lang="en-GB" dirty="0"/>
-              <a:t>Validation (H = 31 days)</a:t>
+              <a:t>NBEATS</a:t>
             </a:r>
           </a:p>
           <a:p>
             <a:pPr lvl="1"/>
             <a:r>
-              <a:rPr lang="en-GB" dirty="0"/>
-              <a:t>Test (H = 31 days)</a:t>
-            </a:r>
-          </a:p>
-          <a:p>
-            <a:r>
-              <a:rPr lang="en-GB" dirty="0"/>
-              <a:t>Metrics:</a:t>
-            </a:r>
-          </a:p>
-          <a:p>
-            <a:pPr lvl="1"/>
-            <a:r>
-              <a:rPr lang="en-GB" dirty="0"/>
-              <a:t>MAPE</a:t>
-            </a:r>
-          </a:p>
-          <a:p>
-            <a:pPr lvl="1"/>
-            <a:r>
-              <a:rPr lang="en-GB" dirty="0"/>
-              <a:t>MAE</a:t>
-            </a:r>
-          </a:p>
-          <a:p>
-            <a:pPr lvl="1"/>
-            <a:r>
-              <a:rPr lang="en-GB" dirty="0"/>
-              <a:t>RMSE</a:t>
-            </a:r>
-          </a:p>
-          <a:p>
-            <a:pPr lvl="1"/>
-            <a:r>
-              <a:rPr lang="en-GB" dirty="0"/>
-              <a:t>OPE</a:t>
-            </a:r>
-          </a:p>
-          <a:p>
-            <a:pPr lvl="1"/>
-            <a:r>
-              <a:rPr lang="en-GB" dirty="0"/>
-              <a:t>R2</a:t>
-            </a:r>
-          </a:p>
-        </p:txBody>
-      </p:sp>
-      <p:sp>
-        <p:nvSpPr>
-          <p:cNvPr id="5" name="Marcador de texto 4">
-            <a:extLst>
-              <a:ext uri="{FF2B5EF4-FFF2-40B4-BE49-F238E27FC236}">
-                <a16:creationId xmlns:a16="http://schemas.microsoft.com/office/drawing/2014/main" id="{3F28E473-FCCF-5323-3DF6-8E55FA8E65E3}"/>
-              </a:ext>
-            </a:extLst>
-          </p:cNvPr>
-          <p:cNvSpPr>
-            <a:spLocks noGrp="1"/>
-          </p:cNvSpPr>
-          <p:nvPr>
-            <p:ph type="body" sz="quarter" idx="3"/>
-          </p:nvPr>
-        </p:nvSpPr>
-        <p:spPr/>
-        <p:txBody>
-          <a:bodyPr/>
-          <a:lstStyle/>
-          <a:p>
-            <a:r>
-              <a:rPr lang="en-GB" dirty="0"/>
-              <a:t>Model Selection </a:t>
-            </a:r>
-          </a:p>
-        </p:txBody>
-      </p:sp>
-      <p:sp>
-        <p:nvSpPr>
-          <p:cNvPr id="6" name="Marcador de contenido 5">
-            <a:extLst>
-              <a:ext uri="{FF2B5EF4-FFF2-40B4-BE49-F238E27FC236}">
-                <a16:creationId xmlns:a16="http://schemas.microsoft.com/office/drawing/2014/main" id="{EF8FE6A7-C412-2D95-92DF-9D75CA5DE8F6}"/>
-              </a:ext>
-            </a:extLst>
-          </p:cNvPr>
-          <p:cNvSpPr>
-            <a:spLocks noGrp="1"/>
-          </p:cNvSpPr>
-          <p:nvPr>
-            <p:ph sz="quarter" idx="4"/>
-          </p:nvPr>
-        </p:nvSpPr>
-        <p:spPr/>
-        <p:txBody>
-          <a:bodyPr>
-            <a:normAutofit fontScale="85000" lnSpcReduction="20000"/>
-          </a:bodyPr>
-          <a:lstStyle/>
-          <a:p>
-            <a:r>
-              <a:rPr lang="en-GB" dirty="0"/>
-              <a:t>Best MAE on validation </a:t>
-            </a:r>
-          </a:p>
-          <a:p>
-            <a:r>
-              <a:rPr lang="en-GB" dirty="0"/>
-              <a:t>Baselines excluded from final forecast</a:t>
-            </a:r>
+              <a:rPr lang="en-GB" dirty="0" err="1"/>
+              <a:t>NLinear</a:t>
+            </a:r>
+            <a:endParaRPr lang="en-GB" dirty="0"/>
           </a:p>
         </p:txBody>
       </p:sp>
     </p:spTree>
     <p:extLst>
       <p:ext uri="{BB962C8B-B14F-4D97-AF65-F5344CB8AC3E}">
-        <p14:creationId xmlns:p14="http://schemas.microsoft.com/office/powerpoint/2010/main" val="84781556"/>
+        <p14:creationId xmlns:p14="http://schemas.microsoft.com/office/powerpoint/2010/main" val="702062300"/>
       </p:ext>
     </p:extLst>
   </p:cSld>

--- a/presentation/CapstonProject.pptx
+++ b/presentation/CapstonProject.pptx
@@ -7,16 +7,23 @@
   <p:sldIdLst>
     <p:sldId id="256" r:id="rId2"/>
     <p:sldId id="257" r:id="rId3"/>
-    <p:sldId id="268" r:id="rId4"/>
-    <p:sldId id="259" r:id="rId5"/>
-    <p:sldId id="270" r:id="rId6"/>
-    <p:sldId id="269" r:id="rId7"/>
+    <p:sldId id="273" r:id="rId4"/>
+    <p:sldId id="268" r:id="rId5"/>
+    <p:sldId id="274" r:id="rId6"/>
+    <p:sldId id="275" r:id="rId7"/>
     <p:sldId id="271" r:id="rId8"/>
-    <p:sldId id="262" r:id="rId9"/>
-    <p:sldId id="264" r:id="rId10"/>
-    <p:sldId id="272" r:id="rId11"/>
-    <p:sldId id="266" r:id="rId12"/>
-    <p:sldId id="267" r:id="rId13"/>
+    <p:sldId id="270" r:id="rId9"/>
+    <p:sldId id="269" r:id="rId10"/>
+    <p:sldId id="276" r:id="rId11"/>
+    <p:sldId id="262" r:id="rId12"/>
+    <p:sldId id="264" r:id="rId13"/>
+    <p:sldId id="272" r:id="rId14"/>
+    <p:sldId id="277" r:id="rId15"/>
+    <p:sldId id="266" r:id="rId16"/>
+    <p:sldId id="267" r:id="rId17"/>
+    <p:sldId id="278" r:id="rId18"/>
+    <p:sldId id="280" r:id="rId19"/>
+    <p:sldId id="279" r:id="rId20"/>
   </p:sldIdLst>
   <p:sldSz cx="12192000" cy="6858000"/>
   <p:notesSz cx="6858000" cy="9144000"/>
@@ -272,7 +279,7 @@
           <a:p>
             <a:fld id="{DDBFD437-33C7-4B24-B6C7-F91A3EACF5E2}" type="datetimeFigureOut">
               <a:rPr lang="en-GB" smtClean="0"/>
-              <a:t>07/01/2026</a:t>
+              <a:t>08/01/2026</a:t>
             </a:fld>
             <a:endParaRPr lang="en-GB"/>
           </a:p>
@@ -472,7 +479,7 @@
           <a:p>
             <a:fld id="{DDBFD437-33C7-4B24-B6C7-F91A3EACF5E2}" type="datetimeFigureOut">
               <a:rPr lang="en-GB" smtClean="0"/>
-              <a:t>07/01/2026</a:t>
+              <a:t>08/01/2026</a:t>
             </a:fld>
             <a:endParaRPr lang="en-GB"/>
           </a:p>
@@ -682,7 +689,7 @@
           <a:p>
             <a:fld id="{DDBFD437-33C7-4B24-B6C7-F91A3EACF5E2}" type="datetimeFigureOut">
               <a:rPr lang="en-GB" smtClean="0"/>
-              <a:t>07/01/2026</a:t>
+              <a:t>08/01/2026</a:t>
             </a:fld>
             <a:endParaRPr lang="en-GB"/>
           </a:p>
@@ -882,7 +889,7 @@
           <a:p>
             <a:fld id="{DDBFD437-33C7-4B24-B6C7-F91A3EACF5E2}" type="datetimeFigureOut">
               <a:rPr lang="en-GB" smtClean="0"/>
-              <a:t>07/01/2026</a:t>
+              <a:t>08/01/2026</a:t>
             </a:fld>
             <a:endParaRPr lang="en-GB"/>
           </a:p>
@@ -1158,7 +1165,7 @@
           <a:p>
             <a:fld id="{DDBFD437-33C7-4B24-B6C7-F91A3EACF5E2}" type="datetimeFigureOut">
               <a:rPr lang="en-GB" smtClean="0"/>
-              <a:t>07/01/2026</a:t>
+              <a:t>08/01/2026</a:t>
             </a:fld>
             <a:endParaRPr lang="en-GB"/>
           </a:p>
@@ -1426,7 +1433,7 @@
           <a:p>
             <a:fld id="{DDBFD437-33C7-4B24-B6C7-F91A3EACF5E2}" type="datetimeFigureOut">
               <a:rPr lang="en-GB" smtClean="0"/>
-              <a:t>07/01/2026</a:t>
+              <a:t>08/01/2026</a:t>
             </a:fld>
             <a:endParaRPr lang="en-GB"/>
           </a:p>
@@ -1841,7 +1848,7 @@
           <a:p>
             <a:fld id="{DDBFD437-33C7-4B24-B6C7-F91A3EACF5E2}" type="datetimeFigureOut">
               <a:rPr lang="en-GB" smtClean="0"/>
-              <a:t>07/01/2026</a:t>
+              <a:t>08/01/2026</a:t>
             </a:fld>
             <a:endParaRPr lang="en-GB"/>
           </a:p>
@@ -1983,7 +1990,7 @@
           <a:p>
             <a:fld id="{DDBFD437-33C7-4B24-B6C7-F91A3EACF5E2}" type="datetimeFigureOut">
               <a:rPr lang="en-GB" smtClean="0"/>
-              <a:t>07/01/2026</a:t>
+              <a:t>08/01/2026</a:t>
             </a:fld>
             <a:endParaRPr lang="en-GB"/>
           </a:p>
@@ -2096,7 +2103,7 @@
           <a:p>
             <a:fld id="{DDBFD437-33C7-4B24-B6C7-F91A3EACF5E2}" type="datetimeFigureOut">
               <a:rPr lang="en-GB" smtClean="0"/>
-              <a:t>07/01/2026</a:t>
+              <a:t>08/01/2026</a:t>
             </a:fld>
             <a:endParaRPr lang="en-GB"/>
           </a:p>
@@ -2409,7 +2416,7 @@
           <a:p>
             <a:fld id="{DDBFD437-33C7-4B24-B6C7-F91A3EACF5E2}" type="datetimeFigureOut">
               <a:rPr lang="en-GB" smtClean="0"/>
-              <a:t>07/01/2026</a:t>
+              <a:t>08/01/2026</a:t>
             </a:fld>
             <a:endParaRPr lang="en-GB"/>
           </a:p>
@@ -2698,7 +2705,7 @@
           <a:p>
             <a:fld id="{DDBFD437-33C7-4B24-B6C7-F91A3EACF5E2}" type="datetimeFigureOut">
               <a:rPr lang="en-GB" smtClean="0"/>
-              <a:t>07/01/2026</a:t>
+              <a:t>08/01/2026</a:t>
             </a:fld>
             <a:endParaRPr lang="en-GB"/>
           </a:p>
@@ -2941,7 +2948,7 @@
           <a:p>
             <a:fld id="{DDBFD437-33C7-4B24-B6C7-F91A3EACF5E2}" type="datetimeFigureOut">
               <a:rPr lang="en-GB" smtClean="0"/>
-              <a:t>07/01/2026</a:t>
+              <a:t>08/01/2026</a:t>
             </a:fld>
             <a:endParaRPr lang="en-GB"/>
           </a:p>
@@ -3450,14 +3457,14 @@
         </p:spPr>
         <p:txBody>
           <a:bodyPr vert="horz" lIns="91440" tIns="45720" rIns="91440" bIns="45720" rtlCol="0" anchor="b">
-            <a:normAutofit/>
+            <a:normAutofit fontScale="90000"/>
           </a:bodyPr>
           <a:lstStyle/>
           <a:p>
             <a:pPr algn="l"/>
             <a:r>
-              <a:rPr lang="en-US" sz="4200"/>
-              <a:t>Forecasting Daily Electricity Generation in Spain </a:t>
+              <a:rPr lang="en-US" sz="4200" dirty="0"/>
+              <a:t>Forecasting Spain Daily Electricity Generation (REE) January 2026</a:t>
             </a:r>
           </a:p>
         </p:txBody>
@@ -3636,93 +3643,93 @@
           <a:custGeom>
             <a:avLst/>
             <a:gdLst>
-              <a:gd name="csX0" fmla="*/ 0 w 4243589"/>
-              <a:gd name="csY0" fmla="*/ 0 h 18288"/>
-              <a:gd name="csX1" fmla="*/ 478919 w 4243589"/>
-              <a:gd name="csY1" fmla="*/ 0 h 18288"/>
-              <a:gd name="csX2" fmla="*/ 957839 w 4243589"/>
-              <a:gd name="csY2" fmla="*/ 0 h 18288"/>
-              <a:gd name="csX3" fmla="*/ 1521630 w 4243589"/>
-              <a:gd name="csY3" fmla="*/ 0 h 18288"/>
-              <a:gd name="csX4" fmla="*/ 2212729 w 4243589"/>
-              <a:gd name="csY4" fmla="*/ 0 h 18288"/>
-              <a:gd name="csX5" fmla="*/ 2734084 w 4243589"/>
-              <a:gd name="csY5" fmla="*/ 0 h 18288"/>
-              <a:gd name="csX6" fmla="*/ 3255439 w 4243589"/>
-              <a:gd name="csY6" fmla="*/ 0 h 18288"/>
-              <a:gd name="csX7" fmla="*/ 4243589 w 4243589"/>
-              <a:gd name="csY7" fmla="*/ 0 h 18288"/>
-              <a:gd name="csX8" fmla="*/ 4243589 w 4243589"/>
-              <a:gd name="csY8" fmla="*/ 18288 h 18288"/>
-              <a:gd name="csX9" fmla="*/ 3594926 w 4243589"/>
-              <a:gd name="csY9" fmla="*/ 18288 h 18288"/>
-              <a:gd name="csX10" fmla="*/ 3073571 w 4243589"/>
-              <a:gd name="csY10" fmla="*/ 18288 h 18288"/>
-              <a:gd name="csX11" fmla="*/ 2552216 w 4243589"/>
-              <a:gd name="csY11" fmla="*/ 18288 h 18288"/>
-              <a:gd name="csX12" fmla="*/ 1903553 w 4243589"/>
-              <a:gd name="csY12" fmla="*/ 18288 h 18288"/>
-              <a:gd name="csX13" fmla="*/ 1212454 w 4243589"/>
-              <a:gd name="csY13" fmla="*/ 18288 h 18288"/>
-              <a:gd name="csX14" fmla="*/ 733535 w 4243589"/>
-              <a:gd name="csY14" fmla="*/ 18288 h 18288"/>
-              <a:gd name="csX15" fmla="*/ 0 w 4243589"/>
-              <a:gd name="csY15" fmla="*/ 18288 h 18288"/>
-              <a:gd name="csX16" fmla="*/ 0 w 4243589"/>
-              <a:gd name="csY16" fmla="*/ 0 h 18288"/>
+              <a:gd name="connsiteX0" fmla="*/ 0 w 4243589"/>
+              <a:gd name="connsiteY0" fmla="*/ 0 h 18288"/>
+              <a:gd name="connsiteX1" fmla="*/ 478919 w 4243589"/>
+              <a:gd name="connsiteY1" fmla="*/ 0 h 18288"/>
+              <a:gd name="connsiteX2" fmla="*/ 957839 w 4243589"/>
+              <a:gd name="connsiteY2" fmla="*/ 0 h 18288"/>
+              <a:gd name="connsiteX3" fmla="*/ 1521630 w 4243589"/>
+              <a:gd name="connsiteY3" fmla="*/ 0 h 18288"/>
+              <a:gd name="connsiteX4" fmla="*/ 2212729 w 4243589"/>
+              <a:gd name="connsiteY4" fmla="*/ 0 h 18288"/>
+              <a:gd name="connsiteX5" fmla="*/ 2734084 w 4243589"/>
+              <a:gd name="connsiteY5" fmla="*/ 0 h 18288"/>
+              <a:gd name="connsiteX6" fmla="*/ 3255439 w 4243589"/>
+              <a:gd name="connsiteY6" fmla="*/ 0 h 18288"/>
+              <a:gd name="connsiteX7" fmla="*/ 4243589 w 4243589"/>
+              <a:gd name="connsiteY7" fmla="*/ 0 h 18288"/>
+              <a:gd name="connsiteX8" fmla="*/ 4243589 w 4243589"/>
+              <a:gd name="connsiteY8" fmla="*/ 18288 h 18288"/>
+              <a:gd name="connsiteX9" fmla="*/ 3594926 w 4243589"/>
+              <a:gd name="connsiteY9" fmla="*/ 18288 h 18288"/>
+              <a:gd name="connsiteX10" fmla="*/ 3073571 w 4243589"/>
+              <a:gd name="connsiteY10" fmla="*/ 18288 h 18288"/>
+              <a:gd name="connsiteX11" fmla="*/ 2552216 w 4243589"/>
+              <a:gd name="connsiteY11" fmla="*/ 18288 h 18288"/>
+              <a:gd name="connsiteX12" fmla="*/ 1903553 w 4243589"/>
+              <a:gd name="connsiteY12" fmla="*/ 18288 h 18288"/>
+              <a:gd name="connsiteX13" fmla="*/ 1212454 w 4243589"/>
+              <a:gd name="connsiteY13" fmla="*/ 18288 h 18288"/>
+              <a:gd name="connsiteX14" fmla="*/ 733535 w 4243589"/>
+              <a:gd name="connsiteY14" fmla="*/ 18288 h 18288"/>
+              <a:gd name="connsiteX15" fmla="*/ 0 w 4243589"/>
+              <a:gd name="connsiteY15" fmla="*/ 18288 h 18288"/>
+              <a:gd name="connsiteX16" fmla="*/ 0 w 4243589"/>
+              <a:gd name="connsiteY16" fmla="*/ 0 h 18288"/>
             </a:gdLst>
             <a:ahLst/>
             <a:cxnLst>
               <a:cxn ang="0">
-                <a:pos x="csX0" y="csY0"/>
+                <a:pos x="connsiteX0" y="connsiteY0"/>
               </a:cxn>
               <a:cxn ang="0">
-                <a:pos x="csX1" y="csY1"/>
+                <a:pos x="connsiteX1" y="connsiteY1"/>
               </a:cxn>
               <a:cxn ang="0">
-                <a:pos x="csX2" y="csY2"/>
+                <a:pos x="connsiteX2" y="connsiteY2"/>
               </a:cxn>
               <a:cxn ang="0">
-                <a:pos x="csX3" y="csY3"/>
+                <a:pos x="connsiteX3" y="connsiteY3"/>
               </a:cxn>
               <a:cxn ang="0">
-                <a:pos x="csX4" y="csY4"/>
+                <a:pos x="connsiteX4" y="connsiteY4"/>
               </a:cxn>
               <a:cxn ang="0">
-                <a:pos x="csX5" y="csY5"/>
+                <a:pos x="connsiteX5" y="connsiteY5"/>
               </a:cxn>
               <a:cxn ang="0">
-                <a:pos x="csX6" y="csY6"/>
+                <a:pos x="connsiteX6" y="connsiteY6"/>
               </a:cxn>
               <a:cxn ang="0">
-                <a:pos x="csX7" y="csY7"/>
+                <a:pos x="connsiteX7" y="connsiteY7"/>
               </a:cxn>
               <a:cxn ang="0">
-                <a:pos x="csX8" y="csY8"/>
+                <a:pos x="connsiteX8" y="connsiteY8"/>
               </a:cxn>
               <a:cxn ang="0">
-                <a:pos x="csX9" y="csY9"/>
+                <a:pos x="connsiteX9" y="connsiteY9"/>
               </a:cxn>
               <a:cxn ang="0">
-                <a:pos x="csX10" y="csY10"/>
+                <a:pos x="connsiteX10" y="connsiteY10"/>
               </a:cxn>
               <a:cxn ang="0">
-                <a:pos x="csX11" y="csY11"/>
+                <a:pos x="connsiteX11" y="connsiteY11"/>
               </a:cxn>
               <a:cxn ang="0">
-                <a:pos x="csX12" y="csY12"/>
+                <a:pos x="connsiteX12" y="connsiteY12"/>
               </a:cxn>
               <a:cxn ang="0">
-                <a:pos x="csX13" y="csY13"/>
+                <a:pos x="connsiteX13" y="connsiteY13"/>
               </a:cxn>
               <a:cxn ang="0">
-                <a:pos x="csX14" y="csY14"/>
+                <a:pos x="connsiteX14" y="connsiteY14"/>
               </a:cxn>
               <a:cxn ang="0">
-                <a:pos x="csX15" y="csY15"/>
+                <a:pos x="connsiteX15" y="connsiteY15"/>
               </a:cxn>
               <a:cxn ang="0">
-                <a:pos x="csX16" y="csY16"/>
+                <a:pos x="connsiteX16" y="connsiteY16"/>
               </a:cxn>
             </a:cxnLst>
             <a:rect l="l" t="t" r="r" b="b"/>
@@ -3981,7 +3988,7 @@
               <a:buChar char="•"/>
             </a:pPr>
             <a:r>
-              <a:rPr lang="en-US" sz="2200"/>
+              <a:rPr lang="en-US" sz="2200" dirty="0"/>
               <a:t>Capstone Forecasting Project</a:t>
             </a:r>
           </a:p>
@@ -3991,7 +3998,7 @@
               <a:buChar char="•"/>
             </a:pPr>
             <a:r>
-              <a:rPr lang="en-US" sz="2200"/>
+              <a:rPr lang="en-US" sz="2200" dirty="0"/>
               <a:t>Time Series Analysis</a:t>
             </a:r>
           </a:p>
@@ -4001,16 +4008,42 @@
               <a:buChar char="•"/>
             </a:pPr>
             <a:r>
-              <a:rPr lang="en-US" sz="2200"/>
-              <a:t>Team: Spanish Forecasters </a:t>
-            </a:r>
+              <a:rPr lang="en-US" sz="2200" dirty="0"/>
+              <a:t>Top-7 generation technologies | Daily forecasts +     </a:t>
+            </a:r>
+            <a:r>
+              <a:rPr lang="en-US" sz="2200" dirty="0" err="1"/>
+              <a:t>uncertainity</a:t>
+            </a:r>
+            <a:endParaRPr lang="en-US" sz="2200" dirty="0"/>
           </a:p>
           <a:p>
             <a:pPr indent="-228600" algn="l">
               <a:buFont typeface="Arial" panose="020B0604020202020204" pitchFamily="34" charset="0"/>
               <a:buChar char="•"/>
             </a:pPr>
-            <a:endParaRPr lang="en-US" sz="2200"/>
+            <a:r>
+              <a:rPr lang="en-US" sz="2200" dirty="0"/>
+              <a:t>Team: Spanish Forecasters </a:t>
+            </a:r>
+          </a:p>
+          <a:p>
+            <a:pPr algn="l"/>
+            <a:endParaRPr lang="en-US" sz="2200" dirty="0"/>
+          </a:p>
+          <a:p>
+            <a:pPr indent="-228600" algn="l">
+              <a:buFont typeface="Arial" panose="020B0604020202020204" pitchFamily="34" charset="0"/>
+              <a:buChar char="•"/>
+            </a:pPr>
+            <a:endParaRPr lang="en-US" sz="2200" dirty="0"/>
+          </a:p>
+          <a:p>
+            <a:pPr indent="-228600" algn="l">
+              <a:buFont typeface="Arial" panose="020B0604020202020204" pitchFamily="34" charset="0"/>
+              <a:buChar char="•"/>
+            </a:pPr>
+            <a:endParaRPr lang="en-US" sz="2200" dirty="0"/>
           </a:p>
         </p:txBody>
       </p:sp>
@@ -4049,7 +4082,7 @@
           <p:cNvPr id="2" name="Título 1">
             <a:extLst>
               <a:ext uri="{FF2B5EF4-FFF2-40B4-BE49-F238E27FC236}">
-                <a16:creationId xmlns:a16="http://schemas.microsoft.com/office/drawing/2014/main" id="{8E85E0AB-5DE7-D68A-E0B6-C1D13C47DB65}"/>
+                <a16:creationId xmlns:a16="http://schemas.microsoft.com/office/drawing/2014/main" id="{45D9FF2C-1FCB-7A40-C950-2FE990A43CE0}"/>
               </a:ext>
             </a:extLst>
           </p:cNvPr>
@@ -4060,14 +4093,39 @@
             <p:ph type="title"/>
           </p:nvPr>
         </p:nvSpPr>
-        <p:spPr/>
+        <p:spPr>
+          <a:xfrm>
+            <a:off x="2829239" y="-21313"/>
+            <a:ext cx="10515600" cy="1325563"/>
+          </a:xfrm>
+        </p:spPr>
         <p:txBody>
           <a:bodyPr/>
           <a:lstStyle/>
           <a:p>
             <a:r>
-              <a:rPr lang="en-GB" b="1" dirty="0"/>
-              <a:t>Evaluation Strategy</a:t>
+              <a:rPr lang="es-ES" b="1" dirty="0" err="1"/>
+              <a:t>Insights</a:t>
+            </a:r>
+            <a:r>
+              <a:rPr lang="es-ES" b="1" dirty="0"/>
+              <a:t> </a:t>
+            </a:r>
+            <a:r>
+              <a:rPr lang="es-ES" b="1" dirty="0" err="1"/>
+              <a:t>from</a:t>
+            </a:r>
+            <a:r>
+              <a:rPr lang="es-ES" b="1" dirty="0"/>
+              <a:t> </a:t>
+            </a:r>
+            <a:r>
+              <a:rPr lang="es-ES" b="1" dirty="0" err="1"/>
+              <a:t>the</a:t>
+            </a:r>
+            <a:r>
+              <a:rPr lang="es-ES" b="1" dirty="0"/>
+              <a:t> data</a:t>
             </a:r>
           </a:p>
         </p:txBody>
@@ -4077,7 +4135,7 @@
           <p:cNvPr id="3" name="Marcador de contenido 2">
             <a:extLst>
               <a:ext uri="{FF2B5EF4-FFF2-40B4-BE49-F238E27FC236}">
-                <a16:creationId xmlns:a16="http://schemas.microsoft.com/office/drawing/2014/main" id="{6973D5A5-C543-94FA-5219-1A911BD85B9E}"/>
+                <a16:creationId xmlns:a16="http://schemas.microsoft.com/office/drawing/2014/main" id="{1AB39340-8908-9DAD-9665-1F07AA4B461E}"/>
               </a:ext>
             </a:extLst>
           </p:cNvPr>
@@ -4088,120 +4146,381 @@
             <p:ph sz="half" idx="1"/>
           </p:nvPr>
         </p:nvSpPr>
-        <p:spPr/>
-        <p:txBody>
-          <a:bodyPr/>
+        <p:spPr>
+          <a:xfrm>
+            <a:off x="453190" y="1406434"/>
+            <a:ext cx="4092993" cy="4951504"/>
+          </a:xfrm>
+        </p:spPr>
+        <p:txBody>
+          <a:bodyPr>
+            <a:normAutofit lnSpcReduction="10000"/>
+          </a:bodyPr>
           <a:lstStyle/>
           <a:p>
-            <a:pPr marL="0" indent="0">
-              <a:buNone/>
-            </a:pPr>
-            <a:r>
-              <a:rPr lang="en-GB" b="1" dirty="0"/>
-              <a:t>Time-Based Evaluation</a:t>
-            </a:r>
-          </a:p>
-          <a:p>
-            <a:r>
-              <a:rPr lang="en-GB" dirty="0"/>
-              <a:t>Chronological split (no shuffling)</a:t>
-            </a:r>
-          </a:p>
-          <a:p>
-            <a:r>
-              <a:rPr lang="en-GB" dirty="0"/>
-              <a:t>Time series-aware validation</a:t>
-            </a:r>
-          </a:p>
-          <a:p>
-            <a:pPr marL="0" indent="0">
-              <a:buNone/>
-            </a:pPr>
-            <a:r>
-              <a:rPr lang="en-GB" b="1" dirty="0"/>
-              <a:t>Data Split</a:t>
-            </a:r>
-          </a:p>
-          <a:p>
-            <a:r>
-              <a:rPr lang="en-GB" dirty="0"/>
-              <a:t>Train</a:t>
-            </a:r>
-          </a:p>
-          <a:p>
-            <a:r>
-              <a:rPr lang="en-GB" dirty="0"/>
-              <a:t>Validation: 31 days</a:t>
-            </a:r>
-          </a:p>
-          <a:p>
-            <a:r>
-              <a:rPr lang="en-GB" dirty="0"/>
-              <a:t>Test: 31 days</a:t>
-            </a:r>
-          </a:p>
-        </p:txBody>
-      </p:sp>
-      <p:sp>
-        <p:nvSpPr>
-          <p:cNvPr id="4" name="Marcador de contenido 3">
-            <a:extLst>
-              <a:ext uri="{FF2B5EF4-FFF2-40B4-BE49-F238E27FC236}">
-                <a16:creationId xmlns:a16="http://schemas.microsoft.com/office/drawing/2014/main" id="{81B0D8E2-1D8E-E053-E756-9C407D584700}"/>
-              </a:ext>
-            </a:extLst>
-          </p:cNvPr>
-          <p:cNvSpPr>
-            <a:spLocks noGrp="1"/>
-          </p:cNvSpPr>
-          <p:nvPr>
-            <p:ph sz="half" idx="2"/>
-          </p:nvPr>
-        </p:nvSpPr>
-        <p:spPr/>
-        <p:txBody>
-          <a:bodyPr/>
-          <a:lstStyle/>
-          <a:p>
-            <a:pPr marL="0" indent="0">
-              <a:buNone/>
-            </a:pPr>
-            <a:r>
-              <a:rPr lang="en-GB" b="1" dirty="0"/>
-              <a:t>Evaluation Metrics: </a:t>
-            </a:r>
-            <a:r>
-              <a:rPr lang="en-GB" dirty="0"/>
-              <a:t>MAE (primary metric), RMSE, MAPE, OPE, R2</a:t>
-            </a:r>
-          </a:p>
-          <a:p>
-            <a:pPr marL="0" indent="0">
-              <a:buNone/>
-            </a:pPr>
-            <a:r>
-              <a:rPr lang="en-GB" b="1" dirty="0"/>
-              <a:t>Model Selection</a:t>
-            </a:r>
-          </a:p>
-          <a:p>
-            <a:r>
-              <a:rPr lang="en-GB" dirty="0"/>
-              <a:t>Best model per family: lowest MAE on validation.</a:t>
-            </a:r>
-          </a:p>
-          <a:p>
-            <a:r>
-              <a:rPr lang="en-GB" dirty="0"/>
-              <a:t>Final forecast: best non-baseline model.</a:t>
-            </a:r>
-          </a:p>
-        </p:txBody>
-      </p:sp>
+            <a:r>
+              <a:rPr lang="es-ES" sz="2400" dirty="0"/>
+              <a:t>High </a:t>
+            </a:r>
+            <a:r>
+              <a:rPr lang="es-ES" sz="2400" dirty="0" err="1"/>
+              <a:t>variability</a:t>
+            </a:r>
+            <a:r>
+              <a:rPr lang="es-ES" sz="2400" dirty="0"/>
+              <a:t>: total </a:t>
+            </a:r>
+            <a:r>
+              <a:rPr lang="es-ES" sz="2400" dirty="0" err="1"/>
+              <a:t>generation</a:t>
+            </a:r>
+            <a:r>
+              <a:rPr lang="es-ES" sz="2400" dirty="0"/>
+              <a:t> </a:t>
+            </a:r>
+            <a:r>
+              <a:rPr lang="es-ES" sz="2400" dirty="0" err="1"/>
+              <a:t>changes</a:t>
+            </a:r>
+            <a:r>
+              <a:rPr lang="es-ES" sz="2400" dirty="0"/>
+              <a:t> a </a:t>
+            </a:r>
+            <a:r>
+              <a:rPr lang="es-ES" sz="2400" dirty="0" err="1"/>
+              <a:t>lot</a:t>
+            </a:r>
+            <a:r>
+              <a:rPr lang="es-ES" sz="2400" dirty="0"/>
+              <a:t> </a:t>
+            </a:r>
+            <a:r>
+              <a:rPr lang="es-ES" sz="2400" dirty="0" err="1"/>
+              <a:t>day</a:t>
+            </a:r>
+            <a:r>
+              <a:rPr lang="es-ES" sz="2400" dirty="0"/>
+              <a:t> </a:t>
+            </a:r>
+            <a:r>
+              <a:rPr lang="es-ES" sz="2400" dirty="0" err="1"/>
+              <a:t>to</a:t>
+            </a:r>
+            <a:r>
+              <a:rPr lang="es-ES" sz="2400" dirty="0"/>
+              <a:t> </a:t>
+            </a:r>
+            <a:r>
+              <a:rPr lang="es-ES" sz="2400" dirty="0" err="1"/>
+              <a:t>day</a:t>
+            </a:r>
+            <a:endParaRPr lang="es-ES" sz="2400" dirty="0"/>
+          </a:p>
+          <a:p>
+            <a:r>
+              <a:rPr lang="es-ES" sz="2400" dirty="0" err="1"/>
+              <a:t>Seasonal</a:t>
+            </a:r>
+            <a:r>
+              <a:rPr lang="es-ES" sz="2400" dirty="0"/>
+              <a:t> </a:t>
+            </a:r>
+            <a:r>
+              <a:rPr lang="es-ES" sz="2400" dirty="0" err="1"/>
+              <a:t>changes</a:t>
+            </a:r>
+            <a:r>
+              <a:rPr lang="es-ES" sz="2400" dirty="0"/>
+              <a:t> </a:t>
+            </a:r>
+            <a:r>
+              <a:rPr lang="es-ES" sz="2400" dirty="0" err="1"/>
+              <a:t>across</a:t>
+            </a:r>
+            <a:r>
+              <a:rPr lang="es-ES" sz="2400" dirty="0"/>
+              <a:t> </a:t>
+            </a:r>
+            <a:r>
+              <a:rPr lang="es-ES" sz="2400" dirty="0" err="1"/>
+              <a:t>years</a:t>
+            </a:r>
+            <a:r>
+              <a:rPr lang="es-ES" sz="2400" dirty="0"/>
+              <a:t>: </a:t>
+            </a:r>
+            <a:r>
+              <a:rPr lang="es-ES" sz="2400" dirty="0" err="1"/>
+              <a:t>the</a:t>
+            </a:r>
+            <a:r>
+              <a:rPr lang="es-ES" sz="2400" dirty="0"/>
+              <a:t> </a:t>
+            </a:r>
+            <a:r>
+              <a:rPr lang="es-ES" sz="2400" dirty="0" err="1"/>
+              <a:t>level</a:t>
+            </a:r>
+            <a:r>
+              <a:rPr lang="es-ES" sz="2400" dirty="0"/>
+              <a:t> and </a:t>
+            </a:r>
+            <a:r>
+              <a:rPr lang="es-ES" sz="2400" dirty="0" err="1"/>
+              <a:t>volatility</a:t>
+            </a:r>
+            <a:r>
+              <a:rPr lang="es-ES" sz="2400" dirty="0"/>
+              <a:t> are </a:t>
+            </a:r>
+            <a:r>
+              <a:rPr lang="es-ES" sz="2400" dirty="0" err="1"/>
+              <a:t>different</a:t>
+            </a:r>
+            <a:r>
+              <a:rPr lang="es-ES" sz="2400" dirty="0"/>
+              <a:t> </a:t>
+            </a:r>
+            <a:r>
+              <a:rPr lang="es-ES" sz="2400" dirty="0" err="1"/>
+              <a:t>depending</a:t>
+            </a:r>
+            <a:r>
+              <a:rPr lang="es-ES" sz="2400" dirty="0"/>
+              <a:t> </a:t>
+            </a:r>
+            <a:r>
+              <a:rPr lang="es-ES" sz="2400" dirty="0" err="1"/>
+              <a:t>on</a:t>
+            </a:r>
+            <a:r>
+              <a:rPr lang="es-ES" sz="2400" dirty="0"/>
+              <a:t> </a:t>
+            </a:r>
+            <a:r>
+              <a:rPr lang="es-ES" sz="2400" dirty="0" err="1"/>
+              <a:t>the</a:t>
+            </a:r>
+            <a:r>
+              <a:rPr lang="es-ES" sz="2400" dirty="0"/>
+              <a:t> time </a:t>
+            </a:r>
+            <a:r>
+              <a:rPr lang="es-ES" sz="2400" dirty="0" err="1"/>
+              <a:t>of</a:t>
+            </a:r>
+            <a:r>
+              <a:rPr lang="es-ES" sz="2400" dirty="0"/>
+              <a:t> </a:t>
+            </a:r>
+            <a:r>
+              <a:rPr lang="es-ES" sz="2400" dirty="0" err="1"/>
+              <a:t>the</a:t>
+            </a:r>
+            <a:r>
+              <a:rPr lang="es-ES" sz="2400" dirty="0"/>
+              <a:t> </a:t>
+            </a:r>
+            <a:r>
+              <a:rPr lang="es-ES" sz="2400" dirty="0" err="1"/>
+              <a:t>year</a:t>
+            </a:r>
+            <a:endParaRPr lang="es-ES" sz="2400" dirty="0"/>
+          </a:p>
+          <a:p>
+            <a:r>
+              <a:rPr lang="es-ES" sz="2400" dirty="0"/>
+              <a:t>Extreme evento in 2025: a </a:t>
+            </a:r>
+            <a:r>
+              <a:rPr lang="es-ES" sz="2400" dirty="0" err="1"/>
+              <a:t>sudden</a:t>
+            </a:r>
+            <a:r>
+              <a:rPr lang="es-ES" sz="2400" dirty="0"/>
+              <a:t> </a:t>
+            </a:r>
+            <a:r>
+              <a:rPr lang="es-ES" sz="2400" dirty="0" err="1"/>
+              <a:t>drop</a:t>
+            </a:r>
+            <a:r>
+              <a:rPr lang="es-ES" sz="2400" dirty="0"/>
+              <a:t> </a:t>
+            </a:r>
+            <a:r>
+              <a:rPr lang="es-ES" sz="2400" dirty="0" err="1"/>
+              <a:t>appears</a:t>
+            </a:r>
+            <a:r>
+              <a:rPr lang="es-ES" sz="2400" dirty="0"/>
+              <a:t> as a </a:t>
+            </a:r>
+            <a:r>
+              <a:rPr lang="es-ES" sz="2400" dirty="0" err="1"/>
+              <a:t>clear</a:t>
+            </a:r>
+            <a:r>
+              <a:rPr lang="es-ES" sz="2400" dirty="0"/>
+              <a:t> </a:t>
+            </a:r>
+            <a:r>
+              <a:rPr lang="es-ES" sz="2400" dirty="0" err="1"/>
+              <a:t>outlier</a:t>
+            </a:r>
+            <a:endParaRPr lang="es-ES" sz="2400" dirty="0"/>
+          </a:p>
+          <a:p>
+            <a:r>
+              <a:rPr lang="es-ES" sz="2400" dirty="0" err="1"/>
+              <a:t>Why</a:t>
+            </a:r>
+            <a:r>
+              <a:rPr lang="es-ES" sz="2400" dirty="0"/>
+              <a:t> </a:t>
+            </a:r>
+            <a:r>
+              <a:rPr lang="es-ES" sz="2400" dirty="0" err="1"/>
+              <a:t>it</a:t>
+            </a:r>
+            <a:r>
+              <a:rPr lang="es-ES" sz="2400" dirty="0"/>
+              <a:t> </a:t>
+            </a:r>
+            <a:r>
+              <a:rPr lang="es-ES" sz="2400" dirty="0" err="1"/>
+              <a:t>matters</a:t>
+            </a:r>
+            <a:r>
+              <a:rPr lang="es-ES" sz="2400" dirty="0"/>
+              <a:t>: </a:t>
+            </a:r>
+            <a:r>
+              <a:rPr lang="es-ES" sz="2400" dirty="0" err="1"/>
+              <a:t>our</a:t>
+            </a:r>
+            <a:r>
+              <a:rPr lang="es-ES" sz="2400" dirty="0"/>
+              <a:t> </a:t>
+            </a:r>
+            <a:r>
+              <a:rPr lang="es-ES" sz="2400" dirty="0" err="1"/>
+              <a:t>models</a:t>
+            </a:r>
+            <a:r>
+              <a:rPr lang="es-ES" sz="2400" dirty="0"/>
+              <a:t> </a:t>
+            </a:r>
+            <a:r>
+              <a:rPr lang="es-ES" sz="2400" dirty="0" err="1"/>
+              <a:t>must</a:t>
+            </a:r>
+            <a:r>
+              <a:rPr lang="es-ES" sz="2400" dirty="0"/>
+              <a:t> </a:t>
+            </a:r>
+            <a:r>
+              <a:rPr lang="es-ES" sz="2400" dirty="0" err="1"/>
+              <a:t>handle</a:t>
+            </a:r>
+            <a:r>
+              <a:rPr lang="es-ES" sz="2400" dirty="0"/>
+              <a:t> </a:t>
+            </a:r>
+            <a:r>
+              <a:rPr lang="es-ES" sz="2400" dirty="0" err="1"/>
+              <a:t>volatility</a:t>
+            </a:r>
+            <a:r>
+              <a:rPr lang="es-ES" sz="2400" dirty="0"/>
+              <a:t> + rare shocks </a:t>
+            </a:r>
+            <a:r>
+              <a:rPr lang="es-ES" sz="2400" dirty="0">
+                <a:sym typeface="Wingdings" panose="05000000000000000000" pitchFamily="2" charset="2"/>
+              </a:rPr>
+              <a:t> </a:t>
+            </a:r>
+            <a:r>
+              <a:rPr lang="es-ES" sz="2400" dirty="0" err="1">
+                <a:sym typeface="Wingdings" panose="05000000000000000000" pitchFamily="2" charset="2"/>
+              </a:rPr>
+              <a:t>we</a:t>
+            </a:r>
+            <a:r>
+              <a:rPr lang="es-ES" sz="2400" dirty="0">
+                <a:sym typeface="Wingdings" panose="05000000000000000000" pitchFamily="2" charset="2"/>
+              </a:rPr>
+              <a:t> </a:t>
+            </a:r>
+            <a:r>
+              <a:rPr lang="es-ES" sz="2400" dirty="0" err="1">
+                <a:sym typeface="Wingdings" panose="05000000000000000000" pitchFamily="2" charset="2"/>
+              </a:rPr>
+              <a:t>report</a:t>
+            </a:r>
+            <a:r>
+              <a:rPr lang="es-ES" sz="2400" dirty="0">
+                <a:sym typeface="Wingdings" panose="05000000000000000000" pitchFamily="2" charset="2"/>
+              </a:rPr>
+              <a:t> </a:t>
+            </a:r>
+            <a:r>
+              <a:rPr lang="es-ES" sz="2400" dirty="0" err="1">
+                <a:sym typeface="Wingdings" panose="05000000000000000000" pitchFamily="2" charset="2"/>
+              </a:rPr>
+              <a:t>prediction</a:t>
+            </a:r>
+            <a:r>
+              <a:rPr lang="es-ES" sz="2400" dirty="0">
+                <a:sym typeface="Wingdings" panose="05000000000000000000" pitchFamily="2" charset="2"/>
+              </a:rPr>
+              <a:t> </a:t>
+            </a:r>
+            <a:r>
+              <a:rPr lang="es-ES" sz="2400" dirty="0" err="1">
+                <a:sym typeface="Wingdings" panose="05000000000000000000" pitchFamily="2" charset="2"/>
+              </a:rPr>
+              <a:t>intervals</a:t>
+            </a:r>
+            <a:endParaRPr lang="es-ES" sz="2400" dirty="0"/>
+          </a:p>
+        </p:txBody>
+      </p:sp>
+      <p:pic>
+        <p:nvPicPr>
+          <p:cNvPr id="11" name="Imagen 10">
+            <a:extLst>
+              <a:ext uri="{FF2B5EF4-FFF2-40B4-BE49-F238E27FC236}">
+                <a16:creationId xmlns:a16="http://schemas.microsoft.com/office/drawing/2014/main" id="{ABE5BC8D-82AE-56BD-D011-87A1FBF9E696}"/>
+              </a:ext>
+            </a:extLst>
+          </p:cNvPr>
+          <p:cNvPicPr>
+            <a:picLocks noChangeAspect="1"/>
+          </p:cNvPicPr>
+          <p:nvPr/>
+        </p:nvPicPr>
+        <p:blipFill>
+          <a:blip r:embed="rId2"/>
+          <a:stretch>
+            <a:fillRect/>
+          </a:stretch>
+        </p:blipFill>
+        <p:spPr>
+          <a:xfrm>
+            <a:off x="4546183" y="1969774"/>
+            <a:ext cx="7081713" cy="2918452"/>
+          </a:xfrm>
+          <a:prstGeom prst="rect">
+            <a:avLst/>
+          </a:prstGeom>
+        </p:spPr>
+      </p:pic>
     </p:spTree>
     <p:extLst>
       <p:ext uri="{BB962C8B-B14F-4D97-AF65-F5344CB8AC3E}">
-        <p14:creationId xmlns:p14="http://schemas.microsoft.com/office/powerpoint/2010/main" val="1819667916"/>
+        <p14:creationId xmlns:p14="http://schemas.microsoft.com/office/powerpoint/2010/main" val="2325320656"/>
       </p:ext>
     </p:extLst>
   </p:cSld>
@@ -4233,7 +4552,7 @@
           <p:cNvPr id="2" name="Título 1">
             <a:extLst>
               <a:ext uri="{FF2B5EF4-FFF2-40B4-BE49-F238E27FC236}">
-                <a16:creationId xmlns:a16="http://schemas.microsoft.com/office/drawing/2014/main" id="{3FEA39E2-F78C-1BA0-D34B-1BFB19A4D4A9}"/>
+                <a16:creationId xmlns:a16="http://schemas.microsoft.com/office/drawing/2014/main" id="{7E0FAAFF-BAF5-FF57-1147-C6FB2D1C4BA2}"/>
               </a:ext>
             </a:extLst>
           </p:cNvPr>
@@ -4251,7 +4570,7 @@
           <a:p>
             <a:r>
               <a:rPr lang="en-GB" b="1" dirty="0"/>
-              <a:t>Results &amp; Forecast</a:t>
+              <a:t>Data Engineering. </a:t>
             </a:r>
           </a:p>
         </p:txBody>
@@ -4261,7 +4580,7 @@
           <p:cNvPr id="3" name="Marcador de contenido 2">
             <a:extLst>
               <a:ext uri="{FF2B5EF4-FFF2-40B4-BE49-F238E27FC236}">
-                <a16:creationId xmlns:a16="http://schemas.microsoft.com/office/drawing/2014/main" id="{51BEF5E2-BEF8-4AC4-F1B8-B88BDEA14B9B}"/>
+                <a16:creationId xmlns:a16="http://schemas.microsoft.com/office/drawing/2014/main" id="{546C0B3E-617B-5959-6456-9D7C08B64927}"/>
               </a:ext>
             </a:extLst>
           </p:cNvPr>
@@ -4269,12 +4588,14 @@
             <a:spLocks noGrp="1"/>
           </p:cNvSpPr>
           <p:nvPr>
-            <p:ph sz="half" idx="1"/>
+            <p:ph idx="1"/>
           </p:nvPr>
         </p:nvSpPr>
         <p:spPr/>
         <p:txBody>
-          <a:bodyPr/>
+          <a:bodyPr>
+            <a:normAutofit fontScale="92500" lnSpcReduction="20000"/>
+          </a:bodyPr>
           <a:lstStyle/>
           <a:p>
             <a:pPr marL="0" indent="0">
@@ -4282,83 +4603,98 @@
             </a:pPr>
             <a:r>
               <a:rPr lang="en-GB" b="1" dirty="0"/>
-              <a:t>January 2026 Forecast</a:t>
-            </a:r>
-          </a:p>
-          <a:p>
+              <a:t>From raw REE files to a clean daily panel dataset</a:t>
+            </a:r>
+          </a:p>
+          <a:p>
+            <a:pPr marL="514350" indent="-514350">
+              <a:buAutoNum type="arabicPeriod"/>
+            </a:pPr>
             <a:r>
               <a:rPr lang="en-GB" dirty="0"/>
-              <a:t>Best overall model selected across technologies </a:t>
-            </a:r>
-          </a:p>
-          <a:p>
+              <a:t>Input: multiple yearly CSV exports (wide format)</a:t>
+            </a:r>
+          </a:p>
+          <a:p>
+            <a:pPr marL="514350" indent="-514350">
+              <a:buAutoNum type="arabicPeriod"/>
+            </a:pPr>
             <a:r>
               <a:rPr lang="en-GB" dirty="0"/>
-              <a:t>Daily forecast for Jan 2026</a:t>
-            </a:r>
-          </a:p>
-          <a:p>
+              <a:t>We convert to long format: (</a:t>
+            </a:r>
+            <a:r>
+              <a:rPr lang="en-GB" dirty="0" err="1"/>
+              <a:t>unique_id</a:t>
+            </a:r>
             <a:r>
               <a:rPr lang="en-GB" dirty="0"/>
-              <a:t>Outputs: </a:t>
-            </a:r>
-          </a:p>
-          <a:p>
-            <a:pPr lvl="1"/>
+              <a:t>, ds, y)</a:t>
+            </a:r>
+          </a:p>
+          <a:p>
+            <a:pPr marL="514350" indent="-514350">
+              <a:buAutoNum type="arabicPeriod"/>
+            </a:pPr>
             <a:r>
               <a:rPr lang="en-GB" dirty="0"/>
-              <a:t>CSV (and Parquet if available)</a:t>
-            </a:r>
-          </a:p>
-        </p:txBody>
-      </p:sp>
-      <p:sp>
-        <p:nvSpPr>
-          <p:cNvPr id="4" name="Marcador de contenido 3">
-            <a:extLst>
-              <a:ext uri="{FF2B5EF4-FFF2-40B4-BE49-F238E27FC236}">
-                <a16:creationId xmlns:a16="http://schemas.microsoft.com/office/drawing/2014/main" id="{B76FBDE1-4D02-C29F-AF06-FAEC019CB013}"/>
-              </a:ext>
-            </a:extLst>
-          </p:cNvPr>
-          <p:cNvSpPr>
-            <a:spLocks noGrp="1"/>
-          </p:cNvSpPr>
-          <p:nvPr>
-            <p:ph sz="half" idx="2"/>
-          </p:nvPr>
-        </p:nvSpPr>
-        <p:spPr/>
-        <p:txBody>
-          <a:bodyPr/>
-          <a:lstStyle/>
-          <a:p>
-            <a:pPr marL="0" indent="0">
+              <a:t>We clean dates and numeric values (comma decimals, missing values)</a:t>
+            </a:r>
+          </a:p>
+          <a:p>
+            <a:pPr marL="514350" indent="-514350">
+              <a:buAutoNum type="arabicPeriod"/>
+            </a:pPr>
+            <a:r>
+              <a:rPr lang="en-GB" dirty="0"/>
+              <a:t>We remove “Generación total” and keep Top-7 technologies (by mean generation)</a:t>
+            </a:r>
+          </a:p>
+          <a:p>
+            <a:pPr marL="514350" indent="-514350">
+              <a:buAutoNum type="arabicPeriod"/>
+            </a:pPr>
+            <a:r>
+              <a:rPr lang="en-GB" dirty="0"/>
+              <a:t>We build a complete daily calendar for each technology</a:t>
+            </a:r>
+          </a:p>
+          <a:p>
+            <a:pPr marL="514350" indent="-514350">
+              <a:buAutoNum type="arabicPeriod"/>
+            </a:pPr>
+            <a:r>
+              <a:rPr lang="en-GB" dirty="0"/>
+              <a:t>We fill missing days (forward/backward fill) and the negatives values to 0</a:t>
+            </a:r>
+          </a:p>
+          <a:p>
+            <a:pPr marL="514350" indent="-514350">
+              <a:buAutoNum type="arabicPeriod"/>
+            </a:pPr>
+            <a:r>
+              <a:rPr lang="en-GB" dirty="0"/>
+              <a:t>Output: one clean panel file (parquet) for fast and reproducible runs</a:t>
+            </a:r>
+          </a:p>
+          <a:p>
+            <a:pPr marL="914400" lvl="2" indent="0">
               <a:buNone/>
             </a:pPr>
-            <a:r>
-              <a:rPr lang="en-GB" b="1" dirty="0"/>
-              <a:t>Uncertainty</a:t>
-            </a:r>
-          </a:p>
-          <a:p>
-            <a:r>
-              <a:rPr lang="en-GB" dirty="0"/>
-              <a:t>Empirical prediction intervals </a:t>
-            </a:r>
-          </a:p>
-          <a:p>
-            <a:r>
-              <a:rPr lang="en-GB" dirty="0"/>
-              <a:t>Based on validation residual quantiles (95%)</a:t>
-            </a:r>
+            <a:endParaRPr lang="en-GB" dirty="0"/>
+          </a:p>
+          <a:p>
+            <a:pPr marL="457200" lvl="1" indent="0">
+              <a:buNone/>
+            </a:pPr>
+            <a:endParaRPr lang="en-GB" dirty="0"/>
           </a:p>
         </p:txBody>
       </p:sp>
     </p:spTree>
     <p:extLst>
       <p:ext uri="{BB962C8B-B14F-4D97-AF65-F5344CB8AC3E}">
-        <p14:creationId xmlns:p14="http://schemas.microsoft.com/office/powerpoint/2010/main" val="3689835045"/>
+        <p14:creationId xmlns:p14="http://schemas.microsoft.com/office/powerpoint/2010/main" val="3946387973"/>
       </p:ext>
     </p:extLst>
   </p:cSld>
@@ -4390,7 +4726,7 @@
           <p:cNvPr id="2" name="Título 1">
             <a:extLst>
               <a:ext uri="{FF2B5EF4-FFF2-40B4-BE49-F238E27FC236}">
-                <a16:creationId xmlns:a16="http://schemas.microsoft.com/office/drawing/2014/main" id="{8D2D2313-E4F2-A92B-B35C-5855715907C9}"/>
+                <a16:creationId xmlns:a16="http://schemas.microsoft.com/office/drawing/2014/main" id="{3840B8F3-0CD4-9CA2-2B32-6AD32D18E6F2}"/>
               </a:ext>
             </a:extLst>
           </p:cNvPr>
@@ -4408,7 +4744,7 @@
           <a:p>
             <a:r>
               <a:rPr lang="en-GB" b="1" dirty="0"/>
-              <a:t>Value &amp; Conclusion</a:t>
+              <a:t>Model Families Tested</a:t>
             </a:r>
           </a:p>
         </p:txBody>
@@ -4418,7 +4754,7 @@
           <p:cNvPr id="3" name="Marcador de contenido 2">
             <a:extLst>
               <a:ext uri="{FF2B5EF4-FFF2-40B4-BE49-F238E27FC236}">
-                <a16:creationId xmlns:a16="http://schemas.microsoft.com/office/drawing/2014/main" id="{C62105F7-D478-7E13-EDE7-CCB821749367}"/>
+                <a16:creationId xmlns:a16="http://schemas.microsoft.com/office/drawing/2014/main" id="{B458AE76-16F3-9322-3513-6AC62BEFCF9C}"/>
               </a:ext>
             </a:extLst>
           </p:cNvPr>
@@ -4426,7 +4762,7 @@
             <a:spLocks noGrp="1"/>
           </p:cNvSpPr>
           <p:nvPr>
-            <p:ph idx="1"/>
+            <p:ph sz="half" idx="1"/>
           </p:nvPr>
         </p:nvSpPr>
         <p:spPr/>
@@ -4436,39 +4772,1417 @@
           <a:p>
             <a:r>
               <a:rPr lang="en-GB" b="1" dirty="0"/>
-              <a:t>Value Generated:</a:t>
-            </a:r>
+              <a:t>Baselines:</a:t>
+            </a:r>
+          </a:p>
+          <a:p>
+            <a:pPr lvl="1"/>
             <a:r>
               <a:rPr lang="en-GB" dirty="0"/>
-              <a:t> </a:t>
+              <a:t>Naive (last value)</a:t>
             </a:r>
           </a:p>
           <a:p>
             <a:pPr lvl="1"/>
             <a:r>
               <a:rPr lang="en-GB" dirty="0"/>
-              <a:t>Better planning of energy balance and reserves</a:t>
+              <a:t>Moving average (7-days window)</a:t>
             </a:r>
           </a:p>
           <a:p>
             <a:pPr lvl="1"/>
             <a:r>
               <a:rPr lang="en-GB" dirty="0"/>
-              <a:t>Improved risk-aware decision-making</a:t>
+              <a:t>Seasonal Naive (weekly)</a:t>
+            </a:r>
+          </a:p>
+          <a:p>
+            <a:r>
+              <a:rPr lang="en-GB" b="1" dirty="0"/>
+              <a:t>Statistical:</a:t>
             </a:r>
           </a:p>
           <a:p>
             <a:pPr lvl="1"/>
             <a:r>
+              <a:rPr lang="en-GB" dirty="0" err="1"/>
+              <a:t>AutoARIMA</a:t>
+            </a:r>
+            <a:r>
               <a:rPr lang="en-GB" dirty="0"/>
-              <a:t>Useful even with uncertainty</a:t>
-            </a:r>
-          </a:p>
+              <a:t> (weekly seasonality)</a:t>
+            </a:r>
+          </a:p>
+          <a:p>
+            <a:pPr marL="0" indent="0">
+              <a:buNone/>
+            </a:pPr>
+            <a:endParaRPr lang="en-GB" b="1" dirty="0"/>
+          </a:p>
+        </p:txBody>
+      </p:sp>
+      <p:sp>
+        <p:nvSpPr>
+          <p:cNvPr id="4" name="Marcador de contenido 3">
+            <a:extLst>
+              <a:ext uri="{FF2B5EF4-FFF2-40B4-BE49-F238E27FC236}">
+                <a16:creationId xmlns:a16="http://schemas.microsoft.com/office/drawing/2014/main" id="{CBE12D95-E880-5C96-778D-FF051D5DB324}"/>
+              </a:ext>
+            </a:extLst>
+          </p:cNvPr>
+          <p:cNvSpPr>
+            <a:spLocks noGrp="1"/>
+          </p:cNvSpPr>
+          <p:nvPr>
+            <p:ph sz="half" idx="2"/>
+          </p:nvPr>
+        </p:nvSpPr>
+        <p:spPr/>
+        <p:txBody>
+          <a:bodyPr/>
+          <a:lstStyle/>
           <a:p>
             <a:r>
               <a:rPr lang="en-GB" b="1" dirty="0"/>
-              <a:t>Conclusion:</a:t>
-            </a:r>
+              <a:t>Machine Learning:</a:t>
+            </a:r>
+          </a:p>
+          <a:p>
+            <a:pPr lvl="1"/>
+            <a:r>
+              <a:rPr lang="en-GB" dirty="0"/>
+              <a:t>Random Forest</a:t>
+            </a:r>
+          </a:p>
+          <a:p>
+            <a:pPr lvl="1"/>
+            <a:r>
+              <a:rPr lang="en-GB" dirty="0"/>
+              <a:t>Gradient Boosting</a:t>
+            </a:r>
+          </a:p>
+          <a:p>
+            <a:pPr lvl="1"/>
+            <a:r>
+              <a:rPr lang="en-GB" b="1" dirty="0"/>
+              <a:t>Features: </a:t>
+            </a:r>
+            <a:r>
+              <a:rPr lang="en-GB" dirty="0"/>
+              <a:t>Lag features, calendar (day, month, weekday), and rolling &amp; expanding statistics.</a:t>
+            </a:r>
+          </a:p>
+          <a:p>
+            <a:r>
+              <a:rPr lang="en-GB" b="1" dirty="0"/>
+              <a:t>Neural Forecast:</a:t>
+            </a:r>
+          </a:p>
+          <a:p>
+            <a:pPr lvl="1"/>
+            <a:r>
+              <a:rPr lang="en-GB" dirty="0"/>
+              <a:t>NBEATS</a:t>
+            </a:r>
+          </a:p>
+          <a:p>
+            <a:pPr lvl="1"/>
+            <a:r>
+              <a:rPr lang="en-GB" dirty="0" err="1"/>
+              <a:t>NLinear</a:t>
+            </a:r>
+            <a:endParaRPr lang="en-GB" dirty="0"/>
+          </a:p>
+        </p:txBody>
+      </p:sp>
+    </p:spTree>
+    <p:extLst>
+      <p:ext uri="{BB962C8B-B14F-4D97-AF65-F5344CB8AC3E}">
+        <p14:creationId xmlns:p14="http://schemas.microsoft.com/office/powerpoint/2010/main" val="702062300"/>
+      </p:ext>
+    </p:extLst>
+  </p:cSld>
+  <p:clrMapOvr>
+    <a:masterClrMapping/>
+  </p:clrMapOvr>
+</p:sld>
+</file>
+
+<file path=ppt/slides/slide13.xml><?xml version="1.0" encoding="utf-8"?>
+<p:sld xmlns:a="http://schemas.openxmlformats.org/drawingml/2006/main" xmlns:r="http://schemas.openxmlformats.org/officeDocument/2006/relationships" xmlns:p="http://schemas.openxmlformats.org/presentationml/2006/main">
+  <p:cSld>
+    <p:spTree>
+      <p:nvGrpSpPr>
+        <p:cNvPr id="1" name=""/>
+        <p:cNvGrpSpPr/>
+        <p:nvPr/>
+      </p:nvGrpSpPr>
+      <p:grpSpPr>
+        <a:xfrm>
+          <a:off x="0" y="0"/>
+          <a:ext cx="0" cy="0"/>
+          <a:chOff x="0" y="0"/>
+          <a:chExt cx="0" cy="0"/>
+        </a:xfrm>
+      </p:grpSpPr>
+      <p:sp>
+        <p:nvSpPr>
+          <p:cNvPr id="2" name="Título 1">
+            <a:extLst>
+              <a:ext uri="{FF2B5EF4-FFF2-40B4-BE49-F238E27FC236}">
+                <a16:creationId xmlns:a16="http://schemas.microsoft.com/office/drawing/2014/main" id="{8E85E0AB-5DE7-D68A-E0B6-C1D13C47DB65}"/>
+              </a:ext>
+            </a:extLst>
+          </p:cNvPr>
+          <p:cNvSpPr>
+            <a:spLocks noGrp="1"/>
+          </p:cNvSpPr>
+          <p:nvPr>
+            <p:ph type="title"/>
+          </p:nvPr>
+        </p:nvSpPr>
+        <p:spPr/>
+        <p:txBody>
+          <a:bodyPr/>
+          <a:lstStyle/>
+          <a:p>
+            <a:r>
+              <a:rPr lang="en-GB" b="1" dirty="0"/>
+              <a:t>Evaluation </a:t>
+            </a:r>
+          </a:p>
+        </p:txBody>
+      </p:sp>
+      <p:sp>
+        <p:nvSpPr>
+          <p:cNvPr id="3" name="Marcador de contenido 2">
+            <a:extLst>
+              <a:ext uri="{FF2B5EF4-FFF2-40B4-BE49-F238E27FC236}">
+                <a16:creationId xmlns:a16="http://schemas.microsoft.com/office/drawing/2014/main" id="{6973D5A5-C543-94FA-5219-1A911BD85B9E}"/>
+              </a:ext>
+            </a:extLst>
+          </p:cNvPr>
+          <p:cNvSpPr>
+            <a:spLocks noGrp="1"/>
+          </p:cNvSpPr>
+          <p:nvPr>
+            <p:ph sz="half" idx="1"/>
+          </p:nvPr>
+        </p:nvSpPr>
+        <p:spPr/>
+        <p:txBody>
+          <a:bodyPr/>
+          <a:lstStyle/>
+          <a:p>
+            <a:pPr marL="0" indent="0">
+              <a:buNone/>
+            </a:pPr>
+            <a:r>
+              <a:rPr lang="en-GB" b="1" dirty="0"/>
+              <a:t>Time-Based Evaluation</a:t>
+            </a:r>
+          </a:p>
+          <a:p>
+            <a:r>
+              <a:rPr lang="en-GB" dirty="0"/>
+              <a:t>Chronological split (no shuffling)</a:t>
+            </a:r>
+          </a:p>
+          <a:p>
+            <a:r>
+              <a:rPr lang="en-GB" dirty="0"/>
+              <a:t>Time series-aware validation</a:t>
+            </a:r>
+          </a:p>
+          <a:p>
+            <a:pPr marL="0" indent="0">
+              <a:buNone/>
+            </a:pPr>
+            <a:r>
+              <a:rPr lang="en-GB" b="1" dirty="0"/>
+              <a:t>Data Split</a:t>
+            </a:r>
+          </a:p>
+          <a:p>
+            <a:r>
+              <a:rPr lang="en-GB" dirty="0"/>
+              <a:t>Train</a:t>
+            </a:r>
+          </a:p>
+          <a:p>
+            <a:r>
+              <a:rPr lang="en-GB" dirty="0"/>
+              <a:t>Validation: 31 days</a:t>
+            </a:r>
+          </a:p>
+          <a:p>
+            <a:r>
+              <a:rPr lang="en-GB" dirty="0"/>
+              <a:t>Test: 31 days</a:t>
+            </a:r>
+          </a:p>
+        </p:txBody>
+      </p:sp>
+      <p:sp>
+        <p:nvSpPr>
+          <p:cNvPr id="4" name="Marcador de contenido 3">
+            <a:extLst>
+              <a:ext uri="{FF2B5EF4-FFF2-40B4-BE49-F238E27FC236}">
+                <a16:creationId xmlns:a16="http://schemas.microsoft.com/office/drawing/2014/main" id="{81B0D8E2-1D8E-E053-E756-9C407D584700}"/>
+              </a:ext>
+            </a:extLst>
+          </p:cNvPr>
+          <p:cNvSpPr>
+            <a:spLocks noGrp="1"/>
+          </p:cNvSpPr>
+          <p:nvPr>
+            <p:ph sz="half" idx="2"/>
+          </p:nvPr>
+        </p:nvSpPr>
+        <p:spPr/>
+        <p:txBody>
+          <a:bodyPr/>
+          <a:lstStyle/>
+          <a:p>
+            <a:pPr marL="0" indent="0">
+              <a:buNone/>
+            </a:pPr>
+            <a:r>
+              <a:rPr lang="en-GB" b="1" dirty="0"/>
+              <a:t>Evaluation Metrics: </a:t>
+            </a:r>
+            <a:r>
+              <a:rPr lang="en-GB" dirty="0"/>
+              <a:t>MAE (primary metric), RMSE, MAPE, OPE, R2</a:t>
+            </a:r>
+          </a:p>
+          <a:p>
+            <a:pPr marL="0" indent="0">
+              <a:buNone/>
+            </a:pPr>
+            <a:r>
+              <a:rPr lang="en-GB" b="1" dirty="0"/>
+              <a:t>Model Selection</a:t>
+            </a:r>
+          </a:p>
+          <a:p>
+            <a:r>
+              <a:rPr lang="en-GB" dirty="0"/>
+              <a:t>Best model per family: lowest MAE on validation.</a:t>
+            </a:r>
+          </a:p>
+        </p:txBody>
+      </p:sp>
+    </p:spTree>
+    <p:extLst>
+      <p:ext uri="{BB962C8B-B14F-4D97-AF65-F5344CB8AC3E}">
+        <p14:creationId xmlns:p14="http://schemas.microsoft.com/office/powerpoint/2010/main" val="1819667916"/>
+      </p:ext>
+    </p:extLst>
+  </p:cSld>
+  <p:clrMapOvr>
+    <a:masterClrMapping/>
+  </p:clrMapOvr>
+</p:sld>
+</file>
+
+<file path=ppt/slides/slide14.xml><?xml version="1.0" encoding="utf-8"?>
+<p:sld xmlns:a="http://schemas.openxmlformats.org/drawingml/2006/main" xmlns:r="http://schemas.openxmlformats.org/officeDocument/2006/relationships" xmlns:p="http://schemas.openxmlformats.org/presentationml/2006/main">
+  <p:cSld>
+    <p:spTree>
+      <p:nvGrpSpPr>
+        <p:cNvPr id="1" name=""/>
+        <p:cNvGrpSpPr/>
+        <p:nvPr/>
+      </p:nvGrpSpPr>
+      <p:grpSpPr>
+        <a:xfrm>
+          <a:off x="0" y="0"/>
+          <a:ext cx="0" cy="0"/>
+          <a:chOff x="0" y="0"/>
+          <a:chExt cx="0" cy="0"/>
+        </a:xfrm>
+      </p:grpSpPr>
+      <p:pic>
+        <p:nvPicPr>
+          <p:cNvPr id="7" name="Marcador de contenido 6">
+            <a:extLst>
+              <a:ext uri="{FF2B5EF4-FFF2-40B4-BE49-F238E27FC236}">
+                <a16:creationId xmlns:a16="http://schemas.microsoft.com/office/drawing/2014/main" id="{40D1662E-C66A-D65B-7830-080DDCA4AC8B}"/>
+              </a:ext>
+            </a:extLst>
+          </p:cNvPr>
+          <p:cNvPicPr>
+            <a:picLocks noGrp="1" noChangeAspect="1"/>
+          </p:cNvPicPr>
+          <p:nvPr>
+            <p:ph sz="half" idx="1"/>
+          </p:nvPr>
+        </p:nvPicPr>
+        <p:blipFill>
+          <a:blip r:embed="rId2"/>
+          <a:stretch>
+            <a:fillRect/>
+          </a:stretch>
+        </p:blipFill>
+        <p:spPr>
+          <a:xfrm>
+            <a:off x="647191" y="1533703"/>
+            <a:ext cx="10897617" cy="4509993"/>
+          </a:xfrm>
+        </p:spPr>
+      </p:pic>
+      <p:sp>
+        <p:nvSpPr>
+          <p:cNvPr id="5" name="Título 1">
+            <a:extLst>
+              <a:ext uri="{FF2B5EF4-FFF2-40B4-BE49-F238E27FC236}">
+                <a16:creationId xmlns:a16="http://schemas.microsoft.com/office/drawing/2014/main" id="{9D9CDDCB-0584-6432-53F5-47AB4C556EAA}"/>
+              </a:ext>
+            </a:extLst>
+          </p:cNvPr>
+          <p:cNvSpPr>
+            <a:spLocks noGrp="1"/>
+          </p:cNvSpPr>
+          <p:nvPr>
+            <p:ph type="title"/>
+          </p:nvPr>
+        </p:nvSpPr>
+        <p:spPr>
+          <a:xfrm>
+            <a:off x="838200" y="365125"/>
+            <a:ext cx="10515600" cy="1325563"/>
+          </a:xfrm>
+        </p:spPr>
+        <p:txBody>
+          <a:bodyPr/>
+          <a:lstStyle/>
+          <a:p>
+            <a:r>
+              <a:rPr lang="en-GB" b="1" dirty="0"/>
+              <a:t>Evaluation </a:t>
+            </a:r>
+          </a:p>
+        </p:txBody>
+      </p:sp>
+    </p:spTree>
+    <p:extLst>
+      <p:ext uri="{BB962C8B-B14F-4D97-AF65-F5344CB8AC3E}">
+        <p14:creationId xmlns:p14="http://schemas.microsoft.com/office/powerpoint/2010/main" val="2791132392"/>
+      </p:ext>
+    </p:extLst>
+  </p:cSld>
+  <p:clrMapOvr>
+    <a:masterClrMapping/>
+  </p:clrMapOvr>
+</p:sld>
+</file>
+
+<file path=ppt/slides/slide15.xml><?xml version="1.0" encoding="utf-8"?>
+<p:sld xmlns:a="http://schemas.openxmlformats.org/drawingml/2006/main" xmlns:r="http://schemas.openxmlformats.org/officeDocument/2006/relationships" xmlns:p="http://schemas.openxmlformats.org/presentationml/2006/main">
+  <p:cSld>
+    <p:spTree>
+      <p:nvGrpSpPr>
+        <p:cNvPr id="1" name=""/>
+        <p:cNvGrpSpPr/>
+        <p:nvPr/>
+      </p:nvGrpSpPr>
+      <p:grpSpPr>
+        <a:xfrm>
+          <a:off x="0" y="0"/>
+          <a:ext cx="0" cy="0"/>
+          <a:chOff x="0" y="0"/>
+          <a:chExt cx="0" cy="0"/>
+        </a:xfrm>
+      </p:grpSpPr>
+      <p:sp>
+        <p:nvSpPr>
+          <p:cNvPr id="2" name="Título 1">
+            <a:extLst>
+              <a:ext uri="{FF2B5EF4-FFF2-40B4-BE49-F238E27FC236}">
+                <a16:creationId xmlns:a16="http://schemas.microsoft.com/office/drawing/2014/main" id="{3FEA39E2-F78C-1BA0-D34B-1BFB19A4D4A9}"/>
+              </a:ext>
+            </a:extLst>
+          </p:cNvPr>
+          <p:cNvSpPr>
+            <a:spLocks noGrp="1"/>
+          </p:cNvSpPr>
+          <p:nvPr>
+            <p:ph type="title"/>
+          </p:nvPr>
+        </p:nvSpPr>
+        <p:spPr/>
+        <p:txBody>
+          <a:bodyPr/>
+          <a:lstStyle/>
+          <a:p>
+            <a:r>
+              <a:rPr lang="en-GB" b="1" dirty="0"/>
+              <a:t>January 2026 </a:t>
+            </a:r>
+            <a:r>
+              <a:rPr lang="en-GB" b="1" dirty="0" err="1"/>
+              <a:t>Forecst</a:t>
+            </a:r>
+            <a:r>
+              <a:rPr lang="en-GB" b="1" dirty="0"/>
+              <a:t> (Top-7 total)</a:t>
+            </a:r>
+          </a:p>
+        </p:txBody>
+      </p:sp>
+      <p:sp>
+        <p:nvSpPr>
+          <p:cNvPr id="5" name="Rectangle 1">
+            <a:extLst>
+              <a:ext uri="{FF2B5EF4-FFF2-40B4-BE49-F238E27FC236}">
+                <a16:creationId xmlns:a16="http://schemas.microsoft.com/office/drawing/2014/main" id="{58619FE7-2CE5-BA08-BB82-E17584F8FB3D}"/>
+              </a:ext>
+            </a:extLst>
+          </p:cNvPr>
+          <p:cNvSpPr>
+            <a:spLocks noGrp="1" noChangeArrowheads="1"/>
+          </p:cNvSpPr>
+          <p:nvPr>
+            <p:ph sz="half" idx="1"/>
+          </p:nvPr>
+        </p:nvSpPr>
+        <p:spPr bwMode="auto">
+          <a:xfrm>
+            <a:off x="469231" y="1474921"/>
+            <a:ext cx="9653338" cy="1323439"/>
+          </a:xfrm>
+          <a:prstGeom prst="rect">
+            <a:avLst/>
+          </a:prstGeom>
+          <a:noFill/>
+          <a:ln>
+            <a:noFill/>
+          </a:ln>
+          <a:effectLst/>
+          <a:extLst>
+            <a:ext uri="{909E8E84-426E-40DD-AFC4-6F175D3DCCD1}">
+              <a14:hiddenFill xmlns:a14="http://schemas.microsoft.com/office/drawing/2010/main">
+                <a:solidFill>
+                  <a:schemeClr val="accent1"/>
+                </a:solidFill>
+              </a14:hiddenFill>
+            </a:ext>
+            <a:ext uri="{91240B29-F687-4F45-9708-019B960494DF}">
+              <a14:hiddenLine xmlns:a14="http://schemas.microsoft.com/office/drawing/2010/main" w="9525">
+                <a:solidFill>
+                  <a:schemeClr val="tx1"/>
+                </a:solidFill>
+                <a:miter lim="800000"/>
+                <a:headEnd/>
+                <a:tailEnd/>
+              </a14:hiddenLine>
+            </a:ext>
+            <a:ext uri="{AF507438-7753-43E0-B8FC-AC1667EBCBE1}">
+              <a14:hiddenEffects xmlns:a14="http://schemas.microsoft.com/office/drawing/2010/main">
+                <a:effectLst>
+                  <a:outerShdw dist="35921" dir="2700000" algn="ctr" rotWithShape="0">
+                    <a:schemeClr val="bg2"/>
+                  </a:outerShdw>
+                </a:effectLst>
+              </a14:hiddenEffects>
+            </a:ext>
+          </a:extLst>
+        </p:spPr>
+        <p:txBody>
+          <a:bodyPr vert="horz" wrap="square" lIns="91440" tIns="45720" rIns="91440" bIns="45720" numCol="1" anchor="ctr" anchorCtr="0" compatLnSpc="1">
+            <a:prstTxWarp prst="textNoShape">
+              <a:avLst/>
+            </a:prstTxWarp>
+            <a:spAutoFit/>
+          </a:bodyPr>
+          <a:lstStyle/>
+          <a:p>
+            <a:pPr marL="0" marR="0" lvl="0" indent="0" algn="l" defTabSz="914400" rtl="0" eaLnBrk="0" fontAlgn="base" latinLnBrk="0" hangingPunct="0">
+              <a:lnSpc>
+                <a:spcPct val="100000"/>
+              </a:lnSpc>
+              <a:spcBef>
+                <a:spcPct val="0"/>
+              </a:spcBef>
+              <a:spcAft>
+                <a:spcPct val="0"/>
+              </a:spcAft>
+              <a:buClrTx/>
+              <a:buSzTx/>
+              <a:buFontTx/>
+              <a:buChar char="•"/>
+              <a:tabLst/>
+            </a:pPr>
+            <a:r>
+              <a:rPr kumimoji="0" lang="es-ES" altLang="es-ES" sz="2000" b="0" i="0" u="none" strike="noStrike" cap="none" normalizeH="0" baseline="0" dirty="0" err="1">
+                <a:ln>
+                  <a:noFill/>
+                </a:ln>
+                <a:solidFill>
+                  <a:schemeClr val="tx1"/>
+                </a:solidFill>
+                <a:effectLst/>
+                <a:latin typeface="Arial" panose="020B0604020202020204" pitchFamily="34" charset="0"/>
+              </a:rPr>
+              <a:t>We</a:t>
+            </a:r>
+            <a:r>
+              <a:rPr kumimoji="0" lang="es-ES" altLang="es-ES" sz="2000" b="0" i="0" u="none" strike="noStrike" cap="none" normalizeH="0" baseline="0" dirty="0">
+                <a:ln>
+                  <a:noFill/>
+                </a:ln>
+                <a:solidFill>
+                  <a:schemeClr val="tx1"/>
+                </a:solidFill>
+                <a:effectLst/>
+                <a:latin typeface="Arial" panose="020B0604020202020204" pitchFamily="34" charset="0"/>
+              </a:rPr>
+              <a:t> </a:t>
+            </a:r>
+            <a:r>
+              <a:rPr kumimoji="0" lang="es-ES" altLang="es-ES" sz="2000" b="0" i="0" u="none" strike="noStrike" cap="none" normalizeH="0" baseline="0" dirty="0" err="1">
+                <a:ln>
+                  <a:noFill/>
+                </a:ln>
+                <a:solidFill>
+                  <a:schemeClr val="tx1"/>
+                </a:solidFill>
+                <a:effectLst/>
+                <a:latin typeface="Arial" panose="020B0604020202020204" pitchFamily="34" charset="0"/>
+              </a:rPr>
+              <a:t>forecast</a:t>
+            </a:r>
+            <a:r>
+              <a:rPr kumimoji="0" lang="es-ES" altLang="es-ES" sz="2000" b="0" i="0" u="none" strike="noStrike" cap="none" normalizeH="0" baseline="0" dirty="0">
+                <a:ln>
+                  <a:noFill/>
+                </a:ln>
+                <a:solidFill>
+                  <a:schemeClr val="tx1"/>
+                </a:solidFill>
+                <a:effectLst/>
+                <a:latin typeface="Arial" panose="020B0604020202020204" pitchFamily="34" charset="0"/>
+              </a:rPr>
+              <a:t> </a:t>
+            </a:r>
+            <a:r>
+              <a:rPr kumimoji="0" lang="es-ES" altLang="es-ES" sz="2000" b="0" i="0" u="none" strike="noStrike" cap="none" normalizeH="0" baseline="0" dirty="0" err="1">
+                <a:ln>
+                  <a:noFill/>
+                </a:ln>
+                <a:solidFill>
+                  <a:schemeClr val="tx1"/>
+                </a:solidFill>
+                <a:effectLst/>
+                <a:latin typeface="Arial" panose="020B0604020202020204" pitchFamily="34" charset="0"/>
+              </a:rPr>
+              <a:t>daily</a:t>
+            </a:r>
+            <a:r>
+              <a:rPr kumimoji="0" lang="es-ES" altLang="es-ES" sz="2000" b="0" i="0" u="none" strike="noStrike" cap="none" normalizeH="0" baseline="0" dirty="0">
+                <a:ln>
+                  <a:noFill/>
+                </a:ln>
+                <a:solidFill>
+                  <a:schemeClr val="tx1"/>
+                </a:solidFill>
+                <a:effectLst/>
+                <a:latin typeface="Arial" panose="020B0604020202020204" pitchFamily="34" charset="0"/>
+              </a:rPr>
+              <a:t> </a:t>
+            </a:r>
+            <a:r>
+              <a:rPr kumimoji="0" lang="es-ES" altLang="es-ES" sz="2000" b="0" i="0" u="none" strike="noStrike" cap="none" normalizeH="0" baseline="0" dirty="0" err="1">
+                <a:ln>
+                  <a:noFill/>
+                </a:ln>
+                <a:solidFill>
+                  <a:schemeClr val="tx1"/>
+                </a:solidFill>
+                <a:effectLst/>
+                <a:latin typeface="Arial" panose="020B0604020202020204" pitchFamily="34" charset="0"/>
+              </a:rPr>
+              <a:t>generation</a:t>
+            </a:r>
+            <a:r>
+              <a:rPr kumimoji="0" lang="es-ES" altLang="es-ES" sz="2000" b="0" i="0" u="none" strike="noStrike" cap="none" normalizeH="0" baseline="0" dirty="0">
+                <a:ln>
+                  <a:noFill/>
+                </a:ln>
+                <a:solidFill>
+                  <a:schemeClr val="tx1"/>
+                </a:solidFill>
+                <a:effectLst/>
+                <a:latin typeface="Arial" panose="020B0604020202020204" pitchFamily="34" charset="0"/>
+              </a:rPr>
+              <a:t> </a:t>
+            </a:r>
+            <a:r>
+              <a:rPr kumimoji="0" lang="es-ES" altLang="es-ES" sz="2000" b="0" i="0" u="none" strike="noStrike" cap="none" normalizeH="0" baseline="0" dirty="0" err="1">
+                <a:ln>
+                  <a:noFill/>
+                </a:ln>
+                <a:solidFill>
+                  <a:schemeClr val="tx1"/>
+                </a:solidFill>
+                <a:effectLst/>
+                <a:latin typeface="Arial" panose="020B0604020202020204" pitchFamily="34" charset="0"/>
+              </a:rPr>
+              <a:t>for</a:t>
+            </a:r>
+            <a:r>
+              <a:rPr kumimoji="0" lang="es-ES" altLang="es-ES" sz="2000" b="0" i="0" u="none" strike="noStrike" cap="none" normalizeH="0" baseline="0" dirty="0">
+                <a:ln>
+                  <a:noFill/>
+                </a:ln>
+                <a:solidFill>
+                  <a:schemeClr val="tx1"/>
+                </a:solidFill>
+                <a:effectLst/>
+                <a:latin typeface="Arial" panose="020B0604020202020204" pitchFamily="34" charset="0"/>
+              </a:rPr>
+              <a:t> </a:t>
+            </a:r>
+            <a:r>
+              <a:rPr kumimoji="0" lang="es-ES" altLang="es-ES" sz="2000" b="0" i="0" u="none" strike="noStrike" cap="none" normalizeH="0" baseline="0" dirty="0" err="1">
+                <a:ln>
+                  <a:noFill/>
+                </a:ln>
+                <a:solidFill>
+                  <a:schemeClr val="tx1"/>
+                </a:solidFill>
+                <a:effectLst/>
+                <a:latin typeface="Arial" panose="020B0604020202020204" pitchFamily="34" charset="0"/>
+              </a:rPr>
+              <a:t>January</a:t>
+            </a:r>
+            <a:r>
+              <a:rPr kumimoji="0" lang="es-ES" altLang="es-ES" sz="2000" b="0" i="0" u="none" strike="noStrike" cap="none" normalizeH="0" baseline="0" dirty="0">
+                <a:ln>
+                  <a:noFill/>
+                </a:ln>
+                <a:solidFill>
+                  <a:schemeClr val="tx1"/>
+                </a:solidFill>
+                <a:effectLst/>
+                <a:latin typeface="Arial" panose="020B0604020202020204" pitchFamily="34" charset="0"/>
+              </a:rPr>
+              <a:t> 2026</a:t>
+            </a:r>
+          </a:p>
+          <a:p>
+            <a:pPr marL="0" marR="0" lvl="0" indent="0" algn="l" defTabSz="914400" rtl="0" eaLnBrk="0" fontAlgn="base" latinLnBrk="0" hangingPunct="0">
+              <a:lnSpc>
+                <a:spcPct val="100000"/>
+              </a:lnSpc>
+              <a:spcBef>
+                <a:spcPct val="0"/>
+              </a:spcBef>
+              <a:spcAft>
+                <a:spcPct val="0"/>
+              </a:spcAft>
+              <a:buClrTx/>
+              <a:buSzTx/>
+              <a:buFontTx/>
+              <a:buChar char="•"/>
+              <a:tabLst/>
+            </a:pPr>
+            <a:r>
+              <a:rPr kumimoji="0" lang="es-ES" altLang="es-ES" sz="2000" b="0" i="0" u="none" strike="noStrike" cap="none" normalizeH="0" baseline="0" dirty="0">
+                <a:ln>
+                  <a:noFill/>
+                </a:ln>
+                <a:solidFill>
+                  <a:schemeClr val="tx1"/>
+                </a:solidFill>
+                <a:effectLst/>
+                <a:latin typeface="Arial" panose="020B0604020202020204" pitchFamily="34" charset="0"/>
+              </a:rPr>
+              <a:t>Orange line = </a:t>
+            </a:r>
+            <a:r>
+              <a:rPr kumimoji="0" lang="es-ES" altLang="es-ES" sz="2000" b="0" i="0" u="none" strike="noStrike" cap="none" normalizeH="0" baseline="0" dirty="0" err="1">
+                <a:ln>
+                  <a:noFill/>
+                </a:ln>
+                <a:solidFill>
+                  <a:schemeClr val="tx1"/>
+                </a:solidFill>
+                <a:effectLst/>
+                <a:latin typeface="Arial" panose="020B0604020202020204" pitchFamily="34" charset="0"/>
+              </a:rPr>
+              <a:t>point</a:t>
+            </a:r>
+            <a:r>
+              <a:rPr kumimoji="0" lang="es-ES" altLang="es-ES" sz="2000" b="0" i="0" u="none" strike="noStrike" cap="none" normalizeH="0" baseline="0" dirty="0">
+                <a:ln>
+                  <a:noFill/>
+                </a:ln>
+                <a:solidFill>
+                  <a:schemeClr val="tx1"/>
+                </a:solidFill>
+                <a:effectLst/>
+                <a:latin typeface="Arial" panose="020B0604020202020204" pitchFamily="34" charset="0"/>
+              </a:rPr>
+              <a:t> </a:t>
+            </a:r>
+            <a:r>
+              <a:rPr kumimoji="0" lang="es-ES" altLang="es-ES" sz="2000" b="0" i="0" u="none" strike="noStrike" cap="none" normalizeH="0" baseline="0" dirty="0" err="1">
+                <a:ln>
+                  <a:noFill/>
+                </a:ln>
+                <a:solidFill>
+                  <a:schemeClr val="tx1"/>
+                </a:solidFill>
+                <a:effectLst/>
+                <a:latin typeface="Arial" panose="020B0604020202020204" pitchFamily="34" charset="0"/>
+              </a:rPr>
+              <a:t>forecast</a:t>
+            </a:r>
+            <a:r>
+              <a:rPr kumimoji="0" lang="es-ES" altLang="es-ES" sz="2000" b="0" i="0" u="none" strike="noStrike" cap="none" normalizeH="0" baseline="0" dirty="0">
+                <a:ln>
+                  <a:noFill/>
+                </a:ln>
+                <a:solidFill>
+                  <a:schemeClr val="tx1"/>
+                </a:solidFill>
+                <a:effectLst/>
+                <a:latin typeface="Arial" panose="020B0604020202020204" pitchFamily="34" charset="0"/>
+              </a:rPr>
+              <a:t> (</a:t>
+            </a:r>
+            <a:r>
+              <a:rPr kumimoji="0" lang="es-ES" altLang="es-ES" sz="2000" b="0" i="0" u="none" strike="noStrike" cap="none" normalizeH="0" baseline="0" dirty="0" err="1">
+                <a:ln>
+                  <a:noFill/>
+                </a:ln>
+                <a:solidFill>
+                  <a:schemeClr val="tx1"/>
+                </a:solidFill>
+                <a:effectLst/>
+                <a:latin typeface="Arial" panose="020B0604020202020204" pitchFamily="34" charset="0"/>
+              </a:rPr>
+              <a:t>yhat</a:t>
+            </a:r>
+            <a:r>
+              <a:rPr kumimoji="0" lang="es-ES" altLang="es-ES" sz="2000" b="0" i="0" u="none" strike="noStrike" cap="none" normalizeH="0" baseline="0" dirty="0">
+                <a:ln>
+                  <a:noFill/>
+                </a:ln>
+                <a:solidFill>
+                  <a:schemeClr val="tx1"/>
+                </a:solidFill>
+                <a:effectLst/>
+                <a:latin typeface="Arial" panose="020B0604020202020204" pitchFamily="34" charset="0"/>
+              </a:rPr>
+              <a:t>)</a:t>
+            </a:r>
+          </a:p>
+          <a:p>
+            <a:pPr marL="0" marR="0" lvl="0" indent="0" algn="l" defTabSz="914400" rtl="0" eaLnBrk="0" fontAlgn="base" latinLnBrk="0" hangingPunct="0">
+              <a:lnSpc>
+                <a:spcPct val="100000"/>
+              </a:lnSpc>
+              <a:spcBef>
+                <a:spcPct val="0"/>
+              </a:spcBef>
+              <a:spcAft>
+                <a:spcPct val="0"/>
+              </a:spcAft>
+              <a:buClrTx/>
+              <a:buSzTx/>
+              <a:buFontTx/>
+              <a:buChar char="•"/>
+              <a:tabLst/>
+            </a:pPr>
+            <a:r>
+              <a:rPr kumimoji="0" lang="es-ES" altLang="es-ES" sz="2000" b="0" i="0" u="none" strike="noStrike" cap="none" normalizeH="0" baseline="0" dirty="0" err="1">
+                <a:ln>
+                  <a:noFill/>
+                </a:ln>
+                <a:solidFill>
+                  <a:schemeClr val="tx1"/>
+                </a:solidFill>
+                <a:effectLst/>
+                <a:latin typeface="Arial" panose="020B0604020202020204" pitchFamily="34" charset="0"/>
+              </a:rPr>
+              <a:t>Shaded</a:t>
+            </a:r>
+            <a:r>
+              <a:rPr kumimoji="0" lang="es-ES" altLang="es-ES" sz="2000" b="0" i="0" u="none" strike="noStrike" cap="none" normalizeH="0" baseline="0" dirty="0">
+                <a:ln>
+                  <a:noFill/>
+                </a:ln>
+                <a:solidFill>
+                  <a:schemeClr val="tx1"/>
+                </a:solidFill>
+                <a:effectLst/>
+                <a:latin typeface="Arial" panose="020B0604020202020204" pitchFamily="34" charset="0"/>
+              </a:rPr>
+              <a:t> </a:t>
+            </a:r>
+            <a:r>
+              <a:rPr kumimoji="0" lang="es-ES" altLang="es-ES" sz="2000" b="0" i="0" u="none" strike="noStrike" cap="none" normalizeH="0" baseline="0" dirty="0" err="1">
+                <a:ln>
+                  <a:noFill/>
+                </a:ln>
+                <a:solidFill>
+                  <a:schemeClr val="tx1"/>
+                </a:solidFill>
+                <a:effectLst/>
+                <a:latin typeface="Arial" panose="020B0604020202020204" pitchFamily="34" charset="0"/>
+              </a:rPr>
+              <a:t>area</a:t>
+            </a:r>
+            <a:r>
+              <a:rPr kumimoji="0" lang="es-ES" altLang="es-ES" sz="2000" b="0" i="0" u="none" strike="noStrike" cap="none" normalizeH="0" baseline="0" dirty="0">
+                <a:ln>
+                  <a:noFill/>
+                </a:ln>
+                <a:solidFill>
+                  <a:schemeClr val="tx1"/>
+                </a:solidFill>
+                <a:effectLst/>
+                <a:latin typeface="Arial" panose="020B0604020202020204" pitchFamily="34" charset="0"/>
+              </a:rPr>
+              <a:t> = 95% </a:t>
+            </a:r>
+            <a:r>
+              <a:rPr kumimoji="0" lang="es-ES" altLang="es-ES" sz="2000" b="0" i="0" u="none" strike="noStrike" cap="none" normalizeH="0" baseline="0" dirty="0" err="1">
+                <a:ln>
+                  <a:noFill/>
+                </a:ln>
+                <a:solidFill>
+                  <a:schemeClr val="tx1"/>
+                </a:solidFill>
+                <a:effectLst/>
+                <a:latin typeface="Arial" panose="020B0604020202020204" pitchFamily="34" charset="0"/>
+              </a:rPr>
+              <a:t>prediction</a:t>
+            </a:r>
+            <a:r>
+              <a:rPr kumimoji="0" lang="es-ES" altLang="es-ES" sz="2000" b="0" i="0" u="none" strike="noStrike" cap="none" normalizeH="0" baseline="0" dirty="0">
+                <a:ln>
+                  <a:noFill/>
+                </a:ln>
+                <a:solidFill>
+                  <a:schemeClr val="tx1"/>
+                </a:solidFill>
+                <a:effectLst/>
+                <a:latin typeface="Arial" panose="020B0604020202020204" pitchFamily="34" charset="0"/>
+              </a:rPr>
+              <a:t> </a:t>
+            </a:r>
+            <a:r>
+              <a:rPr kumimoji="0" lang="es-ES" altLang="es-ES" sz="2000" b="0" i="0" u="none" strike="noStrike" cap="none" normalizeH="0" baseline="0" dirty="0" err="1">
+                <a:ln>
+                  <a:noFill/>
+                </a:ln>
+                <a:solidFill>
+                  <a:schemeClr val="tx1"/>
+                </a:solidFill>
+                <a:effectLst/>
+                <a:latin typeface="Arial" panose="020B0604020202020204" pitchFamily="34" charset="0"/>
+              </a:rPr>
+              <a:t>interval</a:t>
+            </a:r>
+            <a:r>
+              <a:rPr kumimoji="0" lang="es-ES" altLang="es-ES" sz="2000" b="0" i="0" u="none" strike="noStrike" cap="none" normalizeH="0" baseline="0" dirty="0">
+                <a:ln>
+                  <a:noFill/>
+                </a:ln>
+                <a:solidFill>
+                  <a:schemeClr val="tx1"/>
+                </a:solidFill>
+                <a:effectLst/>
+                <a:latin typeface="Arial" panose="020B0604020202020204" pitchFamily="34" charset="0"/>
+              </a:rPr>
+              <a:t> (</a:t>
+            </a:r>
+            <a:r>
+              <a:rPr kumimoji="0" lang="es-ES" altLang="es-ES" sz="2000" b="0" i="0" u="none" strike="noStrike" cap="none" normalizeH="0" baseline="0" dirty="0" err="1">
+                <a:ln>
+                  <a:noFill/>
+                </a:ln>
+                <a:solidFill>
+                  <a:schemeClr val="tx1"/>
+                </a:solidFill>
+                <a:effectLst/>
+                <a:latin typeface="Arial" panose="020B0604020202020204" pitchFamily="34" charset="0"/>
+              </a:rPr>
+              <a:t>low</a:t>
+            </a:r>
+            <a:r>
+              <a:rPr kumimoji="0" lang="es-ES" altLang="es-ES" sz="2000" b="0" i="0" u="none" strike="noStrike" cap="none" normalizeH="0" baseline="0" dirty="0">
+                <a:ln>
+                  <a:noFill/>
+                </a:ln>
+                <a:solidFill>
+                  <a:schemeClr val="tx1"/>
+                </a:solidFill>
+                <a:effectLst/>
+                <a:latin typeface="Arial" panose="020B0604020202020204" pitchFamily="34" charset="0"/>
+              </a:rPr>
+              <a:t>/</a:t>
+            </a:r>
+            <a:r>
+              <a:rPr kumimoji="0" lang="es-ES" altLang="es-ES" sz="2000" b="0" i="0" u="none" strike="noStrike" cap="none" normalizeH="0" baseline="0" dirty="0" err="1">
+                <a:ln>
+                  <a:noFill/>
+                </a:ln>
+                <a:solidFill>
+                  <a:schemeClr val="tx1"/>
+                </a:solidFill>
+                <a:effectLst/>
+                <a:latin typeface="Arial" panose="020B0604020202020204" pitchFamily="34" charset="0"/>
+              </a:rPr>
+              <a:t>high</a:t>
+            </a:r>
+            <a:r>
+              <a:rPr kumimoji="0" lang="es-ES" altLang="es-ES" sz="2000" b="0" i="0" u="none" strike="noStrike" cap="none" normalizeH="0" baseline="0" dirty="0">
+                <a:ln>
+                  <a:noFill/>
+                </a:ln>
+                <a:solidFill>
+                  <a:schemeClr val="tx1"/>
+                </a:solidFill>
+                <a:effectLst/>
+                <a:latin typeface="Arial" panose="020B0604020202020204" pitchFamily="34" charset="0"/>
+              </a:rPr>
+              <a:t>)</a:t>
+            </a:r>
+          </a:p>
+          <a:p>
+            <a:pPr marL="0" marR="0" lvl="0" indent="0" algn="l" defTabSz="914400" rtl="0" eaLnBrk="0" fontAlgn="base" latinLnBrk="0" hangingPunct="0">
+              <a:lnSpc>
+                <a:spcPct val="100000"/>
+              </a:lnSpc>
+              <a:spcBef>
+                <a:spcPct val="0"/>
+              </a:spcBef>
+              <a:spcAft>
+                <a:spcPct val="0"/>
+              </a:spcAft>
+              <a:buClrTx/>
+              <a:buSzTx/>
+              <a:buFontTx/>
+              <a:buChar char="•"/>
+              <a:tabLst/>
+            </a:pPr>
+            <a:r>
+              <a:rPr kumimoji="0" lang="es-ES" altLang="es-ES" sz="2000" b="0" i="0" u="none" strike="noStrike" cap="none" normalizeH="0" baseline="0" dirty="0" err="1">
+                <a:ln>
+                  <a:noFill/>
+                </a:ln>
+                <a:solidFill>
+                  <a:schemeClr val="tx1"/>
+                </a:solidFill>
+                <a:effectLst/>
+                <a:latin typeface="Arial" panose="020B0604020202020204" pitchFamily="34" charset="0"/>
+              </a:rPr>
+              <a:t>The</a:t>
+            </a:r>
+            <a:r>
+              <a:rPr kumimoji="0" lang="es-ES" altLang="es-ES" sz="2000" b="0" i="0" u="none" strike="noStrike" cap="none" normalizeH="0" baseline="0" dirty="0">
+                <a:ln>
+                  <a:noFill/>
+                </a:ln>
+                <a:solidFill>
+                  <a:schemeClr val="tx1"/>
+                </a:solidFill>
+                <a:effectLst/>
+                <a:latin typeface="Arial" panose="020B0604020202020204" pitchFamily="34" charset="0"/>
+              </a:rPr>
+              <a:t> </a:t>
+            </a:r>
+            <a:r>
+              <a:rPr kumimoji="0" lang="es-ES" altLang="es-ES" sz="2000" b="0" i="0" u="none" strike="noStrike" cap="none" normalizeH="0" baseline="0" dirty="0" err="1">
+                <a:ln>
+                  <a:noFill/>
+                </a:ln>
+                <a:solidFill>
+                  <a:schemeClr val="tx1"/>
+                </a:solidFill>
+                <a:effectLst/>
+                <a:latin typeface="Arial" panose="020B0604020202020204" pitchFamily="34" charset="0"/>
+              </a:rPr>
+              <a:t>interval</a:t>
+            </a:r>
+            <a:r>
+              <a:rPr kumimoji="0" lang="es-ES" altLang="es-ES" sz="2000" b="0" i="0" u="none" strike="noStrike" cap="none" normalizeH="0" baseline="0" dirty="0">
+                <a:ln>
+                  <a:noFill/>
+                </a:ln>
+                <a:solidFill>
+                  <a:schemeClr val="tx1"/>
+                </a:solidFill>
+                <a:effectLst/>
+                <a:latin typeface="Arial" panose="020B0604020202020204" pitchFamily="34" charset="0"/>
+              </a:rPr>
+              <a:t> </a:t>
+            </a:r>
+            <a:r>
+              <a:rPr kumimoji="0" lang="es-ES" altLang="es-ES" sz="2000" b="0" i="0" u="none" strike="noStrike" cap="none" normalizeH="0" baseline="0" dirty="0" err="1">
+                <a:ln>
+                  <a:noFill/>
+                </a:ln>
+                <a:solidFill>
+                  <a:schemeClr val="tx1"/>
+                </a:solidFill>
+                <a:effectLst/>
+                <a:latin typeface="Arial" panose="020B0604020202020204" pitchFamily="34" charset="0"/>
+              </a:rPr>
+              <a:t>is</a:t>
+            </a:r>
+            <a:r>
+              <a:rPr kumimoji="0" lang="es-ES" altLang="es-ES" sz="2000" b="0" i="0" u="none" strike="noStrike" cap="none" normalizeH="0" baseline="0" dirty="0">
+                <a:ln>
+                  <a:noFill/>
+                </a:ln>
+                <a:solidFill>
+                  <a:schemeClr val="tx1"/>
+                </a:solidFill>
+                <a:effectLst/>
+                <a:latin typeface="Arial" panose="020B0604020202020204" pitchFamily="34" charset="0"/>
+              </a:rPr>
+              <a:t> </a:t>
+            </a:r>
+            <a:r>
+              <a:rPr kumimoji="0" lang="es-ES" altLang="es-ES" sz="2000" b="0" i="0" u="none" strike="noStrike" cap="none" normalizeH="0" baseline="0" dirty="0" err="1">
+                <a:ln>
+                  <a:noFill/>
+                </a:ln>
+                <a:solidFill>
+                  <a:schemeClr val="tx1"/>
+                </a:solidFill>
+                <a:effectLst/>
+                <a:latin typeface="Arial" panose="020B0604020202020204" pitchFamily="34" charset="0"/>
+              </a:rPr>
+              <a:t>built</a:t>
+            </a:r>
+            <a:r>
+              <a:rPr kumimoji="0" lang="es-ES" altLang="es-ES" sz="2000" b="0" i="0" u="none" strike="noStrike" cap="none" normalizeH="0" baseline="0" dirty="0">
+                <a:ln>
+                  <a:noFill/>
+                </a:ln>
+                <a:solidFill>
+                  <a:schemeClr val="tx1"/>
+                </a:solidFill>
+                <a:effectLst/>
+                <a:latin typeface="Arial" panose="020B0604020202020204" pitchFamily="34" charset="0"/>
+              </a:rPr>
+              <a:t> </a:t>
+            </a:r>
+            <a:r>
+              <a:rPr kumimoji="0" lang="es-ES" altLang="es-ES" sz="2000" b="0" i="0" u="none" strike="noStrike" cap="none" normalizeH="0" baseline="0" dirty="0" err="1">
+                <a:ln>
+                  <a:noFill/>
+                </a:ln>
+                <a:solidFill>
+                  <a:schemeClr val="tx1"/>
+                </a:solidFill>
+                <a:effectLst/>
+                <a:latin typeface="Arial" panose="020B0604020202020204" pitchFamily="34" charset="0"/>
+              </a:rPr>
+              <a:t>from</a:t>
+            </a:r>
+            <a:r>
+              <a:rPr kumimoji="0" lang="es-ES" altLang="es-ES" sz="2000" b="0" i="0" u="none" strike="noStrike" cap="none" normalizeH="0" baseline="0" dirty="0">
+                <a:ln>
+                  <a:noFill/>
+                </a:ln>
+                <a:solidFill>
+                  <a:schemeClr val="tx1"/>
+                </a:solidFill>
+                <a:effectLst/>
+                <a:latin typeface="Arial" panose="020B0604020202020204" pitchFamily="34" charset="0"/>
+              </a:rPr>
+              <a:t> </a:t>
+            </a:r>
+            <a:r>
+              <a:rPr kumimoji="0" lang="es-ES" altLang="es-ES" sz="2000" b="0" i="0" u="none" strike="noStrike" cap="none" normalizeH="0" baseline="0" dirty="0" err="1">
+                <a:ln>
+                  <a:noFill/>
+                </a:ln>
+                <a:solidFill>
+                  <a:schemeClr val="tx1"/>
+                </a:solidFill>
+                <a:effectLst/>
+                <a:latin typeface="Arial" panose="020B0604020202020204" pitchFamily="34" charset="0"/>
+              </a:rPr>
+              <a:t>validation</a:t>
+            </a:r>
+            <a:r>
+              <a:rPr kumimoji="0" lang="es-ES" altLang="es-ES" sz="2000" b="0" i="0" u="none" strike="noStrike" cap="none" normalizeH="0" baseline="0" dirty="0">
+                <a:ln>
+                  <a:noFill/>
+                </a:ln>
+                <a:solidFill>
+                  <a:schemeClr val="tx1"/>
+                </a:solidFill>
+                <a:effectLst/>
+                <a:latin typeface="Arial" panose="020B0604020202020204" pitchFamily="34" charset="0"/>
+              </a:rPr>
+              <a:t> </a:t>
+            </a:r>
+            <a:r>
+              <a:rPr kumimoji="0" lang="es-ES" altLang="es-ES" sz="2000" b="0" i="0" u="none" strike="noStrike" cap="none" normalizeH="0" baseline="0" dirty="0" err="1">
+                <a:ln>
+                  <a:noFill/>
+                </a:ln>
+                <a:solidFill>
+                  <a:schemeClr val="tx1"/>
+                </a:solidFill>
+                <a:effectLst/>
+                <a:latin typeface="Arial" panose="020B0604020202020204" pitchFamily="34" charset="0"/>
+              </a:rPr>
+              <a:t>residuals</a:t>
+            </a:r>
+            <a:r>
+              <a:rPr kumimoji="0" lang="es-ES" altLang="es-ES" sz="2000" b="0" i="0" u="none" strike="noStrike" cap="none" normalizeH="0" baseline="0" dirty="0">
+                <a:ln>
+                  <a:noFill/>
+                </a:ln>
+                <a:solidFill>
+                  <a:schemeClr val="tx1"/>
+                </a:solidFill>
+                <a:effectLst/>
+                <a:latin typeface="Arial" panose="020B0604020202020204" pitchFamily="34" charset="0"/>
+              </a:rPr>
+              <a:t> (simple </a:t>
+            </a:r>
+            <a:r>
+              <a:rPr kumimoji="0" lang="es-ES" altLang="es-ES" sz="2000" b="0" i="0" u="none" strike="noStrike" cap="none" normalizeH="0" baseline="0" dirty="0" err="1">
+                <a:ln>
+                  <a:noFill/>
+                </a:ln>
+                <a:solidFill>
+                  <a:schemeClr val="tx1"/>
+                </a:solidFill>
+                <a:effectLst/>
+                <a:latin typeface="Arial" panose="020B0604020202020204" pitchFamily="34" charset="0"/>
+              </a:rPr>
+              <a:t>uncertainty</a:t>
+            </a:r>
+            <a:r>
+              <a:rPr kumimoji="0" lang="es-ES" altLang="es-ES" sz="2000" b="0" i="0" u="none" strike="noStrike" cap="none" normalizeH="0" baseline="0" dirty="0">
+                <a:ln>
+                  <a:noFill/>
+                </a:ln>
+                <a:solidFill>
+                  <a:schemeClr val="tx1"/>
+                </a:solidFill>
+                <a:effectLst/>
+                <a:latin typeface="Arial" panose="020B0604020202020204" pitchFamily="34" charset="0"/>
+              </a:rPr>
+              <a:t> </a:t>
+            </a:r>
+            <a:r>
+              <a:rPr kumimoji="0" lang="es-ES" altLang="es-ES" sz="2000" b="0" i="0" u="none" strike="noStrike" cap="none" normalizeH="0" baseline="0" dirty="0" err="1">
+                <a:ln>
+                  <a:noFill/>
+                </a:ln>
+                <a:solidFill>
+                  <a:schemeClr val="tx1"/>
+                </a:solidFill>
+                <a:effectLst/>
+                <a:latin typeface="Arial" panose="020B0604020202020204" pitchFamily="34" charset="0"/>
+              </a:rPr>
+              <a:t>estimate</a:t>
+            </a:r>
+            <a:r>
+              <a:rPr kumimoji="0" lang="es-ES" altLang="es-ES" sz="1800" b="0" i="0" u="none" strike="noStrike" cap="none" normalizeH="0" baseline="0" dirty="0">
+                <a:ln>
+                  <a:noFill/>
+                </a:ln>
+                <a:solidFill>
+                  <a:schemeClr val="tx1"/>
+                </a:solidFill>
+                <a:effectLst/>
+                <a:latin typeface="Arial" panose="020B0604020202020204" pitchFamily="34" charset="0"/>
+              </a:rPr>
+              <a:t>)</a:t>
+            </a:r>
+          </a:p>
+        </p:txBody>
+      </p:sp>
+      <p:pic>
+        <p:nvPicPr>
+          <p:cNvPr id="7" name="Imagen 6">
+            <a:extLst>
+              <a:ext uri="{FF2B5EF4-FFF2-40B4-BE49-F238E27FC236}">
+                <a16:creationId xmlns:a16="http://schemas.microsoft.com/office/drawing/2014/main" id="{D6FE6BAF-BCCB-416D-9370-D00861747B15}"/>
+              </a:ext>
+            </a:extLst>
+          </p:cNvPr>
+          <p:cNvPicPr>
+            <a:picLocks noChangeAspect="1"/>
+          </p:cNvPicPr>
+          <p:nvPr/>
+        </p:nvPicPr>
+        <p:blipFill>
+          <a:blip r:embed="rId2"/>
+          <a:stretch>
+            <a:fillRect/>
+          </a:stretch>
+        </p:blipFill>
+        <p:spPr>
+          <a:xfrm>
+            <a:off x="2328863" y="2946719"/>
+            <a:ext cx="7534274" cy="3120705"/>
+          </a:xfrm>
+          <a:prstGeom prst="rect">
+            <a:avLst/>
+          </a:prstGeom>
+        </p:spPr>
+      </p:pic>
+    </p:spTree>
+    <p:extLst>
+      <p:ext uri="{BB962C8B-B14F-4D97-AF65-F5344CB8AC3E}">
+        <p14:creationId xmlns:p14="http://schemas.microsoft.com/office/powerpoint/2010/main" val="3689835045"/>
+      </p:ext>
+    </p:extLst>
+  </p:cSld>
+  <p:clrMapOvr>
+    <a:masterClrMapping/>
+  </p:clrMapOvr>
+</p:sld>
+</file>
+
+<file path=ppt/slides/slide16.xml><?xml version="1.0" encoding="utf-8"?>
+<p:sld xmlns:a="http://schemas.openxmlformats.org/drawingml/2006/main" xmlns:r="http://schemas.openxmlformats.org/officeDocument/2006/relationships" xmlns:p="http://schemas.openxmlformats.org/presentationml/2006/main">
+  <p:cSld>
+    <p:spTree>
+      <p:nvGrpSpPr>
+        <p:cNvPr id="1" name=""/>
+        <p:cNvGrpSpPr/>
+        <p:nvPr/>
+      </p:nvGrpSpPr>
+      <p:grpSpPr>
+        <a:xfrm>
+          <a:off x="0" y="0"/>
+          <a:ext cx="0" cy="0"/>
+          <a:chOff x="0" y="0"/>
+          <a:chExt cx="0" cy="0"/>
+        </a:xfrm>
+      </p:grpSpPr>
+      <p:sp>
+        <p:nvSpPr>
+          <p:cNvPr id="2" name="Título 1">
+            <a:extLst>
+              <a:ext uri="{FF2B5EF4-FFF2-40B4-BE49-F238E27FC236}">
+                <a16:creationId xmlns:a16="http://schemas.microsoft.com/office/drawing/2014/main" id="{8D2D2313-E4F2-A92B-B35C-5855715907C9}"/>
+              </a:ext>
+            </a:extLst>
+          </p:cNvPr>
+          <p:cNvSpPr>
+            <a:spLocks noGrp="1"/>
+          </p:cNvSpPr>
+          <p:nvPr>
+            <p:ph type="title"/>
+          </p:nvPr>
+        </p:nvSpPr>
+        <p:spPr/>
+        <p:txBody>
+          <a:bodyPr/>
+          <a:lstStyle/>
+          <a:p>
+            <a:r>
+              <a:rPr lang="en-GB" b="1" dirty="0"/>
+              <a:t>Value and Decisions</a:t>
+            </a:r>
+          </a:p>
+        </p:txBody>
+      </p:sp>
+      <p:sp>
+        <p:nvSpPr>
+          <p:cNvPr id="3" name="Marcador de contenido 2">
+            <a:extLst>
+              <a:ext uri="{FF2B5EF4-FFF2-40B4-BE49-F238E27FC236}">
+                <a16:creationId xmlns:a16="http://schemas.microsoft.com/office/drawing/2014/main" id="{C62105F7-D478-7E13-EDE7-CCB821749367}"/>
+              </a:ext>
+            </a:extLst>
+          </p:cNvPr>
+          <p:cNvSpPr>
+            <a:spLocks noGrp="1"/>
+          </p:cNvSpPr>
+          <p:nvPr>
+            <p:ph idx="1"/>
+          </p:nvPr>
+        </p:nvSpPr>
+        <p:spPr/>
+        <p:txBody>
+          <a:bodyPr>
+            <a:normAutofit fontScale="92500"/>
+          </a:bodyPr>
+          <a:lstStyle/>
+          <a:p>
+            <a:r>
+              <a:rPr lang="en-GB" dirty="0"/>
+              <a:t>Plan reserves and backup generation (gas/coal) for low renewable days</a:t>
+            </a:r>
+          </a:p>
+          <a:p>
+            <a:r>
+              <a:rPr lang="en-GB" dirty="0"/>
+              <a:t>Schedule maintenance on safer days (lower risk of shortage)</a:t>
+            </a:r>
+          </a:p>
+          <a:p>
+            <a:r>
+              <a:rPr lang="en-GB" dirty="0"/>
+              <a:t>Reduce balancing costs: avoid over/under planning</a:t>
+            </a:r>
+          </a:p>
+          <a:p>
+            <a:r>
+              <a:rPr lang="en-GB" dirty="0"/>
+              <a:t>Intervals help decisions: plan for worst-case and best-case scenarios</a:t>
+            </a:r>
+          </a:p>
+          <a:p>
+            <a:pPr marL="0" indent="0">
+              <a:buNone/>
+            </a:pPr>
+            <a:r>
+              <a:rPr lang="en-GB" b="1" dirty="0"/>
+              <a:t>Impact if no forecast /bad forecast:</a:t>
+            </a:r>
+          </a:p>
+          <a:p>
+            <a:pPr marL="0" indent="0">
+              <a:buNone/>
+            </a:pPr>
+            <a:r>
+              <a:rPr lang="en-GB" b="1" dirty="0"/>
+              <a:t>No forecast </a:t>
+            </a:r>
+            <a:r>
+              <a:rPr lang="en-GB" dirty="0">
+                <a:sym typeface="Wingdings" panose="05000000000000000000" pitchFamily="2" charset="2"/>
+              </a:rPr>
+              <a:t> more last-minute actions, higher balancing cost and risk</a:t>
+            </a:r>
+          </a:p>
+          <a:p>
+            <a:pPr marL="0" indent="0">
+              <a:buNone/>
+            </a:pPr>
+            <a:r>
+              <a:rPr lang="en-GB" b="1" dirty="0">
+                <a:sym typeface="Wingdings" panose="05000000000000000000" pitchFamily="2" charset="2"/>
+              </a:rPr>
+              <a:t>Bad forecast </a:t>
+            </a:r>
+            <a:r>
+              <a:rPr lang="en-GB" dirty="0">
+                <a:sym typeface="Wingdings" panose="05000000000000000000" pitchFamily="2" charset="2"/>
+              </a:rPr>
+              <a:t> wrong reserve planning (shortage risk or wasted capacity)</a:t>
+            </a:r>
+            <a:endParaRPr lang="en-GB" dirty="0"/>
           </a:p>
         </p:txBody>
       </p:sp>
@@ -4476,6 +6190,925 @@
     <p:extLst>
       <p:ext uri="{BB962C8B-B14F-4D97-AF65-F5344CB8AC3E}">
         <p14:creationId xmlns:p14="http://schemas.microsoft.com/office/powerpoint/2010/main" val="1824216392"/>
+      </p:ext>
+    </p:extLst>
+  </p:cSld>
+  <p:clrMapOvr>
+    <a:masterClrMapping/>
+  </p:clrMapOvr>
+</p:sld>
+</file>
+
+<file path=ppt/slides/slide17.xml><?xml version="1.0" encoding="utf-8"?>
+<p:sld xmlns:a="http://schemas.openxmlformats.org/drawingml/2006/main" xmlns:r="http://schemas.openxmlformats.org/officeDocument/2006/relationships" xmlns:p="http://schemas.openxmlformats.org/presentationml/2006/main">
+  <p:cSld>
+    <p:spTree>
+      <p:nvGrpSpPr>
+        <p:cNvPr id="1" name=""/>
+        <p:cNvGrpSpPr/>
+        <p:nvPr/>
+      </p:nvGrpSpPr>
+      <p:grpSpPr>
+        <a:xfrm>
+          <a:off x="0" y="0"/>
+          <a:ext cx="0" cy="0"/>
+          <a:chOff x="0" y="0"/>
+          <a:chExt cx="0" cy="0"/>
+        </a:xfrm>
+      </p:grpSpPr>
+      <p:sp>
+        <p:nvSpPr>
+          <p:cNvPr id="2" name="Título 1">
+            <a:extLst>
+              <a:ext uri="{FF2B5EF4-FFF2-40B4-BE49-F238E27FC236}">
+                <a16:creationId xmlns:a16="http://schemas.microsoft.com/office/drawing/2014/main" id="{43A85F5B-95B2-4549-2875-5058D861362A}"/>
+              </a:ext>
+            </a:extLst>
+          </p:cNvPr>
+          <p:cNvSpPr>
+            <a:spLocks noGrp="1"/>
+          </p:cNvSpPr>
+          <p:nvPr>
+            <p:ph type="title"/>
+          </p:nvPr>
+        </p:nvSpPr>
+        <p:spPr/>
+        <p:txBody>
+          <a:bodyPr/>
+          <a:lstStyle/>
+          <a:p>
+            <a:r>
+              <a:rPr lang="es-ES" dirty="0" err="1"/>
+              <a:t>Early</a:t>
+            </a:r>
+            <a:r>
+              <a:rPr lang="es-ES" dirty="0"/>
+              <a:t> </a:t>
+            </a:r>
+            <a:r>
+              <a:rPr lang="es-ES" dirty="0" err="1"/>
+              <a:t>check</a:t>
+            </a:r>
+            <a:r>
+              <a:rPr lang="es-ES" dirty="0"/>
+              <a:t> (Jan 1-8, 2026) Real vs </a:t>
+            </a:r>
+            <a:r>
+              <a:rPr lang="es-ES" dirty="0" err="1"/>
+              <a:t>Forecast</a:t>
+            </a:r>
+            <a:endParaRPr lang="es-ES" dirty="0"/>
+          </a:p>
+        </p:txBody>
+      </p:sp>
+      <p:sp>
+        <p:nvSpPr>
+          <p:cNvPr id="3" name="Marcador de contenido 2">
+            <a:extLst>
+              <a:ext uri="{FF2B5EF4-FFF2-40B4-BE49-F238E27FC236}">
+                <a16:creationId xmlns:a16="http://schemas.microsoft.com/office/drawing/2014/main" id="{ED4F01CD-840B-E8D7-4674-0B5476C4706B}"/>
+              </a:ext>
+            </a:extLst>
+          </p:cNvPr>
+          <p:cNvSpPr>
+            <a:spLocks noGrp="1"/>
+          </p:cNvSpPr>
+          <p:nvPr>
+            <p:ph idx="1"/>
+          </p:nvPr>
+        </p:nvSpPr>
+        <p:spPr/>
+        <p:txBody>
+          <a:bodyPr/>
+          <a:lstStyle/>
+          <a:p>
+            <a:r>
+              <a:rPr lang="es-ES" dirty="0"/>
+              <a:t>Final </a:t>
+            </a:r>
+            <a:r>
+              <a:rPr lang="es-ES" dirty="0" err="1"/>
+              <a:t>model</a:t>
+            </a:r>
+            <a:r>
+              <a:rPr lang="es-ES" dirty="0"/>
+              <a:t> </a:t>
+            </a:r>
+            <a:r>
+              <a:rPr lang="es-ES" dirty="0" err="1"/>
+              <a:t>used</a:t>
+            </a:r>
+            <a:r>
+              <a:rPr lang="es-ES" dirty="0"/>
+              <a:t> </a:t>
+            </a:r>
+            <a:r>
+              <a:rPr lang="es-ES" dirty="0" err="1"/>
+              <a:t>for</a:t>
+            </a:r>
+            <a:r>
+              <a:rPr lang="es-ES" dirty="0"/>
+              <a:t> </a:t>
+            </a:r>
+            <a:r>
+              <a:rPr lang="es-ES" dirty="0" err="1"/>
+              <a:t>the</a:t>
+            </a:r>
+            <a:r>
+              <a:rPr lang="es-ES" dirty="0"/>
+              <a:t> </a:t>
+            </a:r>
+            <a:r>
+              <a:rPr lang="es-ES" dirty="0" err="1"/>
+              <a:t>forecast</a:t>
+            </a:r>
+            <a:r>
+              <a:rPr lang="es-ES" dirty="0"/>
+              <a:t>: </a:t>
+            </a:r>
+            <a:r>
+              <a:rPr lang="es-ES" dirty="0" err="1"/>
+              <a:t>MLForecast</a:t>
+            </a:r>
+            <a:r>
+              <a:rPr lang="es-ES" dirty="0"/>
+              <a:t> + </a:t>
+            </a:r>
+            <a:r>
+              <a:rPr lang="es-ES" dirty="0" err="1"/>
+              <a:t>RAndomForestRegressor</a:t>
+            </a:r>
+            <a:r>
+              <a:rPr lang="es-ES" dirty="0"/>
+              <a:t>(</a:t>
+            </a:r>
+            <a:r>
+              <a:rPr lang="es-ES" dirty="0" err="1"/>
+              <a:t>lags</a:t>
+            </a:r>
+            <a:r>
+              <a:rPr lang="es-ES" dirty="0"/>
+              <a:t>) </a:t>
+            </a:r>
+            <a:r>
+              <a:rPr lang="es-ES" dirty="0" err="1"/>
+              <a:t>selected</a:t>
+            </a:r>
+            <a:r>
+              <a:rPr lang="es-ES" dirty="0"/>
+              <a:t> as </a:t>
+            </a:r>
+            <a:r>
+              <a:rPr lang="es-ES" dirty="0" err="1"/>
+              <a:t>best</a:t>
+            </a:r>
+            <a:r>
+              <a:rPr lang="es-ES" dirty="0"/>
+              <a:t> </a:t>
+            </a:r>
+            <a:r>
+              <a:rPr lang="es-ES" dirty="0" err="1"/>
+              <a:t>overall</a:t>
+            </a:r>
+            <a:r>
+              <a:rPr lang="es-ES" dirty="0"/>
+              <a:t> </a:t>
+            </a:r>
+            <a:r>
+              <a:rPr lang="es-ES" dirty="0" err="1"/>
+              <a:t>by</a:t>
+            </a:r>
+            <a:r>
+              <a:rPr lang="es-ES" dirty="0"/>
+              <a:t> </a:t>
+            </a:r>
+            <a:r>
+              <a:rPr lang="es-ES" dirty="0" err="1"/>
+              <a:t>Validation</a:t>
+            </a:r>
+            <a:r>
+              <a:rPr lang="es-ES" dirty="0"/>
+              <a:t> MAE </a:t>
+            </a:r>
+            <a:r>
+              <a:rPr lang="es-ES" dirty="0" err="1"/>
+              <a:t>across</a:t>
+            </a:r>
+            <a:r>
+              <a:rPr lang="es-ES" dirty="0"/>
+              <a:t> 7 </a:t>
+            </a:r>
+            <a:r>
+              <a:rPr lang="es-ES" dirty="0" err="1"/>
+              <a:t>technologies</a:t>
+            </a:r>
+            <a:r>
+              <a:rPr lang="es-ES" dirty="0"/>
+              <a:t>)</a:t>
+            </a:r>
+          </a:p>
+          <a:p>
+            <a:r>
+              <a:rPr lang="es-ES" dirty="0" err="1"/>
+              <a:t>Early</a:t>
+            </a:r>
+            <a:r>
+              <a:rPr lang="es-ES" dirty="0"/>
+              <a:t> </a:t>
+            </a:r>
+            <a:r>
+              <a:rPr lang="es-ES" dirty="0" err="1"/>
+              <a:t>accuracy</a:t>
+            </a:r>
+            <a:r>
+              <a:rPr lang="es-ES" dirty="0"/>
+              <a:t>: MAE = 89 GWh, MAPE = 11,8%</a:t>
+            </a:r>
+          </a:p>
+          <a:p>
+            <a:r>
+              <a:rPr lang="es-ES" dirty="0" err="1"/>
+              <a:t>Interpretation</a:t>
+            </a:r>
+            <a:r>
+              <a:rPr lang="es-ES" dirty="0"/>
+              <a:t>: </a:t>
+            </a:r>
+            <a:r>
+              <a:rPr lang="es-ES" dirty="0" err="1"/>
+              <a:t>the</a:t>
+            </a:r>
+            <a:r>
+              <a:rPr lang="es-ES" dirty="0"/>
+              <a:t> </a:t>
+            </a:r>
+            <a:r>
+              <a:rPr lang="es-ES" dirty="0" err="1"/>
+              <a:t>model</a:t>
+            </a:r>
+            <a:r>
+              <a:rPr lang="es-ES" dirty="0"/>
+              <a:t> captures </a:t>
+            </a:r>
+            <a:r>
+              <a:rPr lang="es-ES" dirty="0" err="1"/>
+              <a:t>the</a:t>
+            </a:r>
+            <a:r>
+              <a:rPr lang="es-ES" dirty="0"/>
+              <a:t> </a:t>
+            </a:r>
+            <a:r>
+              <a:rPr lang="es-ES" dirty="0" err="1"/>
+              <a:t>level</a:t>
+            </a:r>
+            <a:r>
+              <a:rPr lang="es-ES" dirty="0"/>
+              <a:t>, </a:t>
+            </a:r>
+            <a:r>
+              <a:rPr lang="es-ES" dirty="0" err="1"/>
+              <a:t>but</a:t>
+            </a:r>
+            <a:r>
+              <a:rPr lang="es-ES" dirty="0"/>
+              <a:t> </a:t>
+            </a:r>
+            <a:r>
+              <a:rPr lang="es-ES" dirty="0" err="1"/>
+              <a:t>it</a:t>
+            </a:r>
+            <a:r>
+              <a:rPr lang="es-ES" dirty="0"/>
+              <a:t> </a:t>
+            </a:r>
+            <a:r>
+              <a:rPr lang="es-ES" dirty="0" err="1"/>
+              <a:t>misses</a:t>
+            </a:r>
+            <a:r>
+              <a:rPr lang="es-ES" dirty="0"/>
+              <a:t> short-</a:t>
+            </a:r>
+            <a:r>
+              <a:rPr lang="es-ES" dirty="0" err="1"/>
+              <a:t>term</a:t>
+            </a:r>
+            <a:r>
+              <a:rPr lang="es-ES" dirty="0"/>
+              <a:t> </a:t>
+            </a:r>
+            <a:r>
+              <a:rPr lang="es-ES" dirty="0" err="1"/>
+              <a:t>spikes</a:t>
+            </a:r>
+            <a:r>
+              <a:rPr lang="es-ES" dirty="0"/>
+              <a:t> in </a:t>
+            </a:r>
+            <a:r>
+              <a:rPr lang="es-ES" dirty="0" err="1"/>
+              <a:t>the</a:t>
+            </a:r>
+            <a:r>
+              <a:rPr lang="es-ES" dirty="0"/>
+              <a:t> </a:t>
+            </a:r>
+            <a:r>
+              <a:rPr lang="es-ES" dirty="0" err="1"/>
+              <a:t>first</a:t>
+            </a:r>
+            <a:r>
+              <a:rPr lang="es-ES" dirty="0"/>
+              <a:t> </a:t>
+            </a:r>
+            <a:r>
+              <a:rPr lang="es-ES" dirty="0" err="1"/>
+              <a:t>week</a:t>
+            </a:r>
+            <a:r>
+              <a:rPr lang="es-ES" dirty="0"/>
+              <a:t> </a:t>
+            </a:r>
+            <a:r>
+              <a:rPr lang="es-ES" dirty="0" err="1"/>
+              <a:t>of</a:t>
+            </a:r>
+            <a:r>
+              <a:rPr lang="es-ES" dirty="0"/>
+              <a:t> </a:t>
+            </a:r>
+            <a:r>
+              <a:rPr lang="es-ES" dirty="0" err="1"/>
+              <a:t>January</a:t>
+            </a:r>
+            <a:r>
+              <a:rPr lang="es-ES" dirty="0"/>
+              <a:t>.</a:t>
+            </a:r>
+          </a:p>
+        </p:txBody>
+      </p:sp>
+    </p:spTree>
+    <p:extLst>
+      <p:ext uri="{BB962C8B-B14F-4D97-AF65-F5344CB8AC3E}">
+        <p14:creationId xmlns:p14="http://schemas.microsoft.com/office/powerpoint/2010/main" val="2689408613"/>
+      </p:ext>
+    </p:extLst>
+  </p:cSld>
+  <p:clrMapOvr>
+    <a:masterClrMapping/>
+  </p:clrMapOvr>
+</p:sld>
+</file>
+
+<file path=ppt/slides/slide18.xml><?xml version="1.0" encoding="utf-8"?>
+<p:sld xmlns:a="http://schemas.openxmlformats.org/drawingml/2006/main" xmlns:r="http://schemas.openxmlformats.org/officeDocument/2006/relationships" xmlns:p="http://schemas.openxmlformats.org/presentationml/2006/main">
+  <p:cSld>
+    <p:spTree>
+      <p:nvGrpSpPr>
+        <p:cNvPr id="1" name=""/>
+        <p:cNvGrpSpPr/>
+        <p:nvPr/>
+      </p:nvGrpSpPr>
+      <p:grpSpPr>
+        <a:xfrm>
+          <a:off x="0" y="0"/>
+          <a:ext cx="0" cy="0"/>
+          <a:chOff x="0" y="0"/>
+          <a:chExt cx="0" cy="0"/>
+        </a:xfrm>
+      </p:grpSpPr>
+      <p:pic>
+        <p:nvPicPr>
+          <p:cNvPr id="5" name="Marcador de contenido 4">
+            <a:extLst>
+              <a:ext uri="{FF2B5EF4-FFF2-40B4-BE49-F238E27FC236}">
+                <a16:creationId xmlns:a16="http://schemas.microsoft.com/office/drawing/2014/main" id="{4F7BECF9-311E-3600-9AC9-EE14544E3A20}"/>
+              </a:ext>
+            </a:extLst>
+          </p:cNvPr>
+          <p:cNvPicPr>
+            <a:picLocks noGrp="1" noChangeAspect="1"/>
+          </p:cNvPicPr>
+          <p:nvPr>
+            <p:ph idx="1"/>
+          </p:nvPr>
+        </p:nvPicPr>
+        <p:blipFill>
+          <a:blip r:embed="rId2"/>
+          <a:stretch>
+            <a:fillRect/>
+          </a:stretch>
+        </p:blipFill>
+        <p:spPr>
+          <a:xfrm>
+            <a:off x="440479" y="1477085"/>
+            <a:ext cx="11311042" cy="4685047"/>
+          </a:xfrm>
+        </p:spPr>
+      </p:pic>
+      <p:sp>
+        <p:nvSpPr>
+          <p:cNvPr id="7" name="Título 1">
+            <a:extLst>
+              <a:ext uri="{FF2B5EF4-FFF2-40B4-BE49-F238E27FC236}">
+                <a16:creationId xmlns:a16="http://schemas.microsoft.com/office/drawing/2014/main" id="{A7884B28-AA32-0A27-CA9B-EA002C86D7F5}"/>
+              </a:ext>
+            </a:extLst>
+          </p:cNvPr>
+          <p:cNvSpPr>
+            <a:spLocks noGrp="1"/>
+          </p:cNvSpPr>
+          <p:nvPr>
+            <p:ph type="title"/>
+          </p:nvPr>
+        </p:nvSpPr>
+        <p:spPr>
+          <a:xfrm>
+            <a:off x="838200" y="365125"/>
+            <a:ext cx="10515600" cy="1325563"/>
+          </a:xfrm>
+        </p:spPr>
+        <p:txBody>
+          <a:bodyPr/>
+          <a:lstStyle/>
+          <a:p>
+            <a:r>
+              <a:rPr lang="es-ES" dirty="0" err="1"/>
+              <a:t>Early</a:t>
+            </a:r>
+            <a:r>
+              <a:rPr lang="es-ES" dirty="0"/>
+              <a:t> </a:t>
+            </a:r>
+            <a:r>
+              <a:rPr lang="es-ES" dirty="0" err="1"/>
+              <a:t>check</a:t>
+            </a:r>
+            <a:r>
+              <a:rPr lang="es-ES" dirty="0"/>
+              <a:t> (Jan 1-8, 2026) Real vs </a:t>
+            </a:r>
+            <a:r>
+              <a:rPr lang="es-ES" dirty="0" err="1"/>
+              <a:t>Forecast</a:t>
+            </a:r>
+            <a:endParaRPr lang="es-ES" dirty="0"/>
+          </a:p>
+        </p:txBody>
+      </p:sp>
+    </p:spTree>
+    <p:extLst>
+      <p:ext uri="{BB962C8B-B14F-4D97-AF65-F5344CB8AC3E}">
+        <p14:creationId xmlns:p14="http://schemas.microsoft.com/office/powerpoint/2010/main" val="3611904066"/>
+      </p:ext>
+    </p:extLst>
+  </p:cSld>
+  <p:clrMapOvr>
+    <a:masterClrMapping/>
+  </p:clrMapOvr>
+</p:sld>
+</file>
+
+<file path=ppt/slides/slide19.xml><?xml version="1.0" encoding="utf-8"?>
+<p:sld xmlns:a="http://schemas.openxmlformats.org/drawingml/2006/main" xmlns:r="http://schemas.openxmlformats.org/officeDocument/2006/relationships" xmlns:p="http://schemas.openxmlformats.org/presentationml/2006/main">
+  <p:cSld>
+    <p:spTree>
+      <p:nvGrpSpPr>
+        <p:cNvPr id="1" name=""/>
+        <p:cNvGrpSpPr/>
+        <p:nvPr/>
+      </p:nvGrpSpPr>
+      <p:grpSpPr>
+        <a:xfrm>
+          <a:off x="0" y="0"/>
+          <a:ext cx="0" cy="0"/>
+          <a:chOff x="0" y="0"/>
+          <a:chExt cx="0" cy="0"/>
+        </a:xfrm>
+      </p:grpSpPr>
+      <p:sp>
+        <p:nvSpPr>
+          <p:cNvPr id="3" name="Marcador de contenido 2">
+            <a:extLst>
+              <a:ext uri="{FF2B5EF4-FFF2-40B4-BE49-F238E27FC236}">
+                <a16:creationId xmlns:a16="http://schemas.microsoft.com/office/drawing/2014/main" id="{A693B406-8579-B9E2-E3EB-9C50A7EA7AFE}"/>
+              </a:ext>
+            </a:extLst>
+          </p:cNvPr>
+          <p:cNvSpPr>
+            <a:spLocks noGrp="1"/>
+          </p:cNvSpPr>
+          <p:nvPr>
+            <p:ph idx="1"/>
+          </p:nvPr>
+        </p:nvSpPr>
+        <p:spPr/>
+        <p:txBody>
+          <a:bodyPr/>
+          <a:lstStyle/>
+          <a:p>
+            <a:r>
+              <a:rPr lang="es-ES" dirty="0" err="1"/>
+              <a:t>Why</a:t>
+            </a:r>
+            <a:r>
+              <a:rPr lang="es-ES" dirty="0"/>
+              <a:t> </a:t>
+            </a:r>
+            <a:r>
+              <a:rPr lang="es-ES" dirty="0" err="1"/>
+              <a:t>this</a:t>
+            </a:r>
+            <a:r>
+              <a:rPr lang="es-ES" dirty="0"/>
+              <a:t> </a:t>
+            </a:r>
+            <a:r>
+              <a:rPr lang="es-ES" dirty="0" err="1"/>
+              <a:t>is</a:t>
+            </a:r>
+            <a:r>
+              <a:rPr lang="es-ES" dirty="0"/>
+              <a:t> </a:t>
+            </a:r>
+            <a:r>
+              <a:rPr lang="es-ES" dirty="0" err="1"/>
+              <a:t>expected</a:t>
+            </a:r>
+            <a:r>
+              <a:rPr lang="es-ES" dirty="0"/>
+              <a:t>: </a:t>
+            </a:r>
+            <a:r>
+              <a:rPr lang="es-ES" dirty="0" err="1"/>
+              <a:t>we</a:t>
+            </a:r>
+            <a:r>
+              <a:rPr lang="es-ES" dirty="0"/>
+              <a:t> </a:t>
+            </a:r>
+            <a:r>
+              <a:rPr lang="es-ES" dirty="0" err="1"/>
+              <a:t>only</a:t>
+            </a:r>
+            <a:r>
+              <a:rPr lang="es-ES" dirty="0"/>
+              <a:t> </a:t>
+            </a:r>
+            <a:r>
+              <a:rPr lang="es-ES" dirty="0" err="1"/>
+              <a:t>used</a:t>
+            </a:r>
+            <a:r>
+              <a:rPr lang="es-ES" dirty="0"/>
+              <a:t> </a:t>
+            </a:r>
+            <a:r>
+              <a:rPr lang="es-ES" dirty="0" err="1"/>
+              <a:t>historical</a:t>
+            </a:r>
+            <a:r>
+              <a:rPr lang="es-ES" dirty="0"/>
+              <a:t> </a:t>
+            </a:r>
+            <a:r>
+              <a:rPr lang="es-ES" dirty="0" err="1"/>
+              <a:t>generation</a:t>
+            </a:r>
+            <a:r>
+              <a:rPr lang="es-ES" dirty="0"/>
+              <a:t> (</a:t>
+            </a:r>
+            <a:r>
+              <a:rPr lang="es-ES" dirty="0" err="1"/>
+              <a:t>lags+calendar</a:t>
+            </a:r>
+            <a:r>
+              <a:rPr lang="es-ES" dirty="0"/>
+              <a:t>) and </a:t>
+            </a:r>
+            <a:r>
+              <a:rPr lang="es-ES" dirty="0" err="1"/>
+              <a:t>did</a:t>
+            </a:r>
+            <a:r>
+              <a:rPr lang="es-ES" dirty="0"/>
+              <a:t> </a:t>
+            </a:r>
+            <a:r>
+              <a:rPr lang="es-ES" dirty="0" err="1"/>
+              <a:t>not</a:t>
+            </a:r>
+            <a:r>
+              <a:rPr lang="es-ES" dirty="0"/>
+              <a:t> </a:t>
+            </a:r>
+            <a:r>
+              <a:rPr lang="es-ES" dirty="0" err="1"/>
+              <a:t>include</a:t>
+            </a:r>
+            <a:r>
+              <a:rPr lang="es-ES" dirty="0"/>
+              <a:t> </a:t>
+            </a:r>
+            <a:r>
+              <a:rPr lang="es-ES" dirty="0" err="1"/>
+              <a:t>external</a:t>
+            </a:r>
+            <a:r>
+              <a:rPr lang="es-ES" dirty="0"/>
+              <a:t> drivers (</a:t>
+            </a:r>
+            <a:r>
+              <a:rPr lang="es-ES" dirty="0" err="1"/>
+              <a:t>weather</a:t>
+            </a:r>
+            <a:r>
+              <a:rPr lang="es-ES" dirty="0"/>
+              <a:t>, </a:t>
+            </a:r>
+            <a:r>
+              <a:rPr lang="es-ES" dirty="0" err="1"/>
+              <a:t>demand</a:t>
+            </a:r>
+            <a:r>
+              <a:rPr lang="es-ES" dirty="0"/>
+              <a:t>..)</a:t>
+            </a:r>
+          </a:p>
+          <a:p>
+            <a:r>
+              <a:rPr lang="es-ES" dirty="0"/>
+              <a:t>Next </a:t>
+            </a:r>
+            <a:r>
+              <a:rPr lang="es-ES" dirty="0" err="1"/>
+              <a:t>improvements</a:t>
+            </a:r>
+            <a:r>
+              <a:rPr lang="es-ES" dirty="0"/>
+              <a:t> (</a:t>
+            </a:r>
+            <a:r>
+              <a:rPr lang="es-ES" dirty="0" err="1"/>
+              <a:t>if</a:t>
+            </a:r>
+            <a:r>
+              <a:rPr lang="es-ES" dirty="0"/>
+              <a:t> </a:t>
+            </a:r>
+            <a:r>
+              <a:rPr lang="es-ES" dirty="0" err="1"/>
+              <a:t>we</a:t>
+            </a:r>
+            <a:r>
+              <a:rPr lang="es-ES" dirty="0"/>
+              <a:t> </a:t>
+            </a:r>
+            <a:r>
+              <a:rPr lang="es-ES" dirty="0" err="1"/>
+              <a:t>had</a:t>
+            </a:r>
+            <a:r>
+              <a:rPr lang="es-ES" dirty="0"/>
+              <a:t> more time)</a:t>
+            </a:r>
+          </a:p>
+          <a:p>
+            <a:pPr lvl="1"/>
+            <a:r>
+              <a:rPr lang="es-ES" dirty="0" err="1"/>
+              <a:t>Add</a:t>
+            </a:r>
+            <a:r>
+              <a:rPr lang="es-ES" dirty="0"/>
+              <a:t> </a:t>
+            </a:r>
+            <a:r>
+              <a:rPr lang="es-ES" dirty="0" err="1"/>
+              <a:t>esxogenous</a:t>
+            </a:r>
+            <a:r>
+              <a:rPr lang="es-ES" dirty="0"/>
+              <a:t> </a:t>
+            </a:r>
+            <a:r>
+              <a:rPr lang="es-ES" dirty="0" err="1"/>
+              <a:t>features</a:t>
+            </a:r>
+            <a:r>
+              <a:rPr lang="es-ES" dirty="0"/>
+              <a:t> </a:t>
+            </a:r>
+            <a:r>
+              <a:rPr lang="es-ES" dirty="0" err="1"/>
+              <a:t>like</a:t>
+            </a:r>
+            <a:r>
+              <a:rPr lang="es-ES" dirty="0"/>
+              <a:t> temperatura, </a:t>
+            </a:r>
+            <a:r>
+              <a:rPr lang="es-ES" dirty="0" err="1"/>
+              <a:t>wind</a:t>
+            </a:r>
+            <a:r>
+              <a:rPr lang="es-ES" dirty="0"/>
+              <a:t> </a:t>
+            </a:r>
+            <a:r>
+              <a:rPr lang="es-ES" dirty="0" err="1"/>
+              <a:t>speed</a:t>
+            </a:r>
+            <a:r>
+              <a:rPr lang="es-ES" dirty="0"/>
+              <a:t>, </a:t>
+            </a:r>
+            <a:r>
+              <a:rPr lang="es-ES" dirty="0" err="1"/>
+              <a:t>holidays</a:t>
+            </a:r>
+            <a:r>
+              <a:rPr lang="es-ES" dirty="0"/>
+              <a:t>, </a:t>
+            </a:r>
+            <a:r>
+              <a:rPr lang="es-ES" dirty="0" err="1"/>
+              <a:t>demand</a:t>
+            </a:r>
+            <a:r>
+              <a:rPr lang="es-ES" dirty="0"/>
+              <a:t>)</a:t>
+            </a:r>
+          </a:p>
+          <a:p>
+            <a:pPr lvl="1"/>
+            <a:endParaRPr lang="es-ES" dirty="0"/>
+          </a:p>
+          <a:p>
+            <a:r>
+              <a:rPr lang="es-ES" dirty="0" err="1"/>
+              <a:t>Even</a:t>
+            </a:r>
+            <a:r>
+              <a:rPr lang="es-ES" dirty="0"/>
+              <a:t> </a:t>
+            </a:r>
+            <a:r>
+              <a:rPr lang="es-ES" dirty="0" err="1"/>
+              <a:t>with</a:t>
+            </a:r>
+            <a:r>
+              <a:rPr lang="es-ES" dirty="0"/>
+              <a:t> </a:t>
+            </a:r>
+            <a:r>
+              <a:rPr lang="es-ES" dirty="0" err="1"/>
+              <a:t>imperfect</a:t>
+            </a:r>
+            <a:r>
+              <a:rPr lang="es-ES" dirty="0"/>
+              <a:t> </a:t>
+            </a:r>
+            <a:r>
+              <a:rPr lang="es-ES" dirty="0" err="1"/>
+              <a:t>accuracy</a:t>
+            </a:r>
+            <a:r>
+              <a:rPr lang="es-ES" dirty="0"/>
+              <a:t>, a </a:t>
+            </a:r>
+            <a:r>
+              <a:rPr lang="es-ES" dirty="0" err="1"/>
+              <a:t>forecast</a:t>
+            </a:r>
+            <a:r>
+              <a:rPr lang="es-ES" dirty="0"/>
+              <a:t> </a:t>
+            </a:r>
+            <a:r>
+              <a:rPr lang="es-ES" dirty="0" err="1"/>
+              <a:t>is</a:t>
+            </a:r>
+            <a:r>
+              <a:rPr lang="es-ES" dirty="0"/>
+              <a:t> </a:t>
+            </a:r>
+            <a:r>
+              <a:rPr lang="es-ES" dirty="0" err="1"/>
+              <a:t>useful</a:t>
+            </a:r>
+            <a:r>
+              <a:rPr lang="es-ES" dirty="0"/>
+              <a:t> </a:t>
+            </a:r>
+            <a:r>
+              <a:rPr lang="es-ES" dirty="0" err="1"/>
+              <a:t>for</a:t>
+            </a:r>
+            <a:r>
+              <a:rPr lang="es-ES" dirty="0"/>
+              <a:t> </a:t>
+            </a:r>
+            <a:r>
+              <a:rPr lang="es-ES" dirty="0" err="1"/>
+              <a:t>planning</a:t>
+            </a:r>
+            <a:r>
+              <a:rPr lang="es-ES" dirty="0"/>
+              <a:t> and </a:t>
+            </a:r>
+            <a:r>
+              <a:rPr lang="es-ES" dirty="0" err="1"/>
+              <a:t>risk</a:t>
+            </a:r>
+            <a:r>
+              <a:rPr lang="es-ES" dirty="0"/>
+              <a:t> </a:t>
+            </a:r>
+            <a:r>
+              <a:rPr lang="es-ES" dirty="0" err="1"/>
+              <a:t>management</a:t>
+            </a:r>
+            <a:r>
+              <a:rPr lang="es-ES" dirty="0"/>
+              <a:t> (</a:t>
+            </a:r>
+            <a:r>
+              <a:rPr lang="es-ES" dirty="0" err="1"/>
+              <a:t>better</a:t>
+            </a:r>
+            <a:r>
+              <a:rPr lang="es-ES" dirty="0"/>
+              <a:t> tan “no </a:t>
+            </a:r>
+            <a:r>
+              <a:rPr lang="es-ES" dirty="0" err="1"/>
+              <a:t>forecast</a:t>
+            </a:r>
+            <a:r>
+              <a:rPr lang="es-ES" dirty="0"/>
+              <a:t>”)</a:t>
+            </a:r>
+          </a:p>
+        </p:txBody>
+      </p:sp>
+      <p:sp>
+        <p:nvSpPr>
+          <p:cNvPr id="4" name="Título 1">
+            <a:extLst>
+              <a:ext uri="{FF2B5EF4-FFF2-40B4-BE49-F238E27FC236}">
+                <a16:creationId xmlns:a16="http://schemas.microsoft.com/office/drawing/2014/main" id="{F76C6B0E-224A-8349-E519-3D490B61EB92}"/>
+              </a:ext>
+            </a:extLst>
+          </p:cNvPr>
+          <p:cNvSpPr>
+            <a:spLocks noGrp="1"/>
+          </p:cNvSpPr>
+          <p:nvPr>
+            <p:ph type="title"/>
+          </p:nvPr>
+        </p:nvSpPr>
+        <p:spPr>
+          <a:xfrm>
+            <a:off x="838200" y="365125"/>
+            <a:ext cx="10515600" cy="1325563"/>
+          </a:xfrm>
+        </p:spPr>
+        <p:txBody>
+          <a:bodyPr/>
+          <a:lstStyle/>
+          <a:p>
+            <a:r>
+              <a:rPr lang="es-ES" dirty="0" err="1"/>
+              <a:t>Early</a:t>
+            </a:r>
+            <a:r>
+              <a:rPr lang="es-ES" dirty="0"/>
+              <a:t> </a:t>
+            </a:r>
+            <a:r>
+              <a:rPr lang="es-ES" dirty="0" err="1"/>
+              <a:t>check</a:t>
+            </a:r>
+            <a:r>
+              <a:rPr lang="es-ES" dirty="0"/>
+              <a:t> (Jan 1-8, 2026) Real vs </a:t>
+            </a:r>
+            <a:r>
+              <a:rPr lang="es-ES" dirty="0" err="1"/>
+              <a:t>Forecast</a:t>
+            </a:r>
+            <a:endParaRPr lang="es-ES" dirty="0"/>
+          </a:p>
+        </p:txBody>
+      </p:sp>
+    </p:spTree>
+    <p:extLst>
+      <p:ext uri="{BB962C8B-B14F-4D97-AF65-F5344CB8AC3E}">
+        <p14:creationId xmlns:p14="http://schemas.microsoft.com/office/powerpoint/2010/main" val="3714120341"/>
       </p:ext>
     </p:extLst>
   </p:cSld>
@@ -4626,54 +7259,73 @@
           <a:lstStyle/>
           <a:p>
             <a:r>
-              <a:rPr lang="en-GB" sz="2000"/>
+              <a:rPr lang="en-GB" sz="2000" dirty="0"/>
               <a:t>Enrique Ruiz:</a:t>
             </a:r>
           </a:p>
           <a:p>
             <a:pPr lvl="1"/>
             <a:r>
-              <a:rPr lang="en-GB" sz="2000"/>
-              <a:t>Data parsing/cleaning</a:t>
+              <a:rPr lang="en-GB" sz="2000" dirty="0"/>
+              <a:t>Data preparation (CSV </a:t>
+            </a:r>
+            <a:r>
+              <a:rPr lang="en-GB" sz="2000" dirty="0">
+                <a:sym typeface="Wingdings" panose="05000000000000000000" pitchFamily="2" charset="2"/>
+              </a:rPr>
+              <a:t> clean panel dataset)</a:t>
             </a:r>
           </a:p>
           <a:p>
             <a:pPr lvl="1"/>
             <a:r>
-              <a:rPr lang="en-GB" sz="2000"/>
-              <a:t>Modelling </a:t>
+              <a:rPr lang="en-GB" sz="2000" dirty="0">
+                <a:sym typeface="Wingdings" panose="05000000000000000000" pitchFamily="2" charset="2"/>
+              </a:rPr>
+              <a:t>Forecasting pipeline implementation (train/</a:t>
+            </a:r>
+            <a:r>
+              <a:rPr lang="en-GB" sz="2000" dirty="0" err="1">
+                <a:sym typeface="Wingdings" panose="05000000000000000000" pitchFamily="2" charset="2"/>
+              </a:rPr>
+              <a:t>val</a:t>
+            </a:r>
+            <a:r>
+              <a:rPr lang="en-GB" sz="2000" dirty="0">
+                <a:sym typeface="Wingdings" panose="05000000000000000000" pitchFamily="2" charset="2"/>
+              </a:rPr>
+              <a:t>/test split)</a:t>
             </a:r>
           </a:p>
           <a:p>
             <a:pPr lvl="1"/>
             <a:r>
-              <a:rPr lang="en-GB" sz="2000"/>
-              <a:t>Evaluation </a:t>
+              <a:rPr lang="en-GB" sz="2000" dirty="0">
+                <a:sym typeface="Wingdings" panose="05000000000000000000" pitchFamily="2" charset="2"/>
+              </a:rPr>
+              <a:t>Evaluation and model selection (metrics + plots)</a:t>
             </a:r>
           </a:p>
           <a:p>
             <a:pPr lvl="1"/>
             <a:r>
-              <a:rPr lang="en-GB" sz="2000"/>
-              <a:t>Plots</a:t>
-            </a:r>
-          </a:p>
-          <a:p>
-            <a:pPr lvl="1"/>
-            <a:r>
-              <a:rPr lang="en-GB" sz="2000"/>
-              <a:t>Business value</a:t>
-            </a:r>
-          </a:p>
-          <a:p>
-            <a:pPr lvl="1"/>
-            <a:endParaRPr lang="en-GB" sz="2000"/>
+              <a:rPr lang="en-GB" sz="2000" dirty="0">
+                <a:sym typeface="Wingdings" panose="05000000000000000000" pitchFamily="2" charset="2"/>
+              </a:rPr>
+              <a:t>Problem description (what we want to predict and why it matters)</a:t>
+            </a:r>
+          </a:p>
+          <a:p>
+            <a:pPr marL="457200" lvl="1" indent="0">
+              <a:buNone/>
+            </a:pPr>
+            <a:endParaRPr lang="en-GB" sz="2000" dirty="0"/>
           </a:p>
           <a:p>
             <a:pPr marL="0" indent="0">
               <a:buNone/>
             </a:pPr>
-            <a:endParaRPr lang="en-GB" sz="2000"/>
+            <a:endParaRPr lang="en-GB" sz="2000" dirty="0"/>
           </a:p>
         </p:txBody>
       </p:sp>
@@ -4706,50 +7358,85 @@
           <a:lstStyle/>
           <a:p>
             <a:r>
-              <a:rPr lang="en-GB" sz="2000"/>
-              <a:t>Mireia Montoya:</a:t>
+              <a:rPr lang="en-GB" sz="2000" dirty="0" err="1"/>
+              <a:t>Mireia</a:t>
+            </a:r>
+            <a:r>
+              <a:rPr lang="en-GB" sz="2000" dirty="0"/>
+              <a:t> Montoya:</a:t>
             </a:r>
           </a:p>
           <a:p>
             <a:pPr lvl="1"/>
             <a:r>
-              <a:rPr lang="en-GB" sz="2000"/>
-              <a:t>Documentation </a:t>
+              <a:rPr lang="en-GB" sz="2000" dirty="0"/>
+              <a:t>Models (Baseline, </a:t>
+            </a:r>
+            <a:r>
+              <a:rPr lang="en-GB" sz="2000" dirty="0" err="1"/>
+              <a:t>AutoARIMA</a:t>
+            </a:r>
+            <a:r>
+              <a:rPr lang="en-GB" sz="2000" dirty="0"/>
+              <a:t>, </a:t>
+            </a:r>
+            <a:r>
+              <a:rPr lang="en-GB" sz="2000" dirty="0" err="1"/>
+              <a:t>MLForecast</a:t>
+            </a:r>
+            <a:r>
+              <a:rPr lang="en-GB" sz="2000" dirty="0"/>
+              <a:t>, </a:t>
+            </a:r>
+            <a:r>
+              <a:rPr lang="en-GB" sz="2000" dirty="0" err="1"/>
+              <a:t>NeuralForecast</a:t>
+            </a:r>
+            <a:r>
+              <a:rPr lang="en-GB" sz="2000" dirty="0"/>
+              <a:t>)</a:t>
             </a:r>
           </a:p>
           <a:p>
             <a:pPr lvl="1"/>
             <a:r>
-              <a:rPr lang="en-GB" sz="2000"/>
-              <a:t>Slide deck</a:t>
+              <a:rPr lang="en-GB" sz="2000" dirty="0"/>
+              <a:t>Final forecasts export (Jan 2026 CSV/Parquet)</a:t>
             </a:r>
           </a:p>
           <a:p>
             <a:pPr lvl="1"/>
             <a:r>
-              <a:rPr lang="en-GB" sz="2000"/>
-              <a:t>Interpretation of results</a:t>
+              <a:rPr lang="en-GB" sz="2000" dirty="0"/>
+              <a:t>Data </a:t>
+            </a:r>
+            <a:r>
+              <a:rPr lang="en-GB" sz="2000" dirty="0" err="1"/>
+              <a:t>exporation</a:t>
+            </a:r>
+            <a:r>
+              <a:rPr lang="en-GB" sz="2000" dirty="0"/>
+              <a:t> and  insights</a:t>
             </a:r>
           </a:p>
           <a:p>
             <a:pPr lvl="1"/>
             <a:r>
-              <a:rPr lang="en-GB" sz="2000"/>
-              <a:t>Presentation speaking roles</a:t>
-            </a:r>
-          </a:p>
-          <a:p>
-            <a:pPr lvl="1"/>
-            <a:r>
-              <a:rPr lang="en-GB" sz="2000"/>
-              <a:t>Plots</a:t>
+              <a:rPr lang="en-GB" sz="2000" dirty="0"/>
+              <a:t>Results interpretation + deck + pitch</a:t>
             </a:r>
           </a:p>
           <a:p>
             <a:pPr marL="457200" lvl="1" indent="0">
               <a:buNone/>
             </a:pPr>
-            <a:endParaRPr lang="en-GB" sz="2000"/>
+            <a:endParaRPr lang="en-GB" sz="2000" dirty="0"/>
+          </a:p>
+          <a:p>
+            <a:pPr marL="457200" lvl="1" indent="0">
+              <a:buNone/>
+            </a:pPr>
+            <a:endParaRPr lang="en-GB" sz="2000" dirty="0"/>
           </a:p>
         </p:txBody>
       </p:sp>
@@ -4767,6 +7454,439 @@
 </file>
 
 <file path=ppt/slides/slide3.xml><?xml version="1.0" encoding="utf-8"?>
+<p:sld xmlns:a="http://schemas.openxmlformats.org/drawingml/2006/main" xmlns:r="http://schemas.openxmlformats.org/officeDocument/2006/relationships" xmlns:p="http://schemas.openxmlformats.org/presentationml/2006/main">
+  <p:cSld>
+    <p:spTree>
+      <p:nvGrpSpPr>
+        <p:cNvPr id="1" name=""/>
+        <p:cNvGrpSpPr/>
+        <p:nvPr/>
+      </p:nvGrpSpPr>
+      <p:grpSpPr>
+        <a:xfrm>
+          <a:off x="0" y="0"/>
+          <a:ext cx="0" cy="0"/>
+          <a:chOff x="0" y="0"/>
+          <a:chExt cx="0" cy="0"/>
+        </a:xfrm>
+      </p:grpSpPr>
+      <p:sp>
+        <p:nvSpPr>
+          <p:cNvPr id="3" name="Marcador de contenido 2">
+            <a:extLst>
+              <a:ext uri="{FF2B5EF4-FFF2-40B4-BE49-F238E27FC236}">
+                <a16:creationId xmlns:a16="http://schemas.microsoft.com/office/drawing/2014/main" id="{893971FC-2971-817E-12BE-76911B05A25E}"/>
+              </a:ext>
+            </a:extLst>
+          </p:cNvPr>
+          <p:cNvSpPr>
+            <a:spLocks noGrp="1"/>
+          </p:cNvSpPr>
+          <p:nvPr>
+            <p:ph sz="half" idx="1"/>
+          </p:nvPr>
+        </p:nvSpPr>
+        <p:spPr>
+          <a:xfrm>
+            <a:off x="838200" y="1825625"/>
+            <a:ext cx="7970520" cy="4351338"/>
+          </a:xfrm>
+        </p:spPr>
+        <p:txBody>
+          <a:bodyPr/>
+          <a:lstStyle/>
+          <a:p>
+            <a:pPr marL="0" indent="0">
+              <a:buNone/>
+            </a:pPr>
+            <a:r>
+              <a:rPr lang="es-ES" b="1" dirty="0" err="1"/>
+              <a:t>Problem</a:t>
+            </a:r>
+            <a:r>
+              <a:rPr lang="es-ES" b="1" dirty="0"/>
+              <a:t>: </a:t>
+            </a:r>
+            <a:r>
+              <a:rPr lang="es-ES" b="1" dirty="0" err="1"/>
+              <a:t>Why</a:t>
+            </a:r>
+            <a:r>
+              <a:rPr lang="es-ES" b="1" dirty="0"/>
+              <a:t> </a:t>
+            </a:r>
+            <a:r>
+              <a:rPr lang="es-ES" b="1" dirty="0" err="1"/>
+              <a:t>forecast</a:t>
+            </a:r>
+            <a:r>
+              <a:rPr lang="es-ES" b="1" dirty="0"/>
+              <a:t> </a:t>
+            </a:r>
+            <a:r>
+              <a:rPr lang="es-ES" b="1" dirty="0" err="1"/>
+              <a:t>generation</a:t>
+            </a:r>
+            <a:r>
+              <a:rPr lang="es-ES" b="1" dirty="0"/>
+              <a:t>?</a:t>
+            </a:r>
+          </a:p>
+          <a:p>
+            <a:r>
+              <a:rPr lang="es-ES" dirty="0" err="1"/>
+              <a:t>Electricity</a:t>
+            </a:r>
+            <a:r>
+              <a:rPr lang="es-ES" dirty="0"/>
+              <a:t> </a:t>
+            </a:r>
+            <a:r>
+              <a:rPr lang="es-ES" dirty="0" err="1"/>
+              <a:t>generation</a:t>
+            </a:r>
+            <a:r>
+              <a:rPr lang="es-ES" dirty="0"/>
+              <a:t> </a:t>
+            </a:r>
+            <a:r>
+              <a:rPr lang="es-ES" dirty="0" err="1"/>
+              <a:t>changes</a:t>
+            </a:r>
+            <a:r>
+              <a:rPr lang="es-ES" dirty="0"/>
+              <a:t> </a:t>
+            </a:r>
+            <a:r>
+              <a:rPr lang="es-ES" dirty="0" err="1"/>
+              <a:t>daily</a:t>
+            </a:r>
+            <a:r>
+              <a:rPr lang="es-ES" dirty="0"/>
+              <a:t> </a:t>
+            </a:r>
+            <a:r>
+              <a:rPr lang="es-ES" dirty="0">
+                <a:sym typeface="Wingdings" panose="05000000000000000000" pitchFamily="2" charset="2"/>
+              </a:rPr>
+              <a:t> </a:t>
+            </a:r>
+            <a:r>
+              <a:rPr lang="es-ES" dirty="0" err="1">
+                <a:sym typeface="Wingdings" panose="05000000000000000000" pitchFamily="2" charset="2"/>
+              </a:rPr>
+              <a:t>planning</a:t>
+            </a:r>
+            <a:r>
+              <a:rPr lang="es-ES" dirty="0">
+                <a:sym typeface="Wingdings" panose="05000000000000000000" pitchFamily="2" charset="2"/>
+              </a:rPr>
+              <a:t> </a:t>
+            </a:r>
+            <a:r>
+              <a:rPr lang="es-ES" dirty="0" err="1">
+                <a:sym typeface="Wingdings" panose="05000000000000000000" pitchFamily="2" charset="2"/>
+              </a:rPr>
+              <a:t>is</a:t>
+            </a:r>
+            <a:r>
+              <a:rPr lang="es-ES" dirty="0">
+                <a:sym typeface="Wingdings" panose="05000000000000000000" pitchFamily="2" charset="2"/>
+              </a:rPr>
+              <a:t> </a:t>
+            </a:r>
+            <a:r>
+              <a:rPr lang="es-ES" dirty="0" err="1">
+                <a:sym typeface="Wingdings" panose="05000000000000000000" pitchFamily="2" charset="2"/>
+              </a:rPr>
+              <a:t>hard</a:t>
+            </a:r>
+            <a:endParaRPr lang="es-ES" dirty="0">
+              <a:sym typeface="Wingdings" panose="05000000000000000000" pitchFamily="2" charset="2"/>
+            </a:endParaRPr>
+          </a:p>
+          <a:p>
+            <a:endParaRPr lang="es-ES" dirty="0">
+              <a:sym typeface="Wingdings" panose="05000000000000000000" pitchFamily="2" charset="2"/>
+            </a:endParaRPr>
+          </a:p>
+          <a:p>
+            <a:r>
+              <a:rPr lang="es-ES" dirty="0" err="1">
+                <a:sym typeface="Wingdings" panose="05000000000000000000" pitchFamily="2" charset="2"/>
+              </a:rPr>
+              <a:t>Forecasts</a:t>
+            </a:r>
+            <a:r>
+              <a:rPr lang="es-ES" dirty="0">
+                <a:sym typeface="Wingdings" panose="05000000000000000000" pitchFamily="2" charset="2"/>
+              </a:rPr>
+              <a:t> </a:t>
+            </a:r>
+            <a:r>
+              <a:rPr lang="es-ES" dirty="0" err="1">
+                <a:sym typeface="Wingdings" panose="05000000000000000000" pitchFamily="2" charset="2"/>
+              </a:rPr>
+              <a:t>help</a:t>
+            </a:r>
+            <a:r>
+              <a:rPr lang="es-ES" dirty="0">
+                <a:sym typeface="Wingdings" panose="05000000000000000000" pitchFamily="2" charset="2"/>
+              </a:rPr>
+              <a:t> anticípate </a:t>
+            </a:r>
+            <a:r>
+              <a:rPr lang="es-ES" dirty="0" err="1">
+                <a:sym typeface="Wingdings" panose="05000000000000000000" pitchFamily="2" charset="2"/>
+              </a:rPr>
+              <a:t>high</a:t>
+            </a:r>
+            <a:r>
+              <a:rPr lang="es-ES" dirty="0">
+                <a:sym typeface="Wingdings" panose="05000000000000000000" pitchFamily="2" charset="2"/>
+              </a:rPr>
+              <a:t>/</a:t>
+            </a:r>
+            <a:r>
+              <a:rPr lang="es-ES" dirty="0" err="1">
+                <a:sym typeface="Wingdings" panose="05000000000000000000" pitchFamily="2" charset="2"/>
+              </a:rPr>
+              <a:t>low</a:t>
+            </a:r>
+            <a:r>
+              <a:rPr lang="es-ES" dirty="0">
+                <a:sym typeface="Wingdings" panose="05000000000000000000" pitchFamily="2" charset="2"/>
+              </a:rPr>
+              <a:t> </a:t>
+            </a:r>
+            <a:r>
+              <a:rPr lang="es-ES" dirty="0" err="1">
+                <a:sym typeface="Wingdings" panose="05000000000000000000" pitchFamily="2" charset="2"/>
+              </a:rPr>
+              <a:t>production</a:t>
+            </a:r>
+            <a:r>
+              <a:rPr lang="es-ES" dirty="0">
+                <a:sym typeface="Wingdings" panose="05000000000000000000" pitchFamily="2" charset="2"/>
+              </a:rPr>
+              <a:t> </a:t>
+            </a:r>
+            <a:r>
+              <a:rPr lang="es-ES" dirty="0" err="1">
+                <a:sym typeface="Wingdings" panose="05000000000000000000" pitchFamily="2" charset="2"/>
+              </a:rPr>
+              <a:t>days</a:t>
+            </a:r>
+            <a:endParaRPr lang="es-ES" dirty="0">
+              <a:sym typeface="Wingdings" panose="05000000000000000000" pitchFamily="2" charset="2"/>
+            </a:endParaRPr>
+          </a:p>
+          <a:p>
+            <a:endParaRPr lang="es-ES" dirty="0">
+              <a:sym typeface="Wingdings" panose="05000000000000000000" pitchFamily="2" charset="2"/>
+            </a:endParaRPr>
+          </a:p>
+          <a:p>
+            <a:r>
+              <a:rPr lang="es-ES" dirty="0" err="1">
+                <a:sym typeface="Wingdings" panose="05000000000000000000" pitchFamily="2" charset="2"/>
+              </a:rPr>
+              <a:t>We</a:t>
+            </a:r>
+            <a:r>
+              <a:rPr lang="es-ES" dirty="0">
+                <a:sym typeface="Wingdings" panose="05000000000000000000" pitchFamily="2" charset="2"/>
+              </a:rPr>
+              <a:t> </a:t>
+            </a:r>
+            <a:r>
+              <a:rPr lang="es-ES" dirty="0" err="1">
+                <a:sym typeface="Wingdings" panose="05000000000000000000" pitchFamily="2" charset="2"/>
+              </a:rPr>
+              <a:t>forecast</a:t>
+            </a:r>
+            <a:r>
+              <a:rPr lang="es-ES" dirty="0">
+                <a:sym typeface="Wingdings" panose="05000000000000000000" pitchFamily="2" charset="2"/>
+              </a:rPr>
+              <a:t> </a:t>
+            </a:r>
+            <a:r>
+              <a:rPr lang="es-ES" dirty="0" err="1">
+                <a:sym typeface="Wingdings" panose="05000000000000000000" pitchFamily="2" charset="2"/>
+              </a:rPr>
+              <a:t>daily</a:t>
+            </a:r>
+            <a:r>
+              <a:rPr lang="es-ES" dirty="0">
+                <a:sym typeface="Wingdings" panose="05000000000000000000" pitchFamily="2" charset="2"/>
+              </a:rPr>
+              <a:t> </a:t>
+            </a:r>
+            <a:r>
+              <a:rPr lang="es-ES" dirty="0" err="1">
+                <a:sym typeface="Wingdings" panose="05000000000000000000" pitchFamily="2" charset="2"/>
+              </a:rPr>
+              <a:t>generation</a:t>
+            </a:r>
+            <a:r>
+              <a:rPr lang="es-ES" dirty="0">
+                <a:sym typeface="Wingdings" panose="05000000000000000000" pitchFamily="2" charset="2"/>
+              </a:rPr>
+              <a:t> </a:t>
+            </a:r>
+            <a:r>
+              <a:rPr lang="es-ES" dirty="0" err="1">
+                <a:sym typeface="Wingdings" panose="05000000000000000000" pitchFamily="2" charset="2"/>
+              </a:rPr>
+              <a:t>by</a:t>
+            </a:r>
+            <a:r>
+              <a:rPr lang="es-ES" dirty="0">
+                <a:sym typeface="Wingdings" panose="05000000000000000000" pitchFamily="2" charset="2"/>
+              </a:rPr>
+              <a:t> </a:t>
+            </a:r>
+            <a:r>
+              <a:rPr lang="es-ES" dirty="0" err="1">
+                <a:sym typeface="Wingdings" panose="05000000000000000000" pitchFamily="2" charset="2"/>
+              </a:rPr>
+              <a:t>technology</a:t>
+            </a:r>
+            <a:r>
+              <a:rPr lang="es-ES" dirty="0">
+                <a:sym typeface="Wingdings" panose="05000000000000000000" pitchFamily="2" charset="2"/>
+              </a:rPr>
+              <a:t> </a:t>
+            </a:r>
+            <a:r>
+              <a:rPr lang="es-ES" dirty="0" err="1">
+                <a:sym typeface="Wingdings" panose="05000000000000000000" pitchFamily="2" charset="2"/>
+              </a:rPr>
+              <a:t>for</a:t>
+            </a:r>
+            <a:r>
+              <a:rPr lang="es-ES" dirty="0">
+                <a:sym typeface="Wingdings" panose="05000000000000000000" pitchFamily="2" charset="2"/>
+              </a:rPr>
+              <a:t> Jan 2026</a:t>
+            </a:r>
+          </a:p>
+          <a:p>
+            <a:pPr marL="0" indent="0">
+              <a:buNone/>
+            </a:pPr>
+            <a:endParaRPr lang="es-ES" dirty="0"/>
+          </a:p>
+          <a:p>
+            <a:endParaRPr lang="es-ES" dirty="0"/>
+          </a:p>
+        </p:txBody>
+      </p:sp>
+      <p:sp>
+        <p:nvSpPr>
+          <p:cNvPr id="5" name="Título 1">
+            <a:extLst>
+              <a:ext uri="{FF2B5EF4-FFF2-40B4-BE49-F238E27FC236}">
+                <a16:creationId xmlns:a16="http://schemas.microsoft.com/office/drawing/2014/main" id="{8C3D1725-1630-B87E-5748-BFD7AD1D65A9}"/>
+              </a:ext>
+            </a:extLst>
+          </p:cNvPr>
+          <p:cNvSpPr>
+            <a:spLocks noGrp="1"/>
+          </p:cNvSpPr>
+          <p:nvPr>
+            <p:ph type="title"/>
+          </p:nvPr>
+        </p:nvSpPr>
+        <p:spPr>
+          <a:xfrm>
+            <a:off x="838200" y="365125"/>
+            <a:ext cx="10515600" cy="1325563"/>
+          </a:xfrm>
+        </p:spPr>
+        <p:txBody>
+          <a:bodyPr vert="horz" lIns="91440" tIns="45720" rIns="91440" bIns="45720" rtlCol="0" anchor="b">
+            <a:normAutofit/>
+          </a:bodyPr>
+          <a:lstStyle/>
+          <a:p>
+            <a:pPr algn="ctr"/>
+            <a:r>
+              <a:rPr lang="en-US" sz="5400" b="1" kern="1200" dirty="0">
+                <a:solidFill>
+                  <a:schemeClr val="tx1"/>
+                </a:solidFill>
+                <a:latin typeface="+mj-lt"/>
+                <a:ea typeface="+mj-ea"/>
+                <a:cs typeface="+mj-cs"/>
+              </a:rPr>
+              <a:t>Business Problem</a:t>
+            </a:r>
+          </a:p>
+        </p:txBody>
+      </p:sp>
+      <p:pic>
+        <p:nvPicPr>
+          <p:cNvPr id="1032" name="Picture 8" descr="Calendar Icon PNG Images, Vectors Free Download - Pngtree">
+            <a:extLst>
+              <a:ext uri="{FF2B5EF4-FFF2-40B4-BE49-F238E27FC236}">
+                <a16:creationId xmlns:a16="http://schemas.microsoft.com/office/drawing/2014/main" id="{7D2A40DC-7FC5-7064-BDDA-72C15C09E533}"/>
+              </a:ext>
+            </a:extLst>
+          </p:cNvPr>
+          <p:cNvPicPr>
+            <a:picLocks noChangeAspect="1" noChangeArrowheads="1"/>
+          </p:cNvPicPr>
+          <p:nvPr/>
+        </p:nvPicPr>
+        <p:blipFill>
+          <a:blip r:embed="rId2">
+            <a:extLst>
+              <a:ext uri="{28A0092B-C50C-407E-A947-70E740481C1C}">
+                <a14:useLocalDpi xmlns:a14="http://schemas.microsoft.com/office/drawing/2010/main" val="0"/>
+              </a:ext>
+            </a:extLst>
+          </a:blip>
+          <a:srcRect/>
+          <a:stretch>
+            <a:fillRect/>
+          </a:stretch>
+        </p:blipFill>
+        <p:spPr bwMode="auto">
+          <a:xfrm>
+            <a:off x="9210675" y="2540318"/>
+            <a:ext cx="2143125" cy="2143125"/>
+          </a:xfrm>
+          <a:prstGeom prst="rect">
+            <a:avLst/>
+          </a:prstGeom>
+          <a:noFill/>
+          <a:extLst>
+            <a:ext uri="{909E8E84-426E-40DD-AFC4-6F175D3DCCD1}">
+              <a14:hiddenFill xmlns:a14="http://schemas.microsoft.com/office/drawing/2010/main">
+                <a:solidFill>
+                  <a:srgbClr val="FFFFFF"/>
+                </a:solidFill>
+              </a14:hiddenFill>
+            </a:ext>
+          </a:extLst>
+        </p:spPr>
+      </p:pic>
+    </p:spTree>
+    <p:extLst>
+      <p:ext uri="{BB962C8B-B14F-4D97-AF65-F5344CB8AC3E}">
+        <p14:creationId xmlns:p14="http://schemas.microsoft.com/office/powerpoint/2010/main" val="633156856"/>
+      </p:ext>
+    </p:extLst>
+  </p:cSld>
+  <p:clrMapOvr>
+    <a:masterClrMapping/>
+  </p:clrMapOvr>
+</p:sld>
+</file>
+
+<file path=ppt/slides/slide4.xml><?xml version="1.0" encoding="utf-8"?>
 <p:sld xmlns:a="http://schemas.openxmlformats.org/drawingml/2006/main" xmlns:r="http://schemas.openxmlformats.org/officeDocument/2006/relationships" xmlns:p="http://schemas.openxmlformats.org/presentationml/2006/main">
   <p:cSld>
     <p:bg>
@@ -4869,8 +7989,8 @@
         </p:nvSpPr>
         <p:spPr>
           <a:xfrm>
-            <a:off x="630936" y="639520"/>
-            <a:ext cx="3429000" cy="1719072"/>
+            <a:off x="630936" y="-315468"/>
+            <a:ext cx="6486144" cy="1719072"/>
           </a:xfrm>
         </p:spPr>
         <p:txBody>
@@ -4880,7 +8000,7 @@
           <a:lstStyle/>
           <a:p>
             <a:r>
-              <a:rPr lang="en-US" sz="5400" b="1" kern="1200">
+              <a:rPr lang="en-US" sz="5400" b="1" kern="1200" dirty="0">
                 <a:solidFill>
                   <a:schemeClr val="tx1"/>
                 </a:solidFill>
@@ -4924,68 +8044,68 @@
           <a:custGeom>
             <a:avLst/>
             <a:gdLst>
-              <a:gd name="csX0" fmla="*/ 0 w 3255095"/>
-              <a:gd name="csY0" fmla="*/ 0 h 18288"/>
-              <a:gd name="csX1" fmla="*/ 618468 w 3255095"/>
-              <a:gd name="csY1" fmla="*/ 0 h 18288"/>
-              <a:gd name="csX2" fmla="*/ 1269487 w 3255095"/>
-              <a:gd name="csY2" fmla="*/ 0 h 18288"/>
-              <a:gd name="csX3" fmla="*/ 1953057 w 3255095"/>
-              <a:gd name="csY3" fmla="*/ 0 h 18288"/>
-              <a:gd name="csX4" fmla="*/ 2636627 w 3255095"/>
-              <a:gd name="csY4" fmla="*/ 0 h 18288"/>
-              <a:gd name="csX5" fmla="*/ 3255095 w 3255095"/>
-              <a:gd name="csY5" fmla="*/ 0 h 18288"/>
-              <a:gd name="csX6" fmla="*/ 3255095 w 3255095"/>
-              <a:gd name="csY6" fmla="*/ 18288 h 18288"/>
-              <a:gd name="csX7" fmla="*/ 2538974 w 3255095"/>
-              <a:gd name="csY7" fmla="*/ 18288 h 18288"/>
-              <a:gd name="csX8" fmla="*/ 1822853 w 3255095"/>
-              <a:gd name="csY8" fmla="*/ 18288 h 18288"/>
-              <a:gd name="csX9" fmla="*/ 1171834 w 3255095"/>
-              <a:gd name="csY9" fmla="*/ 18288 h 18288"/>
-              <a:gd name="csX10" fmla="*/ 0 w 3255095"/>
-              <a:gd name="csY10" fmla="*/ 18288 h 18288"/>
-              <a:gd name="csX11" fmla="*/ 0 w 3255095"/>
-              <a:gd name="csY11" fmla="*/ 0 h 18288"/>
+              <a:gd name="connsiteX0" fmla="*/ 0 w 3255095"/>
+              <a:gd name="connsiteY0" fmla="*/ 0 h 18288"/>
+              <a:gd name="connsiteX1" fmla="*/ 618468 w 3255095"/>
+              <a:gd name="connsiteY1" fmla="*/ 0 h 18288"/>
+              <a:gd name="connsiteX2" fmla="*/ 1269487 w 3255095"/>
+              <a:gd name="connsiteY2" fmla="*/ 0 h 18288"/>
+              <a:gd name="connsiteX3" fmla="*/ 1953057 w 3255095"/>
+              <a:gd name="connsiteY3" fmla="*/ 0 h 18288"/>
+              <a:gd name="connsiteX4" fmla="*/ 2636627 w 3255095"/>
+              <a:gd name="connsiteY4" fmla="*/ 0 h 18288"/>
+              <a:gd name="connsiteX5" fmla="*/ 3255095 w 3255095"/>
+              <a:gd name="connsiteY5" fmla="*/ 0 h 18288"/>
+              <a:gd name="connsiteX6" fmla="*/ 3255095 w 3255095"/>
+              <a:gd name="connsiteY6" fmla="*/ 18288 h 18288"/>
+              <a:gd name="connsiteX7" fmla="*/ 2538974 w 3255095"/>
+              <a:gd name="connsiteY7" fmla="*/ 18288 h 18288"/>
+              <a:gd name="connsiteX8" fmla="*/ 1822853 w 3255095"/>
+              <a:gd name="connsiteY8" fmla="*/ 18288 h 18288"/>
+              <a:gd name="connsiteX9" fmla="*/ 1171834 w 3255095"/>
+              <a:gd name="connsiteY9" fmla="*/ 18288 h 18288"/>
+              <a:gd name="connsiteX10" fmla="*/ 0 w 3255095"/>
+              <a:gd name="connsiteY10" fmla="*/ 18288 h 18288"/>
+              <a:gd name="connsiteX11" fmla="*/ 0 w 3255095"/>
+              <a:gd name="connsiteY11" fmla="*/ 0 h 18288"/>
             </a:gdLst>
             <a:ahLst/>
             <a:cxnLst>
               <a:cxn ang="0">
-                <a:pos x="csX0" y="csY0"/>
+                <a:pos x="connsiteX0" y="connsiteY0"/>
               </a:cxn>
               <a:cxn ang="0">
-                <a:pos x="csX1" y="csY1"/>
+                <a:pos x="connsiteX1" y="connsiteY1"/>
               </a:cxn>
               <a:cxn ang="0">
-                <a:pos x="csX2" y="csY2"/>
+                <a:pos x="connsiteX2" y="connsiteY2"/>
               </a:cxn>
               <a:cxn ang="0">
-                <a:pos x="csX3" y="csY3"/>
+                <a:pos x="connsiteX3" y="connsiteY3"/>
               </a:cxn>
               <a:cxn ang="0">
-                <a:pos x="csX4" y="csY4"/>
+                <a:pos x="connsiteX4" y="connsiteY4"/>
               </a:cxn>
               <a:cxn ang="0">
-                <a:pos x="csX5" y="csY5"/>
+                <a:pos x="connsiteX5" y="connsiteY5"/>
               </a:cxn>
               <a:cxn ang="0">
-                <a:pos x="csX6" y="csY6"/>
+                <a:pos x="connsiteX6" y="connsiteY6"/>
               </a:cxn>
               <a:cxn ang="0">
-                <a:pos x="csX7" y="csY7"/>
+                <a:pos x="connsiteX7" y="connsiteY7"/>
               </a:cxn>
               <a:cxn ang="0">
-                <a:pos x="csX8" y="csY8"/>
+                <a:pos x="connsiteX8" y="connsiteY8"/>
               </a:cxn>
               <a:cxn ang="0">
-                <a:pos x="csX9" y="csY9"/>
+                <a:pos x="connsiteX9" y="connsiteY9"/>
               </a:cxn>
               <a:cxn ang="0">
-                <a:pos x="csX10" y="csY10"/>
+                <a:pos x="connsiteX10" y="connsiteY10"/>
               </a:cxn>
               <a:cxn ang="0">
-                <a:pos x="csX11" y="csY11"/>
+                <a:pos x="connsiteX11" y="connsiteY11"/>
               </a:cxn>
             </a:cxnLst>
             <a:rect l="l" t="t" r="r" b="b"/>
@@ -5184,7 +8304,7 @@
         </p:nvSpPr>
         <p:spPr>
           <a:xfrm>
-            <a:off x="630936" y="2807208"/>
+            <a:off x="469373" y="2791968"/>
             <a:ext cx="3429000" cy="3410712"/>
           </a:xfrm>
         </p:spPr>
@@ -5272,205 +8392,6 @@
 </p:sld>
 </file>
 
-<file path=ppt/slides/slide4.xml><?xml version="1.0" encoding="utf-8"?>
-<p:sld xmlns:a="http://schemas.openxmlformats.org/drawingml/2006/main" xmlns:r="http://schemas.openxmlformats.org/officeDocument/2006/relationships" xmlns:p="http://schemas.openxmlformats.org/presentationml/2006/main">
-  <p:cSld>
-    <p:spTree>
-      <p:nvGrpSpPr>
-        <p:cNvPr id="1" name=""/>
-        <p:cNvGrpSpPr/>
-        <p:nvPr/>
-      </p:nvGrpSpPr>
-      <p:grpSpPr>
-        <a:xfrm>
-          <a:off x="0" y="0"/>
-          <a:ext cx="0" cy="0"/>
-          <a:chOff x="0" y="0"/>
-          <a:chExt cx="0" cy="0"/>
-        </a:xfrm>
-      </p:grpSpPr>
-      <p:sp>
-        <p:nvSpPr>
-          <p:cNvPr id="2" name="Título 1">
-            <a:extLst>
-              <a:ext uri="{FF2B5EF4-FFF2-40B4-BE49-F238E27FC236}">
-                <a16:creationId xmlns:a16="http://schemas.microsoft.com/office/drawing/2014/main" id="{42A9E8B0-5780-1E83-BEA3-DA915D48DCB9}"/>
-              </a:ext>
-            </a:extLst>
-          </p:cNvPr>
-          <p:cNvSpPr>
-            <a:spLocks noGrp="1"/>
-          </p:cNvSpPr>
-          <p:nvPr>
-            <p:ph type="title"/>
-          </p:nvPr>
-        </p:nvSpPr>
-        <p:spPr/>
-        <p:txBody>
-          <a:bodyPr/>
-          <a:lstStyle/>
-          <a:p>
-            <a:r>
-              <a:rPr lang="en-GB" b="1" dirty="0"/>
-              <a:t>Solution Overview. General</a:t>
-            </a:r>
-          </a:p>
-        </p:txBody>
-      </p:sp>
-      <p:sp>
-        <p:nvSpPr>
-          <p:cNvPr id="3" name="Marcador de contenido 2">
-            <a:extLst>
-              <a:ext uri="{FF2B5EF4-FFF2-40B4-BE49-F238E27FC236}">
-                <a16:creationId xmlns:a16="http://schemas.microsoft.com/office/drawing/2014/main" id="{7894CECC-7894-ECB1-EB7F-3348F971579B}"/>
-              </a:ext>
-            </a:extLst>
-          </p:cNvPr>
-          <p:cNvSpPr>
-            <a:spLocks noGrp="1"/>
-          </p:cNvSpPr>
-          <p:nvPr>
-            <p:ph sz="half" idx="1"/>
-          </p:nvPr>
-        </p:nvSpPr>
-        <p:spPr/>
-        <p:txBody>
-          <a:bodyPr>
-            <a:normAutofit fontScale="92500" lnSpcReduction="10000"/>
-          </a:bodyPr>
-          <a:lstStyle/>
-          <a:p>
-            <a:pPr marL="514350" indent="-514350">
-              <a:buAutoNum type="arabicPeriod"/>
-            </a:pPr>
-            <a:r>
-              <a:rPr lang="en-GB" b="1" dirty="0"/>
-              <a:t>Business understanding: </a:t>
-            </a:r>
-            <a:r>
-              <a:rPr lang="en-GB" dirty="0"/>
-              <a:t>define the forecasting goal and the value.</a:t>
-            </a:r>
-          </a:p>
-          <a:p>
-            <a:pPr marL="514350" indent="-514350">
-              <a:buAutoNum type="arabicPeriod"/>
-            </a:pPr>
-            <a:r>
-              <a:rPr lang="en-GB" b="1" dirty="0"/>
-              <a:t>Data understanding: </a:t>
-            </a:r>
-            <a:r>
-              <a:rPr lang="en-GB" dirty="0"/>
-              <a:t>inspect the dataset, frequency, trends, seasonality, missing values.</a:t>
-            </a:r>
-          </a:p>
-          <a:p>
-            <a:pPr marL="514350" indent="-514350">
-              <a:buAutoNum type="arabicPeriod"/>
-            </a:pPr>
-            <a:r>
-              <a:rPr lang="en-GB" b="1" dirty="0"/>
-              <a:t>Data preparation: </a:t>
-            </a:r>
-            <a:r>
-              <a:rPr lang="en-GB" dirty="0"/>
-              <a:t>clean, reshape, and build a final time series dataset. </a:t>
-            </a:r>
-            <a:endParaRPr lang="en-GB" b="1" dirty="0"/>
-          </a:p>
-        </p:txBody>
-      </p:sp>
-      <p:sp>
-        <p:nvSpPr>
-          <p:cNvPr id="4" name="Marcador de contenido 3">
-            <a:extLst>
-              <a:ext uri="{FF2B5EF4-FFF2-40B4-BE49-F238E27FC236}">
-                <a16:creationId xmlns:a16="http://schemas.microsoft.com/office/drawing/2014/main" id="{36039BA5-2B95-6EF8-D781-F966AF02BADC}"/>
-              </a:ext>
-            </a:extLst>
-          </p:cNvPr>
-          <p:cNvSpPr>
-            <a:spLocks noGrp="1"/>
-          </p:cNvSpPr>
-          <p:nvPr>
-            <p:ph sz="half" idx="2"/>
-          </p:nvPr>
-        </p:nvSpPr>
-        <p:spPr/>
-        <p:txBody>
-          <a:bodyPr>
-            <a:normAutofit fontScale="92500" lnSpcReduction="10000"/>
-          </a:bodyPr>
-          <a:lstStyle/>
-          <a:p>
-            <a:pPr marL="0" indent="0">
-              <a:buNone/>
-            </a:pPr>
-            <a:r>
-              <a:rPr lang="en-GB" b="1" dirty="0"/>
-              <a:t>4. Feature engineering: </a:t>
-            </a:r>
-            <a:r>
-              <a:rPr lang="en-GB" dirty="0"/>
-              <a:t>create lag features, calendar features…</a:t>
-            </a:r>
-          </a:p>
-          <a:p>
-            <a:pPr marL="0" indent="0">
-              <a:buNone/>
-            </a:pPr>
-            <a:r>
-              <a:rPr lang="en-GB" b="1" dirty="0"/>
-              <a:t>5. Modelling: </a:t>
-            </a:r>
-            <a:r>
-              <a:rPr lang="en-GB" dirty="0"/>
-              <a:t>train model families used in class (baselines, statistical, ML, neural)</a:t>
-            </a:r>
-          </a:p>
-          <a:p>
-            <a:pPr marL="0" indent="0">
-              <a:buNone/>
-            </a:pPr>
-            <a:r>
-              <a:rPr lang="en-GB" b="1" dirty="0"/>
-              <a:t>6. Evaluation: </a:t>
-            </a:r>
-            <a:r>
-              <a:rPr lang="en-GB" dirty="0"/>
-              <a:t>time-based validation/test split, metrics and plots. </a:t>
-            </a:r>
-          </a:p>
-          <a:p>
-            <a:pPr marL="0" indent="0">
-              <a:buNone/>
-            </a:pPr>
-            <a:r>
-              <a:rPr lang="en-GB" b="1" dirty="0"/>
-              <a:t>7. Output: </a:t>
-            </a:r>
-            <a:r>
-              <a:rPr lang="en-GB" dirty="0"/>
-              <a:t>forecast January 2026, export predictions, save metrics for reporting. </a:t>
-            </a:r>
-            <a:endParaRPr lang="en-GB" b="1" dirty="0"/>
-          </a:p>
-        </p:txBody>
-      </p:sp>
-    </p:spTree>
-    <p:extLst>
-      <p:ext uri="{BB962C8B-B14F-4D97-AF65-F5344CB8AC3E}">
-        <p14:creationId xmlns:p14="http://schemas.microsoft.com/office/powerpoint/2010/main" val="1507118366"/>
-      </p:ext>
-    </p:extLst>
-  </p:cSld>
-  <p:clrMapOvr>
-    <a:masterClrMapping/>
-  </p:clrMapOvr>
-</p:sld>
-</file>
-
 <file path=ppt/slides/slide5.xml><?xml version="1.0" encoding="utf-8"?>
 <p:sld xmlns:a="http://schemas.openxmlformats.org/drawingml/2006/main" xmlns:r="http://schemas.openxmlformats.org/officeDocument/2006/relationships" xmlns:p="http://schemas.openxmlformats.org/presentationml/2006/main">
   <p:cSld>
@@ -5493,7 +8414,7 @@
           <p:cNvPr id="2" name="Título 1">
             <a:extLst>
               <a:ext uri="{FF2B5EF4-FFF2-40B4-BE49-F238E27FC236}">
-                <a16:creationId xmlns:a16="http://schemas.microsoft.com/office/drawing/2014/main" id="{110350D3-30BF-6837-F2FB-FBDB6602EE72}"/>
+                <a16:creationId xmlns:a16="http://schemas.microsoft.com/office/drawing/2014/main" id="{C0E6B573-5EAC-0EC9-E641-DB9D929A84CD}"/>
               </a:ext>
             </a:extLst>
           </p:cNvPr>
@@ -5504,14 +8425,33 @@
             <p:ph type="title"/>
           </p:nvPr>
         </p:nvSpPr>
-        <p:spPr/>
-        <p:txBody>
-          <a:bodyPr/>
+        <p:spPr>
+          <a:xfrm>
+            <a:off x="4282283" y="-97473"/>
+            <a:ext cx="3932237" cy="1600200"/>
+          </a:xfrm>
+        </p:spPr>
+        <p:txBody>
+          <a:bodyPr>
+            <a:normAutofit/>
+          </a:bodyPr>
           <a:lstStyle/>
           <a:p>
             <a:r>
-              <a:rPr lang="en-GB" b="1" dirty="0"/>
-              <a:t>Solution Overview (General)</a:t>
+              <a:rPr lang="es-ES" sz="4400" b="1" dirty="0" err="1"/>
+              <a:t>Value</a:t>
+            </a:r>
+            <a:r>
+              <a:rPr lang="es-ES" sz="4400" b="1" dirty="0"/>
+              <a:t> (</a:t>
+            </a:r>
+            <a:r>
+              <a:rPr lang="es-ES" sz="4400" b="1" dirty="0" err="1"/>
+              <a:t>Impact</a:t>
+            </a:r>
+            <a:r>
+              <a:rPr lang="es-ES" sz="4400" b="1" dirty="0"/>
+              <a:t>)</a:t>
             </a:r>
           </a:p>
         </p:txBody>
@@ -5521,7 +8461,7 @@
           <p:cNvPr id="3" name="Marcador de contenido 2">
             <a:extLst>
               <a:ext uri="{FF2B5EF4-FFF2-40B4-BE49-F238E27FC236}">
-                <a16:creationId xmlns:a16="http://schemas.microsoft.com/office/drawing/2014/main" id="{D77DD94E-7F8E-0585-321E-7099CABCFE27}"/>
+                <a16:creationId xmlns:a16="http://schemas.microsoft.com/office/drawing/2014/main" id="{936017C4-A04F-F55B-056D-94EB1DB97B57}"/>
               </a:ext>
             </a:extLst>
           </p:cNvPr>
@@ -5529,121 +8469,338 @@
             <a:spLocks noGrp="1"/>
           </p:cNvSpPr>
           <p:nvPr>
-            <p:ph sz="half" idx="1"/>
-          </p:nvPr>
-        </p:nvSpPr>
-        <p:spPr/>
-        <p:txBody>
-          <a:bodyPr/>
-          <a:lstStyle/>
-          <a:p>
-            <a:pPr marL="514350" indent="-514350">
-              <a:buAutoNum type="arabicPeriod"/>
-            </a:pPr>
-            <a:r>
-              <a:rPr lang="en-GB" b="1" dirty="0"/>
-              <a:t>Business goal: </a:t>
-            </a:r>
-            <a:r>
-              <a:rPr lang="en-GB" dirty="0"/>
-              <a:t>forecast daily electricity generation (Top-7 technologies).</a:t>
-            </a:r>
-          </a:p>
-          <a:p>
-            <a:pPr marL="514350" indent="-514350">
-              <a:buAutoNum type="arabicPeriod"/>
-            </a:pPr>
-            <a:r>
-              <a:rPr lang="en-GB" b="1" dirty="0"/>
-              <a:t>Data preparation: </a:t>
-            </a:r>
-            <a:r>
-              <a:rPr lang="en-GB" dirty="0"/>
-              <a:t>clean panel data, full daily grid, missing values handled </a:t>
-            </a:r>
-          </a:p>
-          <a:p>
-            <a:pPr marL="514350" indent="-514350">
-              <a:buAutoNum type="arabicPeriod"/>
-            </a:pPr>
-            <a:r>
-              <a:rPr lang="en-GB" b="1" dirty="0"/>
-              <a:t>Feature engineering: </a:t>
-            </a:r>
-            <a:r>
-              <a:rPr lang="en-GB" dirty="0"/>
-              <a:t>lags, calendar features and rolling statistics. </a:t>
-            </a:r>
-            <a:endParaRPr lang="en-GB" b="1" dirty="0"/>
-          </a:p>
-        </p:txBody>
-      </p:sp>
-      <p:sp>
-        <p:nvSpPr>
-          <p:cNvPr id="4" name="Marcador de contenido 3">
-            <a:extLst>
-              <a:ext uri="{FF2B5EF4-FFF2-40B4-BE49-F238E27FC236}">
-                <a16:creationId xmlns:a16="http://schemas.microsoft.com/office/drawing/2014/main" id="{9199A925-090D-C224-5A0C-26518CA5948C}"/>
-              </a:ext>
-            </a:extLst>
-          </p:cNvPr>
-          <p:cNvSpPr>
-            <a:spLocks noGrp="1"/>
-          </p:cNvSpPr>
-          <p:nvPr>
-            <p:ph sz="half" idx="2"/>
-          </p:nvPr>
-        </p:nvSpPr>
-        <p:spPr/>
-        <p:txBody>
-          <a:bodyPr/>
+            <p:ph idx="1"/>
+          </p:nvPr>
+        </p:nvSpPr>
+        <p:spPr>
+          <a:xfrm>
+            <a:off x="6522722" y="1945164"/>
+            <a:ext cx="4739638" cy="1862455"/>
+          </a:xfrm>
+        </p:spPr>
+        <p:txBody>
+          <a:bodyPr>
+            <a:normAutofit/>
+          </a:bodyPr>
           <a:lstStyle/>
           <a:p>
             <a:pPr marL="0" indent="0">
               <a:buNone/>
             </a:pPr>
             <a:r>
-              <a:rPr lang="en-GB" b="1" dirty="0"/>
-              <a:t>4. Modelling: </a:t>
-            </a:r>
-            <a:r>
-              <a:rPr lang="en-GB" dirty="0"/>
-              <a:t>baselines, statistical (ARIMA), ML and neural models.</a:t>
-            </a:r>
-          </a:p>
-          <a:p>
-            <a:pPr marL="0" indent="0">
-              <a:buNone/>
+              <a:rPr lang="es-ES" sz="2400" b="1" dirty="0" err="1"/>
+              <a:t>Why</a:t>
+            </a:r>
+            <a:r>
+              <a:rPr lang="es-ES" sz="2400" b="1" dirty="0"/>
+              <a:t> </a:t>
+            </a:r>
+            <a:r>
+              <a:rPr lang="es-ES" sz="2400" b="1" dirty="0" err="1"/>
+              <a:t>uncertainity</a:t>
+            </a:r>
+            <a:r>
+              <a:rPr lang="es-ES" sz="2400" b="1" dirty="0"/>
+              <a:t> </a:t>
+            </a:r>
+            <a:r>
+              <a:rPr lang="es-ES" sz="2400" b="1" dirty="0" err="1"/>
+              <a:t>is</a:t>
+            </a:r>
+            <a:r>
+              <a:rPr lang="es-ES" sz="2400" b="1" dirty="0"/>
+              <a:t> </a:t>
+            </a:r>
+            <a:r>
+              <a:rPr lang="es-ES" sz="2400" b="1" dirty="0" err="1"/>
+              <a:t>useful</a:t>
+            </a:r>
+            <a:r>
+              <a:rPr lang="es-ES" sz="2400" b="1" dirty="0"/>
+              <a:t>?</a:t>
+            </a:r>
+          </a:p>
+          <a:p>
+            <a:r>
+              <a:rPr lang="es-ES" sz="2400" dirty="0" err="1"/>
+              <a:t>The</a:t>
+            </a:r>
+            <a:r>
+              <a:rPr lang="es-ES" sz="2400" dirty="0"/>
+              <a:t> Interval </a:t>
+            </a:r>
+            <a:r>
+              <a:rPr lang="es-ES" sz="2400" dirty="0" err="1"/>
+              <a:t>tells</a:t>
+            </a:r>
+            <a:r>
+              <a:rPr lang="es-ES" sz="2400" dirty="0"/>
+              <a:t> </a:t>
+            </a:r>
+            <a:r>
+              <a:rPr lang="es-ES" sz="2400" dirty="0" err="1"/>
+              <a:t>us</a:t>
+            </a:r>
+            <a:r>
+              <a:rPr lang="es-ES" sz="2400" dirty="0"/>
+              <a:t> </a:t>
+            </a:r>
+            <a:r>
+              <a:rPr lang="es-ES" sz="2400" dirty="0" err="1"/>
+              <a:t>if</a:t>
+            </a:r>
+            <a:r>
+              <a:rPr lang="es-ES" sz="2400" dirty="0"/>
+              <a:t> </a:t>
+            </a:r>
+            <a:r>
+              <a:rPr lang="es-ES" sz="2400" dirty="0" err="1"/>
+              <a:t>the</a:t>
+            </a:r>
+            <a:r>
+              <a:rPr lang="es-ES" sz="2400" dirty="0"/>
+              <a:t> </a:t>
+            </a:r>
+            <a:r>
+              <a:rPr lang="es-ES" sz="2400" dirty="0" err="1"/>
+              <a:t>prediction</a:t>
+            </a:r>
+            <a:r>
+              <a:rPr lang="es-ES" sz="2400" dirty="0"/>
+              <a:t> </a:t>
+            </a:r>
+            <a:r>
+              <a:rPr lang="es-ES" sz="2400" dirty="0" err="1"/>
+              <a:t>is</a:t>
+            </a:r>
+            <a:r>
+              <a:rPr lang="es-ES" sz="2400" dirty="0"/>
+              <a:t> </a:t>
+            </a:r>
+            <a:r>
+              <a:rPr lang="es-ES" sz="2400" dirty="0" err="1"/>
+              <a:t>reliable</a:t>
+            </a:r>
+            <a:r>
+              <a:rPr lang="es-ES" sz="2400" dirty="0"/>
+              <a:t> </a:t>
+            </a:r>
+            <a:r>
+              <a:rPr lang="es-ES" sz="2400" dirty="0" err="1"/>
+              <a:t>or</a:t>
+            </a:r>
+            <a:r>
+              <a:rPr lang="es-ES" sz="2400" dirty="0"/>
+              <a:t> </a:t>
+            </a:r>
+            <a:r>
+              <a:rPr lang="es-ES" sz="2400" dirty="0" err="1"/>
+              <a:t>risky</a:t>
+            </a:r>
+            <a:endParaRPr lang="es-ES" sz="2400" dirty="0"/>
+          </a:p>
+        </p:txBody>
+      </p:sp>
+      <p:sp>
+        <p:nvSpPr>
+          <p:cNvPr id="4" name="Marcador de texto 3">
+            <a:extLst>
+              <a:ext uri="{FF2B5EF4-FFF2-40B4-BE49-F238E27FC236}">
+                <a16:creationId xmlns:a16="http://schemas.microsoft.com/office/drawing/2014/main" id="{90259AEB-B82F-0131-0D14-5EC38B3FFB8E}"/>
+              </a:ext>
+            </a:extLst>
+          </p:cNvPr>
+          <p:cNvSpPr>
+            <a:spLocks noGrp="1"/>
+          </p:cNvSpPr>
+          <p:nvPr>
+            <p:ph type="body" sz="half" idx="2"/>
+          </p:nvPr>
+        </p:nvSpPr>
+        <p:spPr>
+          <a:xfrm>
+            <a:off x="582613" y="1901825"/>
+            <a:ext cx="5513387" cy="3811588"/>
+          </a:xfrm>
+        </p:spPr>
+        <p:txBody>
+          <a:bodyPr>
+            <a:normAutofit/>
+          </a:bodyPr>
+          <a:lstStyle/>
+          <a:p>
+            <a:r>
+              <a:rPr lang="es-ES" sz="2400" b="1" dirty="0" err="1"/>
+              <a:t>What</a:t>
+            </a:r>
+            <a:r>
+              <a:rPr lang="es-ES" sz="2400" b="1" dirty="0"/>
+              <a:t> can </a:t>
+            </a:r>
+            <a:r>
+              <a:rPr lang="es-ES" sz="2400" b="1" dirty="0" err="1"/>
+              <a:t>we</a:t>
+            </a:r>
+            <a:r>
+              <a:rPr lang="es-ES" sz="2400" b="1" dirty="0"/>
+              <a:t> do </a:t>
+            </a:r>
+            <a:r>
+              <a:rPr lang="es-ES" sz="2400" b="1" dirty="0" err="1"/>
+              <a:t>with</a:t>
+            </a:r>
+            <a:r>
+              <a:rPr lang="es-ES" sz="2400" b="1" dirty="0"/>
+              <a:t> </a:t>
+            </a:r>
+            <a:r>
+              <a:rPr lang="es-ES" sz="2400" b="1" dirty="0" err="1"/>
+              <a:t>the</a:t>
+            </a:r>
+            <a:r>
+              <a:rPr lang="es-ES" sz="2400" b="1" dirty="0"/>
+              <a:t> </a:t>
+            </a:r>
+            <a:r>
+              <a:rPr lang="es-ES" sz="2400" b="1" dirty="0" err="1"/>
+              <a:t>forecast</a:t>
+            </a:r>
+            <a:r>
+              <a:rPr lang="es-ES" sz="2400" b="1" dirty="0"/>
+              <a:t>?</a:t>
+            </a:r>
+          </a:p>
+          <a:p>
+            <a:pPr marL="285750" indent="-285750">
+              <a:buFont typeface="Arial" panose="020B0604020202020204" pitchFamily="34" charset="0"/>
+              <a:buChar char="•"/>
             </a:pPr>
             <a:r>
-              <a:rPr lang="en-GB" b="1" dirty="0"/>
-              <a:t>5. Evaluation: </a:t>
-            </a:r>
-            <a:r>
-              <a:rPr lang="en-GB" dirty="0"/>
-              <a:t>time-based Train/Val/Test split with error metrics. </a:t>
-            </a:r>
-          </a:p>
-          <a:p>
-            <a:pPr marL="0" indent="0">
-              <a:buNone/>
+              <a:rPr lang="es-ES" sz="2400" dirty="0"/>
+              <a:t>Plan </a:t>
+            </a:r>
+            <a:r>
+              <a:rPr lang="es-ES" sz="2400" dirty="0" err="1"/>
+              <a:t>operations</a:t>
+            </a:r>
+            <a:r>
+              <a:rPr lang="es-ES" sz="2400" dirty="0"/>
+              <a:t> </a:t>
+            </a:r>
+            <a:r>
+              <a:rPr lang="es-ES" sz="2400" dirty="0" err="1"/>
+              <a:t>for</a:t>
+            </a:r>
+            <a:r>
+              <a:rPr lang="es-ES" sz="2400" dirty="0"/>
+              <a:t> </a:t>
+            </a:r>
+            <a:r>
+              <a:rPr lang="es-ES" sz="2400" dirty="0" err="1"/>
+              <a:t>the</a:t>
+            </a:r>
+            <a:r>
+              <a:rPr lang="es-ES" sz="2400" dirty="0"/>
+              <a:t> </a:t>
+            </a:r>
+            <a:r>
+              <a:rPr lang="es-ES" sz="2400" dirty="0" err="1"/>
+              <a:t>next</a:t>
+            </a:r>
+            <a:r>
+              <a:rPr lang="es-ES" sz="2400" dirty="0"/>
+              <a:t> </a:t>
+            </a:r>
+            <a:r>
+              <a:rPr lang="es-ES" sz="2400" dirty="0" err="1"/>
+              <a:t>weeks</a:t>
+            </a:r>
+            <a:endParaRPr lang="es-ES" sz="2400" dirty="0"/>
+          </a:p>
+          <a:p>
+            <a:pPr marL="285750" indent="-285750">
+              <a:buFont typeface="Arial" panose="020B0604020202020204" pitchFamily="34" charset="0"/>
+              <a:buChar char="•"/>
             </a:pPr>
             <a:r>
-              <a:rPr lang="en-GB" b="1" dirty="0"/>
-              <a:t>6. Output: </a:t>
-            </a:r>
-            <a:r>
-              <a:rPr lang="en-GB" dirty="0"/>
-              <a:t>January 2026 forecast with uncertainty intervals and saved results. </a:t>
-            </a:r>
-            <a:endParaRPr lang="en-GB" b="1" dirty="0"/>
+              <a:rPr lang="es-ES" sz="2400" dirty="0"/>
+              <a:t>Decide </a:t>
+            </a:r>
+            <a:r>
+              <a:rPr lang="es-ES" sz="2400" dirty="0" err="1"/>
+              <a:t>when</a:t>
+            </a:r>
+            <a:r>
+              <a:rPr lang="es-ES" sz="2400" dirty="0"/>
+              <a:t> </a:t>
+            </a:r>
+            <a:r>
+              <a:rPr lang="es-ES" sz="2400" dirty="0" err="1"/>
+              <a:t>to</a:t>
+            </a:r>
+            <a:r>
+              <a:rPr lang="es-ES" sz="2400" dirty="0"/>
+              <a:t> use </a:t>
+            </a:r>
+            <a:r>
+              <a:rPr lang="es-ES" sz="2400" dirty="0" err="1"/>
+              <a:t>backup</a:t>
+            </a:r>
+            <a:r>
+              <a:rPr lang="es-ES" sz="2400" dirty="0"/>
+              <a:t> </a:t>
+            </a:r>
+            <a:r>
+              <a:rPr lang="es-ES" sz="2400" dirty="0" err="1"/>
+              <a:t>sources</a:t>
+            </a:r>
+            <a:endParaRPr lang="es-ES" sz="2400" dirty="0"/>
+          </a:p>
+          <a:p>
+            <a:pPr marL="285750" indent="-285750">
+              <a:buFont typeface="Arial" panose="020B0604020202020204" pitchFamily="34" charset="0"/>
+              <a:buChar char="•"/>
+            </a:pPr>
+            <a:r>
+              <a:rPr lang="es-ES" sz="2400" dirty="0"/>
+              <a:t>Plan </a:t>
+            </a:r>
+            <a:r>
+              <a:rPr lang="es-ES" sz="2400" dirty="0" err="1"/>
+              <a:t>maintenance</a:t>
+            </a:r>
+            <a:r>
+              <a:rPr lang="es-ES" sz="2400" dirty="0"/>
+              <a:t> </a:t>
+            </a:r>
+            <a:r>
+              <a:rPr lang="es-ES" sz="2400" dirty="0" err="1"/>
+              <a:t>on</a:t>
+            </a:r>
+            <a:r>
+              <a:rPr lang="es-ES" sz="2400" dirty="0"/>
+              <a:t> </a:t>
+            </a:r>
+            <a:r>
+              <a:rPr lang="es-ES" sz="2400" dirty="0" err="1"/>
+              <a:t>low-risk</a:t>
+            </a:r>
+            <a:r>
+              <a:rPr lang="es-ES" sz="2400" dirty="0"/>
+              <a:t> </a:t>
+            </a:r>
+            <a:r>
+              <a:rPr lang="es-ES" sz="2400" dirty="0" err="1"/>
+              <a:t>days</a:t>
+            </a:r>
+            <a:endParaRPr lang="es-ES" sz="2400" dirty="0"/>
           </a:p>
         </p:txBody>
       </p:sp>
     </p:spTree>
     <p:extLst>
       <p:ext uri="{BB962C8B-B14F-4D97-AF65-F5344CB8AC3E}">
-        <p14:creationId xmlns:p14="http://schemas.microsoft.com/office/powerpoint/2010/main" val="3410891096"/>
+        <p14:creationId xmlns:p14="http://schemas.microsoft.com/office/powerpoint/2010/main" val="335917578"/>
       </p:ext>
     </p:extLst>
   </p:cSld>
@@ -5675,7 +8832,7 @@
           <p:cNvPr id="2" name="Título 1">
             <a:extLst>
               <a:ext uri="{FF2B5EF4-FFF2-40B4-BE49-F238E27FC236}">
-                <a16:creationId xmlns:a16="http://schemas.microsoft.com/office/drawing/2014/main" id="{35E9EC41-7E88-2489-FB33-88B5903BAA4E}"/>
+                <a16:creationId xmlns:a16="http://schemas.microsoft.com/office/drawing/2014/main" id="{6C85F54A-6991-0953-5E62-D0BB038FA6CA}"/>
               </a:ext>
             </a:extLst>
           </p:cNvPr>
@@ -5691,140 +8848,404 @@
           <a:bodyPr/>
           <a:lstStyle/>
           <a:p>
-            <a:r>
-              <a:rPr lang="en-GB" b="1" dirty="0"/>
-              <a:t>Solution Overview. (Code Workflow)</a:t>
-            </a:r>
-          </a:p>
-        </p:txBody>
-      </p:sp>
-      <p:sp>
-        <p:nvSpPr>
-          <p:cNvPr id="3" name="Marcador de contenido 2">
-            <a:extLst>
-              <a:ext uri="{FF2B5EF4-FFF2-40B4-BE49-F238E27FC236}">
-                <a16:creationId xmlns:a16="http://schemas.microsoft.com/office/drawing/2014/main" id="{5D391234-3875-47F3-F6C8-77A74EC785B2}"/>
-              </a:ext>
-            </a:extLst>
-          </p:cNvPr>
-          <p:cNvSpPr>
-            <a:spLocks noGrp="1"/>
-          </p:cNvSpPr>
-          <p:nvPr>
-            <p:ph sz="half" idx="1"/>
-          </p:nvPr>
-        </p:nvSpPr>
-        <p:spPr/>
-        <p:txBody>
-          <a:bodyPr>
-            <a:normAutofit/>
+            <a:pPr algn="ctr"/>
+            <a:r>
+              <a:rPr lang="es-ES" b="1" dirty="0"/>
+              <a:t>DATASET INFO</a:t>
+            </a:r>
+          </a:p>
+        </p:txBody>
+      </p:sp>
+      <p:graphicFrame>
+        <p:nvGraphicFramePr>
+          <p:cNvPr id="5" name="Marcador de contenido 4">
+            <a:extLst>
+              <a:ext uri="{FF2B5EF4-FFF2-40B4-BE49-F238E27FC236}">
+                <a16:creationId xmlns:a16="http://schemas.microsoft.com/office/drawing/2014/main" id="{E2EC0749-63FE-D9AA-80BA-9E478FEE1219}"/>
+              </a:ext>
+            </a:extLst>
+          </p:cNvPr>
+          <p:cNvGraphicFramePr>
+            <a:graphicFrameLocks noGrp="1"/>
+          </p:cNvGraphicFramePr>
+          <p:nvPr>
+            <p:ph sz="half" idx="2"/>
+            <p:extLst>
+              <p:ext uri="{D42A27DB-BD31-4B8C-83A1-F6EECF244321}">
+                <p14:modId xmlns:p14="http://schemas.microsoft.com/office/powerpoint/2010/main" val="3412395254"/>
+              </p:ext>
+            </p:extLst>
+          </p:nvPr>
+        </p:nvGraphicFramePr>
+        <p:xfrm>
+          <a:off x="731520" y="1825625"/>
+          <a:ext cx="10622280" cy="2304414"/>
+        </p:xfrm>
+        <a:graphic>
+          <a:graphicData uri="http://schemas.openxmlformats.org/drawingml/2006/table">
+            <a:tbl>
+              <a:tblPr firstRow="1" bandRow="1">
+                <a:tableStyleId>{5C22544A-7EE6-4342-B048-85BDC9FD1C3A}</a:tableStyleId>
+              </a:tblPr>
+              <a:tblGrid>
+                <a:gridCol w="5311140">
+                  <a:extLst>
+                    <a:ext uri="{9D8B030D-6E8A-4147-A177-3AD203B41FA5}">
+                      <a16:colId xmlns:a16="http://schemas.microsoft.com/office/drawing/2014/main" val="2064073013"/>
+                    </a:ext>
+                  </a:extLst>
+                </a:gridCol>
+                <a:gridCol w="5311140">
+                  <a:extLst>
+                    <a:ext uri="{9D8B030D-6E8A-4147-A177-3AD203B41FA5}">
+                      <a16:colId xmlns:a16="http://schemas.microsoft.com/office/drawing/2014/main" val="2794407617"/>
+                    </a:ext>
+                  </a:extLst>
+                </a:gridCol>
+              </a:tblGrid>
+              <a:tr h="433026">
+                <a:tc>
+                  <a:txBody>
+                    <a:bodyPr/>
+                    <a:lstStyle/>
+                    <a:p>
+                      <a:r>
+                        <a:rPr lang="es-ES" dirty="0" err="1"/>
+                        <a:t>Item</a:t>
+                      </a:r>
+                      <a:endParaRPr lang="es-ES" dirty="0"/>
+                    </a:p>
+                  </a:txBody>
+                  <a:tcPr/>
+                </a:tc>
+                <a:tc>
+                  <a:txBody>
+                    <a:bodyPr/>
+                    <a:lstStyle/>
+                    <a:p>
+                      <a:r>
+                        <a:rPr lang="es-ES" dirty="0" err="1"/>
+                        <a:t>Value</a:t>
+                      </a:r>
+                      <a:endParaRPr lang="es-ES" dirty="0"/>
+                    </a:p>
+                  </a:txBody>
+                  <a:tcPr/>
+                </a:tc>
+                <a:extLst>
+                  <a:ext uri="{0D108BD9-81ED-4DB2-BD59-A6C34878D82A}">
+                    <a16:rowId xmlns:a16="http://schemas.microsoft.com/office/drawing/2014/main" val="2330774266"/>
+                  </a:ext>
+                </a:extLst>
+              </a:tr>
+              <a:tr h="467847">
+                <a:tc>
+                  <a:txBody>
+                    <a:bodyPr/>
+                    <a:lstStyle/>
+                    <a:p>
+                      <a:r>
+                        <a:rPr lang="es-ES" dirty="0" err="1"/>
+                        <a:t>Source</a:t>
+                      </a:r>
+                      <a:endParaRPr lang="es-ES" dirty="0"/>
+                    </a:p>
+                  </a:txBody>
+                  <a:tcPr/>
+                </a:tc>
+                <a:tc>
+                  <a:txBody>
+                    <a:bodyPr/>
+                    <a:lstStyle/>
+                    <a:p>
+                      <a:r>
+                        <a:rPr lang="es-ES" dirty="0" err="1"/>
+                        <a:t>Spanish</a:t>
+                      </a:r>
+                      <a:r>
+                        <a:rPr lang="es-ES" dirty="0"/>
+                        <a:t> </a:t>
+                      </a:r>
+                      <a:r>
+                        <a:rPr lang="es-ES" dirty="0" err="1"/>
+                        <a:t>Electic</a:t>
+                      </a:r>
+                      <a:r>
+                        <a:rPr lang="es-ES" dirty="0"/>
+                        <a:t> Network (REE)</a:t>
+                      </a:r>
+                    </a:p>
+                  </a:txBody>
+                  <a:tcPr/>
+                </a:tc>
+                <a:extLst>
+                  <a:ext uri="{0D108BD9-81ED-4DB2-BD59-A6C34878D82A}">
+                    <a16:rowId xmlns:a16="http://schemas.microsoft.com/office/drawing/2014/main" val="2368188542"/>
+                  </a:ext>
+                </a:extLst>
+              </a:tr>
+              <a:tr h="467847">
+                <a:tc>
+                  <a:txBody>
+                    <a:bodyPr/>
+                    <a:lstStyle/>
+                    <a:p>
+                      <a:r>
+                        <a:rPr lang="es-ES" dirty="0" err="1"/>
+                        <a:t>Frequency</a:t>
+                      </a:r>
+                      <a:endParaRPr lang="es-ES" dirty="0"/>
+                    </a:p>
+                  </a:txBody>
+                  <a:tcPr/>
+                </a:tc>
+                <a:tc>
+                  <a:txBody>
+                    <a:bodyPr/>
+                    <a:lstStyle/>
+                    <a:p>
+                      <a:r>
+                        <a:rPr lang="es-ES" dirty="0" err="1"/>
+                        <a:t>Daily</a:t>
+                      </a:r>
+                      <a:endParaRPr lang="es-ES" dirty="0"/>
+                    </a:p>
+                  </a:txBody>
+                  <a:tcPr/>
+                </a:tc>
+                <a:extLst>
+                  <a:ext uri="{0D108BD9-81ED-4DB2-BD59-A6C34878D82A}">
+                    <a16:rowId xmlns:a16="http://schemas.microsoft.com/office/drawing/2014/main" val="3077669828"/>
+                  </a:ext>
+                </a:extLst>
+              </a:tr>
+              <a:tr h="467847">
+                <a:tc>
+                  <a:txBody>
+                    <a:bodyPr/>
+                    <a:lstStyle/>
+                    <a:p>
+                      <a:r>
+                        <a:rPr lang="es-ES" dirty="0"/>
+                        <a:t>Target</a:t>
+                      </a:r>
+                    </a:p>
+                  </a:txBody>
+                  <a:tcPr/>
+                </a:tc>
+                <a:tc>
+                  <a:txBody>
+                    <a:bodyPr/>
+                    <a:lstStyle/>
+                    <a:p>
+                      <a:r>
+                        <a:rPr lang="es-ES" dirty="0" err="1"/>
+                        <a:t>Electricity</a:t>
+                      </a:r>
+                      <a:r>
+                        <a:rPr lang="es-ES" dirty="0"/>
+                        <a:t> </a:t>
+                      </a:r>
+                      <a:r>
+                        <a:rPr lang="es-ES" dirty="0" err="1"/>
+                        <a:t>Generation</a:t>
+                      </a:r>
+                      <a:r>
+                        <a:rPr lang="es-ES" dirty="0"/>
+                        <a:t> (GWh)</a:t>
+                      </a:r>
+                    </a:p>
+                  </a:txBody>
+                  <a:tcPr/>
+                </a:tc>
+                <a:extLst>
+                  <a:ext uri="{0D108BD9-81ED-4DB2-BD59-A6C34878D82A}">
+                    <a16:rowId xmlns:a16="http://schemas.microsoft.com/office/drawing/2014/main" val="3147640588"/>
+                  </a:ext>
+                </a:extLst>
+              </a:tr>
+              <a:tr h="467847">
+                <a:tc>
+                  <a:txBody>
+                    <a:bodyPr/>
+                    <a:lstStyle/>
+                    <a:p>
+                      <a:r>
+                        <a:rPr lang="es-ES" dirty="0" err="1"/>
+                        <a:t>Level</a:t>
+                      </a:r>
+                      <a:endParaRPr lang="es-ES" dirty="0"/>
+                    </a:p>
+                  </a:txBody>
+                  <a:tcPr/>
+                </a:tc>
+                <a:tc>
+                  <a:txBody>
+                    <a:bodyPr/>
+                    <a:lstStyle/>
+                    <a:p>
+                      <a:r>
+                        <a:rPr lang="es-ES" dirty="0" err="1"/>
+                        <a:t>Production</a:t>
+                      </a:r>
+                      <a:r>
+                        <a:rPr lang="es-ES" dirty="0"/>
+                        <a:t> </a:t>
+                      </a:r>
+                      <a:r>
+                        <a:rPr lang="es-ES" dirty="0" err="1"/>
+                        <a:t>technology</a:t>
+                      </a:r>
+                      <a:endParaRPr lang="es-ES" dirty="0"/>
+                    </a:p>
+                  </a:txBody>
+                  <a:tcPr/>
+                </a:tc>
+                <a:extLst>
+                  <a:ext uri="{0D108BD9-81ED-4DB2-BD59-A6C34878D82A}">
+                    <a16:rowId xmlns:a16="http://schemas.microsoft.com/office/drawing/2014/main" val="4053749309"/>
+                  </a:ext>
+                </a:extLst>
+              </a:tr>
+            </a:tbl>
+          </a:graphicData>
+        </a:graphic>
+      </p:graphicFrame>
+      <p:sp>
+        <p:nvSpPr>
+          <p:cNvPr id="6" name="CuadroTexto 5">
+            <a:extLst>
+              <a:ext uri="{FF2B5EF4-FFF2-40B4-BE49-F238E27FC236}">
+                <a16:creationId xmlns:a16="http://schemas.microsoft.com/office/drawing/2014/main" id="{EE6F519A-A1D2-CE19-3FA2-157643255E3B}"/>
+              </a:ext>
+            </a:extLst>
+          </p:cNvPr>
+          <p:cNvSpPr txBox="1"/>
+          <p:nvPr/>
+        </p:nvSpPr>
+        <p:spPr>
+          <a:xfrm>
+            <a:off x="731520" y="4508816"/>
+            <a:ext cx="8564880" cy="1015663"/>
+          </a:xfrm>
+          <a:prstGeom prst="rect">
+            <a:avLst/>
+          </a:prstGeom>
+          <a:noFill/>
+        </p:spPr>
+        <p:txBody>
+          <a:bodyPr wrap="square" rtlCol="0">
+            <a:spAutoFit/>
           </a:bodyPr>
           <a:lstStyle/>
           <a:p>
-            <a:pPr marL="514350" indent="-514350">
-              <a:buAutoNum type="arabicPeriod"/>
-            </a:pPr>
-            <a:r>
-              <a:rPr lang="en-GB" b="1" dirty="0"/>
-              <a:t>Load data: </a:t>
-            </a:r>
-            <a:r>
-              <a:rPr lang="en-GB" dirty="0"/>
-              <a:t>read the prepared panel dataset (</a:t>
-            </a:r>
-            <a:r>
-              <a:rPr lang="en-GB" dirty="0" err="1"/>
-              <a:t>unique_id</a:t>
-            </a:r>
-            <a:r>
-              <a:rPr lang="en-GB" dirty="0"/>
-              <a:t>, ds, y). </a:t>
-            </a:r>
-          </a:p>
-          <a:p>
-            <a:pPr marL="514350" indent="-514350">
-              <a:buAutoNum type="arabicPeriod"/>
-            </a:pPr>
-            <a:r>
-              <a:rPr lang="en-GB" b="1" dirty="0"/>
-              <a:t>Time split: </a:t>
-            </a:r>
-            <a:r>
-              <a:rPr lang="en-GB" dirty="0"/>
-              <a:t>Train / Validation / Test (last 31 + 31 days). </a:t>
-            </a:r>
-          </a:p>
-          <a:p>
-            <a:pPr marL="0" indent="0">
-              <a:buNone/>
-            </a:pPr>
-            <a:r>
-              <a:rPr lang="en-GB" b="1" dirty="0"/>
-              <a:t>3. Train &amp; predict: </a:t>
-            </a:r>
-            <a:r>
-              <a:rPr lang="en-GB" dirty="0"/>
-              <a:t>fit models per technology and generate forecasts. </a:t>
-            </a:r>
-            <a:endParaRPr lang="en-GB" b="1" dirty="0"/>
-          </a:p>
-        </p:txBody>
-      </p:sp>
-      <p:sp>
-        <p:nvSpPr>
-          <p:cNvPr id="4" name="Marcador de contenido 3">
-            <a:extLst>
-              <a:ext uri="{FF2B5EF4-FFF2-40B4-BE49-F238E27FC236}">
-                <a16:creationId xmlns:a16="http://schemas.microsoft.com/office/drawing/2014/main" id="{21D090F4-9A0D-3B09-ABD2-A2389E7B376C}"/>
-              </a:ext>
-            </a:extLst>
-          </p:cNvPr>
-          <p:cNvSpPr>
-            <a:spLocks noGrp="1"/>
-          </p:cNvSpPr>
-          <p:nvPr>
-            <p:ph sz="half" idx="2"/>
-          </p:nvPr>
-        </p:nvSpPr>
-        <p:spPr/>
-        <p:txBody>
-          <a:bodyPr>
-            <a:normAutofit/>
-          </a:bodyPr>
-          <a:lstStyle/>
-          <a:p>
-            <a:pPr marL="0" indent="0">
-              <a:buNone/>
-            </a:pPr>
-            <a:r>
-              <a:rPr lang="en-GB" b="1" dirty="0"/>
-              <a:t>4. Evaluate &amp; select: </a:t>
-            </a:r>
-            <a:r>
-              <a:rPr lang="en-GB" dirty="0"/>
-              <a:t>compute metrics and choose best model per family.</a:t>
-            </a:r>
-          </a:p>
-          <a:p>
-            <a:pPr marL="0" indent="0">
-              <a:buNone/>
-            </a:pPr>
-            <a:r>
-              <a:rPr lang="en-GB" b="1" dirty="0"/>
-              <a:t>5. Visualize &amp; forecast: </a:t>
-            </a:r>
-            <a:r>
-              <a:rPr lang="en-GB" dirty="0"/>
-              <a:t>plot results and generate final Jan-2026 forecast. </a:t>
-            </a:r>
-            <a:endParaRPr lang="en-GB" b="1" dirty="0"/>
+            <a:r>
+              <a:rPr lang="es-ES" sz="2000" b="1" dirty="0"/>
+              <a:t>Focus </a:t>
+            </a:r>
+            <a:r>
+              <a:rPr lang="es-ES" sz="2000" b="1" dirty="0">
+                <a:sym typeface="Wingdings" panose="05000000000000000000" pitchFamily="2" charset="2"/>
+              </a:rPr>
+              <a:t></a:t>
+            </a:r>
+            <a:r>
+              <a:rPr lang="es-ES" sz="2000" b="1" dirty="0"/>
+              <a:t> </a:t>
+            </a:r>
+            <a:r>
+              <a:rPr lang="es-ES" sz="2000" dirty="0" err="1"/>
+              <a:t>We</a:t>
+            </a:r>
+            <a:r>
+              <a:rPr lang="es-ES" sz="2000" dirty="0"/>
+              <a:t> </a:t>
+            </a:r>
+            <a:r>
+              <a:rPr lang="es-ES" sz="2000" dirty="0" err="1"/>
+              <a:t>model</a:t>
+            </a:r>
+            <a:r>
+              <a:rPr lang="es-ES" sz="2000" dirty="0"/>
+              <a:t> </a:t>
+            </a:r>
+            <a:r>
+              <a:rPr lang="es-ES" sz="2000" dirty="0" err="1"/>
+              <a:t>the</a:t>
+            </a:r>
+            <a:r>
+              <a:rPr lang="es-ES" sz="2000" dirty="0"/>
+              <a:t> Top-7 </a:t>
+            </a:r>
+            <a:r>
+              <a:rPr lang="es-ES" sz="2000" dirty="0" err="1"/>
+              <a:t>techonlogies</a:t>
+            </a:r>
+            <a:r>
+              <a:rPr lang="es-ES" sz="2000" dirty="0"/>
+              <a:t> (</a:t>
+            </a:r>
+            <a:r>
+              <a:rPr lang="es-ES" sz="2000" dirty="0" err="1"/>
+              <a:t>highest</a:t>
+            </a:r>
+            <a:r>
+              <a:rPr lang="es-ES" sz="2000" dirty="0"/>
+              <a:t> </a:t>
+            </a:r>
+            <a:r>
+              <a:rPr lang="es-ES" sz="2000" dirty="0" err="1"/>
+              <a:t>average</a:t>
+            </a:r>
+            <a:r>
+              <a:rPr lang="es-ES" sz="2000" dirty="0"/>
+              <a:t> </a:t>
+            </a:r>
+            <a:r>
+              <a:rPr lang="es-ES" sz="2000" dirty="0" err="1"/>
+              <a:t>generation</a:t>
+            </a:r>
+            <a:r>
+              <a:rPr lang="es-ES" sz="2000" dirty="0"/>
+              <a:t>)</a:t>
+            </a:r>
+          </a:p>
+          <a:p>
+            <a:endParaRPr lang="es-ES" sz="2000" dirty="0"/>
+          </a:p>
+          <a:p>
+            <a:r>
+              <a:rPr lang="es-ES" sz="2000" b="1" dirty="0"/>
+              <a:t>Date </a:t>
+            </a:r>
+            <a:r>
+              <a:rPr lang="es-ES" sz="2000" b="1" dirty="0" err="1"/>
+              <a:t>range</a:t>
+            </a:r>
+            <a:r>
+              <a:rPr lang="es-ES" sz="2000" b="1" dirty="0"/>
+              <a:t> </a:t>
+            </a:r>
+            <a:r>
+              <a:rPr lang="es-ES" sz="2000" b="1" dirty="0">
+                <a:sym typeface="Wingdings" panose="05000000000000000000" pitchFamily="2" charset="2"/>
+              </a:rPr>
+              <a:t> </a:t>
+            </a:r>
+            <a:r>
+              <a:rPr lang="es-ES" sz="2000" dirty="0">
+                <a:sym typeface="Wingdings" panose="05000000000000000000" pitchFamily="2" charset="2"/>
+              </a:rPr>
+              <a:t>01/01/2018 – 31/12/2025</a:t>
+            </a:r>
+            <a:endParaRPr lang="es-ES" sz="2000" dirty="0"/>
           </a:p>
         </p:txBody>
       </p:sp>
     </p:spTree>
     <p:extLst>
       <p:ext uri="{BB962C8B-B14F-4D97-AF65-F5344CB8AC3E}">
-        <p14:creationId xmlns:p14="http://schemas.microsoft.com/office/powerpoint/2010/main" val="660884647"/>
+        <p14:creationId xmlns:p14="http://schemas.microsoft.com/office/powerpoint/2010/main" val="2852578317"/>
       </p:ext>
     </p:extLst>
   </p:cSld>
@@ -5853,10 +9274,10 @@
       </p:grpSpPr>
       <p:sp>
         <p:nvSpPr>
-          <p:cNvPr id="2" name="Título 1">
-            <a:extLst>
-              <a:ext uri="{FF2B5EF4-FFF2-40B4-BE49-F238E27FC236}">
-                <a16:creationId xmlns:a16="http://schemas.microsoft.com/office/drawing/2014/main" id="{7338832D-0E2E-FC38-CBEF-33727E5F41D4}"/>
+          <p:cNvPr id="4" name="Marcador de contenido 3">
+            <a:extLst>
+              <a:ext uri="{FF2B5EF4-FFF2-40B4-BE49-F238E27FC236}">
+                <a16:creationId xmlns:a16="http://schemas.microsoft.com/office/drawing/2014/main" id="{CED33C6C-B751-DC3B-71E1-DB4E433CAC78}"/>
               </a:ext>
             </a:extLst>
           </p:cNvPr>
@@ -5864,100 +9285,153 @@
             <a:spLocks noGrp="1"/>
           </p:cNvSpPr>
           <p:nvPr>
-            <p:ph type="title"/>
-          </p:nvPr>
-        </p:nvSpPr>
-        <p:spPr/>
-        <p:txBody>
-          <a:bodyPr/>
-          <a:lstStyle/>
-          <a:p>
-            <a:r>
-              <a:rPr lang="en-GB" b="1" dirty="0"/>
-              <a:t>Dataset Info</a:t>
-            </a:r>
-          </a:p>
-        </p:txBody>
-      </p:sp>
-      <p:sp>
-        <p:nvSpPr>
-          <p:cNvPr id="3" name="Marcador de contenido 2">
-            <a:extLst>
-              <a:ext uri="{FF2B5EF4-FFF2-40B4-BE49-F238E27FC236}">
-                <a16:creationId xmlns:a16="http://schemas.microsoft.com/office/drawing/2014/main" id="{D6316350-C1EB-16A5-9412-7FAE7411654E}"/>
-              </a:ext>
-            </a:extLst>
-          </p:cNvPr>
-          <p:cNvSpPr>
-            <a:spLocks noGrp="1"/>
-          </p:cNvSpPr>
-          <p:nvPr>
-            <p:ph sz="half" idx="1"/>
-          </p:nvPr>
-        </p:nvSpPr>
-        <p:spPr/>
+            <p:ph sz="half" idx="2"/>
+          </p:nvPr>
+        </p:nvSpPr>
+        <p:spPr>
+          <a:xfrm>
+            <a:off x="640080" y="1536065"/>
+            <a:ext cx="5349240" cy="4351338"/>
+          </a:xfrm>
+        </p:spPr>
         <p:txBody>
           <a:bodyPr>
             <a:normAutofit fontScale="85000" lnSpcReduction="20000"/>
           </a:bodyPr>
           <a:lstStyle/>
           <a:p>
-            <a:r>
-              <a:rPr lang="en-GB" b="1" dirty="0"/>
-              <a:t>Source: </a:t>
-            </a:r>
-            <a:r>
-              <a:rPr lang="en-GB" dirty="0"/>
-              <a:t>Spanish Electric Network (REE) </a:t>
-            </a:r>
-          </a:p>
-          <a:p>
-            <a:r>
-              <a:rPr lang="en-GB" b="1" dirty="0"/>
-              <a:t>Frequency:</a:t>
-            </a:r>
-            <a:r>
-              <a:rPr lang="en-GB" dirty="0"/>
-              <a:t> daily</a:t>
-            </a:r>
-          </a:p>
-          <a:p>
-            <a:r>
-              <a:rPr lang="en-GB" b="1" dirty="0"/>
-              <a:t>Target:</a:t>
-            </a:r>
-            <a:r>
-              <a:rPr lang="en-GB" dirty="0"/>
-              <a:t> electricity generation (GWh)</a:t>
-            </a:r>
-          </a:p>
-          <a:p>
-            <a:r>
-              <a:rPr lang="en-GB" b="1" dirty="0"/>
-              <a:t>Level:</a:t>
-            </a:r>
-            <a:r>
-              <a:rPr lang="en-GB" dirty="0"/>
-              <a:t> production technology</a:t>
-            </a:r>
-          </a:p>
-          <a:p>
-            <a:endParaRPr lang="en-GB" dirty="0"/>
-          </a:p>
-          <a:p>
             <a:pPr marL="0" indent="0">
               <a:buNone/>
             </a:pPr>
             <a:r>
               <a:rPr lang="en-GB" b="1" dirty="0"/>
-              <a:t>Focus:</a:t>
-            </a:r>
-          </a:p>
-          <a:p>
+              <a:t>Advert:</a:t>
+            </a:r>
+          </a:p>
+          <a:p>
+            <a:pPr marL="0" indent="0">
+              <a:buNone/>
+            </a:pPr>
             <a:r>
               <a:rPr lang="en-GB" dirty="0"/>
-              <a:t>Top-7 technologies by average generation </a:t>
-            </a:r>
+              <a:t>As the dataset is from Spain, the features are written in Spanish. Translation: </a:t>
+            </a:r>
+          </a:p>
+          <a:p>
+            <a:r>
+              <a:rPr lang="en-GB" b="1" dirty="0" err="1"/>
+              <a:t>Carbón</a:t>
+            </a:r>
+            <a:r>
+              <a:rPr lang="en-GB" b="1" dirty="0"/>
+              <a:t>: </a:t>
+            </a:r>
+            <a:r>
+              <a:rPr lang="en-GB" dirty="0"/>
+              <a:t>coal</a:t>
+            </a:r>
+          </a:p>
+          <a:p>
+            <a:r>
+              <a:rPr lang="en-GB" b="1" dirty="0"/>
+              <a:t>Ciclo </a:t>
+            </a:r>
+            <a:r>
+              <a:rPr lang="en-GB" b="1" dirty="0" err="1"/>
+              <a:t>combinado</a:t>
+            </a:r>
+            <a:r>
+              <a:rPr lang="en-GB" b="1" dirty="0"/>
+              <a:t>: </a:t>
+            </a:r>
+            <a:r>
+              <a:rPr lang="en-GB" dirty="0"/>
+              <a:t>combined cycle</a:t>
+            </a:r>
+            <a:endParaRPr lang="en-GB" b="1" dirty="0"/>
+          </a:p>
+          <a:p>
+            <a:r>
+              <a:rPr lang="en-GB" b="1" dirty="0" err="1"/>
+              <a:t>Cogeneración</a:t>
+            </a:r>
+            <a:r>
+              <a:rPr lang="en-GB" b="1" dirty="0"/>
+              <a:t>: </a:t>
+            </a:r>
+            <a:r>
+              <a:rPr lang="en-GB" dirty="0"/>
+              <a:t>cogeneration</a:t>
+            </a:r>
+            <a:endParaRPr lang="en-GB" b="1" dirty="0"/>
+          </a:p>
+          <a:p>
+            <a:r>
+              <a:rPr lang="en-GB" b="1" dirty="0" err="1"/>
+              <a:t>Eólica</a:t>
+            </a:r>
+            <a:r>
+              <a:rPr lang="en-GB" b="1" dirty="0"/>
+              <a:t>: </a:t>
+            </a:r>
+            <a:r>
+              <a:rPr lang="en-GB" dirty="0"/>
+              <a:t>Eolic</a:t>
+            </a:r>
+            <a:endParaRPr lang="en-GB" b="1" dirty="0"/>
+          </a:p>
+          <a:p>
+            <a:r>
+              <a:rPr lang="en-GB" b="1" dirty="0" err="1"/>
+              <a:t>Hidráulica</a:t>
+            </a:r>
+            <a:r>
+              <a:rPr lang="en-GB" b="1" dirty="0"/>
+              <a:t>: </a:t>
+            </a:r>
+            <a:r>
+              <a:rPr lang="en-GB" dirty="0" err="1"/>
+              <a:t>Hidraulic</a:t>
+            </a:r>
+            <a:r>
+              <a:rPr lang="en-GB" dirty="0"/>
+              <a:t> </a:t>
+            </a:r>
+            <a:endParaRPr lang="en-GB" b="1" dirty="0"/>
+          </a:p>
+          <a:p>
+            <a:r>
+              <a:rPr lang="en-GB" b="1" dirty="0"/>
+              <a:t>Nuclear: </a:t>
+            </a:r>
+            <a:r>
+              <a:rPr lang="en-GB" dirty="0"/>
+              <a:t>nuclear </a:t>
+            </a:r>
+            <a:endParaRPr lang="en-GB" b="1" dirty="0"/>
+          </a:p>
+          <a:p>
+            <a:r>
+              <a:rPr lang="en-GB" b="1" dirty="0" err="1"/>
+              <a:t>Solear</a:t>
+            </a:r>
+            <a:r>
+              <a:rPr lang="en-GB" b="1" dirty="0"/>
+              <a:t> </a:t>
+            </a:r>
+            <a:r>
+              <a:rPr lang="en-GB" b="1" dirty="0" err="1"/>
+              <a:t>fotovoltaica</a:t>
+            </a:r>
+            <a:r>
+              <a:rPr lang="en-GB" b="1" dirty="0"/>
+              <a:t>: </a:t>
+            </a:r>
+            <a:r>
+              <a:rPr lang="en-GB" dirty="0"/>
+              <a:t>Solar Photovoltaics </a:t>
+            </a:r>
+            <a:endParaRPr lang="en-GB" b="1" dirty="0"/>
           </a:p>
           <a:p>
             <a:pPr marL="0" indent="0">
@@ -5969,168 +9443,106 @@
       </p:sp>
       <p:sp>
         <p:nvSpPr>
-          <p:cNvPr id="4" name="Marcador de contenido 3">
-            <a:extLst>
-              <a:ext uri="{FF2B5EF4-FFF2-40B4-BE49-F238E27FC236}">
-                <a16:creationId xmlns:a16="http://schemas.microsoft.com/office/drawing/2014/main" id="{CED33C6C-B751-DC3B-71E1-DB4E433CAC78}"/>
-              </a:ext>
-            </a:extLst>
-          </p:cNvPr>
-          <p:cNvSpPr>
-            <a:spLocks noGrp="1"/>
-          </p:cNvSpPr>
-          <p:nvPr>
-            <p:ph sz="half" idx="2"/>
-          </p:nvPr>
-        </p:nvSpPr>
-        <p:spPr/>
-        <p:txBody>
-          <a:bodyPr>
-            <a:normAutofit fontScale="85000" lnSpcReduction="20000"/>
+          <p:cNvPr id="5" name="Título 1">
+            <a:extLst>
+              <a:ext uri="{FF2B5EF4-FFF2-40B4-BE49-F238E27FC236}">
+                <a16:creationId xmlns:a16="http://schemas.microsoft.com/office/drawing/2014/main" id="{FF1177D2-3E1F-938E-9617-1D4031D071B1}"/>
+              </a:ext>
+            </a:extLst>
+          </p:cNvPr>
+          <p:cNvSpPr txBox="1">
+            <a:spLocks/>
+          </p:cNvSpPr>
+          <p:nvPr/>
+        </p:nvSpPr>
+        <p:spPr>
+          <a:xfrm>
+            <a:off x="838200" y="378142"/>
+            <a:ext cx="10515600" cy="1325563"/>
+          </a:xfrm>
+          <a:prstGeom prst="rect">
+            <a:avLst/>
+          </a:prstGeom>
+        </p:spPr>
+        <p:txBody>
+          <a:bodyPr vert="horz" lIns="91440" tIns="45720" rIns="91440" bIns="45720" rtlCol="0" anchor="ctr">
+            <a:normAutofit/>
           </a:bodyPr>
-          <a:lstStyle/>
-          <a:p>
-            <a:pPr marL="0" indent="0">
+          <a:lstStyle>
+            <a:lvl1pPr algn="l" defTabSz="914400" rtl="0" eaLnBrk="1" latinLnBrk="0" hangingPunct="1">
+              <a:lnSpc>
+                <a:spcPct val="90000"/>
+              </a:lnSpc>
+              <a:spcBef>
+                <a:spcPct val="0"/>
+              </a:spcBef>
               <a:buNone/>
-            </a:pPr>
-            <a:r>
-              <a:rPr lang="en-GB" b="1" dirty="0"/>
-              <a:t>Advert:</a:t>
-            </a:r>
-          </a:p>
-          <a:p>
-            <a:pPr marL="0" indent="0">
-              <a:buNone/>
-            </a:pPr>
-            <a:r>
-              <a:rPr lang="en-GB" dirty="0"/>
-              <a:t>As the dataset is from Spain, the features are written in Spanish. Translation: </a:t>
-            </a:r>
-          </a:p>
-          <a:p>
-            <a:r>
-              <a:rPr lang="en-GB" b="1" dirty="0" err="1"/>
-              <a:t>Carbón</a:t>
-            </a:r>
-            <a:r>
-              <a:rPr lang="en-GB" b="1" dirty="0"/>
-              <a:t>: </a:t>
-            </a:r>
-            <a:r>
-              <a:rPr lang="en-GB" dirty="0"/>
-              <a:t>coal</a:t>
-            </a:r>
-          </a:p>
-          <a:p>
-            <a:r>
-              <a:rPr lang="en-GB" b="1" dirty="0"/>
-              <a:t>Ciclo </a:t>
-            </a:r>
-            <a:r>
-              <a:rPr lang="en-GB" b="1" dirty="0" err="1"/>
-              <a:t>combinado</a:t>
-            </a:r>
-            <a:r>
-              <a:rPr lang="en-GB" b="1" dirty="0"/>
-              <a:t>: </a:t>
-            </a:r>
-            <a:r>
-              <a:rPr lang="en-GB" dirty="0"/>
-              <a:t>combined cycle</a:t>
-            </a:r>
-            <a:endParaRPr lang="en-GB" b="1" dirty="0"/>
-          </a:p>
-          <a:p>
-            <a:r>
-              <a:rPr lang="en-GB" b="1" dirty="0" err="1"/>
-              <a:t>Cogeneración</a:t>
-            </a:r>
-            <a:r>
-              <a:rPr lang="en-GB" b="1" dirty="0"/>
-              <a:t>: </a:t>
-            </a:r>
-            <a:r>
-              <a:rPr lang="en-GB" dirty="0"/>
-              <a:t>cogeneration</a:t>
-            </a:r>
-            <a:endParaRPr lang="en-GB" b="1" dirty="0"/>
-          </a:p>
-          <a:p>
-            <a:r>
-              <a:rPr lang="en-GB" b="1" dirty="0" err="1"/>
-              <a:t>Eólica</a:t>
-            </a:r>
-            <a:r>
-              <a:rPr lang="en-GB" b="1" dirty="0"/>
-              <a:t>: </a:t>
-            </a:r>
-            <a:r>
-              <a:rPr lang="en-GB" dirty="0"/>
-              <a:t>Eolic</a:t>
-            </a:r>
-            <a:endParaRPr lang="en-GB" b="1" dirty="0"/>
-          </a:p>
-          <a:p>
-            <a:r>
-              <a:rPr lang="en-GB" b="1" dirty="0" err="1"/>
-              <a:t>Hidráulica</a:t>
-            </a:r>
-            <a:r>
-              <a:rPr lang="en-GB" b="1" dirty="0"/>
-              <a:t>: </a:t>
-            </a:r>
-            <a:r>
-              <a:rPr lang="en-GB" dirty="0" err="1"/>
-              <a:t>Hidraulic</a:t>
-            </a:r>
-            <a:r>
-              <a:rPr lang="en-GB" dirty="0"/>
-              <a:t> </a:t>
-            </a:r>
-            <a:endParaRPr lang="en-GB" b="1" dirty="0"/>
-          </a:p>
-          <a:p>
-            <a:r>
-              <a:rPr lang="en-GB" b="1" dirty="0"/>
-              <a:t>Nuclear: </a:t>
-            </a:r>
-            <a:r>
-              <a:rPr lang="en-GB" dirty="0"/>
-              <a:t>nuclear </a:t>
-            </a:r>
-            <a:endParaRPr lang="en-GB" b="1" dirty="0"/>
-          </a:p>
-          <a:p>
-            <a:r>
-              <a:rPr lang="en-GB" b="1" dirty="0" err="1"/>
-              <a:t>Solear</a:t>
-            </a:r>
-            <a:r>
-              <a:rPr lang="en-GB" b="1" dirty="0"/>
-              <a:t> </a:t>
-            </a:r>
-            <a:r>
-              <a:rPr lang="en-GB" b="1" dirty="0" err="1"/>
-              <a:t>fotovoltaica</a:t>
-            </a:r>
-            <a:r>
-              <a:rPr lang="en-GB" b="1" dirty="0"/>
-              <a:t>: </a:t>
-            </a:r>
-            <a:r>
-              <a:rPr lang="en-GB" dirty="0"/>
-              <a:t>Solar Photovoltaics </a:t>
-            </a:r>
-            <a:endParaRPr lang="en-GB" b="1" dirty="0"/>
-          </a:p>
-          <a:p>
-            <a:pPr marL="0" indent="0">
-              <a:buNone/>
-            </a:pPr>
-            <a:endParaRPr lang="en-GB" dirty="0"/>
-          </a:p>
-        </p:txBody>
-      </p:sp>
+              <a:defRPr sz="4400" kern="1200">
+                <a:solidFill>
+                  <a:schemeClr val="tx1"/>
+                </a:solidFill>
+                <a:latin typeface="+mj-lt"/>
+                <a:ea typeface="+mj-ea"/>
+                <a:cs typeface="+mj-cs"/>
+              </a:defRPr>
+            </a:lvl1pPr>
+          </a:lstStyle>
+          <a:p>
+            <a:pPr algn="ctr"/>
+            <a:r>
+              <a:rPr lang="es-ES" b="1" dirty="0"/>
+              <a:t>DATASET INFO</a:t>
+            </a:r>
+          </a:p>
+        </p:txBody>
+      </p:sp>
+      <p:pic>
+        <p:nvPicPr>
+          <p:cNvPr id="2050" name="Picture 2" descr="Imágenes de Energía Nuclear | Descarga imágenes gratuitas en Unsplash">
+            <a:extLst>
+              <a:ext uri="{FF2B5EF4-FFF2-40B4-BE49-F238E27FC236}">
+                <a16:creationId xmlns:a16="http://schemas.microsoft.com/office/drawing/2014/main" id="{681B0DB7-93BF-26FB-A103-87C789E1BFC1}"/>
+              </a:ext>
+            </a:extLst>
+          </p:cNvPr>
+          <p:cNvPicPr>
+            <a:picLocks noChangeAspect="1" noChangeArrowheads="1"/>
+          </p:cNvPicPr>
+          <p:nvPr/>
+        </p:nvPicPr>
+        <p:blipFill>
+          <a:blip r:embed="rId2">
+            <a:extLst>
+              <a:ext uri="{28A0092B-C50C-407E-A947-70E740481C1C}">
+                <a14:useLocalDpi xmlns:a14="http://schemas.microsoft.com/office/drawing/2010/main" val="0"/>
+              </a:ext>
+            </a:extLst>
+          </a:blip>
+          <a:srcRect/>
+          <a:stretch>
+            <a:fillRect/>
+          </a:stretch>
+        </p:blipFill>
+        <p:spPr bwMode="auto">
+          <a:xfrm>
+            <a:off x="5640141" y="1910700"/>
+            <a:ext cx="6062839" cy="3411235"/>
+          </a:xfrm>
+          <a:prstGeom prst="rect">
+            <a:avLst/>
+          </a:prstGeom>
+          <a:noFill/>
+          <a:extLst>
+            <a:ext uri="{909E8E84-426E-40DD-AFC4-6F175D3DCCD1}">
+              <a14:hiddenFill xmlns:a14="http://schemas.microsoft.com/office/drawing/2010/main">
+                <a:solidFill>
+                  <a:srgbClr val="FFFFFF"/>
+                </a:solidFill>
+              </a14:hiddenFill>
+            </a:ext>
+          </a:extLst>
+        </p:spPr>
+      </p:pic>
     </p:spTree>
     <p:extLst>
       <p:ext uri="{BB962C8B-B14F-4D97-AF65-F5344CB8AC3E}">
@@ -6166,7 +9578,7 @@
           <p:cNvPr id="2" name="Título 1">
             <a:extLst>
               <a:ext uri="{FF2B5EF4-FFF2-40B4-BE49-F238E27FC236}">
-                <a16:creationId xmlns:a16="http://schemas.microsoft.com/office/drawing/2014/main" id="{7E0FAAFF-BAF5-FF57-1147-C6FB2D1C4BA2}"/>
+                <a16:creationId xmlns:a16="http://schemas.microsoft.com/office/drawing/2014/main" id="{110350D3-30BF-6837-F2FB-FBDB6602EE72}"/>
               </a:ext>
             </a:extLst>
           </p:cNvPr>
@@ -6184,7 +9596,7 @@
           <a:p>
             <a:r>
               <a:rPr lang="en-GB" b="1" dirty="0"/>
-              <a:t>Data Engineering. </a:t>
+              <a:t>Solution Overview (General)</a:t>
             </a:r>
           </a:p>
         </p:txBody>
@@ -6194,7 +9606,7 @@
           <p:cNvPr id="3" name="Marcador de contenido 2">
             <a:extLst>
               <a:ext uri="{FF2B5EF4-FFF2-40B4-BE49-F238E27FC236}">
-                <a16:creationId xmlns:a16="http://schemas.microsoft.com/office/drawing/2014/main" id="{546C0B3E-617B-5959-6456-9D7C08B64927}"/>
+                <a16:creationId xmlns:a16="http://schemas.microsoft.com/office/drawing/2014/main" id="{D77DD94E-7F8E-0585-321E-7099CABCFE27}"/>
               </a:ext>
             </a:extLst>
           </p:cNvPr>
@@ -6202,7 +9614,69 @@
             <a:spLocks noGrp="1"/>
           </p:cNvSpPr>
           <p:nvPr>
-            <p:ph idx="1"/>
+            <p:ph sz="half" idx="1"/>
+          </p:nvPr>
+        </p:nvSpPr>
+        <p:spPr/>
+        <p:txBody>
+          <a:bodyPr/>
+          <a:lstStyle/>
+          <a:p>
+            <a:pPr marL="514350" indent="-514350">
+              <a:buAutoNum type="arabicPeriod"/>
+            </a:pPr>
+            <a:r>
+              <a:rPr lang="en-GB" b="1" dirty="0"/>
+              <a:t>Business goal: </a:t>
+            </a:r>
+            <a:r>
+              <a:rPr lang="en-GB" dirty="0"/>
+              <a:t>forecast daily electricity generation (Top-7 technologies).</a:t>
+            </a:r>
+          </a:p>
+          <a:p>
+            <a:pPr marL="514350" indent="-514350">
+              <a:buAutoNum type="arabicPeriod"/>
+            </a:pPr>
+            <a:r>
+              <a:rPr lang="en-GB" b="1" dirty="0"/>
+              <a:t>Data preparation: </a:t>
+            </a:r>
+            <a:r>
+              <a:rPr lang="en-GB" dirty="0"/>
+              <a:t>clean panel data, full daily grid, missing values handled </a:t>
+            </a:r>
+          </a:p>
+          <a:p>
+            <a:pPr marL="514350" indent="-514350">
+              <a:buAutoNum type="arabicPeriod"/>
+            </a:pPr>
+            <a:r>
+              <a:rPr lang="en-GB" b="1" dirty="0"/>
+              <a:t>Feature engineering: </a:t>
+            </a:r>
+            <a:r>
+              <a:rPr lang="en-GB" dirty="0"/>
+              <a:t>lags, calendar features and rolling statistics. </a:t>
+            </a:r>
+            <a:endParaRPr lang="en-GB" b="1" dirty="0"/>
+          </a:p>
+        </p:txBody>
+      </p:sp>
+      <p:sp>
+        <p:nvSpPr>
+          <p:cNvPr id="4" name="Marcador de contenido 3">
+            <a:extLst>
+              <a:ext uri="{FF2B5EF4-FFF2-40B4-BE49-F238E27FC236}">
+                <a16:creationId xmlns:a16="http://schemas.microsoft.com/office/drawing/2014/main" id="{9199A925-090D-C224-5A0C-26518CA5948C}"/>
+              </a:ext>
+            </a:extLst>
+          </p:cNvPr>
+          <p:cNvSpPr>
+            <a:spLocks noGrp="1"/>
+          </p:cNvSpPr>
+          <p:nvPr>
+            <p:ph sz="half" idx="2"/>
           </p:nvPr>
         </p:nvSpPr>
         <p:spPr/>
@@ -6215,108 +9689,46 @@
             </a:pPr>
             <a:r>
               <a:rPr lang="en-GB" b="1" dirty="0"/>
-              <a:t>From Raw Data to Panel Dataset </a:t>
-            </a:r>
-          </a:p>
-          <a:p>
-            <a:pPr marL="514350" indent="-514350">
-              <a:buFont typeface="+mj-lt"/>
-              <a:buAutoNum type="arabicPeriod"/>
-            </a:pPr>
+              <a:t>4. Modelling: </a:t>
+            </a:r>
             <a:r>
               <a:rPr lang="en-GB" dirty="0"/>
-              <a:t>Convert raw data to panel format:</a:t>
-            </a:r>
-          </a:p>
-          <a:p>
-            <a:pPr lvl="1"/>
-            <a:r>
-              <a:rPr lang="en-GB" b="1" dirty="0" err="1"/>
-              <a:t>unique_id</a:t>
-            </a:r>
-            <a:r>
-              <a:rPr lang="en-GB" b="1" dirty="0"/>
-              <a:t>:</a:t>
-            </a:r>
-            <a:r>
-              <a:rPr lang="en-GB" dirty="0"/>
-              <a:t> technology</a:t>
-            </a:r>
-          </a:p>
-          <a:p>
-            <a:pPr lvl="1"/>
-            <a:r>
-              <a:rPr lang="en-GB" b="1" dirty="0"/>
-              <a:t>ds: </a:t>
-            </a:r>
-            <a:r>
-              <a:rPr lang="en-GB" dirty="0"/>
-              <a:t>date</a:t>
-            </a:r>
-          </a:p>
-          <a:p>
-            <a:pPr lvl="1"/>
-            <a:r>
-              <a:rPr lang="en-GB" b="1" dirty="0"/>
-              <a:t>y: </a:t>
-            </a:r>
-            <a:r>
-              <a:rPr lang="en-GB" dirty="0"/>
-              <a:t>daily generation </a:t>
-            </a:r>
-            <a:r>
-              <a:rPr lang="en-GB" b="1" dirty="0"/>
-              <a:t> </a:t>
-            </a:r>
-          </a:p>
-          <a:p>
-            <a:pPr marL="514350" indent="-514350">
-              <a:buFont typeface="+mj-lt"/>
-              <a:buAutoNum type="arabicPeriod"/>
-            </a:pPr>
-            <a:r>
-              <a:rPr lang="en-GB" dirty="0"/>
-              <a:t>Clean dates and numeric values</a:t>
-            </a:r>
-          </a:p>
-          <a:p>
-            <a:pPr marL="514350" indent="-514350">
-              <a:buFont typeface="+mj-lt"/>
-              <a:buAutoNum type="arabicPeriod"/>
-            </a:pPr>
-            <a:r>
-              <a:rPr lang="en-GB" dirty="0"/>
-              <a:t>Ensures complete daily calendar </a:t>
-            </a:r>
-          </a:p>
-          <a:p>
-            <a:pPr marL="514350" indent="-514350">
-              <a:buFont typeface="+mj-lt"/>
-              <a:buAutoNum type="arabicPeriod"/>
-            </a:pPr>
-            <a:r>
-              <a:rPr lang="en-GB" dirty="0"/>
-              <a:t>Validate and handle missing days</a:t>
-            </a:r>
-          </a:p>
-          <a:p>
-            <a:pPr marL="914400" lvl="2" indent="0">
+              <a:t>baselines, statistical (ARIMA), ML and neural models.</a:t>
+            </a:r>
+          </a:p>
+          <a:p>
+            <a:pPr marL="0" indent="0">
               <a:buNone/>
             </a:pPr>
-            <a:endParaRPr lang="en-GB" dirty="0"/>
-          </a:p>
-          <a:p>
-            <a:pPr marL="457200" lvl="1" indent="0">
+            <a:r>
+              <a:rPr lang="en-GB" b="1" dirty="0"/>
+              <a:t>5. Evaluation: </a:t>
+            </a:r>
+            <a:r>
+              <a:rPr lang="en-GB" dirty="0"/>
+              <a:t>time-based Train/Val/Test split with error metrics. </a:t>
+            </a:r>
+          </a:p>
+          <a:p>
+            <a:pPr marL="0" indent="0">
               <a:buNone/>
             </a:pPr>
-            <a:endParaRPr lang="en-GB" dirty="0"/>
+            <a:r>
+              <a:rPr lang="en-GB" b="1" dirty="0"/>
+              <a:t>6. Output: </a:t>
+            </a:r>
+            <a:r>
+              <a:rPr lang="en-GB" dirty="0"/>
+              <a:t>January 2026 forecast with uncertainty intervals and saved results. </a:t>
+            </a:r>
+            <a:endParaRPr lang="en-GB" b="1" dirty="0"/>
           </a:p>
         </p:txBody>
       </p:sp>
     </p:spTree>
     <p:extLst>
       <p:ext uri="{BB962C8B-B14F-4D97-AF65-F5344CB8AC3E}">
-        <p14:creationId xmlns:p14="http://schemas.microsoft.com/office/powerpoint/2010/main" val="3946387973"/>
+        <p14:creationId xmlns:p14="http://schemas.microsoft.com/office/powerpoint/2010/main" val="3410891096"/>
       </p:ext>
     </p:extLst>
   </p:cSld>
@@ -6348,7 +9760,7 @@
           <p:cNvPr id="2" name="Título 1">
             <a:extLst>
               <a:ext uri="{FF2B5EF4-FFF2-40B4-BE49-F238E27FC236}">
-                <a16:creationId xmlns:a16="http://schemas.microsoft.com/office/drawing/2014/main" id="{3840B8F3-0CD4-9CA2-2B32-6AD32D18E6F2}"/>
+                <a16:creationId xmlns:a16="http://schemas.microsoft.com/office/drawing/2014/main" id="{35E9EC41-7E88-2489-FB33-88B5903BAA4E}"/>
               </a:ext>
             </a:extLst>
           </p:cNvPr>
@@ -6366,87 +9778,79 @@
           <a:p>
             <a:r>
               <a:rPr lang="en-GB" b="1" dirty="0"/>
-              <a:t>Model Families Tested. FALTA </a:t>
-            </a:r>
-            <a:r>
-              <a:rPr lang="en-GB" b="1" dirty="0" err="1"/>
-              <a:t>el</a:t>
-            </a:r>
+              <a:t>Solution Overview. (Code Workflow)</a:t>
+            </a:r>
+          </a:p>
+        </p:txBody>
+      </p:sp>
+      <p:sp>
+        <p:nvSpPr>
+          <p:cNvPr id="3" name="Marcador de contenido 2">
+            <a:extLst>
+              <a:ext uri="{FF2B5EF4-FFF2-40B4-BE49-F238E27FC236}">
+                <a16:creationId xmlns:a16="http://schemas.microsoft.com/office/drawing/2014/main" id="{5D391234-3875-47F3-F6C8-77A74EC785B2}"/>
+              </a:ext>
+            </a:extLst>
+          </p:cNvPr>
+          <p:cNvSpPr>
+            <a:spLocks noGrp="1"/>
+          </p:cNvSpPr>
+          <p:nvPr>
+            <p:ph sz="half" idx="1"/>
+          </p:nvPr>
+        </p:nvSpPr>
+        <p:spPr/>
+        <p:txBody>
+          <a:bodyPr>
+            <a:normAutofit/>
+          </a:bodyPr>
+          <a:lstStyle/>
+          <a:p>
+            <a:pPr marL="514350" indent="-514350">
+              <a:buAutoNum type="arabicPeriod"/>
+            </a:pPr>
             <a:r>
               <a:rPr lang="en-GB" b="1" dirty="0"/>
-              <a:t> why</a:t>
-            </a:r>
-          </a:p>
-        </p:txBody>
-      </p:sp>
-      <p:sp>
-        <p:nvSpPr>
-          <p:cNvPr id="3" name="Marcador de contenido 2">
-            <a:extLst>
-              <a:ext uri="{FF2B5EF4-FFF2-40B4-BE49-F238E27FC236}">
-                <a16:creationId xmlns:a16="http://schemas.microsoft.com/office/drawing/2014/main" id="{B458AE76-16F3-9322-3513-6AC62BEFCF9C}"/>
-              </a:ext>
-            </a:extLst>
-          </p:cNvPr>
-          <p:cNvSpPr>
-            <a:spLocks noGrp="1"/>
-          </p:cNvSpPr>
-          <p:nvPr>
-            <p:ph sz="half" idx="1"/>
-          </p:nvPr>
-        </p:nvSpPr>
-        <p:spPr/>
-        <p:txBody>
-          <a:bodyPr/>
-          <a:lstStyle/>
-          <a:p>
+              <a:t>Load data: </a:t>
+            </a:r>
+            <a:r>
+              <a:rPr lang="en-GB" dirty="0"/>
+              <a:t>read the prepared panel dataset (</a:t>
+            </a:r>
+            <a:r>
+              <a:rPr lang="en-GB" dirty="0" err="1"/>
+              <a:t>unique_id</a:t>
+            </a:r>
+            <a:r>
+              <a:rPr lang="en-GB" dirty="0"/>
+              <a:t>, ds, y). </a:t>
+            </a:r>
+          </a:p>
+          <a:p>
+            <a:pPr marL="514350" indent="-514350">
+              <a:buAutoNum type="arabicPeriod"/>
+            </a:pPr>
             <a:r>
               <a:rPr lang="en-GB" b="1" dirty="0"/>
-              <a:t>Baselines:</a:t>
-            </a:r>
-          </a:p>
-          <a:p>
-            <a:pPr lvl="1"/>
+              <a:t>Time split: </a:t>
+            </a:r>
             <a:r>
               <a:rPr lang="en-GB" dirty="0"/>
-              <a:t>Naive (last value)</a:t>
-            </a:r>
-          </a:p>
-          <a:p>
-            <a:pPr lvl="1"/>
-            <a:r>
-              <a:rPr lang="en-GB" dirty="0"/>
-              <a:t>Moving average (7-days window)</a:t>
-            </a:r>
-          </a:p>
-          <a:p>
-            <a:pPr lvl="1"/>
-            <a:r>
-              <a:rPr lang="en-GB" dirty="0"/>
-              <a:t>Seasonal Naive (weekly)</a:t>
-            </a:r>
-          </a:p>
-          <a:p>
-            <a:r>
-              <a:rPr lang="en-GB" b="1" dirty="0"/>
-              <a:t>Statistical:</a:t>
-            </a:r>
-          </a:p>
-          <a:p>
-            <a:pPr lvl="1"/>
-            <a:r>
-              <a:rPr lang="en-GB" dirty="0" err="1"/>
-              <a:t>AutoARIMA</a:t>
-            </a:r>
-            <a:r>
-              <a:rPr lang="en-GB" dirty="0"/>
-              <a:t> (weekly seasonality)</a:t>
+              <a:t>Train / Validation / Test (last 31 + 31 days). </a:t>
             </a:r>
           </a:p>
           <a:p>
             <a:pPr marL="0" indent="0">
               <a:buNone/>
             </a:pPr>
+            <a:r>
+              <a:rPr lang="en-GB" b="1" dirty="0"/>
+              <a:t>3. Train &amp; predict: </a:t>
+            </a:r>
+            <a:r>
+              <a:rPr lang="en-GB" dirty="0"/>
+              <a:t>fit models per technology and generate forecasts. </a:t>
+            </a:r>
             <a:endParaRPr lang="en-GB" b="1" dirty="0"/>
           </a:p>
         </p:txBody>
@@ -6456,7 +9860,7 @@
           <p:cNvPr id="4" name="Marcador de contenido 3">
             <a:extLst>
               <a:ext uri="{FF2B5EF4-FFF2-40B4-BE49-F238E27FC236}">
-                <a16:creationId xmlns:a16="http://schemas.microsoft.com/office/drawing/2014/main" id="{CBE12D95-E880-5C96-778D-FF051D5DB324}"/>
+                <a16:creationId xmlns:a16="http://schemas.microsoft.com/office/drawing/2014/main" id="{21D090F4-9A0D-3B09-ABD2-A2389E7B376C}"/>
               </a:ext>
             </a:extLst>
           </p:cNvPr>
@@ -6469,66 +9873,43 @@
         </p:nvSpPr>
         <p:spPr/>
         <p:txBody>
-          <a:bodyPr/>
+          <a:bodyPr>
+            <a:normAutofit/>
+          </a:bodyPr>
           <a:lstStyle/>
           <a:p>
+            <a:pPr marL="0" indent="0">
+              <a:buNone/>
+            </a:pPr>
             <a:r>
               <a:rPr lang="en-GB" b="1" dirty="0"/>
-              <a:t>Machine Learning:</a:t>
-            </a:r>
-          </a:p>
-          <a:p>
-            <a:pPr lvl="1"/>
+              <a:t>4. Evaluate &amp; select: </a:t>
+            </a:r>
             <a:r>
               <a:rPr lang="en-GB" dirty="0"/>
-              <a:t>Random Forest</a:t>
-            </a:r>
-          </a:p>
-          <a:p>
-            <a:pPr lvl="1"/>
+              <a:t>compute metrics and choose best model per family.</a:t>
+            </a:r>
+          </a:p>
+          <a:p>
+            <a:pPr marL="0" indent="0">
+              <a:buNone/>
+            </a:pPr>
+            <a:r>
+              <a:rPr lang="en-GB" b="1" dirty="0"/>
+              <a:t>5. Visualize &amp; forecast: </a:t>
+            </a:r>
             <a:r>
               <a:rPr lang="en-GB" dirty="0"/>
-              <a:t>Gradient Boosting</a:t>
-            </a:r>
-          </a:p>
-          <a:p>
-            <a:pPr lvl="1"/>
-            <a:r>
-              <a:rPr lang="en-GB" b="1" dirty="0"/>
-              <a:t>Features: </a:t>
-            </a:r>
-            <a:r>
-              <a:rPr lang="en-GB" dirty="0"/>
-              <a:t>Lag features, calendar (day, month, weekday), and rolling &amp; expanding statistics.</a:t>
-            </a:r>
-          </a:p>
-          <a:p>
-            <a:r>
-              <a:rPr lang="en-GB" b="1" dirty="0"/>
-              <a:t>Neural Forecast:</a:t>
-            </a:r>
-          </a:p>
-          <a:p>
-            <a:pPr lvl="1"/>
-            <a:r>
-              <a:rPr lang="en-GB" dirty="0"/>
-              <a:t>NBEATS</a:t>
-            </a:r>
-          </a:p>
-          <a:p>
-            <a:pPr lvl="1"/>
-            <a:r>
-              <a:rPr lang="en-GB" dirty="0" err="1"/>
-              <a:t>NLinear</a:t>
-            </a:r>
-            <a:endParaRPr lang="en-GB" dirty="0"/>
+              <a:t>plot results and generate final Jan-2026 forecast. </a:t>
+            </a:r>
+            <a:endParaRPr lang="en-GB" b="1" dirty="0"/>
           </a:p>
         </p:txBody>
       </p:sp>
     </p:spTree>
     <p:extLst>
       <p:ext uri="{BB962C8B-B14F-4D97-AF65-F5344CB8AC3E}">
-        <p14:creationId xmlns:p14="http://schemas.microsoft.com/office/powerpoint/2010/main" val="702062300"/>
+        <p14:creationId xmlns:p14="http://schemas.microsoft.com/office/powerpoint/2010/main" val="660884647"/>
       </p:ext>
     </p:extLst>
   </p:cSld>

--- a/presentation/CapstonProject.pptx
+++ b/presentation/CapstonProject.pptx
@@ -4365,7 +4365,7 @@
           <a:p>
             <a:fld id="{DDBFD437-33C7-4B24-B6C7-F91A3EACF5E2}" type="datetimeFigureOut">
               <a:rPr lang="en-GB" smtClean="0"/>
-              <a:t>22/01/2026</a:t>
+              <a:t>23/01/2026</a:t>
             </a:fld>
             <a:endParaRPr lang="en-GB"/>
           </a:p>
@@ -4565,7 +4565,7 @@
           <a:p>
             <a:fld id="{DDBFD437-33C7-4B24-B6C7-F91A3EACF5E2}" type="datetimeFigureOut">
               <a:rPr lang="en-GB" smtClean="0"/>
-              <a:t>22/01/2026</a:t>
+              <a:t>23/01/2026</a:t>
             </a:fld>
             <a:endParaRPr lang="en-GB"/>
           </a:p>
@@ -4775,7 +4775,7 @@
           <a:p>
             <a:fld id="{DDBFD437-33C7-4B24-B6C7-F91A3EACF5E2}" type="datetimeFigureOut">
               <a:rPr lang="en-GB" smtClean="0"/>
-              <a:t>22/01/2026</a:t>
+              <a:t>23/01/2026</a:t>
             </a:fld>
             <a:endParaRPr lang="en-GB"/>
           </a:p>
@@ -4975,7 +4975,7 @@
           <a:p>
             <a:fld id="{DDBFD437-33C7-4B24-B6C7-F91A3EACF5E2}" type="datetimeFigureOut">
               <a:rPr lang="en-GB" smtClean="0"/>
-              <a:t>22/01/2026</a:t>
+              <a:t>23/01/2026</a:t>
             </a:fld>
             <a:endParaRPr lang="en-GB"/>
           </a:p>
@@ -5251,7 +5251,7 @@
           <a:p>
             <a:fld id="{DDBFD437-33C7-4B24-B6C7-F91A3EACF5E2}" type="datetimeFigureOut">
               <a:rPr lang="en-GB" smtClean="0"/>
-              <a:t>22/01/2026</a:t>
+              <a:t>23/01/2026</a:t>
             </a:fld>
             <a:endParaRPr lang="en-GB"/>
           </a:p>
@@ -5519,7 +5519,7 @@
           <a:p>
             <a:fld id="{DDBFD437-33C7-4B24-B6C7-F91A3EACF5E2}" type="datetimeFigureOut">
               <a:rPr lang="en-GB" smtClean="0"/>
-              <a:t>22/01/2026</a:t>
+              <a:t>23/01/2026</a:t>
             </a:fld>
             <a:endParaRPr lang="en-GB"/>
           </a:p>
@@ -5934,7 +5934,7 @@
           <a:p>
             <a:fld id="{DDBFD437-33C7-4B24-B6C7-F91A3EACF5E2}" type="datetimeFigureOut">
               <a:rPr lang="en-GB" smtClean="0"/>
-              <a:t>22/01/2026</a:t>
+              <a:t>23/01/2026</a:t>
             </a:fld>
             <a:endParaRPr lang="en-GB"/>
           </a:p>
@@ -6076,7 +6076,7 @@
           <a:p>
             <a:fld id="{DDBFD437-33C7-4B24-B6C7-F91A3EACF5E2}" type="datetimeFigureOut">
               <a:rPr lang="en-GB" smtClean="0"/>
-              <a:t>22/01/2026</a:t>
+              <a:t>23/01/2026</a:t>
             </a:fld>
             <a:endParaRPr lang="en-GB"/>
           </a:p>
@@ -6189,7 +6189,7 @@
           <a:p>
             <a:fld id="{DDBFD437-33C7-4B24-B6C7-F91A3EACF5E2}" type="datetimeFigureOut">
               <a:rPr lang="en-GB" smtClean="0"/>
-              <a:t>22/01/2026</a:t>
+              <a:t>23/01/2026</a:t>
             </a:fld>
             <a:endParaRPr lang="en-GB"/>
           </a:p>
@@ -6502,7 +6502,7 @@
           <a:p>
             <a:fld id="{DDBFD437-33C7-4B24-B6C7-F91A3EACF5E2}" type="datetimeFigureOut">
               <a:rPr lang="en-GB" smtClean="0"/>
-              <a:t>22/01/2026</a:t>
+              <a:t>23/01/2026</a:t>
             </a:fld>
             <a:endParaRPr lang="en-GB"/>
           </a:p>
@@ -6791,7 +6791,7 @@
           <a:p>
             <a:fld id="{DDBFD437-33C7-4B24-B6C7-F91A3EACF5E2}" type="datetimeFigureOut">
               <a:rPr lang="en-GB" smtClean="0"/>
-              <a:t>22/01/2026</a:t>
+              <a:t>23/01/2026</a:t>
             </a:fld>
             <a:endParaRPr lang="en-GB"/>
           </a:p>
@@ -7034,7 +7034,7 @@
           <a:p>
             <a:fld id="{DDBFD437-33C7-4B24-B6C7-F91A3EACF5E2}" type="datetimeFigureOut">
               <a:rPr lang="en-GB" smtClean="0"/>
-              <a:t>22/01/2026</a:t>
+              <a:t>23/01/2026</a:t>
             </a:fld>
             <a:endParaRPr lang="en-GB"/>
           </a:p>
@@ -8230,7 +8230,7 @@
             <a:pPr lvl="1"/>
             <a:r>
               <a:rPr lang="en-GB" dirty="0"/>
-              <a:t>Seasonal Naive (weekly)</a:t>
+              <a:t>Seasonal Naive (weekly/yearly)</a:t>
             </a:r>
           </a:p>
           <a:p>
@@ -8395,37 +8395,12 @@
           </a:p>
         </p:txBody>
       </p:sp>
-      <p:sp>
-        <p:nvSpPr>
-          <p:cNvPr id="3" name="Marcador de contenido 2">
+      <p:pic>
+        <p:nvPicPr>
+          <p:cNvPr id="4" name="Imagen 3">
             <a:extLst>
               <a:ext uri="{FF2B5EF4-FFF2-40B4-BE49-F238E27FC236}">
-                <a16:creationId xmlns:a16="http://schemas.microsoft.com/office/drawing/2014/main" id="{C27547B5-D0D6-155B-A759-CDB4F197A3FA}"/>
-              </a:ext>
-            </a:extLst>
-          </p:cNvPr>
-          <p:cNvSpPr>
-            <a:spLocks noGrp="1"/>
-          </p:cNvSpPr>
-          <p:nvPr>
-            <p:ph sz="half" idx="1"/>
-          </p:nvPr>
-        </p:nvSpPr>
-        <p:spPr/>
-        <p:txBody>
-          <a:bodyPr/>
-          <a:lstStyle/>
-          <a:p>
-            <a:endParaRPr lang="es-ES"/>
-          </a:p>
-        </p:txBody>
-      </p:sp>
-      <p:pic>
-        <p:nvPicPr>
-          <p:cNvPr id="6" name="Imagen 5">
-            <a:extLst>
-              <a:ext uri="{FF2B5EF4-FFF2-40B4-BE49-F238E27FC236}">
-                <a16:creationId xmlns:a16="http://schemas.microsoft.com/office/drawing/2014/main" id="{ECE25051-D12F-E708-7D26-2504DE0B5993}"/>
+                <a16:creationId xmlns:a16="http://schemas.microsoft.com/office/drawing/2014/main" id="{9CE72137-5E48-A632-A555-22E65D95A8E4}"/>
               </a:ext>
             </a:extLst>
           </p:cNvPr>
@@ -8442,7 +8417,7 @@
         </p:blipFill>
         <p:spPr>
           <a:xfrm>
-            <a:off x="381000" y="1509713"/>
+            <a:off x="457200" y="1690688"/>
             <a:ext cx="11277600" cy="4667250"/>
           </a:xfrm>
           <a:prstGeom prst="rect">
@@ -8534,8 +8509,8 @@
         </p:nvSpPr>
         <p:spPr bwMode="auto">
           <a:xfrm>
-            <a:off x="469231" y="1628809"/>
-            <a:ext cx="9653338" cy="1015663"/>
+            <a:off x="375644" y="1641203"/>
+            <a:ext cx="9653338" cy="1323439"/>
           </a:xfrm>
           <a:prstGeom prst="rect">
             <a:avLst/>
@@ -8600,7 +8575,7 @@
               <a:tabLst/>
             </a:pPr>
             <a:r>
-              <a:rPr kumimoji="0" lang="es-ES" altLang="es-ES" sz="2000" b="0" i="0" u="none" strike="noStrike" cap="none" normalizeH="0" baseline="0" dirty="0">
+              <a:rPr kumimoji="0" lang="es-ES" altLang="es-ES" sz="1600" b="0" i="0" u="none" strike="noStrike" cap="none" normalizeH="0" baseline="0" dirty="0">
                 <a:ln>
                   <a:noFill/>
                 </a:ln>
@@ -8613,7 +8588,7 @@
               <a:t> </a:t>
             </a:r>
             <a:r>
-              <a:rPr kumimoji="0" lang="es-ES" altLang="es-ES" sz="2000" b="0" i="0" u="none" strike="noStrike" cap="none" normalizeH="0" baseline="0" dirty="0" err="1">
+              <a:rPr kumimoji="0" lang="es-ES" altLang="es-ES" sz="1600" b="0" i="0" u="none" strike="noStrike" cap="none" normalizeH="0" baseline="0" dirty="0" err="1">
                 <a:ln>
                   <a:noFill/>
                 </a:ln>
@@ -8626,7 +8601,7 @@
               <a:t>Daily</a:t>
             </a:r>
             <a:r>
-              <a:rPr kumimoji="0" lang="es-ES" altLang="es-ES" sz="2000" b="0" i="0" u="none" strike="noStrike" cap="none" normalizeH="0" baseline="0" dirty="0">
+              <a:rPr kumimoji="0" lang="es-ES" altLang="es-ES" sz="1600" b="0" i="0" u="none" strike="noStrike" cap="none" normalizeH="0" baseline="0" dirty="0">
                 <a:ln>
                   <a:noFill/>
                 </a:ln>
@@ -8639,7 +8614,7 @@
               <a:t> </a:t>
             </a:r>
             <a:r>
-              <a:rPr kumimoji="0" lang="es-ES" altLang="es-ES" sz="2000" b="0" i="0" u="none" strike="noStrike" cap="none" normalizeH="0" baseline="0" dirty="0" err="1">
+              <a:rPr kumimoji="0" lang="es-ES" altLang="es-ES" sz="1600" b="0" i="0" u="none" strike="noStrike" cap="none" normalizeH="0" baseline="0" dirty="0" err="1">
                 <a:ln>
                   <a:noFill/>
                 </a:ln>
@@ -8652,7 +8627,7 @@
               <a:t>generation</a:t>
             </a:r>
             <a:r>
-              <a:rPr kumimoji="0" lang="es-ES" altLang="es-ES" sz="2000" b="0" i="0" u="none" strike="noStrike" cap="none" normalizeH="0" baseline="0" dirty="0">
+              <a:rPr kumimoji="0" lang="es-ES" altLang="es-ES" sz="1600" b="0" i="0" u="none" strike="noStrike" cap="none" normalizeH="0" baseline="0" dirty="0">
                 <a:ln>
                   <a:noFill/>
                 </a:ln>
@@ -8665,7 +8640,7 @@
               <a:t> </a:t>
             </a:r>
             <a:r>
-              <a:rPr kumimoji="0" lang="es-ES" altLang="es-ES" sz="2000" b="0" i="0" u="none" strike="noStrike" cap="none" normalizeH="0" baseline="0" dirty="0" err="1">
+              <a:rPr kumimoji="0" lang="es-ES" altLang="es-ES" sz="1600" b="0" i="0" u="none" strike="noStrike" cap="none" normalizeH="0" baseline="0" dirty="0" err="1">
                 <a:ln>
                   <a:noFill/>
                 </a:ln>
@@ -8678,7 +8653,7 @@
               <a:t>for</a:t>
             </a:r>
             <a:r>
-              <a:rPr kumimoji="0" lang="es-ES" altLang="es-ES" sz="2000" b="0" i="0" u="none" strike="noStrike" cap="none" normalizeH="0" baseline="0" dirty="0">
+              <a:rPr kumimoji="0" lang="es-ES" altLang="es-ES" sz="1600" b="0" i="0" u="none" strike="noStrike" cap="none" normalizeH="0" baseline="0" dirty="0">
                 <a:ln>
                   <a:noFill/>
                 </a:ln>
@@ -8691,7 +8666,7 @@
               <a:t> </a:t>
             </a:r>
             <a:r>
-              <a:rPr kumimoji="0" lang="es-ES" altLang="es-ES" sz="2000" b="0" i="0" u="none" strike="noStrike" cap="none" normalizeH="0" baseline="0" dirty="0" err="1">
+              <a:rPr kumimoji="0" lang="es-ES" altLang="es-ES" sz="1600" b="0" i="0" u="none" strike="noStrike" cap="none" normalizeH="0" baseline="0" dirty="0" err="1">
                 <a:ln>
                   <a:noFill/>
                 </a:ln>
@@ -8704,7 +8679,7 @@
               <a:t>January</a:t>
             </a:r>
             <a:r>
-              <a:rPr kumimoji="0" lang="es-ES" altLang="es-ES" sz="2000" b="0" i="0" u="none" strike="noStrike" cap="none" normalizeH="0" baseline="0" dirty="0">
+              <a:rPr kumimoji="0" lang="es-ES" altLang="es-ES" sz="1600" b="0" i="0" u="none" strike="noStrike" cap="none" normalizeH="0" baseline="0" dirty="0">
                 <a:ln>
                   <a:noFill/>
                 </a:ln>
@@ -8717,7 +8692,7 @@
               <a:t> 2026 </a:t>
             </a:r>
             <a:r>
-              <a:rPr kumimoji="0" lang="es-ES" altLang="es-ES" sz="2000" b="0" i="0" u="none" strike="noStrike" cap="none" normalizeH="0" baseline="0" dirty="0" err="1">
+              <a:rPr kumimoji="0" lang="es-ES" altLang="es-ES" sz="1600" b="0" i="0" u="none" strike="noStrike" cap="none" normalizeH="0" baseline="0" dirty="0" err="1">
                 <a:ln>
                   <a:noFill/>
                 </a:ln>
@@ -8729,7 +8704,7 @@
               </a:rPr>
               <a:t>forecast</a:t>
             </a:r>
-            <a:endParaRPr kumimoji="0" lang="es-ES" altLang="es-ES" sz="2000" b="0" i="0" u="none" strike="noStrike" cap="none" normalizeH="0" baseline="0" dirty="0">
+            <a:endParaRPr kumimoji="0" lang="es-ES" altLang="es-ES" sz="1600" b="0" i="0" u="none" strike="noStrike" cap="none" normalizeH="0" baseline="0" dirty="0">
               <a:ln>
                 <a:noFill/>
               </a:ln>
@@ -8756,7 +8731,7 @@
               <a:buNone/>
               <a:tabLst/>
             </a:pPr>
-            <a:endParaRPr kumimoji="0" lang="es-ES" altLang="es-ES" sz="2000" b="0" i="0" u="none" strike="noStrike" cap="none" normalizeH="0" baseline="0" dirty="0">
+            <a:endParaRPr kumimoji="0" lang="es-ES" altLang="es-ES" sz="1600" b="0" i="0" u="none" strike="noStrike" cap="none" normalizeH="0" baseline="0" dirty="0">
               <a:ln>
                 <a:noFill/>
               </a:ln>
@@ -8785,7 +8760,109 @@
               <a:tabLst/>
             </a:pPr>
             <a:r>
-              <a:rPr kumimoji="0" lang="es-ES" altLang="es-ES" sz="2000" b="0" i="0" u="none" strike="noStrike" cap="none" normalizeH="0" baseline="0" dirty="0">
+              <a:rPr lang="es-ES" altLang="es-ES" sz="1600" dirty="0" err="1">
+                <a:latin typeface="Arial" panose="020B0604020202020204" pitchFamily="34" charset="0"/>
+              </a:rPr>
+              <a:t>Best</a:t>
+            </a:r>
+            <a:r>
+              <a:rPr lang="es-ES" altLang="es-ES" sz="1600" dirty="0">
+                <a:latin typeface="Arial" panose="020B0604020202020204" pitchFamily="34" charset="0"/>
+              </a:rPr>
+              <a:t> </a:t>
+            </a:r>
+            <a:r>
+              <a:rPr lang="es-ES" altLang="es-ES" sz="1600" dirty="0" err="1">
+                <a:latin typeface="Arial" panose="020B0604020202020204" pitchFamily="34" charset="0"/>
+              </a:rPr>
+              <a:t>model</a:t>
+            </a:r>
+            <a:r>
+              <a:rPr lang="es-ES" altLang="es-ES" sz="1600" dirty="0">
+                <a:latin typeface="Arial" panose="020B0604020202020204" pitchFamily="34" charset="0"/>
+              </a:rPr>
+              <a:t> performance in </a:t>
+            </a:r>
+            <a:r>
+              <a:rPr lang="es-ES" altLang="es-ES" sz="1600" dirty="0" err="1">
+                <a:latin typeface="Arial" panose="020B0604020202020204" pitchFamily="34" charset="0"/>
+              </a:rPr>
+              <a:t>Validation</a:t>
+            </a:r>
+            <a:r>
+              <a:rPr lang="es-ES" altLang="es-ES" sz="1600" dirty="0">
+                <a:latin typeface="Arial" panose="020B0604020202020204" pitchFamily="34" charset="0"/>
+              </a:rPr>
+              <a:t> </a:t>
+            </a:r>
+            <a:r>
+              <a:rPr lang="es-ES" altLang="es-ES" sz="1600" dirty="0" err="1">
+                <a:latin typeface="Arial" panose="020B0604020202020204" pitchFamily="34" charset="0"/>
+              </a:rPr>
+              <a:t>by</a:t>
+            </a:r>
+            <a:r>
+              <a:rPr lang="es-ES" altLang="es-ES" sz="1600" dirty="0">
+                <a:latin typeface="Arial" panose="020B0604020202020204" pitchFamily="34" charset="0"/>
+              </a:rPr>
+              <a:t> MAE: Neural </a:t>
+            </a:r>
+            <a:r>
+              <a:rPr lang="es-ES" altLang="es-ES" sz="1600" dirty="0" err="1">
+                <a:latin typeface="Arial" panose="020B0604020202020204" pitchFamily="34" charset="0"/>
+              </a:rPr>
+              <a:t>NLinear</a:t>
+            </a:r>
+            <a:endParaRPr lang="es-ES" altLang="es-ES" sz="1600" dirty="0">
+              <a:latin typeface="Arial" panose="020B0604020202020204" pitchFamily="34" charset="0"/>
+            </a:endParaRPr>
+          </a:p>
+          <a:p>
+            <a:pPr marL="0" marR="0" lvl="0" indent="0" algn="l" defTabSz="914400" rtl="0" eaLnBrk="0" fontAlgn="base" latinLnBrk="0" hangingPunct="0">
+              <a:lnSpc>
+                <a:spcPct val="100000"/>
+              </a:lnSpc>
+              <a:spcBef>
+                <a:spcPct val="0"/>
+              </a:spcBef>
+              <a:spcAft>
+                <a:spcPct val="0"/>
+              </a:spcAft>
+              <a:buClrTx/>
+              <a:buSzTx/>
+              <a:buNone/>
+              <a:tabLst/>
+            </a:pPr>
+            <a:endParaRPr kumimoji="0" lang="es-ES" altLang="es-ES" sz="1600" b="0" i="0" u="none" strike="noStrike" cap="none" normalizeH="0" baseline="0" dirty="0">
+              <a:ln>
+                <a:noFill/>
+              </a:ln>
+              <a:solidFill>
+                <a:schemeClr val="tx1"/>
+              </a:solidFill>
+              <a:effectLst/>
+              <a:latin typeface="Arial" panose="020B0604020202020204" pitchFamily="34" charset="0"/>
+            </a:endParaRPr>
+          </a:p>
+          <a:p>
+            <a:pPr marL="0" marR="0" lvl="0" indent="0" algn="l" defTabSz="914400" rtl="0" eaLnBrk="0" fontAlgn="base" latinLnBrk="0" hangingPunct="0">
+              <a:lnSpc>
+                <a:spcPct val="100000"/>
+              </a:lnSpc>
+              <a:spcBef>
+                <a:spcPct val="0"/>
+              </a:spcBef>
+              <a:spcAft>
+                <a:spcPct val="0"/>
+              </a:spcAft>
+              <a:buClrTx/>
+              <a:buSzTx/>
+              <a:buFontTx/>
+              <a:buChar char="•"/>
+              <a:tabLst/>
+            </a:pPr>
+            <a:r>
+              <a:rPr kumimoji="0" lang="es-ES" altLang="es-ES" sz="1600" b="0" i="0" u="none" strike="noStrike" cap="none" normalizeH="0" baseline="0" dirty="0">
                 <a:ln>
                   <a:noFill/>
                 </a:ln>
@@ -8798,7 +8875,7 @@
               <a:t> Orange line = </a:t>
             </a:r>
             <a:r>
-              <a:rPr kumimoji="0" lang="es-ES" altLang="es-ES" sz="2000" b="0" i="0" u="none" strike="noStrike" cap="none" normalizeH="0" baseline="0" dirty="0" err="1">
+              <a:rPr kumimoji="0" lang="es-ES" altLang="es-ES" sz="1600" b="0" i="0" u="none" strike="noStrike" cap="none" normalizeH="0" baseline="0" dirty="0" err="1">
                 <a:ln>
                   <a:noFill/>
                 </a:ln>
@@ -8811,7 +8888,7 @@
               <a:t>point</a:t>
             </a:r>
             <a:r>
-              <a:rPr kumimoji="0" lang="es-ES" altLang="es-ES" sz="2000" b="0" i="0" u="none" strike="noStrike" cap="none" normalizeH="0" baseline="0" dirty="0">
+              <a:rPr kumimoji="0" lang="es-ES" altLang="es-ES" sz="1600" b="0" i="0" u="none" strike="noStrike" cap="none" normalizeH="0" baseline="0" dirty="0">
                 <a:ln>
                   <a:noFill/>
                 </a:ln>
@@ -8824,7 +8901,7 @@
               <a:t> </a:t>
             </a:r>
             <a:r>
-              <a:rPr kumimoji="0" lang="es-ES" altLang="es-ES" sz="2000" b="0" i="0" u="none" strike="noStrike" cap="none" normalizeH="0" baseline="0" dirty="0" err="1">
+              <a:rPr kumimoji="0" lang="es-ES" altLang="es-ES" sz="1600" b="0" i="0" u="none" strike="noStrike" cap="none" normalizeH="0" baseline="0" dirty="0" err="1">
                 <a:ln>
                   <a:noFill/>
                 </a:ln>
@@ -8837,7 +8914,7 @@
               <a:t>forecast</a:t>
             </a:r>
             <a:r>
-              <a:rPr kumimoji="0" lang="es-ES" altLang="es-ES" sz="2000" b="0" i="0" u="none" strike="noStrike" cap="none" normalizeH="0" baseline="0" dirty="0">
+              <a:rPr kumimoji="0" lang="es-ES" altLang="es-ES" sz="1600" b="0" i="0" u="none" strike="noStrike" cap="none" normalizeH="0" baseline="0" dirty="0">
                 <a:ln>
                   <a:noFill/>
                 </a:ln>
@@ -8850,7 +8927,7 @@
               <a:t> (</a:t>
             </a:r>
             <a:r>
-              <a:rPr kumimoji="0" lang="es-ES" altLang="es-ES" sz="2000" b="0" i="0" u="none" strike="noStrike" cap="none" normalizeH="0" baseline="0" dirty="0" err="1">
+              <a:rPr kumimoji="0" lang="es-ES" altLang="es-ES" sz="1600" b="0" i="0" u="none" strike="noStrike" cap="none" normalizeH="0" baseline="0" dirty="0" err="1">
                 <a:ln>
                   <a:noFill/>
                 </a:ln>
@@ -8863,7 +8940,7 @@
               <a:t>yhat</a:t>
             </a:r>
             <a:r>
-              <a:rPr kumimoji="0" lang="es-ES" altLang="es-ES" sz="2000" b="0" i="0" u="none" strike="noStrike" cap="none" normalizeH="0" baseline="0" dirty="0">
+              <a:rPr kumimoji="0" lang="es-ES" altLang="es-ES" sz="1600" b="0" i="0" u="none" strike="noStrike" cap="none" normalizeH="0" baseline="0" dirty="0">
                 <a:ln>
                   <a:noFill/>
                 </a:ln>
@@ -8880,10 +8957,10 @@
       </p:sp>
       <p:pic>
         <p:nvPicPr>
-          <p:cNvPr id="7" name="Imagen 6">
+          <p:cNvPr id="4" name="Imagen 3">
             <a:extLst>
               <a:ext uri="{FF2B5EF4-FFF2-40B4-BE49-F238E27FC236}">
-                <a16:creationId xmlns:a16="http://schemas.microsoft.com/office/drawing/2014/main" id="{D6FE6BAF-BCCB-416D-9370-D00861747B15}"/>
+                <a16:creationId xmlns:a16="http://schemas.microsoft.com/office/drawing/2014/main" id="{5E83DAE1-1122-FF2A-DA97-CC77F27D9764}"/>
               </a:ext>
             </a:extLst>
           </p:cNvPr>
@@ -8900,8 +8977,8 @@
         </p:blipFill>
         <p:spPr>
           <a:xfrm>
-            <a:off x="2328863" y="2946719"/>
-            <a:ext cx="7534274" cy="3120705"/>
+            <a:off x="2330206" y="3210864"/>
+            <a:ext cx="7531587" cy="3119592"/>
           </a:xfrm>
           <a:prstGeom prst="rect">
             <a:avLst/>
@@ -9009,16 +9086,30 @@
           <a:bodyPr/>
           <a:lstStyle/>
           <a:p>
-            <a:endParaRPr lang="es-ES"/>
+            <a:r>
+              <a:rPr lang="es-ES" sz="2400" b="1" dirty="0" err="1"/>
+              <a:t>Accuracy</a:t>
+            </a:r>
+            <a:r>
+              <a:rPr lang="es-ES" sz="2400" b="1" dirty="0"/>
+              <a:t>: </a:t>
+            </a:r>
+            <a:r>
+              <a:rPr lang="es-ES" sz="2400" dirty="0"/>
+              <a:t>MAE = 100,55 GWh, RMSE = 115,78, MAPE = 12,72%</a:t>
+            </a:r>
+          </a:p>
+          <a:p>
+            <a:endParaRPr lang="es-ES" dirty="0"/>
           </a:p>
         </p:txBody>
       </p:sp>
       <p:pic>
         <p:nvPicPr>
-          <p:cNvPr id="6" name="Imagen 5">
+          <p:cNvPr id="4" name="Imagen 3">
             <a:extLst>
               <a:ext uri="{FF2B5EF4-FFF2-40B4-BE49-F238E27FC236}">
-                <a16:creationId xmlns:a16="http://schemas.microsoft.com/office/drawing/2014/main" id="{C16D59B9-457B-66EB-9E42-D6DC709C71B2}"/>
+                <a16:creationId xmlns:a16="http://schemas.microsoft.com/office/drawing/2014/main" id="{DD8144DE-BA6B-955E-CD81-A2E3E335C177}"/>
               </a:ext>
             </a:extLst>
           </p:cNvPr>
@@ -9035,8 +9126,8 @@
         </p:blipFill>
         <p:spPr>
           <a:xfrm>
-            <a:off x="694294" y="1862547"/>
-            <a:ext cx="10803412" cy="4277493"/>
+            <a:off x="573541" y="2360921"/>
+            <a:ext cx="10780259" cy="4268326"/>
           </a:xfrm>
           <a:prstGeom prst="rect">
             <a:avLst/>
@@ -9315,142 +9406,7 @@
             </a:lvl9pPr>
           </a:lstStyle>
           <a:p>
-            <a:r>
-              <a:rPr lang="es-ES" sz="2000" b="1" dirty="0"/>
-              <a:t>Final </a:t>
-            </a:r>
-            <a:r>
-              <a:rPr lang="es-ES" sz="2000" b="1" dirty="0" err="1"/>
-              <a:t>model</a:t>
-            </a:r>
-            <a:r>
-              <a:rPr lang="es-ES" sz="2000" b="1" dirty="0"/>
-              <a:t> </a:t>
-            </a:r>
-            <a:r>
-              <a:rPr lang="es-ES" sz="2000" b="1" dirty="0" err="1"/>
-              <a:t>used</a:t>
-            </a:r>
-            <a:r>
-              <a:rPr lang="es-ES" sz="2000" b="1" dirty="0"/>
-              <a:t> </a:t>
-            </a:r>
-            <a:r>
-              <a:rPr lang="es-ES" sz="2000" b="1" dirty="0" err="1"/>
-              <a:t>for</a:t>
-            </a:r>
-            <a:r>
-              <a:rPr lang="es-ES" sz="2000" b="1" dirty="0"/>
-              <a:t> </a:t>
-            </a:r>
-            <a:r>
-              <a:rPr lang="es-ES" sz="2000" b="1" dirty="0" err="1"/>
-              <a:t>the</a:t>
-            </a:r>
-            <a:r>
-              <a:rPr lang="es-ES" sz="2000" b="1" dirty="0"/>
-              <a:t> </a:t>
-            </a:r>
-            <a:r>
-              <a:rPr lang="es-ES" sz="2000" b="1" dirty="0" err="1"/>
-              <a:t>forecast</a:t>
-            </a:r>
-            <a:r>
-              <a:rPr lang="es-ES" sz="2000" b="1" dirty="0"/>
-              <a:t> </a:t>
-            </a:r>
-            <a:r>
-              <a:rPr lang="es-ES" sz="2000" dirty="0">
-                <a:sym typeface="Wingdings" panose="05000000000000000000" pitchFamily="2" charset="2"/>
-              </a:rPr>
-              <a:t></a:t>
-            </a:r>
-            <a:r>
-              <a:rPr lang="es-ES" sz="2000" b="1" dirty="0" err="1"/>
-              <a:t>RandomForestRegressor</a:t>
-            </a:r>
-            <a:r>
-              <a:rPr lang="es-ES" sz="2000" b="1" dirty="0"/>
-              <a:t>(</a:t>
-            </a:r>
-            <a:r>
-              <a:rPr lang="es-ES" sz="2000" b="1" dirty="0" err="1"/>
-              <a:t>lags</a:t>
-            </a:r>
-            <a:r>
-              <a:rPr lang="es-ES" sz="2000" b="1" dirty="0"/>
-              <a:t>) </a:t>
-            </a:r>
-            <a:r>
-              <a:rPr lang="es-ES" sz="2000" dirty="0" err="1"/>
-              <a:t>selected</a:t>
-            </a:r>
-            <a:r>
-              <a:rPr lang="es-ES" sz="2000" dirty="0"/>
-              <a:t> as </a:t>
-            </a:r>
-            <a:r>
-              <a:rPr lang="es-ES" sz="2000" dirty="0" err="1"/>
-              <a:t>best</a:t>
-            </a:r>
-            <a:r>
-              <a:rPr lang="es-ES" sz="2000" dirty="0"/>
-              <a:t> </a:t>
-            </a:r>
-            <a:r>
-              <a:rPr lang="es-ES" sz="2000" dirty="0" err="1"/>
-              <a:t>overall</a:t>
-            </a:r>
-            <a:r>
-              <a:rPr lang="es-ES" sz="2000" dirty="0"/>
-              <a:t> </a:t>
-            </a:r>
-            <a:r>
-              <a:rPr lang="es-ES" sz="2000" dirty="0" err="1"/>
-              <a:t>by</a:t>
-            </a:r>
-            <a:r>
-              <a:rPr lang="es-ES" sz="2000" dirty="0"/>
-              <a:t> </a:t>
-            </a:r>
-            <a:r>
-              <a:rPr lang="es-ES" sz="2000" dirty="0" err="1"/>
-              <a:t>Validation</a:t>
-            </a:r>
-            <a:r>
-              <a:rPr lang="es-ES" sz="2000" dirty="0"/>
-              <a:t> MAE </a:t>
-            </a:r>
-            <a:r>
-              <a:rPr lang="es-ES" sz="2000" dirty="0" err="1"/>
-              <a:t>across</a:t>
-            </a:r>
-            <a:r>
-              <a:rPr lang="es-ES" sz="2000" dirty="0"/>
-              <a:t> 7 </a:t>
-            </a:r>
-            <a:r>
-              <a:rPr lang="es-ES" sz="2000" dirty="0" err="1"/>
-              <a:t>technologies</a:t>
-            </a:r>
-            <a:r>
-              <a:rPr lang="es-ES" sz="2000" dirty="0"/>
-              <a:t>)</a:t>
-            </a:r>
-          </a:p>
-          <a:p>
-            <a:r>
-              <a:rPr lang="es-ES" sz="2000" b="1" dirty="0" err="1"/>
-              <a:t>Accuracy</a:t>
-            </a:r>
-            <a:r>
-              <a:rPr lang="es-ES" sz="2000" b="1" dirty="0"/>
-              <a:t>: </a:t>
-            </a:r>
-            <a:r>
-              <a:rPr lang="es-ES" sz="2000" dirty="0"/>
-              <a:t>MAE = 94,64 GWh, MAPE = 11,91%</a:t>
-            </a:r>
+            <a:endParaRPr lang="es-ES" sz="2000" b="1" dirty="0"/>
           </a:p>
           <a:p>
             <a:r>
@@ -10252,16 +10208,14 @@
               <a:rPr lang="en-GB" sz="2000" dirty="0">
                 <a:sym typeface="Wingdings" panose="05000000000000000000" pitchFamily="2" charset="2"/>
               </a:rPr>
-              <a:t>Evaluation and model selection (metrics + plots)</a:t>
+              <a:t>Problem description (what we want to predict and why it matters)</a:t>
             </a:r>
           </a:p>
           <a:p>
             <a:pPr lvl="1"/>
             <a:r>
-              <a:rPr lang="en-GB" sz="2000" dirty="0">
-                <a:sym typeface="Wingdings" panose="05000000000000000000" pitchFamily="2" charset="2"/>
-              </a:rPr>
-              <a:t>Problem description (what we want to predict and why it matters)</a:t>
+              <a:rPr lang="en-GB" sz="2000" dirty="0"/>
+              <a:t>Results interpretation</a:t>
             </a:r>
           </a:p>
           <a:p>
@@ -10349,6 +10303,16 @@
           <a:p>
             <a:pPr lvl="1"/>
             <a:r>
+              <a:rPr lang="en-GB" sz="2000" dirty="0">
+                <a:sym typeface="Wingdings" panose="05000000000000000000" pitchFamily="2" charset="2"/>
+              </a:rPr>
+              <a:t>Evaluation and model selection (metrics + plots)</a:t>
+            </a:r>
+            <a:endParaRPr lang="en-GB" sz="2000" dirty="0"/>
+          </a:p>
+          <a:p>
+            <a:pPr lvl="1"/>
+            <a:r>
               <a:rPr lang="en-GB" sz="2000" dirty="0"/>
               <a:t>Final forecasts export (Jan 2026 CSV/Parquet)</a:t>
             </a:r>
@@ -10357,22 +10321,7 @@
             <a:pPr lvl="1"/>
             <a:r>
               <a:rPr lang="en-GB" sz="2000" dirty="0"/>
-              <a:t>Data </a:t>
-            </a:r>
-            <a:r>
-              <a:rPr lang="en-GB" sz="2000" dirty="0" err="1"/>
-              <a:t>exporation</a:t>
-            </a:r>
-            <a:r>
-              <a:rPr lang="en-GB" sz="2000" dirty="0"/>
-              <a:t> and  insights</a:t>
-            </a:r>
-          </a:p>
-          <a:p>
-            <a:pPr lvl="1"/>
-            <a:r>
-              <a:rPr lang="en-GB" sz="2000" dirty="0"/>
-              <a:t>Results interpretation</a:t>
+              <a:t>Data exploration and  insights</a:t>
             </a:r>
           </a:p>
           <a:p>
@@ -10836,7 +10785,7 @@
             </a:pPr>
             <a:r>
               <a:rPr lang="en-US" sz="1400" dirty="0"/>
-              <a:t>Electricity generation in Spain is highly variable due to weather conditions, demand fluctuations, and seasonal patterns. This variability introduces uncertainty in grid operation, generation planning, and energy market decisions.</a:t>
+              <a:t>Electricity generation in Spain is highly variable due to weather conditions, demand fluctuations, and seasonal patterns. This variability introduces uncertainty in for example generation planning, energy market decisions,…</a:t>
             </a:r>
           </a:p>
           <a:p>
@@ -13997,7 +13946,7 @@
             <p:ph sz="half" idx="2"/>
             <p:extLst>
               <p:ext uri="{D42A27DB-BD31-4B8C-83A1-F6EECF244321}">
-                <p14:modId xmlns:p14="http://schemas.microsoft.com/office/powerpoint/2010/main" val="3586615231"/>
+                <p14:modId xmlns:p14="http://schemas.microsoft.com/office/powerpoint/2010/main" val="2255938279"/>
               </p:ext>
             </p:extLst>
           </p:nvPr>
@@ -14121,23 +14070,7 @@
                             <a:schemeClr val="tx1"/>
                           </a:solidFill>
                         </a:rPr>
-                        <a:t> </a:t>
-                      </a:r>
-                      <a:r>
-                        <a:rPr lang="es-ES" sz="1800" cap="none" spc="0" dirty="0" err="1">
-                          <a:solidFill>
-                            <a:schemeClr val="tx1"/>
-                          </a:solidFill>
-                        </a:rPr>
-                        <a:t>Electic</a:t>
-                      </a:r>
-                      <a:r>
-                        <a:rPr lang="es-ES" sz="1800" cap="none" spc="0" dirty="0">
-                          <a:solidFill>
-                            <a:schemeClr val="tx1"/>
-                          </a:solidFill>
-                        </a:rPr>
-                        <a:t> Network (REE)</a:t>
+                        <a:t> Electric Network (REE)</a:t>
                       </a:r>
                     </a:p>
                   </a:txBody>
@@ -15695,7 +15628,7 @@
             </a:r>
             <a:r>
               <a:rPr lang="en-GB" dirty="0"/>
-              <a:t>clean panel data, full daily grid, missing values handled </a:t>
+              <a:t>clean panel data, missing values handled </a:t>
             </a:r>
           </a:p>
           <a:p>
@@ -16217,7 +16150,7 @@
             </a:pPr>
             <a:r>
               <a:rPr lang="en-GB" sz="2000" dirty="0"/>
-              <a:t>We convert to long format: (</a:t>
+              <a:t>Convert to long format: (</a:t>
             </a:r>
             <a:r>
               <a:rPr lang="en-GB" sz="2000" dirty="0" err="1"/>
@@ -16234,7 +16167,7 @@
             </a:pPr>
             <a:r>
               <a:rPr lang="en-GB" sz="2000" dirty="0"/>
-              <a:t>We clean dates and numeric values (missing values)</a:t>
+              <a:t>Clean dates</a:t>
             </a:r>
           </a:p>
           <a:p>
@@ -16243,7 +16176,7 @@
             </a:pPr>
             <a:r>
               <a:rPr lang="en-GB" sz="2000" dirty="0"/>
-              <a:t>We remove “Generación total” and keep Top-7 technologies (by mean generation)</a:t>
+              <a:t>Keep top-7 technologies (by mean generation)</a:t>
             </a:r>
           </a:p>
           <a:p>
@@ -16252,7 +16185,7 @@
             </a:pPr>
             <a:r>
               <a:rPr lang="en-GB" sz="2000" dirty="0"/>
-              <a:t>We build a complete daily calendar for each technology</a:t>
+              <a:t>Build a complete daily calendar for each technology</a:t>
             </a:r>
           </a:p>
           <a:p>
@@ -16261,7 +16194,7 @@
             </a:pPr>
             <a:r>
               <a:rPr lang="en-GB" sz="2000" dirty="0"/>
-              <a:t>We fill missing days (forward/backward fill) and the negatives values to 0</a:t>
+              <a:t>Fill missing days (forward/backward fill) and the negatives values to 0</a:t>
             </a:r>
           </a:p>
           <a:p>
@@ -16975,23 +16908,6 @@
               <a:t>covid, blackout </a:t>
             </a:r>
             <a:endParaRPr lang="en-US" sz="1600" b="1" dirty="0"/>
-          </a:p>
-          <a:p>
-            <a:r>
-              <a:rPr lang="en-US" sz="1600" b="1" dirty="0"/>
-              <a:t>Why it matters:</a:t>
-            </a:r>
-            <a:r>
-              <a:rPr lang="en-US" sz="1600" dirty="0"/>
-              <a:t> our models must handle volatility + rare shocks </a:t>
-            </a:r>
-            <a:r>
-              <a:rPr lang="en-US" sz="1600" dirty="0">
-                <a:sym typeface="Wingdings" panose="05000000000000000000" pitchFamily="2" charset="2"/>
-              </a:rPr>
-              <a:t> we report prediction intervals</a:t>
-            </a:r>
-            <a:endParaRPr lang="en-US" sz="1600" dirty="0"/>
           </a:p>
         </p:txBody>
       </p:sp>
